--- a/ppt_bao_ve.pptx
+++ b/ppt_bao_ve.pptx
@@ -5,7 +5,7 @@
     <p:sldMasterId id="2147483648" r:id="rId1"/>
   </p:sldMasterIdLst>
   <p:notesMasterIdLst>
-    <p:notesMasterId r:id="rId10"/>
+    <p:notesMasterId r:id="rId11"/>
   </p:notesMasterIdLst>
   <p:sldIdLst>
     <p:sldId id="256" r:id="rId2"/>
@@ -13,12 +13,22 @@
     <p:sldId id="269" r:id="rId4"/>
     <p:sldId id="270" r:id="rId5"/>
     <p:sldId id="272" r:id="rId6"/>
-    <p:sldId id="271" r:id="rId7"/>
-    <p:sldId id="273" r:id="rId8"/>
-    <p:sldId id="268" r:id="rId9"/>
+    <p:sldId id="274" r:id="rId7"/>
+    <p:sldId id="271" r:id="rId8"/>
+    <p:sldId id="273" r:id="rId9"/>
+    <p:sldId id="268" r:id="rId10"/>
   </p:sldIdLst>
   <p:sldSz cx="18288000" cy="10287000"/>
   <p:notesSz cx="6858000" cy="9144000"/>
+  <p:embeddedFontLst>
+    <p:embeddedFont>
+      <p:font typeface="Constantia" panose="02030602050306030303" pitchFamily="18" charset="0"/>
+      <p:regular r:id="rId12"/>
+      <p:bold r:id="rId13"/>
+      <p:italic r:id="rId14"/>
+      <p:boldItalic r:id="rId15"/>
+    </p:embeddedFont>
+  </p:embeddedFontLst>
   <p:defaultTextStyle>
     <a:defPPr>
       <a:defRPr lang="en-US"/>
@@ -227,7 +237,7 @@
           <a:p>
             <a:fld id="{A4A7FC2B-E70D-4068-AA0D-3CA7B25A81C6}" type="datetimeFigureOut">
               <a:rPr lang="en-US" smtClean="0"/>
-              <a:t>6/6/2025</a:t>
+              <a:t>6/12/2025</a:t>
             </a:fld>
             <a:endParaRPr lang="en-US"/>
           </a:p>
@@ -674,7 +684,7 @@
             <a:fld id="{1D8BD707-D9CF-40AE-B4C6-C98DA3205C09}" type="datetimeFigureOut">
               <a:rPr lang="en-US" smtClean="0"/>
               <a:pPr/>
-              <a:t>6/6/2025</a:t>
+              <a:t>6/12/2025</a:t>
             </a:fld>
             <a:endParaRPr lang="en-US"/>
           </a:p>
@@ -839,7 +849,7 @@
             <a:fld id="{1D8BD707-D9CF-40AE-B4C6-C98DA3205C09}" type="datetimeFigureOut">
               <a:rPr lang="en-US" smtClean="0"/>
               <a:pPr/>
-              <a:t>6/6/2025</a:t>
+              <a:t>6/12/2025</a:t>
             </a:fld>
             <a:endParaRPr lang="en-US"/>
           </a:p>
@@ -1014,7 +1024,7 @@
             <a:fld id="{1D8BD707-D9CF-40AE-B4C6-C98DA3205C09}" type="datetimeFigureOut">
               <a:rPr lang="en-US" smtClean="0"/>
               <a:pPr/>
-              <a:t>6/6/2025</a:t>
+              <a:t>6/12/2025</a:t>
             </a:fld>
             <a:endParaRPr lang="en-US"/>
           </a:p>
@@ -1179,7 +1189,7 @@
             <a:fld id="{1D8BD707-D9CF-40AE-B4C6-C98DA3205C09}" type="datetimeFigureOut">
               <a:rPr lang="en-US" smtClean="0"/>
               <a:pPr/>
-              <a:t>6/6/2025</a:t>
+              <a:t>6/12/2025</a:t>
             </a:fld>
             <a:endParaRPr lang="en-US"/>
           </a:p>
@@ -1421,7 +1431,7 @@
             <a:fld id="{1D8BD707-D9CF-40AE-B4C6-C98DA3205C09}" type="datetimeFigureOut">
               <a:rPr lang="en-US" smtClean="0"/>
               <a:pPr/>
-              <a:t>6/6/2025</a:t>
+              <a:t>6/12/2025</a:t>
             </a:fld>
             <a:endParaRPr lang="en-US"/>
           </a:p>
@@ -1703,7 +1713,7 @@
             <a:fld id="{1D8BD707-D9CF-40AE-B4C6-C98DA3205C09}" type="datetimeFigureOut">
               <a:rPr lang="en-US" smtClean="0"/>
               <a:pPr/>
-              <a:t>6/6/2025</a:t>
+              <a:t>6/12/2025</a:t>
             </a:fld>
             <a:endParaRPr lang="en-US"/>
           </a:p>
@@ -2119,7 +2129,7 @@
             <a:fld id="{1D8BD707-D9CF-40AE-B4C6-C98DA3205C09}" type="datetimeFigureOut">
               <a:rPr lang="en-US" smtClean="0"/>
               <a:pPr/>
-              <a:t>6/6/2025</a:t>
+              <a:t>6/12/2025</a:t>
             </a:fld>
             <a:endParaRPr lang="en-US"/>
           </a:p>
@@ -2233,7 +2243,7 @@
             <a:fld id="{1D8BD707-D9CF-40AE-B4C6-C98DA3205C09}" type="datetimeFigureOut">
               <a:rPr lang="en-US" smtClean="0"/>
               <a:pPr/>
-              <a:t>6/6/2025</a:t>
+              <a:t>6/12/2025</a:t>
             </a:fld>
             <a:endParaRPr lang="en-US"/>
           </a:p>
@@ -2325,7 +2335,7 @@
             <a:fld id="{1D8BD707-D9CF-40AE-B4C6-C98DA3205C09}" type="datetimeFigureOut">
               <a:rPr lang="en-US" smtClean="0"/>
               <a:pPr/>
-              <a:t>6/6/2025</a:t>
+              <a:t>6/12/2025</a:t>
             </a:fld>
             <a:endParaRPr lang="en-US"/>
           </a:p>
@@ -2597,7 +2607,7 @@
             <a:fld id="{1D8BD707-D9CF-40AE-B4C6-C98DA3205C09}" type="datetimeFigureOut">
               <a:rPr lang="en-US" smtClean="0"/>
               <a:pPr/>
-              <a:t>6/6/2025</a:t>
+              <a:t>6/12/2025</a:t>
             </a:fld>
             <a:endParaRPr lang="en-US"/>
           </a:p>
@@ -2846,7 +2856,7 @@
             <a:fld id="{1D8BD707-D9CF-40AE-B4C6-C98DA3205C09}" type="datetimeFigureOut">
               <a:rPr lang="en-US" smtClean="0"/>
               <a:pPr/>
-              <a:t>6/6/2025</a:t>
+              <a:t>6/12/2025</a:t>
             </a:fld>
             <a:endParaRPr lang="en-US"/>
           </a:p>
@@ -3054,7 +3064,7 @@
             <a:fld id="{1D8BD707-D9CF-40AE-B4C6-C98DA3205C09}" type="datetimeFigureOut">
               <a:rPr lang="en-US" smtClean="0"/>
               <a:pPr/>
-              <a:t>6/6/2025</a:t>
+              <a:t>6/12/2025</a:t>
             </a:fld>
             <a:endParaRPr lang="en-US"/>
           </a:p>
@@ -4421,7 +4431,7 @@
         </p:nvGrpSpPr>
         <p:grpSpPr>
           <a:xfrm>
-            <a:off x="1401010" y="2552700"/>
+            <a:off x="1391178" y="2552700"/>
             <a:ext cx="9677400" cy="769441"/>
             <a:chOff x="3534394" y="5526863"/>
             <a:chExt cx="9677400" cy="769441"/>
@@ -4674,7 +4684,7 @@
         </p:nvGrpSpPr>
         <p:grpSpPr>
           <a:xfrm>
-            <a:off x="1401010" y="4819682"/>
+            <a:off x="1391178" y="4905850"/>
             <a:ext cx="9677400" cy="769441"/>
             <a:chOff x="3534394" y="5526863"/>
             <a:chExt cx="9677400" cy="769441"/>
@@ -4900,7 +4910,7 @@
         </p:nvGrpSpPr>
         <p:grpSpPr>
           <a:xfrm>
-            <a:off x="1401010" y="3686191"/>
+            <a:off x="1391178" y="3729275"/>
             <a:ext cx="9677400" cy="769441"/>
             <a:chOff x="3534394" y="5526863"/>
             <a:chExt cx="9677400" cy="769441"/>
@@ -5088,6 +5098,184 @@
           </p:txBody>
         </p:sp>
       </p:grpSp>
+      <p:grpSp>
+        <p:nvGrpSpPr>
+          <p:cNvPr id="10" name="Group 9">
+            <a:extLst>
+              <a:ext uri="{FF2B5EF4-FFF2-40B4-BE49-F238E27FC236}">
+                <a16:creationId xmlns:a16="http://schemas.microsoft.com/office/drawing/2014/main" id="{80B689D4-3DBB-5B0E-22AD-B676CC87E909}"/>
+              </a:ext>
+            </a:extLst>
+          </p:cNvPr>
+          <p:cNvGrpSpPr/>
+          <p:nvPr/>
+        </p:nvGrpSpPr>
+        <p:grpSpPr>
+          <a:xfrm>
+            <a:off x="1391178" y="6082426"/>
+            <a:ext cx="9677400" cy="769441"/>
+            <a:chOff x="3534394" y="5526863"/>
+            <a:chExt cx="9677400" cy="769441"/>
+          </a:xfrm>
+        </p:grpSpPr>
+        <p:sp>
+          <p:nvSpPr>
+            <p:cNvPr id="12" name="Freeform 9">
+              <a:extLst>
+                <a:ext uri="{FF2B5EF4-FFF2-40B4-BE49-F238E27FC236}">
+                  <a16:creationId xmlns:a16="http://schemas.microsoft.com/office/drawing/2014/main" id="{4B87E837-7717-8573-4B54-C3DEC628ADD8}"/>
+                </a:ext>
+              </a:extLst>
+            </p:cNvPr>
+            <p:cNvSpPr/>
+            <p:nvPr/>
+          </p:nvSpPr>
+          <p:spPr>
+            <a:xfrm rot="5400000">
+              <a:off x="3505596" y="5684914"/>
+              <a:ext cx="510937" cy="453341"/>
+            </a:xfrm>
+            <a:custGeom>
+              <a:avLst/>
+              <a:gdLst/>
+              <a:ahLst/>
+              <a:cxnLst/>
+              <a:rect l="l" t="t" r="r" b="b"/>
+              <a:pathLst>
+                <a:path w="510937" h="453341">
+                  <a:moveTo>
+                    <a:pt x="0" y="0"/>
+                  </a:moveTo>
+                  <a:lnTo>
+                    <a:pt x="510937" y="0"/>
+                  </a:lnTo>
+                  <a:lnTo>
+                    <a:pt x="510937" y="453341"/>
+                  </a:lnTo>
+                  <a:lnTo>
+                    <a:pt x="0" y="453341"/>
+                  </a:lnTo>
+                  <a:lnTo>
+                    <a:pt x="0" y="0"/>
+                  </a:lnTo>
+                  <a:close/>
+                </a:path>
+              </a:pathLst>
+            </a:custGeom>
+            <a:blipFill>
+              <a:blip r:embed="rId2">
+                <a:extLst>
+                  <a:ext uri="{96DAC541-7B7A-43D3-8B79-37D633B846F1}">
+                    <asvg:svgBlip xmlns:asvg="http://schemas.microsoft.com/office/drawing/2016/SVG/main" r:embed="rId3"/>
+                  </a:ext>
+                </a:extLst>
+              </a:blip>
+              <a:stretch>
+                <a:fillRect/>
+              </a:stretch>
+            </a:blipFill>
+          </p:spPr>
+          <p:txBody>
+            <a:bodyPr/>
+            <a:lstStyle/>
+            <a:p>
+              <a:endParaRPr lang="en-US" dirty="0"/>
+            </a:p>
+          </p:txBody>
+        </p:sp>
+        <p:sp>
+          <p:nvSpPr>
+            <p:cNvPr id="13" name="TextBox 11">
+              <a:extLst>
+                <a:ext uri="{FF2B5EF4-FFF2-40B4-BE49-F238E27FC236}">
+                  <a16:creationId xmlns:a16="http://schemas.microsoft.com/office/drawing/2014/main" id="{0E7C39A9-78DE-D524-3323-8D2A85699D86}"/>
+                </a:ext>
+              </a:extLst>
+            </p:cNvPr>
+            <p:cNvSpPr txBox="1"/>
+            <p:nvPr/>
+          </p:nvSpPr>
+          <p:spPr>
+            <a:xfrm>
+              <a:off x="4143994" y="5526863"/>
+              <a:ext cx="9067800" cy="769441"/>
+            </a:xfrm>
+            <a:prstGeom prst="rect">
+              <a:avLst/>
+            </a:prstGeom>
+          </p:spPr>
+          <p:txBody>
+            <a:bodyPr wrap="square" lIns="0" tIns="0" rIns="0" bIns="0" rtlCol="0" anchor="t">
+              <a:spAutoFit/>
+            </a:bodyPr>
+            <a:lstStyle/>
+            <a:p>
+              <a:pPr algn="l">
+                <a:spcBef>
+                  <a:spcPct val="0"/>
+                </a:spcBef>
+              </a:pPr>
+              <a:r>
+                <a:rPr lang="en-US" sz="5000" spc="-57" dirty="0">
+                  <a:solidFill>
+                    <a:srgbClr val="051D40"/>
+                  </a:solidFill>
+                  <a:latin typeface="Arial" panose="020B0604020202020204" pitchFamily="34" charset="0"/>
+                  <a:ea typeface="Poppins"/>
+                  <a:cs typeface="Arial" panose="020B0604020202020204" pitchFamily="34" charset="0"/>
+                  <a:sym typeface="Poppins"/>
+                </a:rPr>
+                <a:t>4. Demo </a:t>
+              </a:r>
+              <a:r>
+                <a:rPr lang="en-US" sz="5000" spc="-57" dirty="0" err="1">
+                  <a:solidFill>
+                    <a:srgbClr val="051D40"/>
+                  </a:solidFill>
+                  <a:latin typeface="Arial" panose="020B0604020202020204" pitchFamily="34" charset="0"/>
+                  <a:ea typeface="Poppins"/>
+                  <a:cs typeface="Arial" panose="020B0604020202020204" pitchFamily="34" charset="0"/>
+                  <a:sym typeface="Poppins"/>
+                </a:rPr>
+                <a:t>chương</a:t>
+              </a:r>
+              <a:r>
+                <a:rPr lang="en-US" sz="5000" spc="-57" dirty="0">
+                  <a:solidFill>
+                    <a:srgbClr val="051D40"/>
+                  </a:solidFill>
+                  <a:latin typeface="Arial" panose="020B0604020202020204" pitchFamily="34" charset="0"/>
+                  <a:ea typeface="Poppins"/>
+                  <a:cs typeface="Arial" panose="020B0604020202020204" pitchFamily="34" charset="0"/>
+                  <a:sym typeface="Poppins"/>
+                </a:rPr>
+                <a:t> </a:t>
+              </a:r>
+              <a:r>
+                <a:rPr lang="en-US" sz="5000" spc="-57" dirty="0" err="1">
+                  <a:solidFill>
+                    <a:srgbClr val="051D40"/>
+                  </a:solidFill>
+                  <a:latin typeface="Arial" panose="020B0604020202020204" pitchFamily="34" charset="0"/>
+                  <a:ea typeface="Poppins"/>
+                  <a:cs typeface="Arial" panose="020B0604020202020204" pitchFamily="34" charset="0"/>
+                  <a:sym typeface="Poppins"/>
+                </a:rPr>
+                <a:t>trình</a:t>
+              </a:r>
+              <a:endParaRPr lang="en-US" sz="5000" spc="-57" dirty="0">
+                <a:solidFill>
+                  <a:srgbClr val="051D40"/>
+                </a:solidFill>
+                <a:latin typeface="Arial" panose="020B0604020202020204" pitchFamily="34" charset="0"/>
+                <a:ea typeface="Poppins"/>
+                <a:cs typeface="Arial" panose="020B0604020202020204" pitchFamily="34" charset="0"/>
+                <a:sym typeface="Poppins"/>
+              </a:endParaRPr>
+            </a:p>
+          </p:txBody>
+        </p:sp>
+      </p:grpSp>
     </p:spTree>
   </p:cSld>
   <p:clrMapOvr>
@@ -5211,124 +5399,6 @@
               <a:extLst>
                 <a:ext uri="{FF2B5EF4-FFF2-40B4-BE49-F238E27FC236}">
                   <a16:creationId xmlns:a16="http://schemas.microsoft.com/office/drawing/2014/main" id="{A125F7AC-67C7-FA2F-A700-CA3853364E07}"/>
-                </a:ext>
-              </a:extLst>
-            </p:cNvPr>
-            <p:cNvSpPr txBox="1"/>
-            <p:nvPr/>
-          </p:nvSpPr>
-          <p:spPr>
-            <a:xfrm>
-              <a:off x="76200" y="38100"/>
-              <a:ext cx="660400" cy="698500"/>
-            </a:xfrm>
-            <a:prstGeom prst="rect">
-              <a:avLst/>
-            </a:prstGeom>
-          </p:spPr>
-          <p:txBody>
-            <a:bodyPr lIns="50800" tIns="50800" rIns="50800" bIns="50800" rtlCol="0" anchor="ctr"/>
-            <a:lstStyle/>
-            <a:p>
-              <a:pPr algn="ctr">
-                <a:lnSpc>
-                  <a:spcPts val="2659"/>
-                </a:lnSpc>
-                <a:spcBef>
-                  <a:spcPct val="0"/>
-                </a:spcBef>
-              </a:pPr>
-              <a:endParaRPr>
-                <a:latin typeface="Arial" panose="020B0604020202020204" pitchFamily="34" charset="0"/>
-                <a:cs typeface="Arial" panose="020B0604020202020204" pitchFamily="34" charset="0"/>
-              </a:endParaRPr>
-            </a:p>
-          </p:txBody>
-        </p:sp>
-      </p:grpSp>
-      <p:grpSp>
-        <p:nvGrpSpPr>
-          <p:cNvPr id="16" name="Group 10">
-            <a:extLst>
-              <a:ext uri="{FF2B5EF4-FFF2-40B4-BE49-F238E27FC236}">
-                <a16:creationId xmlns:a16="http://schemas.microsoft.com/office/drawing/2014/main" id="{2D8959DE-40E3-146A-89A1-8DCA6FFB44A3}"/>
-              </a:ext>
-            </a:extLst>
-          </p:cNvPr>
-          <p:cNvGrpSpPr/>
-          <p:nvPr/>
-        </p:nvGrpSpPr>
-        <p:grpSpPr>
-          <a:xfrm>
-            <a:off x="17449800" y="9643525"/>
-            <a:ext cx="1286950" cy="1286950"/>
-            <a:chOff x="0" y="0"/>
-            <a:chExt cx="812800" cy="812800"/>
-          </a:xfrm>
-        </p:grpSpPr>
-        <p:sp>
-          <p:nvSpPr>
-            <p:cNvPr id="17" name="Freeform 11">
-              <a:extLst>
-                <a:ext uri="{FF2B5EF4-FFF2-40B4-BE49-F238E27FC236}">
-                  <a16:creationId xmlns:a16="http://schemas.microsoft.com/office/drawing/2014/main" id="{52D0EBA3-157D-326E-E2F5-FFBC9BF45B1C}"/>
-                </a:ext>
-              </a:extLst>
-            </p:cNvPr>
-            <p:cNvSpPr/>
-            <p:nvPr/>
-          </p:nvSpPr>
-          <p:spPr>
-            <a:xfrm>
-              <a:off x="0" y="0"/>
-              <a:ext cx="812800" cy="812800"/>
-            </a:xfrm>
-            <a:custGeom>
-              <a:avLst/>
-              <a:gdLst/>
-              <a:ahLst/>
-              <a:cxnLst/>
-              <a:rect l="l" t="t" r="r" b="b"/>
-              <a:pathLst>
-                <a:path w="812800" h="812800">
-                  <a:moveTo>
-                    <a:pt x="406400" y="0"/>
-                  </a:moveTo>
-                  <a:cubicBezTo>
-                    <a:pt x="181951" y="0"/>
-                    <a:pt x="0" y="181951"/>
-                    <a:pt x="0" y="406400"/>
-                  </a:cubicBezTo>
-                  <a:cubicBezTo>
-                    <a:pt x="0" y="630849"/>
-                    <a:pt x="181951" y="812800"/>
-                    <a:pt x="406400" y="812800"/>
-                  </a:cubicBezTo>
-                  <a:cubicBezTo>
-                    <a:pt x="630849" y="812800"/>
-                    <a:pt x="812800" y="630849"/>
-                    <a:pt x="812800" y="406400"/>
-                  </a:cubicBezTo>
-                  <a:cubicBezTo>
-                    <a:pt x="812800" y="181951"/>
-                    <a:pt x="630849" y="0"/>
-                    <a:pt x="406400" y="0"/>
-                  </a:cubicBezTo>
-                  <a:close/>
-                </a:path>
-              </a:pathLst>
-            </a:custGeom>
-            <a:solidFill>
-              <a:srgbClr val="145DA0"/>
-            </a:solidFill>
-          </p:spPr>
-        </p:sp>
-        <p:sp>
-          <p:nvSpPr>
-            <p:cNvPr id="18" name="TextBox 12">
-              <a:extLst>
-                <a:ext uri="{FF2B5EF4-FFF2-40B4-BE49-F238E27FC236}">
-                  <a16:creationId xmlns:a16="http://schemas.microsoft.com/office/drawing/2014/main" id="{BD7022A2-ACC9-D4D4-9EB8-1EF39B1A9D67}"/>
                 </a:ext>
               </a:extLst>
             </p:cNvPr>
@@ -5650,6 +5720,190 @@
           </p:sp>
         </p:grpSp>
       </p:grpSp>
+      <p:pic>
+        <p:nvPicPr>
+          <p:cNvPr id="21" name="Graphic 20">
+            <a:extLst>
+              <a:ext uri="{FF2B5EF4-FFF2-40B4-BE49-F238E27FC236}">
+                <a16:creationId xmlns:a16="http://schemas.microsoft.com/office/drawing/2014/main" id="{7B183993-5C06-183C-39C8-0352E8CA1D5C}"/>
+              </a:ext>
+            </a:extLst>
+          </p:cNvPr>
+          <p:cNvPicPr>
+            <a:picLocks noChangeAspect="1"/>
+          </p:cNvPicPr>
+          <p:nvPr/>
+        </p:nvPicPr>
+        <p:blipFill>
+          <a:blip r:embed="rId4">
+            <a:extLst>
+              <a:ext uri="{96DAC541-7B7A-43D3-8B79-37D633B846F1}">
+                <asvg:svgBlip xmlns:asvg="http://schemas.microsoft.com/office/drawing/2016/SVG/main" r:embed="rId5"/>
+              </a:ext>
+            </a:extLst>
+          </a:blip>
+          <a:stretch>
+            <a:fillRect/>
+          </a:stretch>
+        </p:blipFill>
+        <p:spPr>
+          <a:xfrm>
+            <a:off x="-857689" y="414899"/>
+            <a:ext cx="10684585" cy="9735228"/>
+          </a:xfrm>
+          <a:prstGeom prst="rect">
+            <a:avLst/>
+          </a:prstGeom>
+        </p:spPr>
+      </p:pic>
+      <p:pic>
+        <p:nvPicPr>
+          <p:cNvPr id="11" name="Picture 10">
+            <a:extLst>
+              <a:ext uri="{FF2B5EF4-FFF2-40B4-BE49-F238E27FC236}">
+                <a16:creationId xmlns:a16="http://schemas.microsoft.com/office/drawing/2014/main" id="{1092AD7A-4DDE-9794-8347-BB611198DEDC}"/>
+              </a:ext>
+            </a:extLst>
+          </p:cNvPr>
+          <p:cNvPicPr>
+            <a:picLocks noChangeAspect="1"/>
+          </p:cNvPicPr>
+          <p:nvPr/>
+        </p:nvPicPr>
+        <p:blipFill>
+          <a:blip r:embed="rId6"/>
+          <a:stretch>
+            <a:fillRect/>
+          </a:stretch>
+        </p:blipFill>
+        <p:spPr>
+          <a:xfrm>
+            <a:off x="9900477" y="1378833"/>
+            <a:ext cx="8350248" cy="8350248"/>
+          </a:xfrm>
+          <a:prstGeom prst="rect">
+            <a:avLst/>
+          </a:prstGeom>
+        </p:spPr>
+      </p:pic>
+      <p:grpSp>
+        <p:nvGrpSpPr>
+          <p:cNvPr id="16" name="Group 10">
+            <a:extLst>
+              <a:ext uri="{FF2B5EF4-FFF2-40B4-BE49-F238E27FC236}">
+                <a16:creationId xmlns:a16="http://schemas.microsoft.com/office/drawing/2014/main" id="{2D8959DE-40E3-146A-89A1-8DCA6FFB44A3}"/>
+              </a:ext>
+            </a:extLst>
+          </p:cNvPr>
+          <p:cNvGrpSpPr/>
+          <p:nvPr/>
+        </p:nvGrpSpPr>
+        <p:grpSpPr>
+          <a:xfrm>
+            <a:off x="17449800" y="9643525"/>
+            <a:ext cx="1286950" cy="1286950"/>
+            <a:chOff x="0" y="0"/>
+            <a:chExt cx="812800" cy="812800"/>
+          </a:xfrm>
+        </p:grpSpPr>
+        <p:sp>
+          <p:nvSpPr>
+            <p:cNvPr id="17" name="Freeform 11">
+              <a:extLst>
+                <a:ext uri="{FF2B5EF4-FFF2-40B4-BE49-F238E27FC236}">
+                  <a16:creationId xmlns:a16="http://schemas.microsoft.com/office/drawing/2014/main" id="{52D0EBA3-157D-326E-E2F5-FFBC9BF45B1C}"/>
+                </a:ext>
+              </a:extLst>
+            </p:cNvPr>
+            <p:cNvSpPr/>
+            <p:nvPr/>
+          </p:nvSpPr>
+          <p:spPr>
+            <a:xfrm>
+              <a:off x="0" y="0"/>
+              <a:ext cx="812800" cy="812800"/>
+            </a:xfrm>
+            <a:custGeom>
+              <a:avLst/>
+              <a:gdLst/>
+              <a:ahLst/>
+              <a:cxnLst/>
+              <a:rect l="l" t="t" r="r" b="b"/>
+              <a:pathLst>
+                <a:path w="812800" h="812800">
+                  <a:moveTo>
+                    <a:pt x="406400" y="0"/>
+                  </a:moveTo>
+                  <a:cubicBezTo>
+                    <a:pt x="181951" y="0"/>
+                    <a:pt x="0" y="181951"/>
+                    <a:pt x="0" y="406400"/>
+                  </a:cubicBezTo>
+                  <a:cubicBezTo>
+                    <a:pt x="0" y="630849"/>
+                    <a:pt x="181951" y="812800"/>
+                    <a:pt x="406400" y="812800"/>
+                  </a:cubicBezTo>
+                  <a:cubicBezTo>
+                    <a:pt x="630849" y="812800"/>
+                    <a:pt x="812800" y="630849"/>
+                    <a:pt x="812800" y="406400"/>
+                  </a:cubicBezTo>
+                  <a:cubicBezTo>
+                    <a:pt x="812800" y="181951"/>
+                    <a:pt x="630849" y="0"/>
+                    <a:pt x="406400" y="0"/>
+                  </a:cubicBezTo>
+                  <a:close/>
+                </a:path>
+              </a:pathLst>
+            </a:custGeom>
+            <a:solidFill>
+              <a:srgbClr val="145DA0"/>
+            </a:solidFill>
+          </p:spPr>
+        </p:sp>
+        <p:sp>
+          <p:nvSpPr>
+            <p:cNvPr id="18" name="TextBox 12">
+              <a:extLst>
+                <a:ext uri="{FF2B5EF4-FFF2-40B4-BE49-F238E27FC236}">
+                  <a16:creationId xmlns:a16="http://schemas.microsoft.com/office/drawing/2014/main" id="{BD7022A2-ACC9-D4D4-9EB8-1EF39B1A9D67}"/>
+                </a:ext>
+              </a:extLst>
+            </p:cNvPr>
+            <p:cNvSpPr txBox="1"/>
+            <p:nvPr/>
+          </p:nvSpPr>
+          <p:spPr>
+            <a:xfrm>
+              <a:off x="76200" y="38100"/>
+              <a:ext cx="660400" cy="698500"/>
+            </a:xfrm>
+            <a:prstGeom prst="rect">
+              <a:avLst/>
+            </a:prstGeom>
+          </p:spPr>
+          <p:txBody>
+            <a:bodyPr lIns="50800" tIns="50800" rIns="50800" bIns="50800" rtlCol="0" anchor="ctr"/>
+            <a:lstStyle/>
+            <a:p>
+              <a:pPr algn="ctr">
+                <a:lnSpc>
+                  <a:spcPts val="2659"/>
+                </a:lnSpc>
+                <a:spcBef>
+                  <a:spcPct val="0"/>
+                </a:spcBef>
+              </a:pPr>
+              <a:endParaRPr>
+                <a:latin typeface="Arial" panose="020B0604020202020204" pitchFamily="34" charset="0"/>
+                <a:cs typeface="Arial" panose="020B0604020202020204" pitchFamily="34" charset="0"/>
+              </a:endParaRPr>
+            </a:p>
+          </p:txBody>
+        </p:sp>
+      </p:grpSp>
       <p:grpSp>
         <p:nvGrpSpPr>
           <p:cNvPr id="7" name="Group 7">
@@ -5664,7 +5918,7 @@
         </p:nvGrpSpPr>
         <p:grpSpPr>
           <a:xfrm>
-            <a:off x="16535400" y="-1867766"/>
+            <a:off x="16535400" y="-2350553"/>
             <a:ext cx="3735531" cy="3735531"/>
             <a:chOff x="0" y="0"/>
             <a:chExt cx="812800" cy="812800"/>
@@ -5777,62 +6031,6 @@
           </p:txBody>
         </p:sp>
       </p:grpSp>
-      <p:sp>
-        <p:nvSpPr>
-          <p:cNvPr id="30" name="TextBox 29">
-            <a:extLst>
-              <a:ext uri="{FF2B5EF4-FFF2-40B4-BE49-F238E27FC236}">
-                <a16:creationId xmlns:a16="http://schemas.microsoft.com/office/drawing/2014/main" id="{C4838B68-F43A-3376-05A0-F145BD72A2CA}"/>
-              </a:ext>
-            </a:extLst>
-          </p:cNvPr>
-          <p:cNvSpPr txBox="1"/>
-          <p:nvPr/>
-        </p:nvSpPr>
-        <p:spPr>
-          <a:xfrm>
-            <a:off x="292679" y="1683099"/>
-            <a:ext cx="2895600" cy="369332"/>
-          </a:xfrm>
-          <a:prstGeom prst="rect">
-            <a:avLst/>
-          </a:prstGeom>
-          <a:noFill/>
-        </p:spPr>
-        <p:txBody>
-          <a:bodyPr wrap="square" rtlCol="0">
-            <a:spAutoFit/>
-          </a:bodyPr>
-          <a:lstStyle/>
-          <a:p>
-            <a:r>
-              <a:rPr lang="en-US" dirty="0"/>
-              <a:t>Lý do </a:t>
-            </a:r>
-            <a:r>
-              <a:rPr lang="en-US" dirty="0" err="1"/>
-              <a:t>chọn</a:t>
-            </a:r>
-            <a:r>
-              <a:rPr lang="en-US" dirty="0"/>
-              <a:t> </a:t>
-            </a:r>
-            <a:r>
-              <a:rPr lang="en-US" dirty="0" err="1"/>
-              <a:t>đề</a:t>
-            </a:r>
-            <a:r>
-              <a:rPr lang="en-US" dirty="0"/>
-              <a:t> </a:t>
-            </a:r>
-            <a:r>
-              <a:rPr lang="en-US" dirty="0" err="1"/>
-              <a:t>tài</a:t>
-            </a:r>
-            <a:endParaRPr lang="en-US" dirty="0"/>
-          </a:p>
-        </p:txBody>
-      </p:sp>
     </p:spTree>
     <p:extLst>
       <p:ext uri="{BB962C8B-B14F-4D97-AF65-F5344CB8AC3E}">
@@ -6527,6 +6725,37 @@
           </p:txBody>
         </p:sp>
       </p:grpSp>
+      <p:pic>
+        <p:nvPicPr>
+          <p:cNvPr id="20" name="Picture 19">
+            <a:extLst>
+              <a:ext uri="{FF2B5EF4-FFF2-40B4-BE49-F238E27FC236}">
+                <a16:creationId xmlns:a16="http://schemas.microsoft.com/office/drawing/2014/main" id="{E6A769B7-5ED3-8810-2276-5F05B159B513}"/>
+              </a:ext>
+            </a:extLst>
+          </p:cNvPr>
+          <p:cNvPicPr>
+            <a:picLocks noChangeAspect="1"/>
+          </p:cNvPicPr>
+          <p:nvPr/>
+        </p:nvPicPr>
+        <p:blipFill>
+          <a:blip r:embed="rId4"/>
+          <a:srcRect r="1021"/>
+          <a:stretch>
+            <a:fillRect/>
+          </a:stretch>
+        </p:blipFill>
+        <p:spPr>
+          <a:xfrm>
+            <a:off x="3733800" y="1410408"/>
+            <a:ext cx="11241182" cy="7542935"/>
+          </a:xfrm>
+          <a:prstGeom prst="rect">
+            <a:avLst/>
+          </a:prstGeom>
+        </p:spPr>
+      </p:pic>
     </p:spTree>
     <p:extLst>
       <p:ext uri="{BB962C8B-B14F-4D97-AF65-F5344CB8AC3E}">
@@ -7221,10 +7450,10 @@
       </p:grpSp>
       <p:grpSp>
         <p:nvGrpSpPr>
-          <p:cNvPr id="49" name="Group 48">
+          <p:cNvPr id="2" name="Group 1">
             <a:extLst>
               <a:ext uri="{FF2B5EF4-FFF2-40B4-BE49-F238E27FC236}">
-                <a16:creationId xmlns:a16="http://schemas.microsoft.com/office/drawing/2014/main" id="{25BB2E6F-919B-4BEA-D49C-A3E34F3A5147}"/>
+                <a16:creationId xmlns:a16="http://schemas.microsoft.com/office/drawing/2014/main" id="{3F2A0AB0-758F-96BF-2D72-A9E57956677C}"/>
               </a:ext>
             </a:extLst>
           </p:cNvPr>
@@ -7233,9 +7462,9 @@
         </p:nvGrpSpPr>
         <p:grpSpPr>
           <a:xfrm>
-            <a:off x="1752600" y="2115182"/>
+            <a:off x="12550236" y="3019497"/>
             <a:ext cx="4180406" cy="5598880"/>
-            <a:chOff x="1444403" y="2005880"/>
+            <a:chOff x="1867765" y="1882455"/>
             <a:chExt cx="4180406" cy="5598880"/>
           </a:xfrm>
         </p:grpSpPr>
@@ -7253,7 +7482,7 @@
           </p:nvSpPr>
           <p:spPr>
             <a:xfrm>
-              <a:off x="1444403" y="2005880"/>
+              <a:off x="1867765" y="1882455"/>
               <a:ext cx="4180406" cy="5598880"/>
             </a:xfrm>
             <a:prstGeom prst="roundRect">
@@ -7391,7 +7620,7 @@
           </p:blipFill>
           <p:spPr>
             <a:xfrm>
-              <a:off x="2094606" y="2918219"/>
+              <a:off x="2517968" y="2794794"/>
               <a:ext cx="2880000" cy="2336915"/>
             </a:xfrm>
             <a:prstGeom prst="rect">
@@ -7400,193 +7629,147 @@
           </p:spPr>
         </p:pic>
       </p:grpSp>
-      <p:grpSp>
-        <p:nvGrpSpPr>
-          <p:cNvPr id="50" name="Group 49">
+      <p:sp>
+        <p:nvSpPr>
+          <p:cNvPr id="45" name="Rectangle: Rounded Corners 44">
             <a:extLst>
               <a:ext uri="{FF2B5EF4-FFF2-40B4-BE49-F238E27FC236}">
-                <a16:creationId xmlns:a16="http://schemas.microsoft.com/office/drawing/2014/main" id="{263017C0-318F-D3CF-CB76-6D93E9049F40}"/>
+                <a16:creationId xmlns:a16="http://schemas.microsoft.com/office/drawing/2014/main" id="{41B9B664-0A2D-7860-C06E-10B3A4129BAB}"/>
               </a:ext>
             </a:extLst>
           </p:cNvPr>
-          <p:cNvGrpSpPr/>
+          <p:cNvSpPr/>
           <p:nvPr/>
-        </p:nvGrpSpPr>
-        <p:grpSpPr>
+        </p:nvSpPr>
+        <p:spPr>
           <a:xfrm>
-            <a:off x="6973999" y="2115182"/>
+            <a:off x="6934200" y="3019497"/>
             <a:ext cx="4180406" cy="5598880"/>
-            <a:chOff x="6599402" y="2005880"/>
-            <a:chExt cx="4180406" cy="5598880"/>
           </a:xfrm>
-        </p:grpSpPr>
-        <p:sp>
-          <p:nvSpPr>
-            <p:cNvPr id="45" name="Rectangle: Rounded Corners 44">
-              <a:extLst>
-                <a:ext uri="{FF2B5EF4-FFF2-40B4-BE49-F238E27FC236}">
-                  <a16:creationId xmlns:a16="http://schemas.microsoft.com/office/drawing/2014/main" id="{41B9B664-0A2D-7860-C06E-10B3A4129BAB}"/>
-                </a:ext>
-              </a:extLst>
-            </p:cNvPr>
-            <p:cNvSpPr/>
-            <p:nvPr/>
-          </p:nvSpPr>
-          <p:spPr>
-            <a:xfrm>
-              <a:off x="6599402" y="2005880"/>
-              <a:ext cx="4180406" cy="5598880"/>
-            </a:xfrm>
-            <a:prstGeom prst="roundRect">
-              <a:avLst/>
-            </a:prstGeom>
-            <a:solidFill>
-              <a:schemeClr val="accent4">
-                <a:lumMod val="20000"/>
-                <a:lumOff val="80000"/>
-              </a:schemeClr>
-            </a:solidFill>
-            <a:ln>
-              <a:noFill/>
-            </a:ln>
-            <a:effectLst>
-              <a:outerShdw blurRad="107950" dist="12700" dir="5400000" algn="ctr">
-                <a:srgbClr val="000000"/>
-              </a:outerShdw>
-              <a:softEdge rad="31750"/>
-            </a:effectLst>
-            <a:scene3d>
-              <a:camera prst="orthographicFront">
-                <a:rot lat="0" lon="0" rev="0"/>
-              </a:camera>
-              <a:lightRig rig="soft" dir="t">
-                <a:rot lat="0" lon="0" rev="0"/>
-              </a:lightRig>
-            </a:scene3d>
-            <a:sp3d contourW="44450" prstMaterial="matte">
-              <a:bevelT w="63500" h="63500" prst="artDeco"/>
-              <a:contourClr>
-                <a:srgbClr val="FFFFFF"/>
-              </a:contourClr>
-            </a:sp3d>
-          </p:spPr>
-          <p:style>
-            <a:lnRef idx="2">
-              <a:schemeClr val="accent1">
-                <a:shade val="15000"/>
-              </a:schemeClr>
-            </a:lnRef>
-            <a:fillRef idx="1">
-              <a:schemeClr val="accent1"/>
-            </a:fillRef>
-            <a:effectRef idx="0">
-              <a:schemeClr val="accent1"/>
-            </a:effectRef>
-            <a:fontRef idx="minor">
-              <a:schemeClr val="lt1"/>
-            </a:fontRef>
-          </p:style>
-          <p:txBody>
-            <a:bodyPr rtlCol="0" anchor="ctr"/>
-            <a:lstStyle/>
-            <a:p>
-              <a:pPr algn="ctr"/>
-              <a:endParaRPr lang="en-US" sz="3600" dirty="0">
+          <a:prstGeom prst="roundRect">
+            <a:avLst/>
+          </a:prstGeom>
+          <a:solidFill>
+            <a:schemeClr val="accent4">
+              <a:lumMod val="20000"/>
+              <a:lumOff val="80000"/>
+            </a:schemeClr>
+          </a:solidFill>
+          <a:ln>
+            <a:noFill/>
+          </a:ln>
+          <a:effectLst>
+            <a:outerShdw blurRad="107950" dist="12700" dir="5400000" algn="ctr">
+              <a:srgbClr val="000000"/>
+            </a:outerShdw>
+            <a:softEdge rad="31750"/>
+          </a:effectLst>
+          <a:scene3d>
+            <a:camera prst="orthographicFront">
+              <a:rot lat="0" lon="0" rev="0"/>
+            </a:camera>
+            <a:lightRig rig="soft" dir="t">
+              <a:rot lat="0" lon="0" rev="0"/>
+            </a:lightRig>
+          </a:scene3d>
+          <a:sp3d contourW="44450" prstMaterial="matte">
+            <a:bevelT w="63500" h="63500" prst="artDeco"/>
+            <a:contourClr>
+              <a:srgbClr val="FFFFFF"/>
+            </a:contourClr>
+          </a:sp3d>
+        </p:spPr>
+        <p:style>
+          <a:lnRef idx="2">
+            <a:schemeClr val="accent1">
+              <a:shade val="15000"/>
+            </a:schemeClr>
+          </a:lnRef>
+          <a:fillRef idx="1">
+            <a:schemeClr val="accent1"/>
+          </a:fillRef>
+          <a:effectRef idx="0">
+            <a:schemeClr val="accent1"/>
+          </a:effectRef>
+          <a:fontRef idx="minor">
+            <a:schemeClr val="lt1"/>
+          </a:fontRef>
+        </p:style>
+        <p:txBody>
+          <a:bodyPr rtlCol="0" anchor="ctr"/>
+          <a:lstStyle/>
+          <a:p>
+            <a:pPr algn="ctr"/>
+            <a:endParaRPr lang="en-US" sz="3600" dirty="0">
+              <a:solidFill>
+                <a:schemeClr val="tx1"/>
+              </a:solidFill>
+            </a:endParaRPr>
+          </a:p>
+          <a:p>
+            <a:pPr algn="ctr"/>
+            <a:endParaRPr lang="en-US" sz="3600" dirty="0">
+              <a:solidFill>
+                <a:schemeClr val="tx1"/>
+              </a:solidFill>
+            </a:endParaRPr>
+          </a:p>
+          <a:p>
+            <a:pPr algn="ctr"/>
+            <a:endParaRPr lang="en-US" sz="3600" dirty="0">
+              <a:solidFill>
+                <a:schemeClr val="tx1"/>
+              </a:solidFill>
+            </a:endParaRPr>
+          </a:p>
+          <a:p>
+            <a:pPr algn="ctr"/>
+            <a:endParaRPr lang="en-US" sz="3600" dirty="0">
+              <a:solidFill>
+                <a:schemeClr val="tx1"/>
+              </a:solidFill>
+            </a:endParaRPr>
+          </a:p>
+          <a:p>
+            <a:pPr algn="ctr"/>
+            <a:endParaRPr lang="en-US" sz="3600" dirty="0">
+              <a:solidFill>
+                <a:schemeClr val="tx1"/>
+              </a:solidFill>
+            </a:endParaRPr>
+          </a:p>
+          <a:p>
+            <a:pPr algn="ctr"/>
+            <a:endParaRPr lang="en-US" sz="3600" dirty="0">
+              <a:solidFill>
+                <a:schemeClr val="tx1"/>
+              </a:solidFill>
+            </a:endParaRPr>
+          </a:p>
+          <a:p>
+            <a:pPr algn="ctr"/>
+            <a:r>
+              <a:rPr lang="en-US" sz="3600" dirty="0">
                 <a:solidFill>
                   <a:schemeClr val="tx1"/>
                 </a:solidFill>
-              </a:endParaRPr>
-            </a:p>
-            <a:p>
-              <a:pPr algn="ctr"/>
-              <a:endParaRPr lang="en-US" sz="3600" dirty="0">
+              </a:rPr>
+              <a:t>ENTITY</a:t>
+            </a:r>
+          </a:p>
+          <a:p>
+            <a:pPr algn="ctr"/>
+            <a:r>
+              <a:rPr lang="en-US" sz="3600" dirty="0">
                 <a:solidFill>
                   <a:schemeClr val="tx1"/>
                 </a:solidFill>
-              </a:endParaRPr>
-            </a:p>
-            <a:p>
-              <a:pPr algn="ctr"/>
-              <a:endParaRPr lang="en-US" sz="3600" dirty="0">
-                <a:solidFill>
-                  <a:schemeClr val="tx1"/>
-                </a:solidFill>
-              </a:endParaRPr>
-            </a:p>
-            <a:p>
-              <a:pPr algn="ctr"/>
-              <a:endParaRPr lang="en-US" sz="3600" dirty="0">
-                <a:solidFill>
-                  <a:schemeClr val="tx1"/>
-                </a:solidFill>
-              </a:endParaRPr>
-            </a:p>
-            <a:p>
-              <a:pPr algn="ctr"/>
-              <a:endParaRPr lang="en-US" sz="3600" dirty="0">
-                <a:solidFill>
-                  <a:schemeClr val="tx1"/>
-                </a:solidFill>
-              </a:endParaRPr>
-            </a:p>
-            <a:p>
-              <a:pPr algn="ctr"/>
-              <a:endParaRPr lang="en-US" sz="3600" dirty="0">
-                <a:solidFill>
-                  <a:schemeClr val="tx1"/>
-                </a:solidFill>
-              </a:endParaRPr>
-            </a:p>
-            <a:p>
-              <a:pPr algn="ctr"/>
-              <a:r>
-                <a:rPr lang="en-US" sz="3600" dirty="0">
-                  <a:solidFill>
-                    <a:schemeClr val="tx1"/>
-                  </a:solidFill>
-                </a:rPr>
-                <a:t>SQL SERVER</a:t>
-              </a:r>
-            </a:p>
-          </p:txBody>
-        </p:sp>
-        <p:pic>
-          <p:nvPicPr>
-            <p:cNvPr id="24" name="Picture 23">
-              <a:extLst>
-                <a:ext uri="{FF2B5EF4-FFF2-40B4-BE49-F238E27FC236}">
-                  <a16:creationId xmlns:a16="http://schemas.microsoft.com/office/drawing/2014/main" id="{93C70E15-492C-BC54-815A-155A0EE95133}"/>
-                </a:ext>
-              </a:extLst>
-            </p:cNvPr>
-            <p:cNvPicPr>
-              <a:picLocks noChangeAspect="1"/>
-            </p:cNvPicPr>
-            <p:nvPr/>
-          </p:nvPicPr>
-          <p:blipFill>
-            <a:blip r:embed="rId5">
-              <a:extLst>
-                <a:ext uri="{28A0092B-C50C-407E-A947-70E740481C1C}">
-                  <a14:useLocalDpi xmlns:a14="http://schemas.microsoft.com/office/drawing/2010/main" val="0"/>
-                </a:ext>
-              </a:extLst>
-            </a:blip>
-            <a:stretch>
-              <a:fillRect/>
-            </a:stretch>
-          </p:blipFill>
-          <p:spPr>
-            <a:xfrm>
-              <a:off x="7249605" y="2948699"/>
-              <a:ext cx="2880000" cy="2334675"/>
-            </a:xfrm>
-            <a:prstGeom prst="rect">
-              <a:avLst/>
-            </a:prstGeom>
-          </p:spPr>
-        </p:pic>
-      </p:grpSp>
+              </a:rPr>
+              <a:t>FRAMEWORK</a:t>
+            </a:r>
+          </a:p>
+        </p:txBody>
+      </p:sp>
       <p:grpSp>
         <p:nvGrpSpPr>
           <p:cNvPr id="51" name="Group 50">
@@ -7601,7 +7784,7 @@
         </p:nvGrpSpPr>
         <p:grpSpPr>
           <a:xfrm>
-            <a:off x="12195397" y="2062392"/>
+            <a:off x="1351959" y="3004807"/>
             <a:ext cx="4180406" cy="5598880"/>
             <a:chOff x="11887200" y="1953090"/>
             <a:chExt cx="4180406" cy="5598880"/>
@@ -7732,7 +7915,7 @@
                     <a:schemeClr val="tx1"/>
                   </a:solidFill>
                 </a:rPr>
-                <a:t>SQL SERVER</a:t>
+                <a:t>ASP.NET CORE</a:t>
               </a:r>
             </a:p>
           </p:txBody>
@@ -7752,7 +7935,7 @@
             <p:nvPr/>
           </p:nvPicPr>
           <p:blipFill>
-            <a:blip r:embed="rId6"/>
+            <a:blip r:embed="rId5"/>
             <a:stretch>
               <a:fillRect/>
             </a:stretch>
@@ -7768,6 +7951,91 @@
           </p:spPr>
         </p:pic>
       </p:grpSp>
+      <p:pic>
+        <p:nvPicPr>
+          <p:cNvPr id="1028" name="Picture 4" descr="Porting to Entity Framework Core - CodeOpinion">
+            <a:extLst>
+              <a:ext uri="{FF2B5EF4-FFF2-40B4-BE49-F238E27FC236}">
+                <a16:creationId xmlns:a16="http://schemas.microsoft.com/office/drawing/2014/main" id="{104A1104-F4FF-C432-1925-C12580B7C85D}"/>
+              </a:ext>
+            </a:extLst>
+          </p:cNvPr>
+          <p:cNvPicPr>
+            <a:picLocks noChangeAspect="1" noChangeArrowheads="1"/>
+          </p:cNvPicPr>
+          <p:nvPr/>
+        </p:nvPicPr>
+        <p:blipFill rotWithShape="1">
+          <a:blip r:embed="rId6">
+            <a:extLst>
+              <a:ext uri="{28A0092B-C50C-407E-A947-70E740481C1C}">
+                <a14:useLocalDpi xmlns:a14="http://schemas.microsoft.com/office/drawing/2010/main" val="0"/>
+              </a:ext>
+            </a:extLst>
+          </a:blip>
+          <a:srcRect l="10252" t="11149" r="12365" b="13513"/>
+          <a:stretch>
+            <a:fillRect/>
+          </a:stretch>
+        </p:blipFill>
+        <p:spPr bwMode="auto">
+          <a:xfrm>
+            <a:off x="7693635" y="3746447"/>
+            <a:ext cx="2590801" cy="2522304"/>
+          </a:xfrm>
+          <a:prstGeom prst="rect">
+            <a:avLst/>
+          </a:prstGeom>
+          <a:noFill/>
+          <a:extLst>
+            <a:ext uri="{909E8E84-426E-40DD-AFC4-6F175D3DCCD1}">
+              <a14:hiddenFill xmlns:a14="http://schemas.microsoft.com/office/drawing/2010/main">
+                <a:solidFill>
+                  <a:srgbClr val="FFFFFF"/>
+                </a:solidFill>
+              </a14:hiddenFill>
+            </a:ext>
+          </a:extLst>
+        </p:spPr>
+      </p:pic>
+      <p:sp>
+        <p:nvSpPr>
+          <p:cNvPr id="3" name="TextBox 2">
+            <a:extLst>
+              <a:ext uri="{FF2B5EF4-FFF2-40B4-BE49-F238E27FC236}">
+                <a16:creationId xmlns:a16="http://schemas.microsoft.com/office/drawing/2014/main" id="{B2C2F588-ABE7-DF09-92A5-2B0F2DCC4256}"/>
+              </a:ext>
+            </a:extLst>
+          </p:cNvPr>
+          <p:cNvSpPr txBox="1"/>
+          <p:nvPr/>
+        </p:nvSpPr>
+        <p:spPr>
+          <a:xfrm>
+            <a:off x="7689467" y="1501861"/>
+            <a:ext cx="2909066" cy="769441"/>
+          </a:xfrm>
+          <a:prstGeom prst="rect">
+            <a:avLst/>
+          </a:prstGeom>
+          <a:noFill/>
+        </p:spPr>
+        <p:txBody>
+          <a:bodyPr wrap="none" rtlCol="0">
+            <a:spAutoFit/>
+          </a:bodyPr>
+          <a:lstStyle/>
+          <a:p>
+            <a:pPr algn="dist"/>
+            <a:r>
+              <a:rPr lang="en-US" sz="4400" b="1" dirty="0">
+                <a:latin typeface="Constantia" panose="02030602050306030303" pitchFamily="18" charset="0"/>
+              </a:rPr>
+              <a:t>BACKEND</a:t>
+            </a:r>
+          </a:p>
+        </p:txBody>
+      </p:sp>
     </p:spTree>
     <p:extLst>
       <p:ext uri="{BB962C8B-B14F-4D97-AF65-F5344CB8AC3E}">
@@ -7782,6 +8050,1306 @@
 </file>
 
 <file path=ppt/slides/slide6.xml><?xml version="1.0" encoding="utf-8"?>
+<p:sld xmlns:a="http://schemas.openxmlformats.org/drawingml/2006/main" xmlns:r="http://schemas.openxmlformats.org/officeDocument/2006/relationships" xmlns:p="http://schemas.openxmlformats.org/presentationml/2006/main">
+  <p:cSld>
+    <p:spTree>
+      <p:nvGrpSpPr>
+        <p:cNvPr id="1" name="">
+          <a:extLst>
+            <a:ext uri="{FF2B5EF4-FFF2-40B4-BE49-F238E27FC236}">
+              <a16:creationId xmlns:a16="http://schemas.microsoft.com/office/drawing/2014/main" id="{9B1FF72F-9568-4CF3-67BA-03D20F637211}"/>
+            </a:ext>
+          </a:extLst>
+        </p:cNvPr>
+        <p:cNvGrpSpPr/>
+        <p:nvPr/>
+      </p:nvGrpSpPr>
+      <p:grpSpPr>
+        <a:xfrm>
+          <a:off x="0" y="0"/>
+          <a:ext cx="0" cy="0"/>
+          <a:chOff x="0" y="0"/>
+          <a:chExt cx="0" cy="0"/>
+        </a:xfrm>
+      </p:grpSpPr>
+      <p:grpSp>
+        <p:nvGrpSpPr>
+          <p:cNvPr id="13" name="Group 13">
+            <a:extLst>
+              <a:ext uri="{FF2B5EF4-FFF2-40B4-BE49-F238E27FC236}">
+                <a16:creationId xmlns:a16="http://schemas.microsoft.com/office/drawing/2014/main" id="{E1EF82B3-7950-6AD0-5280-BE26DF1ADA0E}"/>
+              </a:ext>
+            </a:extLst>
+          </p:cNvPr>
+          <p:cNvGrpSpPr/>
+          <p:nvPr/>
+        </p:nvGrpSpPr>
+        <p:grpSpPr>
+          <a:xfrm>
+            <a:off x="-1867766" y="8801100"/>
+            <a:ext cx="3735531" cy="3735531"/>
+            <a:chOff x="0" y="0"/>
+            <a:chExt cx="812800" cy="812800"/>
+          </a:xfrm>
+        </p:grpSpPr>
+        <p:sp>
+          <p:nvSpPr>
+            <p:cNvPr id="14" name="Freeform 14">
+              <a:extLst>
+                <a:ext uri="{FF2B5EF4-FFF2-40B4-BE49-F238E27FC236}">
+                  <a16:creationId xmlns:a16="http://schemas.microsoft.com/office/drawing/2014/main" id="{F45F71BA-8106-62D5-AA5F-759DA365830C}"/>
+                </a:ext>
+              </a:extLst>
+            </p:cNvPr>
+            <p:cNvSpPr/>
+            <p:nvPr/>
+          </p:nvSpPr>
+          <p:spPr>
+            <a:xfrm>
+              <a:off x="0" y="0"/>
+              <a:ext cx="812800" cy="812800"/>
+            </a:xfrm>
+            <a:custGeom>
+              <a:avLst/>
+              <a:gdLst/>
+              <a:ahLst/>
+              <a:cxnLst/>
+              <a:rect l="l" t="t" r="r" b="b"/>
+              <a:pathLst>
+                <a:path w="812800" h="812800">
+                  <a:moveTo>
+                    <a:pt x="406400" y="0"/>
+                  </a:moveTo>
+                  <a:cubicBezTo>
+                    <a:pt x="181951" y="0"/>
+                    <a:pt x="0" y="181951"/>
+                    <a:pt x="0" y="406400"/>
+                  </a:cubicBezTo>
+                  <a:cubicBezTo>
+                    <a:pt x="0" y="630849"/>
+                    <a:pt x="181951" y="812800"/>
+                    <a:pt x="406400" y="812800"/>
+                  </a:cubicBezTo>
+                  <a:cubicBezTo>
+                    <a:pt x="630849" y="812800"/>
+                    <a:pt x="812800" y="630849"/>
+                    <a:pt x="812800" y="406400"/>
+                  </a:cubicBezTo>
+                  <a:cubicBezTo>
+                    <a:pt x="812800" y="181951"/>
+                    <a:pt x="630849" y="0"/>
+                    <a:pt x="406400" y="0"/>
+                  </a:cubicBezTo>
+                  <a:close/>
+                </a:path>
+              </a:pathLst>
+            </a:custGeom>
+            <a:solidFill>
+              <a:srgbClr val="000000">
+                <a:alpha val="0"/>
+              </a:srgbClr>
+            </a:solidFill>
+            <a:ln w="952500" cap="sq">
+              <a:solidFill>
+                <a:srgbClr val="145DA0"/>
+              </a:solidFill>
+              <a:prstDash val="solid"/>
+              <a:miter/>
+            </a:ln>
+          </p:spPr>
+        </p:sp>
+        <p:sp>
+          <p:nvSpPr>
+            <p:cNvPr id="15" name="TextBox 15">
+              <a:extLst>
+                <a:ext uri="{FF2B5EF4-FFF2-40B4-BE49-F238E27FC236}">
+                  <a16:creationId xmlns:a16="http://schemas.microsoft.com/office/drawing/2014/main" id="{F237FA83-822C-FB69-37B4-F8C35EC1C963}"/>
+                </a:ext>
+              </a:extLst>
+            </p:cNvPr>
+            <p:cNvSpPr txBox="1"/>
+            <p:nvPr/>
+          </p:nvSpPr>
+          <p:spPr>
+            <a:xfrm>
+              <a:off x="76200" y="38100"/>
+              <a:ext cx="660400" cy="698500"/>
+            </a:xfrm>
+            <a:prstGeom prst="rect">
+              <a:avLst/>
+            </a:prstGeom>
+          </p:spPr>
+          <p:txBody>
+            <a:bodyPr lIns="50800" tIns="50800" rIns="50800" bIns="50800" rtlCol="0" anchor="ctr"/>
+            <a:lstStyle/>
+            <a:p>
+              <a:pPr algn="ctr">
+                <a:lnSpc>
+                  <a:spcPts val="2659"/>
+                </a:lnSpc>
+                <a:spcBef>
+                  <a:spcPct val="0"/>
+                </a:spcBef>
+              </a:pPr>
+              <a:endParaRPr>
+                <a:latin typeface="Arial" panose="020B0604020202020204" pitchFamily="34" charset="0"/>
+                <a:cs typeface="Arial" panose="020B0604020202020204" pitchFamily="34" charset="0"/>
+              </a:endParaRPr>
+            </a:p>
+          </p:txBody>
+        </p:sp>
+      </p:grpSp>
+      <p:grpSp>
+        <p:nvGrpSpPr>
+          <p:cNvPr id="16" name="Group 10">
+            <a:extLst>
+              <a:ext uri="{FF2B5EF4-FFF2-40B4-BE49-F238E27FC236}">
+                <a16:creationId xmlns:a16="http://schemas.microsoft.com/office/drawing/2014/main" id="{A5165E4C-BED6-33A9-FD6A-513391C577A6}"/>
+              </a:ext>
+            </a:extLst>
+          </p:cNvPr>
+          <p:cNvGrpSpPr/>
+          <p:nvPr/>
+        </p:nvGrpSpPr>
+        <p:grpSpPr>
+          <a:xfrm>
+            <a:off x="17449800" y="9643525"/>
+            <a:ext cx="1286950" cy="1286950"/>
+            <a:chOff x="0" y="0"/>
+            <a:chExt cx="812800" cy="812800"/>
+          </a:xfrm>
+        </p:grpSpPr>
+        <p:sp>
+          <p:nvSpPr>
+            <p:cNvPr id="17" name="Freeform 11">
+              <a:extLst>
+                <a:ext uri="{FF2B5EF4-FFF2-40B4-BE49-F238E27FC236}">
+                  <a16:creationId xmlns:a16="http://schemas.microsoft.com/office/drawing/2014/main" id="{9756BE23-C3E1-E57E-2D46-FBFAF40052AF}"/>
+                </a:ext>
+              </a:extLst>
+            </p:cNvPr>
+            <p:cNvSpPr/>
+            <p:nvPr/>
+          </p:nvSpPr>
+          <p:spPr>
+            <a:xfrm>
+              <a:off x="0" y="0"/>
+              <a:ext cx="812800" cy="812800"/>
+            </a:xfrm>
+            <a:custGeom>
+              <a:avLst/>
+              <a:gdLst/>
+              <a:ahLst/>
+              <a:cxnLst/>
+              <a:rect l="l" t="t" r="r" b="b"/>
+              <a:pathLst>
+                <a:path w="812800" h="812800">
+                  <a:moveTo>
+                    <a:pt x="406400" y="0"/>
+                  </a:moveTo>
+                  <a:cubicBezTo>
+                    <a:pt x="181951" y="0"/>
+                    <a:pt x="0" y="181951"/>
+                    <a:pt x="0" y="406400"/>
+                  </a:cubicBezTo>
+                  <a:cubicBezTo>
+                    <a:pt x="0" y="630849"/>
+                    <a:pt x="181951" y="812800"/>
+                    <a:pt x="406400" y="812800"/>
+                  </a:cubicBezTo>
+                  <a:cubicBezTo>
+                    <a:pt x="630849" y="812800"/>
+                    <a:pt x="812800" y="630849"/>
+                    <a:pt x="812800" y="406400"/>
+                  </a:cubicBezTo>
+                  <a:cubicBezTo>
+                    <a:pt x="812800" y="181951"/>
+                    <a:pt x="630849" y="0"/>
+                    <a:pt x="406400" y="0"/>
+                  </a:cubicBezTo>
+                  <a:close/>
+                </a:path>
+              </a:pathLst>
+            </a:custGeom>
+            <a:solidFill>
+              <a:srgbClr val="145DA0"/>
+            </a:solidFill>
+          </p:spPr>
+        </p:sp>
+        <p:sp>
+          <p:nvSpPr>
+            <p:cNvPr id="18" name="TextBox 12">
+              <a:extLst>
+                <a:ext uri="{FF2B5EF4-FFF2-40B4-BE49-F238E27FC236}">
+                  <a16:creationId xmlns:a16="http://schemas.microsoft.com/office/drawing/2014/main" id="{109FA901-45A8-0BC8-14BB-15FC0788AC84}"/>
+                </a:ext>
+              </a:extLst>
+            </p:cNvPr>
+            <p:cNvSpPr txBox="1"/>
+            <p:nvPr/>
+          </p:nvSpPr>
+          <p:spPr>
+            <a:xfrm>
+              <a:off x="76200" y="38100"/>
+              <a:ext cx="660400" cy="698500"/>
+            </a:xfrm>
+            <a:prstGeom prst="rect">
+              <a:avLst/>
+            </a:prstGeom>
+          </p:spPr>
+          <p:txBody>
+            <a:bodyPr lIns="50800" tIns="50800" rIns="50800" bIns="50800" rtlCol="0" anchor="ctr"/>
+            <a:lstStyle/>
+            <a:p>
+              <a:pPr algn="ctr">
+                <a:lnSpc>
+                  <a:spcPts val="2659"/>
+                </a:lnSpc>
+                <a:spcBef>
+                  <a:spcPct val="0"/>
+                </a:spcBef>
+              </a:pPr>
+              <a:endParaRPr>
+                <a:latin typeface="Arial" panose="020B0604020202020204" pitchFamily="34" charset="0"/>
+                <a:cs typeface="Arial" panose="020B0604020202020204" pitchFamily="34" charset="0"/>
+              </a:endParaRPr>
+            </a:p>
+          </p:txBody>
+        </p:sp>
+      </p:grpSp>
+      <p:grpSp>
+        <p:nvGrpSpPr>
+          <p:cNvPr id="29" name="Group 28">
+            <a:extLst>
+              <a:ext uri="{FF2B5EF4-FFF2-40B4-BE49-F238E27FC236}">
+                <a16:creationId xmlns:a16="http://schemas.microsoft.com/office/drawing/2014/main" id="{66C14847-F737-561C-8A2B-1D4360D8CBCB}"/>
+              </a:ext>
+            </a:extLst>
+          </p:cNvPr>
+          <p:cNvGrpSpPr/>
+          <p:nvPr/>
+        </p:nvGrpSpPr>
+        <p:grpSpPr>
+          <a:xfrm>
+            <a:off x="0" y="-1"/>
+            <a:ext cx="16885606" cy="1080935"/>
+            <a:chOff x="2294171" y="2309965"/>
+            <a:chExt cx="12717230" cy="1080935"/>
+          </a:xfrm>
+        </p:grpSpPr>
+        <p:grpSp>
+          <p:nvGrpSpPr>
+            <p:cNvPr id="26" name="Group 2">
+              <a:extLst>
+                <a:ext uri="{FF2B5EF4-FFF2-40B4-BE49-F238E27FC236}">
+                  <a16:creationId xmlns:a16="http://schemas.microsoft.com/office/drawing/2014/main" id="{9BE054EB-CD4A-C5C0-DA80-6EFA6EF1F567}"/>
+                </a:ext>
+              </a:extLst>
+            </p:cNvPr>
+            <p:cNvGrpSpPr/>
+            <p:nvPr/>
+          </p:nvGrpSpPr>
+          <p:grpSpPr>
+            <a:xfrm>
+              <a:off x="2294171" y="2309965"/>
+              <a:ext cx="12717230" cy="1080935"/>
+              <a:chOff x="0" y="-38100"/>
+              <a:chExt cx="1044090" cy="2913572"/>
+            </a:xfrm>
+            <a:solidFill>
+              <a:schemeClr val="accent5">
+                <a:lumMod val="20000"/>
+                <a:lumOff val="80000"/>
+              </a:schemeClr>
+            </a:solidFill>
+          </p:grpSpPr>
+          <p:sp>
+            <p:nvSpPr>
+              <p:cNvPr id="27" name="Freeform 3">
+                <a:extLst>
+                  <a:ext uri="{FF2B5EF4-FFF2-40B4-BE49-F238E27FC236}">
+                    <a16:creationId xmlns:a16="http://schemas.microsoft.com/office/drawing/2014/main" id="{63EBECD1-D7D7-36E5-BF90-86827E4B8113}"/>
+                  </a:ext>
+                </a:extLst>
+              </p:cNvPr>
+              <p:cNvSpPr/>
+              <p:nvPr/>
+            </p:nvSpPr>
+            <p:spPr>
+              <a:xfrm>
+                <a:off x="0" y="0"/>
+                <a:ext cx="1044090" cy="2875472"/>
+              </a:xfrm>
+              <a:custGeom>
+                <a:avLst/>
+                <a:gdLst/>
+                <a:ahLst/>
+                <a:cxnLst/>
+                <a:rect l="l" t="t" r="r" b="b"/>
+                <a:pathLst>
+                  <a:path w="1044090" h="2875472">
+                    <a:moveTo>
+                      <a:pt x="0" y="0"/>
+                    </a:moveTo>
+                    <a:lnTo>
+                      <a:pt x="1044090" y="0"/>
+                    </a:lnTo>
+                    <a:lnTo>
+                      <a:pt x="1044090" y="2875472"/>
+                    </a:lnTo>
+                    <a:lnTo>
+                      <a:pt x="0" y="2875472"/>
+                    </a:lnTo>
+                    <a:close/>
+                  </a:path>
+                </a:pathLst>
+              </a:custGeom>
+              <a:grpFill/>
+              <a:ln cap="sq">
+                <a:solidFill>
+                  <a:schemeClr val="tx2">
+                    <a:lumMod val="40000"/>
+                    <a:lumOff val="60000"/>
+                  </a:schemeClr>
+                </a:solidFill>
+                <a:prstDash val="solid"/>
+                <a:miter/>
+              </a:ln>
+            </p:spPr>
+          </p:sp>
+          <p:sp>
+            <p:nvSpPr>
+              <p:cNvPr id="28" name="TextBox 4">
+                <a:extLst>
+                  <a:ext uri="{FF2B5EF4-FFF2-40B4-BE49-F238E27FC236}">
+                    <a16:creationId xmlns:a16="http://schemas.microsoft.com/office/drawing/2014/main" id="{21DBC962-73CA-B42F-CA3C-03BDEB315625}"/>
+                  </a:ext>
+                </a:extLst>
+              </p:cNvPr>
+              <p:cNvSpPr txBox="1"/>
+              <p:nvPr/>
+            </p:nvSpPr>
+            <p:spPr>
+              <a:xfrm>
+                <a:off x="0" y="-38100"/>
+                <a:ext cx="1044090" cy="2913572"/>
+              </a:xfrm>
+              <a:prstGeom prst="rect">
+                <a:avLst/>
+              </a:prstGeom>
+              <a:grpFill/>
+              <a:ln>
+                <a:solidFill>
+                  <a:schemeClr val="tx2">
+                    <a:lumMod val="40000"/>
+                    <a:lumOff val="60000"/>
+                  </a:schemeClr>
+                </a:solidFill>
+              </a:ln>
+            </p:spPr>
+            <p:txBody>
+              <a:bodyPr lIns="50800" tIns="50800" rIns="50800" bIns="50800" rtlCol="0" anchor="ctr"/>
+              <a:lstStyle/>
+              <a:p>
+                <a:pPr marL="0" lvl="0" indent="0" algn="ctr">
+                  <a:lnSpc>
+                    <a:spcPts val="2659"/>
+                  </a:lnSpc>
+                  <a:spcBef>
+                    <a:spcPct val="0"/>
+                  </a:spcBef>
+                </a:pPr>
+                <a:endParaRPr>
+                  <a:latin typeface="Arial" panose="020B0604020202020204" pitchFamily="34" charset="0"/>
+                  <a:cs typeface="Arial" panose="020B0604020202020204" pitchFamily="34" charset="0"/>
+                </a:endParaRPr>
+              </a:p>
+            </p:txBody>
+          </p:sp>
+        </p:grpSp>
+        <p:grpSp>
+          <p:nvGrpSpPr>
+            <p:cNvPr id="4" name="Group 3">
+              <a:extLst>
+                <a:ext uri="{FF2B5EF4-FFF2-40B4-BE49-F238E27FC236}">
+                  <a16:creationId xmlns:a16="http://schemas.microsoft.com/office/drawing/2014/main" id="{560FBCA2-F131-279A-FC6B-4B274BB2D51D}"/>
+                </a:ext>
+              </a:extLst>
+            </p:cNvPr>
+            <p:cNvGrpSpPr/>
+            <p:nvPr/>
+          </p:nvGrpSpPr>
+          <p:grpSpPr>
+            <a:xfrm>
+              <a:off x="2514600" y="2472779"/>
+              <a:ext cx="5943600" cy="769441"/>
+              <a:chOff x="3534394" y="5526863"/>
+              <a:chExt cx="9677400" cy="769441"/>
+            </a:xfrm>
+          </p:grpSpPr>
+          <p:sp>
+            <p:nvSpPr>
+              <p:cNvPr id="5" name="Freeform 9">
+                <a:extLst>
+                  <a:ext uri="{FF2B5EF4-FFF2-40B4-BE49-F238E27FC236}">
+                    <a16:creationId xmlns:a16="http://schemas.microsoft.com/office/drawing/2014/main" id="{18287A2D-3D9F-DB3B-FB69-B1BB8042263A}"/>
+                  </a:ext>
+                </a:extLst>
+              </p:cNvPr>
+              <p:cNvSpPr/>
+              <p:nvPr/>
+            </p:nvSpPr>
+            <p:spPr>
+              <a:xfrm rot="5400000">
+                <a:off x="3505596" y="5684914"/>
+                <a:ext cx="510937" cy="453341"/>
+              </a:xfrm>
+              <a:custGeom>
+                <a:avLst/>
+                <a:gdLst/>
+                <a:ahLst/>
+                <a:cxnLst/>
+                <a:rect l="l" t="t" r="r" b="b"/>
+                <a:pathLst>
+                  <a:path w="510937" h="453341">
+                    <a:moveTo>
+                      <a:pt x="0" y="0"/>
+                    </a:moveTo>
+                    <a:lnTo>
+                      <a:pt x="510937" y="0"/>
+                    </a:lnTo>
+                    <a:lnTo>
+                      <a:pt x="510937" y="453341"/>
+                    </a:lnTo>
+                    <a:lnTo>
+                      <a:pt x="0" y="453341"/>
+                    </a:lnTo>
+                    <a:lnTo>
+                      <a:pt x="0" y="0"/>
+                    </a:lnTo>
+                    <a:close/>
+                  </a:path>
+                </a:pathLst>
+              </a:custGeom>
+              <a:blipFill>
+                <a:blip r:embed="rId2">
+                  <a:extLst>
+                    <a:ext uri="{96DAC541-7B7A-43D3-8B79-37D633B846F1}">
+                      <asvg:svgBlip xmlns:asvg="http://schemas.microsoft.com/office/drawing/2016/SVG/main" r:embed="rId3"/>
+                    </a:ext>
+                  </a:extLst>
+                </a:blip>
+                <a:stretch>
+                  <a:fillRect/>
+                </a:stretch>
+              </a:blipFill>
+            </p:spPr>
+            <p:txBody>
+              <a:bodyPr/>
+              <a:lstStyle/>
+              <a:p>
+                <a:endParaRPr lang="en-US" dirty="0"/>
+              </a:p>
+            </p:txBody>
+          </p:sp>
+          <p:sp>
+            <p:nvSpPr>
+              <p:cNvPr id="10" name="TextBox 11">
+                <a:extLst>
+                  <a:ext uri="{FF2B5EF4-FFF2-40B4-BE49-F238E27FC236}">
+                    <a16:creationId xmlns:a16="http://schemas.microsoft.com/office/drawing/2014/main" id="{055E8F80-DE73-C995-75B1-127D4FA9E200}"/>
+                  </a:ext>
+                </a:extLst>
+              </p:cNvPr>
+              <p:cNvSpPr txBox="1"/>
+              <p:nvPr/>
+            </p:nvSpPr>
+            <p:spPr>
+              <a:xfrm>
+                <a:off x="4143994" y="5526863"/>
+                <a:ext cx="9067800" cy="769441"/>
+              </a:xfrm>
+              <a:prstGeom prst="rect">
+                <a:avLst/>
+              </a:prstGeom>
+            </p:spPr>
+            <p:txBody>
+              <a:bodyPr wrap="square" lIns="0" tIns="0" rIns="0" bIns="0" rtlCol="0" anchor="t">
+                <a:spAutoFit/>
+              </a:bodyPr>
+              <a:lstStyle/>
+              <a:p>
+                <a:pPr algn="l">
+                  <a:spcBef>
+                    <a:spcPct val="0"/>
+                  </a:spcBef>
+                </a:pPr>
+                <a:r>
+                  <a:rPr lang="en-US" sz="5000" b="1" spc="-57" dirty="0">
+                    <a:solidFill>
+                      <a:srgbClr val="051D40"/>
+                    </a:solidFill>
+                    <a:latin typeface="Arial" panose="020B0604020202020204" pitchFamily="34" charset="0"/>
+                    <a:ea typeface="Poppins"/>
+                    <a:cs typeface="Arial" panose="020B0604020202020204" pitchFamily="34" charset="0"/>
+                    <a:sym typeface="Poppins"/>
+                  </a:rPr>
+                  <a:t>CÔNG NGHỆ SỬ DỤNG</a:t>
+                </a:r>
+              </a:p>
+            </p:txBody>
+          </p:sp>
+        </p:grpSp>
+      </p:grpSp>
+      <p:grpSp>
+        <p:nvGrpSpPr>
+          <p:cNvPr id="7" name="Group 7">
+            <a:extLst>
+              <a:ext uri="{FF2B5EF4-FFF2-40B4-BE49-F238E27FC236}">
+                <a16:creationId xmlns:a16="http://schemas.microsoft.com/office/drawing/2014/main" id="{7B1D3290-749C-B0BA-4C3A-FA13CE2CCBB6}"/>
+              </a:ext>
+            </a:extLst>
+          </p:cNvPr>
+          <p:cNvGrpSpPr/>
+          <p:nvPr/>
+        </p:nvGrpSpPr>
+        <p:grpSpPr>
+          <a:xfrm>
+            <a:off x="16535400" y="-1867766"/>
+            <a:ext cx="3735531" cy="3735531"/>
+            <a:chOff x="0" y="0"/>
+            <a:chExt cx="812800" cy="812800"/>
+          </a:xfrm>
+        </p:grpSpPr>
+        <p:sp>
+          <p:nvSpPr>
+            <p:cNvPr id="8" name="Freeform 8">
+              <a:extLst>
+                <a:ext uri="{FF2B5EF4-FFF2-40B4-BE49-F238E27FC236}">
+                  <a16:creationId xmlns:a16="http://schemas.microsoft.com/office/drawing/2014/main" id="{020FD7F7-9698-691B-4BF2-37BA5B9731F5}"/>
+                </a:ext>
+              </a:extLst>
+            </p:cNvPr>
+            <p:cNvSpPr/>
+            <p:nvPr/>
+          </p:nvSpPr>
+          <p:spPr>
+            <a:xfrm>
+              <a:off x="0" y="0"/>
+              <a:ext cx="812800" cy="812800"/>
+            </a:xfrm>
+            <a:custGeom>
+              <a:avLst/>
+              <a:gdLst/>
+              <a:ahLst/>
+              <a:cxnLst/>
+              <a:rect l="l" t="t" r="r" b="b"/>
+              <a:pathLst>
+                <a:path w="812800" h="812800">
+                  <a:moveTo>
+                    <a:pt x="406400" y="0"/>
+                  </a:moveTo>
+                  <a:cubicBezTo>
+                    <a:pt x="181951" y="0"/>
+                    <a:pt x="0" y="181951"/>
+                    <a:pt x="0" y="406400"/>
+                  </a:cubicBezTo>
+                  <a:cubicBezTo>
+                    <a:pt x="0" y="630849"/>
+                    <a:pt x="181951" y="812800"/>
+                    <a:pt x="406400" y="812800"/>
+                  </a:cubicBezTo>
+                  <a:cubicBezTo>
+                    <a:pt x="630849" y="812800"/>
+                    <a:pt x="812800" y="630849"/>
+                    <a:pt x="812800" y="406400"/>
+                  </a:cubicBezTo>
+                  <a:cubicBezTo>
+                    <a:pt x="812800" y="181951"/>
+                    <a:pt x="630849" y="0"/>
+                    <a:pt x="406400" y="0"/>
+                  </a:cubicBezTo>
+                  <a:close/>
+                </a:path>
+              </a:pathLst>
+            </a:custGeom>
+            <a:solidFill>
+              <a:srgbClr val="000000">
+                <a:alpha val="0"/>
+              </a:srgbClr>
+            </a:solidFill>
+            <a:ln w="952500" cap="sq">
+              <a:solidFill>
+                <a:srgbClr val="145DA0"/>
+              </a:solidFill>
+              <a:prstDash val="solid"/>
+              <a:miter/>
+            </a:ln>
+          </p:spPr>
+        </p:sp>
+        <p:sp>
+          <p:nvSpPr>
+            <p:cNvPr id="9" name="TextBox 9">
+              <a:extLst>
+                <a:ext uri="{FF2B5EF4-FFF2-40B4-BE49-F238E27FC236}">
+                  <a16:creationId xmlns:a16="http://schemas.microsoft.com/office/drawing/2014/main" id="{C0CD1544-24A5-80C8-B442-95305712B038}"/>
+                </a:ext>
+              </a:extLst>
+            </p:cNvPr>
+            <p:cNvSpPr txBox="1"/>
+            <p:nvPr/>
+          </p:nvSpPr>
+          <p:spPr>
+            <a:xfrm>
+              <a:off x="76200" y="38100"/>
+              <a:ext cx="660400" cy="698500"/>
+            </a:xfrm>
+            <a:prstGeom prst="rect">
+              <a:avLst/>
+            </a:prstGeom>
+          </p:spPr>
+          <p:txBody>
+            <a:bodyPr lIns="50800" tIns="50800" rIns="50800" bIns="50800" rtlCol="0" anchor="ctr"/>
+            <a:lstStyle/>
+            <a:p>
+              <a:pPr algn="ctr">
+                <a:lnSpc>
+                  <a:spcPts val="2659"/>
+                </a:lnSpc>
+                <a:spcBef>
+                  <a:spcPct val="0"/>
+                </a:spcBef>
+              </a:pPr>
+              <a:endParaRPr>
+                <a:latin typeface="Arial" panose="020B0604020202020204" pitchFamily="34" charset="0"/>
+                <a:cs typeface="Arial" panose="020B0604020202020204" pitchFamily="34" charset="0"/>
+              </a:endParaRPr>
+            </a:p>
+          </p:txBody>
+        </p:sp>
+      </p:grpSp>
+      <p:sp>
+        <p:nvSpPr>
+          <p:cNvPr id="42" name="Rectangle: Rounded Corners 41">
+            <a:extLst>
+              <a:ext uri="{FF2B5EF4-FFF2-40B4-BE49-F238E27FC236}">
+                <a16:creationId xmlns:a16="http://schemas.microsoft.com/office/drawing/2014/main" id="{A1781127-8CC3-EDC6-740F-CB56F046AE80}"/>
+              </a:ext>
+            </a:extLst>
+          </p:cNvPr>
+          <p:cNvSpPr/>
+          <p:nvPr/>
+        </p:nvSpPr>
+        <p:spPr>
+          <a:xfrm>
+            <a:off x="1867765" y="3009109"/>
+            <a:ext cx="4180406" cy="5598880"/>
+          </a:xfrm>
+          <a:prstGeom prst="roundRect">
+            <a:avLst/>
+          </a:prstGeom>
+          <a:solidFill>
+            <a:schemeClr val="accent4">
+              <a:lumMod val="20000"/>
+              <a:lumOff val="80000"/>
+            </a:schemeClr>
+          </a:solidFill>
+          <a:ln>
+            <a:noFill/>
+          </a:ln>
+          <a:effectLst>
+            <a:outerShdw blurRad="107950" dist="12700" dir="5400000" algn="ctr">
+              <a:srgbClr val="000000"/>
+            </a:outerShdw>
+            <a:softEdge rad="31750"/>
+          </a:effectLst>
+          <a:scene3d>
+            <a:camera prst="orthographicFront">
+              <a:rot lat="0" lon="0" rev="0"/>
+            </a:camera>
+            <a:lightRig rig="soft" dir="t">
+              <a:rot lat="0" lon="0" rev="0"/>
+            </a:lightRig>
+          </a:scene3d>
+          <a:sp3d contourW="44450" prstMaterial="matte">
+            <a:bevelT w="63500" h="63500" prst="artDeco"/>
+            <a:contourClr>
+              <a:srgbClr val="FFFFFF"/>
+            </a:contourClr>
+          </a:sp3d>
+        </p:spPr>
+        <p:style>
+          <a:lnRef idx="2">
+            <a:schemeClr val="accent1">
+              <a:shade val="15000"/>
+            </a:schemeClr>
+          </a:lnRef>
+          <a:fillRef idx="1">
+            <a:schemeClr val="accent1"/>
+          </a:fillRef>
+          <a:effectRef idx="0">
+            <a:schemeClr val="accent1"/>
+          </a:effectRef>
+          <a:fontRef idx="minor">
+            <a:schemeClr val="lt1"/>
+          </a:fontRef>
+        </p:style>
+        <p:txBody>
+          <a:bodyPr rtlCol="0" anchor="ctr"/>
+          <a:lstStyle/>
+          <a:p>
+            <a:pPr algn="ctr"/>
+            <a:endParaRPr lang="en-US" sz="3600" dirty="0">
+              <a:solidFill>
+                <a:schemeClr val="tx1"/>
+              </a:solidFill>
+            </a:endParaRPr>
+          </a:p>
+          <a:p>
+            <a:pPr algn="ctr"/>
+            <a:endParaRPr lang="en-US" sz="3600" dirty="0">
+              <a:solidFill>
+                <a:schemeClr val="tx1"/>
+              </a:solidFill>
+            </a:endParaRPr>
+          </a:p>
+          <a:p>
+            <a:pPr algn="ctr"/>
+            <a:endParaRPr lang="en-US" sz="3600" dirty="0">
+              <a:solidFill>
+                <a:schemeClr val="tx1"/>
+              </a:solidFill>
+            </a:endParaRPr>
+          </a:p>
+          <a:p>
+            <a:pPr algn="ctr"/>
+            <a:endParaRPr lang="en-US" sz="3600" dirty="0">
+              <a:solidFill>
+                <a:schemeClr val="tx1"/>
+              </a:solidFill>
+            </a:endParaRPr>
+          </a:p>
+          <a:p>
+            <a:pPr algn="ctr"/>
+            <a:endParaRPr lang="en-US" sz="3600" dirty="0">
+              <a:solidFill>
+                <a:schemeClr val="tx1"/>
+              </a:solidFill>
+            </a:endParaRPr>
+          </a:p>
+          <a:p>
+            <a:pPr algn="ctr"/>
+            <a:endParaRPr lang="en-US" sz="3600" dirty="0">
+              <a:solidFill>
+                <a:schemeClr val="tx1"/>
+              </a:solidFill>
+            </a:endParaRPr>
+          </a:p>
+          <a:p>
+            <a:pPr algn="ctr"/>
+            <a:r>
+              <a:rPr lang="en-US" sz="3600" dirty="0">
+                <a:solidFill>
+                  <a:schemeClr val="tx1"/>
+                </a:solidFill>
+              </a:rPr>
+              <a:t>Bootstrap</a:t>
+            </a:r>
+          </a:p>
+        </p:txBody>
+      </p:sp>
+      <p:grpSp>
+        <p:nvGrpSpPr>
+          <p:cNvPr id="50" name="Group 49">
+            <a:extLst>
+              <a:ext uri="{FF2B5EF4-FFF2-40B4-BE49-F238E27FC236}">
+                <a16:creationId xmlns:a16="http://schemas.microsoft.com/office/drawing/2014/main" id="{43F91C56-0064-D0AE-65C1-B759236BC59F}"/>
+              </a:ext>
+            </a:extLst>
+          </p:cNvPr>
+          <p:cNvGrpSpPr/>
+          <p:nvPr/>
+        </p:nvGrpSpPr>
+        <p:grpSpPr>
+          <a:xfrm>
+            <a:off x="2517969" y="3009109"/>
+            <a:ext cx="8751601" cy="5598880"/>
+            <a:chOff x="2028207" y="2005880"/>
+            <a:chExt cx="8751601" cy="5598880"/>
+          </a:xfrm>
+        </p:grpSpPr>
+        <p:sp>
+          <p:nvSpPr>
+            <p:cNvPr id="45" name="Rectangle: Rounded Corners 44">
+              <a:extLst>
+                <a:ext uri="{FF2B5EF4-FFF2-40B4-BE49-F238E27FC236}">
+                  <a16:creationId xmlns:a16="http://schemas.microsoft.com/office/drawing/2014/main" id="{D2AC911B-57D8-B5DA-C586-0812E7EA4879}"/>
+                </a:ext>
+              </a:extLst>
+            </p:cNvPr>
+            <p:cNvSpPr/>
+            <p:nvPr/>
+          </p:nvSpPr>
+          <p:spPr>
+            <a:xfrm>
+              <a:off x="6599402" y="2005880"/>
+              <a:ext cx="4180406" cy="5598880"/>
+            </a:xfrm>
+            <a:prstGeom prst="roundRect">
+              <a:avLst/>
+            </a:prstGeom>
+            <a:solidFill>
+              <a:schemeClr val="accent4">
+                <a:lumMod val="20000"/>
+                <a:lumOff val="80000"/>
+              </a:schemeClr>
+            </a:solidFill>
+            <a:ln>
+              <a:noFill/>
+            </a:ln>
+            <a:effectLst>
+              <a:outerShdw blurRad="107950" dist="12700" dir="5400000" algn="ctr">
+                <a:srgbClr val="000000"/>
+              </a:outerShdw>
+              <a:softEdge rad="31750"/>
+            </a:effectLst>
+            <a:scene3d>
+              <a:camera prst="orthographicFront">
+                <a:rot lat="0" lon="0" rev="0"/>
+              </a:camera>
+              <a:lightRig rig="soft" dir="t">
+                <a:rot lat="0" lon="0" rev="0"/>
+              </a:lightRig>
+            </a:scene3d>
+            <a:sp3d contourW="44450" prstMaterial="matte">
+              <a:bevelT w="63500" h="63500" prst="artDeco"/>
+              <a:contourClr>
+                <a:srgbClr val="FFFFFF"/>
+              </a:contourClr>
+            </a:sp3d>
+          </p:spPr>
+          <p:style>
+            <a:lnRef idx="2">
+              <a:schemeClr val="accent1">
+                <a:shade val="15000"/>
+              </a:schemeClr>
+            </a:lnRef>
+            <a:fillRef idx="1">
+              <a:schemeClr val="accent1"/>
+            </a:fillRef>
+            <a:effectRef idx="0">
+              <a:schemeClr val="accent1"/>
+            </a:effectRef>
+            <a:fontRef idx="minor">
+              <a:schemeClr val="lt1"/>
+            </a:fontRef>
+          </p:style>
+          <p:txBody>
+            <a:bodyPr rtlCol="0" anchor="ctr"/>
+            <a:lstStyle/>
+            <a:p>
+              <a:pPr algn="ctr"/>
+              <a:endParaRPr lang="en-US" sz="3600" dirty="0">
+                <a:solidFill>
+                  <a:schemeClr val="tx1"/>
+                </a:solidFill>
+              </a:endParaRPr>
+            </a:p>
+            <a:p>
+              <a:pPr algn="ctr"/>
+              <a:endParaRPr lang="en-US" sz="3600" dirty="0">
+                <a:solidFill>
+                  <a:schemeClr val="tx1"/>
+                </a:solidFill>
+              </a:endParaRPr>
+            </a:p>
+            <a:p>
+              <a:pPr algn="ctr"/>
+              <a:endParaRPr lang="en-US" sz="3600" dirty="0">
+                <a:solidFill>
+                  <a:schemeClr val="tx1"/>
+                </a:solidFill>
+              </a:endParaRPr>
+            </a:p>
+            <a:p>
+              <a:pPr algn="ctr"/>
+              <a:endParaRPr lang="en-US" sz="3600" dirty="0">
+                <a:solidFill>
+                  <a:schemeClr val="tx1"/>
+                </a:solidFill>
+              </a:endParaRPr>
+            </a:p>
+            <a:p>
+              <a:pPr algn="ctr"/>
+              <a:endParaRPr lang="en-US" sz="3600" dirty="0">
+                <a:solidFill>
+                  <a:schemeClr val="tx1"/>
+                </a:solidFill>
+              </a:endParaRPr>
+            </a:p>
+            <a:p>
+              <a:pPr algn="ctr"/>
+              <a:endParaRPr lang="en-US" sz="3600" dirty="0">
+                <a:solidFill>
+                  <a:schemeClr val="tx1"/>
+                </a:solidFill>
+              </a:endParaRPr>
+            </a:p>
+            <a:p>
+              <a:pPr algn="ctr"/>
+              <a:r>
+                <a:rPr lang="en-US" sz="3600" dirty="0">
+                  <a:solidFill>
+                    <a:schemeClr val="tx1"/>
+                  </a:solidFill>
+                </a:rPr>
+                <a:t>SQL SERVER</a:t>
+              </a:r>
+            </a:p>
+          </p:txBody>
+        </p:sp>
+        <p:pic>
+          <p:nvPicPr>
+            <p:cNvPr id="24" name="Picture 23">
+              <a:extLst>
+                <a:ext uri="{FF2B5EF4-FFF2-40B4-BE49-F238E27FC236}">
+                  <a16:creationId xmlns:a16="http://schemas.microsoft.com/office/drawing/2014/main" id="{77F4687E-FF80-2F0A-F1FE-E61D1BFC87E1}"/>
+                </a:ext>
+              </a:extLst>
+            </p:cNvPr>
+            <p:cNvPicPr>
+              <a:picLocks noChangeAspect="1"/>
+            </p:cNvPicPr>
+            <p:nvPr/>
+          </p:nvPicPr>
+          <p:blipFill>
+            <a:blip r:embed="rId4">
+              <a:extLst>
+                <a:ext uri="{28A0092B-C50C-407E-A947-70E740481C1C}">
+                  <a14:useLocalDpi xmlns:a14="http://schemas.microsoft.com/office/drawing/2010/main" val="0"/>
+                </a:ext>
+              </a:extLst>
+            </a:blip>
+            <a:stretch>
+              <a:fillRect/>
+            </a:stretch>
+          </p:blipFill>
+          <p:spPr>
+            <a:xfrm>
+              <a:off x="2028207" y="2920459"/>
+              <a:ext cx="2880000" cy="2334675"/>
+            </a:xfrm>
+            <a:prstGeom prst="rect">
+              <a:avLst/>
+            </a:prstGeom>
+          </p:spPr>
+        </p:pic>
+      </p:grpSp>
+      <p:sp>
+        <p:nvSpPr>
+          <p:cNvPr id="47" name="Rectangle: Rounded Corners 46">
+            <a:extLst>
+              <a:ext uri="{FF2B5EF4-FFF2-40B4-BE49-F238E27FC236}">
+                <a16:creationId xmlns:a16="http://schemas.microsoft.com/office/drawing/2014/main" id="{81B324DA-CF20-CEBB-1B4D-D84B93F4AFE2}"/>
+              </a:ext>
+            </a:extLst>
+          </p:cNvPr>
+          <p:cNvSpPr/>
+          <p:nvPr/>
+        </p:nvSpPr>
+        <p:spPr>
+          <a:xfrm>
+            <a:off x="12310562" y="2956319"/>
+            <a:ext cx="4180406" cy="5598880"/>
+          </a:xfrm>
+          <a:prstGeom prst="roundRect">
+            <a:avLst/>
+          </a:prstGeom>
+          <a:solidFill>
+            <a:schemeClr val="accent4">
+              <a:lumMod val="20000"/>
+              <a:lumOff val="80000"/>
+            </a:schemeClr>
+          </a:solidFill>
+          <a:ln>
+            <a:noFill/>
+          </a:ln>
+          <a:effectLst>
+            <a:outerShdw blurRad="107950" dist="12700" dir="5400000" algn="ctr">
+              <a:srgbClr val="000000"/>
+            </a:outerShdw>
+            <a:softEdge rad="31750"/>
+          </a:effectLst>
+          <a:scene3d>
+            <a:camera prst="orthographicFront">
+              <a:rot lat="0" lon="0" rev="0"/>
+            </a:camera>
+            <a:lightRig rig="soft" dir="t">
+              <a:rot lat="0" lon="0" rev="0"/>
+            </a:lightRig>
+          </a:scene3d>
+          <a:sp3d contourW="44450" prstMaterial="matte">
+            <a:bevelT w="63500" h="63500" prst="artDeco"/>
+            <a:contourClr>
+              <a:srgbClr val="FFFFFF"/>
+            </a:contourClr>
+          </a:sp3d>
+        </p:spPr>
+        <p:style>
+          <a:lnRef idx="2">
+            <a:schemeClr val="accent1">
+              <a:shade val="15000"/>
+            </a:schemeClr>
+          </a:lnRef>
+          <a:fillRef idx="1">
+            <a:schemeClr val="accent1"/>
+          </a:fillRef>
+          <a:effectRef idx="0">
+            <a:schemeClr val="accent1"/>
+          </a:effectRef>
+          <a:fontRef idx="minor">
+            <a:schemeClr val="lt1"/>
+          </a:fontRef>
+        </p:style>
+        <p:txBody>
+          <a:bodyPr rtlCol="0" anchor="ctr"/>
+          <a:lstStyle/>
+          <a:p>
+            <a:pPr algn="ctr"/>
+            <a:endParaRPr lang="en-US" sz="3600" dirty="0">
+              <a:solidFill>
+                <a:schemeClr val="tx1"/>
+              </a:solidFill>
+            </a:endParaRPr>
+          </a:p>
+          <a:p>
+            <a:pPr algn="ctr"/>
+            <a:endParaRPr lang="en-US" sz="3600" dirty="0">
+              <a:solidFill>
+                <a:schemeClr val="tx1"/>
+              </a:solidFill>
+            </a:endParaRPr>
+          </a:p>
+          <a:p>
+            <a:pPr algn="ctr"/>
+            <a:endParaRPr lang="en-US" sz="3600" dirty="0">
+              <a:solidFill>
+                <a:schemeClr val="tx1"/>
+              </a:solidFill>
+            </a:endParaRPr>
+          </a:p>
+          <a:p>
+            <a:pPr algn="ctr"/>
+            <a:endParaRPr lang="en-US" sz="3600" dirty="0">
+              <a:solidFill>
+                <a:schemeClr val="tx1"/>
+              </a:solidFill>
+            </a:endParaRPr>
+          </a:p>
+          <a:p>
+            <a:pPr algn="ctr"/>
+            <a:endParaRPr lang="en-US" sz="3600" dirty="0">
+              <a:solidFill>
+                <a:schemeClr val="tx1"/>
+              </a:solidFill>
+            </a:endParaRPr>
+          </a:p>
+          <a:p>
+            <a:pPr algn="ctr"/>
+            <a:endParaRPr lang="en-US" sz="3600" dirty="0">
+              <a:solidFill>
+                <a:schemeClr val="tx1"/>
+              </a:solidFill>
+            </a:endParaRPr>
+          </a:p>
+          <a:p>
+            <a:pPr algn="ctr"/>
+            <a:r>
+              <a:rPr lang="en-US" sz="3600" dirty="0">
+                <a:solidFill>
+                  <a:schemeClr val="tx1"/>
+                </a:solidFill>
+              </a:rPr>
+              <a:t>SQL SERVER</a:t>
+            </a:r>
+          </a:p>
+        </p:txBody>
+      </p:sp>
+      <p:sp>
+        <p:nvSpPr>
+          <p:cNvPr id="6" name="AutoShape 2" descr="Chart.Js Logo PNG Vectors Free Download">
+            <a:extLst>
+              <a:ext uri="{FF2B5EF4-FFF2-40B4-BE49-F238E27FC236}">
+                <a16:creationId xmlns:a16="http://schemas.microsoft.com/office/drawing/2014/main" id="{A2AEDCA5-E13D-4B63-56D2-FA258D04D69E}"/>
+              </a:ext>
+            </a:extLst>
+          </p:cNvPr>
+          <p:cNvSpPr>
+            <a:spLocks noChangeAspect="1" noChangeArrowheads="1"/>
+          </p:cNvSpPr>
+          <p:nvPr/>
+        </p:nvSpPr>
+        <p:spPr bwMode="auto">
+          <a:xfrm>
+            <a:off x="9026967" y="6117754"/>
+            <a:ext cx="304800" cy="304800"/>
+          </a:xfrm>
+          <a:prstGeom prst="rect">
+            <a:avLst/>
+          </a:prstGeom>
+          <a:noFill/>
+          <a:extLst>
+            <a:ext uri="{909E8E84-426E-40DD-AFC4-6F175D3DCCD1}">
+              <a14:hiddenFill xmlns:a14="http://schemas.microsoft.com/office/drawing/2010/main">
+                <a:solidFill>
+                  <a:srgbClr val="FFFFFF"/>
+                </a:solidFill>
+              </a14:hiddenFill>
+            </a:ext>
+          </a:extLst>
+        </p:spPr>
+        <p:txBody>
+          <a:bodyPr vert="horz" wrap="square" lIns="91440" tIns="45720" rIns="91440" bIns="45720" numCol="1" anchor="t" anchorCtr="0" compatLnSpc="1">
+            <a:prstTxWarp prst="textNoShape">
+              <a:avLst/>
+            </a:prstTxWarp>
+          </a:bodyPr>
+          <a:lstStyle/>
+          <a:p>
+            <a:endParaRPr lang="en-US"/>
+          </a:p>
+        </p:txBody>
+      </p:sp>
+      <p:pic>
+        <p:nvPicPr>
+          <p:cNvPr id="22" name="Picture 21">
+            <a:extLst>
+              <a:ext uri="{FF2B5EF4-FFF2-40B4-BE49-F238E27FC236}">
+                <a16:creationId xmlns:a16="http://schemas.microsoft.com/office/drawing/2014/main" id="{C98C5545-6E4D-B79F-3979-51CF2E2FC95F}"/>
+              </a:ext>
+            </a:extLst>
+          </p:cNvPr>
+          <p:cNvPicPr>
+            <a:picLocks noChangeAspect="1"/>
+          </p:cNvPicPr>
+          <p:nvPr/>
+        </p:nvPicPr>
+        <p:blipFill>
+          <a:blip r:embed="rId5"/>
+          <a:srcRect t="3787" b="5658"/>
+          <a:stretch>
+            <a:fillRect/>
+          </a:stretch>
+        </p:blipFill>
+        <p:spPr>
+          <a:xfrm>
+            <a:off x="7737236" y="3600291"/>
+            <a:ext cx="2884262" cy="2981467"/>
+          </a:xfrm>
+          <a:prstGeom prst="rect">
+            <a:avLst/>
+          </a:prstGeom>
+        </p:spPr>
+      </p:pic>
+      <p:pic>
+        <p:nvPicPr>
+          <p:cNvPr id="2054" name="Picture 6" descr="laralabs/toaster - Packagist">
+            <a:extLst>
+              <a:ext uri="{FF2B5EF4-FFF2-40B4-BE49-F238E27FC236}">
+                <a16:creationId xmlns:a16="http://schemas.microsoft.com/office/drawing/2014/main" id="{B00F87E0-D137-B19E-4381-FD3340A7A4C3}"/>
+              </a:ext>
+            </a:extLst>
+          </p:cNvPr>
+          <p:cNvPicPr>
+            <a:picLocks noChangeAspect="1" noChangeArrowheads="1"/>
+          </p:cNvPicPr>
+          <p:nvPr/>
+        </p:nvPicPr>
+        <p:blipFill>
+          <a:blip r:embed="rId6">
+            <a:extLst>
+              <a:ext uri="{28A0092B-C50C-407E-A947-70E740481C1C}">
+                <a14:useLocalDpi xmlns:a14="http://schemas.microsoft.com/office/drawing/2010/main" val="0"/>
+              </a:ext>
+            </a:extLst>
+          </a:blip>
+          <a:srcRect/>
+          <a:stretch>
+            <a:fillRect/>
+          </a:stretch>
+        </p:blipFill>
+        <p:spPr bwMode="auto">
+          <a:xfrm>
+            <a:off x="13029165" y="3607911"/>
+            <a:ext cx="2743200" cy="2932822"/>
+          </a:xfrm>
+          <a:prstGeom prst="rect">
+            <a:avLst/>
+          </a:prstGeom>
+          <a:noFill/>
+          <a:extLst>
+            <a:ext uri="{909E8E84-426E-40DD-AFC4-6F175D3DCCD1}">
+              <a14:hiddenFill xmlns:a14="http://schemas.microsoft.com/office/drawing/2010/main">
+                <a:solidFill>
+                  <a:srgbClr val="FFFFFF"/>
+                </a:solidFill>
+              </a14:hiddenFill>
+            </a:ext>
+          </a:extLst>
+        </p:spPr>
+      </p:pic>
+      <p:sp>
+        <p:nvSpPr>
+          <p:cNvPr id="23" name="TextBox 22">
+            <a:extLst>
+              <a:ext uri="{FF2B5EF4-FFF2-40B4-BE49-F238E27FC236}">
+                <a16:creationId xmlns:a16="http://schemas.microsoft.com/office/drawing/2014/main" id="{A28CB2E1-40C6-B0FB-53E2-F5BB09BAD772}"/>
+              </a:ext>
+            </a:extLst>
+          </p:cNvPr>
+          <p:cNvSpPr txBox="1"/>
+          <p:nvPr/>
+        </p:nvSpPr>
+        <p:spPr>
+          <a:xfrm>
+            <a:off x="7473638" y="1443973"/>
+            <a:ext cx="3340723" cy="769441"/>
+          </a:xfrm>
+          <a:prstGeom prst="rect">
+            <a:avLst/>
+          </a:prstGeom>
+          <a:noFill/>
+        </p:spPr>
+        <p:txBody>
+          <a:bodyPr wrap="none" rtlCol="0">
+            <a:spAutoFit/>
+          </a:bodyPr>
+          <a:lstStyle/>
+          <a:p>
+            <a:pPr algn="dist"/>
+            <a:r>
+              <a:rPr lang="en-US" sz="4400" b="1" dirty="0">
+                <a:latin typeface="Constantia" panose="02030602050306030303" pitchFamily="18" charset="0"/>
+              </a:rPr>
+              <a:t>FRONTEND</a:t>
+            </a:r>
+          </a:p>
+        </p:txBody>
+      </p:sp>
+    </p:spTree>
+    <p:extLst>
+      <p:ext uri="{BB962C8B-B14F-4D97-AF65-F5344CB8AC3E}">
+        <p14:creationId xmlns:p14="http://schemas.microsoft.com/office/powerpoint/2010/main" val="3718730862"/>
+      </p:ext>
+    </p:extLst>
+  </p:cSld>
+  <p:clrMapOvr>
+    <a:masterClrMapping/>
+  </p:clrMapOvr>
+</p:sld>
+</file>
+
+<file path=ppt/slides/slide7.xml><?xml version="1.0" encoding="utf-8"?>
 <p:sld xmlns:a="http://schemas.openxmlformats.org/drawingml/2006/main" xmlns:r="http://schemas.openxmlformats.org/officeDocument/2006/relationships" xmlns:p="http://schemas.openxmlformats.org/presentationml/2006/main">
   <p:cSld>
     <p:spTree>
@@ -8548,7 +10116,7 @@
 </p:sld>
 </file>
 
-<file path=ppt/slides/slide7.xml><?xml version="1.0" encoding="utf-8"?>
+<file path=ppt/slides/slide8.xml><?xml version="1.0" encoding="utf-8"?>
 <p:sld xmlns:a="http://schemas.openxmlformats.org/drawingml/2006/main" xmlns:r="http://schemas.openxmlformats.org/officeDocument/2006/relationships" xmlns:p="http://schemas.openxmlformats.org/presentationml/2006/main">
   <p:cSld>
     <p:spTree>
@@ -8573,251 +10141,6 @@
       </p:grpSpPr>
       <p:grpSp>
         <p:nvGrpSpPr>
-          <p:cNvPr id="13" name="Group 13">
-            <a:extLst>
-              <a:ext uri="{FF2B5EF4-FFF2-40B4-BE49-F238E27FC236}">
-                <a16:creationId xmlns:a16="http://schemas.microsoft.com/office/drawing/2014/main" id="{47AF6754-2777-EA4C-A300-B76D78579D0E}"/>
-              </a:ext>
-            </a:extLst>
-          </p:cNvPr>
-          <p:cNvGrpSpPr/>
-          <p:nvPr/>
-        </p:nvGrpSpPr>
-        <p:grpSpPr>
-          <a:xfrm>
-            <a:off x="-1867766" y="8801100"/>
-            <a:ext cx="3735531" cy="3735531"/>
-            <a:chOff x="0" y="0"/>
-            <a:chExt cx="812800" cy="812800"/>
-          </a:xfrm>
-        </p:grpSpPr>
-        <p:sp>
-          <p:nvSpPr>
-            <p:cNvPr id="14" name="Freeform 14">
-              <a:extLst>
-                <a:ext uri="{FF2B5EF4-FFF2-40B4-BE49-F238E27FC236}">
-                  <a16:creationId xmlns:a16="http://schemas.microsoft.com/office/drawing/2014/main" id="{1F74249A-2E4C-CA0D-1AE1-10F946C0C75C}"/>
-                </a:ext>
-              </a:extLst>
-            </p:cNvPr>
-            <p:cNvSpPr/>
-            <p:nvPr/>
-          </p:nvSpPr>
-          <p:spPr>
-            <a:xfrm>
-              <a:off x="0" y="0"/>
-              <a:ext cx="812800" cy="812800"/>
-            </a:xfrm>
-            <a:custGeom>
-              <a:avLst/>
-              <a:gdLst/>
-              <a:ahLst/>
-              <a:cxnLst/>
-              <a:rect l="l" t="t" r="r" b="b"/>
-              <a:pathLst>
-                <a:path w="812800" h="812800">
-                  <a:moveTo>
-                    <a:pt x="406400" y="0"/>
-                  </a:moveTo>
-                  <a:cubicBezTo>
-                    <a:pt x="181951" y="0"/>
-                    <a:pt x="0" y="181951"/>
-                    <a:pt x="0" y="406400"/>
-                  </a:cubicBezTo>
-                  <a:cubicBezTo>
-                    <a:pt x="0" y="630849"/>
-                    <a:pt x="181951" y="812800"/>
-                    <a:pt x="406400" y="812800"/>
-                  </a:cubicBezTo>
-                  <a:cubicBezTo>
-                    <a:pt x="630849" y="812800"/>
-                    <a:pt x="812800" y="630849"/>
-                    <a:pt x="812800" y="406400"/>
-                  </a:cubicBezTo>
-                  <a:cubicBezTo>
-                    <a:pt x="812800" y="181951"/>
-                    <a:pt x="630849" y="0"/>
-                    <a:pt x="406400" y="0"/>
-                  </a:cubicBezTo>
-                  <a:close/>
-                </a:path>
-              </a:pathLst>
-            </a:custGeom>
-            <a:solidFill>
-              <a:srgbClr val="000000">
-                <a:alpha val="0"/>
-              </a:srgbClr>
-            </a:solidFill>
-            <a:ln w="952500" cap="sq">
-              <a:solidFill>
-                <a:srgbClr val="145DA0"/>
-              </a:solidFill>
-              <a:prstDash val="solid"/>
-              <a:miter/>
-            </a:ln>
-          </p:spPr>
-        </p:sp>
-        <p:sp>
-          <p:nvSpPr>
-            <p:cNvPr id="15" name="TextBox 15">
-              <a:extLst>
-                <a:ext uri="{FF2B5EF4-FFF2-40B4-BE49-F238E27FC236}">
-                  <a16:creationId xmlns:a16="http://schemas.microsoft.com/office/drawing/2014/main" id="{EB8B8200-7165-AB07-1788-501F4D9ABBD7}"/>
-                </a:ext>
-              </a:extLst>
-            </p:cNvPr>
-            <p:cNvSpPr txBox="1"/>
-            <p:nvPr/>
-          </p:nvSpPr>
-          <p:spPr>
-            <a:xfrm>
-              <a:off x="76200" y="38100"/>
-              <a:ext cx="660400" cy="698500"/>
-            </a:xfrm>
-            <a:prstGeom prst="rect">
-              <a:avLst/>
-            </a:prstGeom>
-          </p:spPr>
-          <p:txBody>
-            <a:bodyPr lIns="50800" tIns="50800" rIns="50800" bIns="50800" rtlCol="0" anchor="ctr"/>
-            <a:lstStyle/>
-            <a:p>
-              <a:pPr algn="ctr">
-                <a:lnSpc>
-                  <a:spcPts val="2659"/>
-                </a:lnSpc>
-                <a:spcBef>
-                  <a:spcPct val="0"/>
-                </a:spcBef>
-              </a:pPr>
-              <a:endParaRPr>
-                <a:latin typeface="Arial" panose="020B0604020202020204" pitchFamily="34" charset="0"/>
-                <a:cs typeface="Arial" panose="020B0604020202020204" pitchFamily="34" charset="0"/>
-              </a:endParaRPr>
-            </a:p>
-          </p:txBody>
-        </p:sp>
-      </p:grpSp>
-      <p:grpSp>
-        <p:nvGrpSpPr>
-          <p:cNvPr id="16" name="Group 10">
-            <a:extLst>
-              <a:ext uri="{FF2B5EF4-FFF2-40B4-BE49-F238E27FC236}">
-                <a16:creationId xmlns:a16="http://schemas.microsoft.com/office/drawing/2014/main" id="{A39423DA-8BA7-E37A-7E8F-174FE7E02E97}"/>
-              </a:ext>
-            </a:extLst>
-          </p:cNvPr>
-          <p:cNvGrpSpPr/>
-          <p:nvPr/>
-        </p:nvGrpSpPr>
-        <p:grpSpPr>
-          <a:xfrm>
-            <a:off x="17449800" y="9643525"/>
-            <a:ext cx="1286950" cy="1286950"/>
-            <a:chOff x="0" y="0"/>
-            <a:chExt cx="812800" cy="812800"/>
-          </a:xfrm>
-        </p:grpSpPr>
-        <p:sp>
-          <p:nvSpPr>
-            <p:cNvPr id="17" name="Freeform 11">
-              <a:extLst>
-                <a:ext uri="{FF2B5EF4-FFF2-40B4-BE49-F238E27FC236}">
-                  <a16:creationId xmlns:a16="http://schemas.microsoft.com/office/drawing/2014/main" id="{A10D138A-45AB-DC9F-2289-A1A9D2A53D2B}"/>
-                </a:ext>
-              </a:extLst>
-            </p:cNvPr>
-            <p:cNvSpPr/>
-            <p:nvPr/>
-          </p:nvSpPr>
-          <p:spPr>
-            <a:xfrm>
-              <a:off x="0" y="0"/>
-              <a:ext cx="812800" cy="812800"/>
-            </a:xfrm>
-            <a:custGeom>
-              <a:avLst/>
-              <a:gdLst/>
-              <a:ahLst/>
-              <a:cxnLst/>
-              <a:rect l="l" t="t" r="r" b="b"/>
-              <a:pathLst>
-                <a:path w="812800" h="812800">
-                  <a:moveTo>
-                    <a:pt x="406400" y="0"/>
-                  </a:moveTo>
-                  <a:cubicBezTo>
-                    <a:pt x="181951" y="0"/>
-                    <a:pt x="0" y="181951"/>
-                    <a:pt x="0" y="406400"/>
-                  </a:cubicBezTo>
-                  <a:cubicBezTo>
-                    <a:pt x="0" y="630849"/>
-                    <a:pt x="181951" y="812800"/>
-                    <a:pt x="406400" y="812800"/>
-                  </a:cubicBezTo>
-                  <a:cubicBezTo>
-                    <a:pt x="630849" y="812800"/>
-                    <a:pt x="812800" y="630849"/>
-                    <a:pt x="812800" y="406400"/>
-                  </a:cubicBezTo>
-                  <a:cubicBezTo>
-                    <a:pt x="812800" y="181951"/>
-                    <a:pt x="630849" y="0"/>
-                    <a:pt x="406400" y="0"/>
-                  </a:cubicBezTo>
-                  <a:close/>
-                </a:path>
-              </a:pathLst>
-            </a:custGeom>
-            <a:solidFill>
-              <a:srgbClr val="145DA0"/>
-            </a:solidFill>
-          </p:spPr>
-        </p:sp>
-        <p:sp>
-          <p:nvSpPr>
-            <p:cNvPr id="18" name="TextBox 12">
-              <a:extLst>
-                <a:ext uri="{FF2B5EF4-FFF2-40B4-BE49-F238E27FC236}">
-                  <a16:creationId xmlns:a16="http://schemas.microsoft.com/office/drawing/2014/main" id="{FB9D81E7-F132-BD92-715E-7ABFD3AA5B85}"/>
-                </a:ext>
-              </a:extLst>
-            </p:cNvPr>
-            <p:cNvSpPr txBox="1"/>
-            <p:nvPr/>
-          </p:nvSpPr>
-          <p:spPr>
-            <a:xfrm>
-              <a:off x="76200" y="38100"/>
-              <a:ext cx="660400" cy="698500"/>
-            </a:xfrm>
-            <a:prstGeom prst="rect">
-              <a:avLst/>
-            </a:prstGeom>
-          </p:spPr>
-          <p:txBody>
-            <a:bodyPr lIns="50800" tIns="50800" rIns="50800" bIns="50800" rtlCol="0" anchor="ctr"/>
-            <a:lstStyle/>
-            <a:p>
-              <a:pPr algn="ctr">
-                <a:lnSpc>
-                  <a:spcPts val="2659"/>
-                </a:lnSpc>
-                <a:spcBef>
-                  <a:spcPct val="0"/>
-                </a:spcBef>
-              </a:pPr>
-              <a:endParaRPr>
-                <a:latin typeface="Arial" panose="020B0604020202020204" pitchFamily="34" charset="0"/>
-                <a:cs typeface="Arial" panose="020B0604020202020204" pitchFamily="34" charset="0"/>
-              </a:endParaRPr>
-            </a:p>
-          </p:txBody>
-        </p:sp>
-      </p:grpSp>
-      <p:grpSp>
-        <p:nvGrpSpPr>
           <p:cNvPr id="29" name="Group 28">
             <a:extLst>
               <a:ext uri="{FF2B5EF4-FFF2-40B4-BE49-F238E27FC236}">
@@ -8830,8 +10153,8 @@
         </p:nvGrpSpPr>
         <p:grpSpPr>
           <a:xfrm>
-            <a:off x="0" y="-1"/>
-            <a:ext cx="16885606" cy="1080935"/>
+            <a:off x="0" y="0"/>
+            <a:ext cx="16885606" cy="933483"/>
             <a:chOff x="2294171" y="2309965"/>
             <a:chExt cx="12717230" cy="1080935"/>
           </a:xfrm>
@@ -9102,133 +10425,42 @@
           </p:sp>
         </p:grpSp>
       </p:grpSp>
-      <p:grpSp>
-        <p:nvGrpSpPr>
-          <p:cNvPr id="7" name="Group 7">
+      <p:pic>
+        <p:nvPicPr>
+          <p:cNvPr id="44" name="Picture 43">
             <a:extLst>
               <a:ext uri="{FF2B5EF4-FFF2-40B4-BE49-F238E27FC236}">
-                <a16:creationId xmlns:a16="http://schemas.microsoft.com/office/drawing/2014/main" id="{21118CE2-5629-DE7D-76E1-F52711454566}"/>
+                <a16:creationId xmlns:a16="http://schemas.microsoft.com/office/drawing/2014/main" id="{FB4C8F37-4A36-2342-EDE7-AC819AF06667}"/>
               </a:ext>
             </a:extLst>
           </p:cNvPr>
-          <p:cNvGrpSpPr/>
+          <p:cNvPicPr>
+            <a:picLocks noChangeAspect="1"/>
+          </p:cNvPicPr>
           <p:nvPr/>
-        </p:nvGrpSpPr>
-        <p:grpSpPr>
+        </p:nvPicPr>
+        <p:blipFill>
+          <a:blip r:embed="rId4">
+            <a:extLst>
+              <a:ext uri="{28A0092B-C50C-407E-A947-70E740481C1C}">
+                <a14:useLocalDpi xmlns:a14="http://schemas.microsoft.com/office/drawing/2010/main" val="0"/>
+              </a:ext>
+            </a:extLst>
+          </a:blip>
+          <a:stretch>
+            <a:fillRect/>
+          </a:stretch>
+        </p:blipFill>
+        <p:spPr>
           <a:xfrm>
-            <a:off x="16535400" y="-1867766"/>
-            <a:ext cx="3735531" cy="3735531"/>
-            <a:chOff x="0" y="0"/>
-            <a:chExt cx="812800" cy="812800"/>
+            <a:off x="147637" y="945690"/>
+            <a:ext cx="18288000" cy="9700818"/>
           </a:xfrm>
-        </p:grpSpPr>
-        <p:sp>
-          <p:nvSpPr>
-            <p:cNvPr id="8" name="Freeform 8">
-              <a:extLst>
-                <a:ext uri="{FF2B5EF4-FFF2-40B4-BE49-F238E27FC236}">
-                  <a16:creationId xmlns:a16="http://schemas.microsoft.com/office/drawing/2014/main" id="{F1BAD2D6-41FD-0FDB-362E-3C8B28AAE575}"/>
-                </a:ext>
-              </a:extLst>
-            </p:cNvPr>
-            <p:cNvSpPr/>
-            <p:nvPr/>
-          </p:nvSpPr>
-          <p:spPr>
-            <a:xfrm>
-              <a:off x="0" y="0"/>
-              <a:ext cx="812800" cy="812800"/>
-            </a:xfrm>
-            <a:custGeom>
-              <a:avLst/>
-              <a:gdLst/>
-              <a:ahLst/>
-              <a:cxnLst/>
-              <a:rect l="l" t="t" r="r" b="b"/>
-              <a:pathLst>
-                <a:path w="812800" h="812800">
-                  <a:moveTo>
-                    <a:pt x="406400" y="0"/>
-                  </a:moveTo>
-                  <a:cubicBezTo>
-                    <a:pt x="181951" y="0"/>
-                    <a:pt x="0" y="181951"/>
-                    <a:pt x="0" y="406400"/>
-                  </a:cubicBezTo>
-                  <a:cubicBezTo>
-                    <a:pt x="0" y="630849"/>
-                    <a:pt x="181951" y="812800"/>
-                    <a:pt x="406400" y="812800"/>
-                  </a:cubicBezTo>
-                  <a:cubicBezTo>
-                    <a:pt x="630849" y="812800"/>
-                    <a:pt x="812800" y="630849"/>
-                    <a:pt x="812800" y="406400"/>
-                  </a:cubicBezTo>
-                  <a:cubicBezTo>
-                    <a:pt x="812800" y="181951"/>
-                    <a:pt x="630849" y="0"/>
-                    <a:pt x="406400" y="0"/>
-                  </a:cubicBezTo>
-                  <a:close/>
-                </a:path>
-              </a:pathLst>
-            </a:custGeom>
-            <a:solidFill>
-              <a:srgbClr val="000000">
-                <a:alpha val="0"/>
-              </a:srgbClr>
-            </a:solidFill>
-            <a:ln w="952500" cap="sq">
-              <a:solidFill>
-                <a:srgbClr val="145DA0"/>
-              </a:solidFill>
-              <a:prstDash val="solid"/>
-              <a:miter/>
-            </a:ln>
-          </p:spPr>
-        </p:sp>
-        <p:sp>
-          <p:nvSpPr>
-            <p:cNvPr id="9" name="TextBox 9">
-              <a:extLst>
-                <a:ext uri="{FF2B5EF4-FFF2-40B4-BE49-F238E27FC236}">
-                  <a16:creationId xmlns:a16="http://schemas.microsoft.com/office/drawing/2014/main" id="{C4AF2089-CBAB-2537-36AB-838DF243F312}"/>
-                </a:ext>
-              </a:extLst>
-            </p:cNvPr>
-            <p:cNvSpPr txBox="1"/>
-            <p:nvPr/>
-          </p:nvSpPr>
-          <p:spPr>
-            <a:xfrm>
-              <a:off x="76200" y="38100"/>
-              <a:ext cx="660400" cy="698500"/>
-            </a:xfrm>
-            <a:prstGeom prst="rect">
-              <a:avLst/>
-            </a:prstGeom>
-          </p:spPr>
-          <p:txBody>
-            <a:bodyPr lIns="50800" tIns="50800" rIns="50800" bIns="50800" rtlCol="0" anchor="ctr"/>
-            <a:lstStyle/>
-            <a:p>
-              <a:pPr algn="ctr">
-                <a:lnSpc>
-                  <a:spcPts val="2659"/>
-                </a:lnSpc>
-                <a:spcBef>
-                  <a:spcPct val="0"/>
-                </a:spcBef>
-              </a:pPr>
-              <a:endParaRPr>
-                <a:latin typeface="Arial" panose="020B0604020202020204" pitchFamily="34" charset="0"/>
-                <a:cs typeface="Arial" panose="020B0604020202020204" pitchFamily="34" charset="0"/>
-              </a:endParaRPr>
-            </a:p>
-          </p:txBody>
-        </p:sp>
-      </p:grpSp>
+          <a:prstGeom prst="rect">
+            <a:avLst/>
+          </a:prstGeom>
+        </p:spPr>
+      </p:pic>
       <p:sp>
         <p:nvSpPr>
           <p:cNvPr id="2" name="TextBox 1">
@@ -9243,7 +10475,7 @@
         </p:nvSpPr>
         <p:spPr>
           <a:xfrm>
-            <a:off x="662372" y="1358866"/>
+            <a:off x="176212" y="1273005"/>
             <a:ext cx="3442994" cy="707886"/>
           </a:xfrm>
           <a:prstGeom prst="rect">
@@ -9283,7 +10515,7 @@
 </p:sld>
 </file>
 
-<file path=ppt/slides/slide8.xml><?xml version="1.0" encoding="utf-8"?>
+<file path=ppt/slides/slide9.xml><?xml version="1.0" encoding="utf-8"?>
 <p:sld xmlns:a="http://schemas.openxmlformats.org/drawingml/2006/main" xmlns:r="http://schemas.openxmlformats.org/officeDocument/2006/relationships" xmlns:p="http://schemas.openxmlformats.org/presentationml/2006/main">
   <p:cSld>
     <p:spTree>

--- a/ppt_bao_ve.pptx
+++ b/ppt_bao_ve.pptx
@@ -5,28 +5,32 @@
     <p:sldMasterId id="2147483648" r:id="rId1"/>
   </p:sldMasterIdLst>
   <p:notesMasterIdLst>
-    <p:notesMasterId r:id="rId11"/>
+    <p:notesMasterId r:id="rId15"/>
   </p:notesMasterIdLst>
   <p:sldIdLst>
     <p:sldId id="256" r:id="rId2"/>
     <p:sldId id="257" r:id="rId3"/>
-    <p:sldId id="269" r:id="rId4"/>
-    <p:sldId id="270" r:id="rId5"/>
-    <p:sldId id="272" r:id="rId6"/>
-    <p:sldId id="274" r:id="rId7"/>
-    <p:sldId id="271" r:id="rId8"/>
-    <p:sldId id="273" r:id="rId9"/>
-    <p:sldId id="268" r:id="rId10"/>
+    <p:sldId id="278" r:id="rId4"/>
+    <p:sldId id="269" r:id="rId5"/>
+    <p:sldId id="270" r:id="rId6"/>
+    <p:sldId id="275" r:id="rId7"/>
+    <p:sldId id="272" r:id="rId8"/>
+    <p:sldId id="274" r:id="rId9"/>
+    <p:sldId id="277" r:id="rId10"/>
+    <p:sldId id="271" r:id="rId11"/>
+    <p:sldId id="273" r:id="rId12"/>
+    <p:sldId id="268" r:id="rId13"/>
+    <p:sldId id="276" r:id="rId14"/>
   </p:sldIdLst>
   <p:sldSz cx="18288000" cy="10287000"/>
   <p:notesSz cx="6858000" cy="9144000"/>
   <p:embeddedFontLst>
     <p:embeddedFont>
       <p:font typeface="Constantia" panose="02030602050306030303" pitchFamily="18" charset="0"/>
-      <p:regular r:id="rId12"/>
-      <p:bold r:id="rId13"/>
-      <p:italic r:id="rId14"/>
-      <p:boldItalic r:id="rId15"/>
+      <p:regular r:id="rId16"/>
+      <p:bold r:id="rId17"/>
+      <p:italic r:id="rId18"/>
+      <p:boldItalic r:id="rId19"/>
     </p:embeddedFont>
   </p:embeddedFontLst>
   <p:defaultTextStyle>
@@ -237,7 +241,7 @@
           <a:p>
             <a:fld id="{A4A7FC2B-E70D-4068-AA0D-3CA7B25A81C6}" type="datetimeFigureOut">
               <a:rPr lang="en-US" smtClean="0"/>
-              <a:t>6/12/2025</a:t>
+              <a:t>6/14/2025</a:t>
             </a:fld>
             <a:endParaRPr lang="en-US"/>
           </a:p>
@@ -684,7 +688,7 @@
             <a:fld id="{1D8BD707-D9CF-40AE-B4C6-C98DA3205C09}" type="datetimeFigureOut">
               <a:rPr lang="en-US" smtClean="0"/>
               <a:pPr/>
-              <a:t>6/12/2025</a:t>
+              <a:t>6/14/2025</a:t>
             </a:fld>
             <a:endParaRPr lang="en-US"/>
           </a:p>
@@ -849,7 +853,7 @@
             <a:fld id="{1D8BD707-D9CF-40AE-B4C6-C98DA3205C09}" type="datetimeFigureOut">
               <a:rPr lang="en-US" smtClean="0"/>
               <a:pPr/>
-              <a:t>6/12/2025</a:t>
+              <a:t>6/14/2025</a:t>
             </a:fld>
             <a:endParaRPr lang="en-US"/>
           </a:p>
@@ -1024,7 +1028,7 @@
             <a:fld id="{1D8BD707-D9CF-40AE-B4C6-C98DA3205C09}" type="datetimeFigureOut">
               <a:rPr lang="en-US" smtClean="0"/>
               <a:pPr/>
-              <a:t>6/12/2025</a:t>
+              <a:t>6/14/2025</a:t>
             </a:fld>
             <a:endParaRPr lang="en-US"/>
           </a:p>
@@ -1189,7 +1193,7 @@
             <a:fld id="{1D8BD707-D9CF-40AE-B4C6-C98DA3205C09}" type="datetimeFigureOut">
               <a:rPr lang="en-US" smtClean="0"/>
               <a:pPr/>
-              <a:t>6/12/2025</a:t>
+              <a:t>6/14/2025</a:t>
             </a:fld>
             <a:endParaRPr lang="en-US"/>
           </a:p>
@@ -1431,7 +1435,7 @@
             <a:fld id="{1D8BD707-D9CF-40AE-B4C6-C98DA3205C09}" type="datetimeFigureOut">
               <a:rPr lang="en-US" smtClean="0"/>
               <a:pPr/>
-              <a:t>6/12/2025</a:t>
+              <a:t>6/14/2025</a:t>
             </a:fld>
             <a:endParaRPr lang="en-US"/>
           </a:p>
@@ -1713,7 +1717,7 @@
             <a:fld id="{1D8BD707-D9CF-40AE-B4C6-C98DA3205C09}" type="datetimeFigureOut">
               <a:rPr lang="en-US" smtClean="0"/>
               <a:pPr/>
-              <a:t>6/12/2025</a:t>
+              <a:t>6/14/2025</a:t>
             </a:fld>
             <a:endParaRPr lang="en-US"/>
           </a:p>
@@ -2129,7 +2133,7 @@
             <a:fld id="{1D8BD707-D9CF-40AE-B4C6-C98DA3205C09}" type="datetimeFigureOut">
               <a:rPr lang="en-US" smtClean="0"/>
               <a:pPr/>
-              <a:t>6/12/2025</a:t>
+              <a:t>6/14/2025</a:t>
             </a:fld>
             <a:endParaRPr lang="en-US"/>
           </a:p>
@@ -2243,7 +2247,7 @@
             <a:fld id="{1D8BD707-D9CF-40AE-B4C6-C98DA3205C09}" type="datetimeFigureOut">
               <a:rPr lang="en-US" smtClean="0"/>
               <a:pPr/>
-              <a:t>6/12/2025</a:t>
+              <a:t>6/14/2025</a:t>
             </a:fld>
             <a:endParaRPr lang="en-US"/>
           </a:p>
@@ -2335,7 +2339,7 @@
             <a:fld id="{1D8BD707-D9CF-40AE-B4C6-C98DA3205C09}" type="datetimeFigureOut">
               <a:rPr lang="en-US" smtClean="0"/>
               <a:pPr/>
-              <a:t>6/12/2025</a:t>
+              <a:t>6/14/2025</a:t>
             </a:fld>
             <a:endParaRPr lang="en-US"/>
           </a:p>
@@ -2607,7 +2611,7 @@
             <a:fld id="{1D8BD707-D9CF-40AE-B4C6-C98DA3205C09}" type="datetimeFigureOut">
               <a:rPr lang="en-US" smtClean="0"/>
               <a:pPr/>
-              <a:t>6/12/2025</a:t>
+              <a:t>6/14/2025</a:t>
             </a:fld>
             <a:endParaRPr lang="en-US"/>
           </a:p>
@@ -2856,7 +2860,7 @@
             <a:fld id="{1D8BD707-D9CF-40AE-B4C6-C98DA3205C09}" type="datetimeFigureOut">
               <a:rPr lang="en-US" smtClean="0"/>
               <a:pPr/>
-              <a:t>6/12/2025</a:t>
+              <a:t>6/14/2025</a:t>
             </a:fld>
             <a:endParaRPr lang="en-US"/>
           </a:p>
@@ -3064,7 +3068,7 @@
             <a:fld id="{1D8BD707-D9CF-40AE-B4C6-C98DA3205C09}" type="datetimeFigureOut">
               <a:rPr lang="en-US" smtClean="0"/>
               <a:pPr/>
-              <a:t>6/12/2025</a:t>
+              <a:t>6/14/2025</a:t>
             </a:fld>
             <a:endParaRPr lang="en-US"/>
           </a:p>
@@ -3810,8 +3814,8 @@
         </p:nvSpPr>
         <p:spPr>
           <a:xfrm>
-            <a:off x="5504543" y="7446046"/>
-            <a:ext cx="7429500" cy="955646"/>
+            <a:off x="5372100" y="6896100"/>
+            <a:ext cx="7429500" cy="2390334"/>
           </a:xfrm>
           <a:prstGeom prst="rect">
             <a:avLst/>
@@ -3823,16 +3827,16 @@
           </a:bodyPr>
           <a:lstStyle/>
           <a:p>
-            <a:pPr algn="ctr">
+            <a:pPr>
               <a:lnSpc>
-                <a:spcPts val="3855"/>
+                <a:spcPct val="150000"/>
               </a:lnSpc>
               <a:spcBef>
                 <a:spcPct val="0"/>
               </a:spcBef>
             </a:pPr>
             <a:r>
-              <a:rPr lang="en-US" sz="2753" spc="-55" dirty="0">
+              <a:rPr lang="en-US" sz="3600" spc="-55" dirty="0">
                 <a:solidFill>
                   <a:srgbClr val="051D40"/>
                 </a:solidFill>
@@ -3844,7 +3848,7 @@
               <a:t>GVHD: TS. Đặng </a:t>
             </a:r>
             <a:r>
-              <a:rPr lang="en-US" sz="2753" spc="-55" dirty="0" err="1">
+              <a:rPr lang="en-US" sz="3600" spc="-55" dirty="0" err="1">
                 <a:solidFill>
                   <a:srgbClr val="051D40"/>
                 </a:solidFill>
@@ -3856,7 +3860,7 @@
               <a:t>Trọng</a:t>
             </a:r>
             <a:r>
-              <a:rPr lang="en-US" sz="2753" spc="-55" dirty="0">
+              <a:rPr lang="en-US" sz="3600" spc="-55" dirty="0">
                 <a:solidFill>
                   <a:srgbClr val="051D40"/>
                 </a:solidFill>
@@ -3868,7 +3872,7 @@
               <a:t> </a:t>
             </a:r>
             <a:r>
-              <a:rPr lang="en-US" sz="2753" spc="-55" dirty="0" err="1">
+              <a:rPr lang="en-US" sz="3600" spc="-55" dirty="0" err="1">
                 <a:solidFill>
                   <a:srgbClr val="051D40"/>
                 </a:solidFill>
@@ -3879,7 +3883,7 @@
               </a:rPr>
               <a:t>Hợp</a:t>
             </a:r>
-            <a:endParaRPr lang="en-US" sz="2753" spc="-55" dirty="0">
+            <a:endParaRPr lang="en-US" sz="3600" spc="-55" dirty="0">
               <a:solidFill>
                 <a:srgbClr val="051D40"/>
               </a:solidFill>
@@ -3890,16 +3894,16 @@
             </a:endParaRPr>
           </a:p>
           <a:p>
-            <a:pPr algn="ctr">
+            <a:pPr>
               <a:lnSpc>
-                <a:spcPts val="3855"/>
+                <a:spcPct val="150000"/>
               </a:lnSpc>
               <a:spcBef>
                 <a:spcPct val="0"/>
               </a:spcBef>
             </a:pPr>
             <a:r>
-              <a:rPr lang="en-US" sz="2753" spc="-55" dirty="0">
+              <a:rPr lang="en-US" sz="3600" spc="-55" dirty="0">
                 <a:solidFill>
                   <a:srgbClr val="051D40"/>
                 </a:solidFill>
@@ -3911,7 +3915,7 @@
               <a:t>Sinh </a:t>
             </a:r>
             <a:r>
-              <a:rPr lang="en-US" sz="2753" spc="-55" dirty="0" err="1">
+              <a:rPr lang="en-US" sz="3600" spc="-55" dirty="0" err="1">
                 <a:solidFill>
                   <a:srgbClr val="051D40"/>
                 </a:solidFill>
@@ -3923,7 +3927,7 @@
               <a:t>viên</a:t>
             </a:r>
             <a:r>
-              <a:rPr lang="en-US" sz="2753" spc="-55" dirty="0">
+              <a:rPr lang="en-US" sz="3600" spc="-55" dirty="0">
                 <a:solidFill>
                   <a:srgbClr val="051D40"/>
                 </a:solidFill>
@@ -3935,7 +3939,7 @@
               <a:t> </a:t>
             </a:r>
             <a:r>
-              <a:rPr lang="en-US" sz="2753" spc="-55" dirty="0" err="1">
+              <a:rPr lang="en-US" sz="3600" spc="-55" dirty="0" err="1">
                 <a:solidFill>
                   <a:srgbClr val="051D40"/>
                 </a:solidFill>
@@ -3947,7 +3951,7 @@
               <a:t>thực</a:t>
             </a:r>
             <a:r>
-              <a:rPr lang="en-US" sz="2753" spc="-55" dirty="0">
+              <a:rPr lang="en-US" sz="3600" spc="-55" dirty="0">
                 <a:solidFill>
                   <a:srgbClr val="051D40"/>
                 </a:solidFill>
@@ -3959,7 +3963,7 @@
               <a:t> </a:t>
             </a:r>
             <a:r>
-              <a:rPr lang="en-US" sz="2753" spc="-55" dirty="0" err="1">
+              <a:rPr lang="en-US" sz="3600" spc="-55" dirty="0" err="1">
                 <a:solidFill>
                   <a:srgbClr val="051D40"/>
                 </a:solidFill>
@@ -3971,7 +3975,7 @@
               <a:t>hiện</a:t>
             </a:r>
             <a:r>
-              <a:rPr lang="en-US" sz="2753" spc="-55" dirty="0">
+              <a:rPr lang="en-US" sz="3600" spc="-55" dirty="0">
                 <a:solidFill>
                   <a:srgbClr val="051D40"/>
                 </a:solidFill>
@@ -3981,6 +3985,88 @@
                 <a:sym typeface="Poppins"/>
               </a:rPr>
               <a:t>: Trần Đức Huy</a:t>
+            </a:r>
+          </a:p>
+          <a:p>
+            <a:pPr>
+              <a:lnSpc>
+                <a:spcPct val="150000"/>
+              </a:lnSpc>
+              <a:spcBef>
+                <a:spcPct val="0"/>
+              </a:spcBef>
+            </a:pPr>
+            <a:r>
+              <a:rPr lang="en-US" sz="3600" spc="-55" dirty="0" err="1">
+                <a:solidFill>
+                  <a:srgbClr val="051D40"/>
+                </a:solidFill>
+                <a:latin typeface="Arial" panose="020B0604020202020204" pitchFamily="34" charset="0"/>
+                <a:ea typeface="Poppins"/>
+                <a:cs typeface="Arial" panose="020B0604020202020204" pitchFamily="34" charset="0"/>
+                <a:sym typeface="Poppins"/>
+              </a:rPr>
+              <a:t>Mã</a:t>
+            </a:r>
+            <a:r>
+              <a:rPr lang="en-US" sz="3600" spc="-55" dirty="0">
+                <a:solidFill>
+                  <a:srgbClr val="051D40"/>
+                </a:solidFill>
+                <a:latin typeface="Arial" panose="020B0604020202020204" pitchFamily="34" charset="0"/>
+                <a:ea typeface="Poppins"/>
+                <a:cs typeface="Arial" panose="020B0604020202020204" pitchFamily="34" charset="0"/>
+                <a:sym typeface="Poppins"/>
+              </a:rPr>
+              <a:t> </a:t>
+            </a:r>
+            <a:r>
+              <a:rPr lang="en-US" sz="3600" spc="-55" dirty="0" err="1">
+                <a:solidFill>
+                  <a:srgbClr val="051D40"/>
+                </a:solidFill>
+                <a:latin typeface="Arial" panose="020B0604020202020204" pitchFamily="34" charset="0"/>
+                <a:ea typeface="Poppins"/>
+                <a:cs typeface="Arial" panose="020B0604020202020204" pitchFamily="34" charset="0"/>
+                <a:sym typeface="Poppins"/>
+              </a:rPr>
+              <a:t>sinh</a:t>
+            </a:r>
+            <a:r>
+              <a:rPr lang="en-US" sz="3600" spc="-55" dirty="0">
+                <a:solidFill>
+                  <a:srgbClr val="051D40"/>
+                </a:solidFill>
+                <a:latin typeface="Arial" panose="020B0604020202020204" pitchFamily="34" charset="0"/>
+                <a:ea typeface="Poppins"/>
+                <a:cs typeface="Arial" panose="020B0604020202020204" pitchFamily="34" charset="0"/>
+                <a:sym typeface="Poppins"/>
+              </a:rPr>
+              <a:t> </a:t>
+            </a:r>
+            <a:r>
+              <a:rPr lang="en-US" sz="3600" spc="-55" dirty="0" err="1">
+                <a:solidFill>
+                  <a:srgbClr val="051D40"/>
+                </a:solidFill>
+                <a:latin typeface="Arial" panose="020B0604020202020204" pitchFamily="34" charset="0"/>
+                <a:ea typeface="Poppins"/>
+                <a:cs typeface="Arial" panose="020B0604020202020204" pitchFamily="34" charset="0"/>
+                <a:sym typeface="Poppins"/>
+              </a:rPr>
+              <a:t>viên</a:t>
+            </a:r>
+            <a:r>
+              <a:rPr lang="en-US" sz="3600" spc="-55" dirty="0">
+                <a:solidFill>
+                  <a:srgbClr val="051D40"/>
+                </a:solidFill>
+                <a:latin typeface="Arial" panose="020B0604020202020204" pitchFamily="34" charset="0"/>
+                <a:ea typeface="Poppins"/>
+                <a:cs typeface="Arial" panose="020B0604020202020204" pitchFamily="34" charset="0"/>
+                <a:sym typeface="Poppins"/>
+              </a:rPr>
+              <a:t>: 2021605056</a:t>
             </a:r>
           </a:p>
         </p:txBody>
@@ -4145,6 +4231,2376 @@
 </p:sld>
 </file>
 
+<file path=ppt/slides/slide10.xml><?xml version="1.0" encoding="utf-8"?>
+<p:sld xmlns:a="http://schemas.openxmlformats.org/drawingml/2006/main" xmlns:r="http://schemas.openxmlformats.org/officeDocument/2006/relationships" xmlns:p="http://schemas.openxmlformats.org/presentationml/2006/main">
+  <p:cSld>
+    <p:spTree>
+      <p:nvGrpSpPr>
+        <p:cNvPr id="1" name="">
+          <a:extLst>
+            <a:ext uri="{FF2B5EF4-FFF2-40B4-BE49-F238E27FC236}">
+              <a16:creationId xmlns:a16="http://schemas.microsoft.com/office/drawing/2014/main" id="{3AF9E5C0-9C95-C651-DEE1-DA8B2135A3B5}"/>
+            </a:ext>
+          </a:extLst>
+        </p:cNvPr>
+        <p:cNvGrpSpPr/>
+        <p:nvPr/>
+      </p:nvGrpSpPr>
+      <p:grpSpPr>
+        <a:xfrm>
+          <a:off x="0" y="0"/>
+          <a:ext cx="0" cy="0"/>
+          <a:chOff x="0" y="0"/>
+          <a:chExt cx="0" cy="0"/>
+        </a:xfrm>
+      </p:grpSpPr>
+      <p:grpSp>
+        <p:nvGrpSpPr>
+          <p:cNvPr id="16" name="Group 10">
+            <a:extLst>
+              <a:ext uri="{FF2B5EF4-FFF2-40B4-BE49-F238E27FC236}">
+                <a16:creationId xmlns:a16="http://schemas.microsoft.com/office/drawing/2014/main" id="{33D2D0B6-9CD3-58AE-2AB9-8FAE44D1C224}"/>
+              </a:ext>
+            </a:extLst>
+          </p:cNvPr>
+          <p:cNvGrpSpPr/>
+          <p:nvPr/>
+        </p:nvGrpSpPr>
+        <p:grpSpPr>
+          <a:xfrm>
+            <a:off x="17449800" y="9643525"/>
+            <a:ext cx="1286950" cy="1286950"/>
+            <a:chOff x="0" y="0"/>
+            <a:chExt cx="812800" cy="812800"/>
+          </a:xfrm>
+        </p:grpSpPr>
+        <p:sp>
+          <p:nvSpPr>
+            <p:cNvPr id="17" name="Freeform 11">
+              <a:extLst>
+                <a:ext uri="{FF2B5EF4-FFF2-40B4-BE49-F238E27FC236}">
+                  <a16:creationId xmlns:a16="http://schemas.microsoft.com/office/drawing/2014/main" id="{3CF7DB0B-88D9-9D93-5B3D-3A6E4EEF0CF9}"/>
+                </a:ext>
+              </a:extLst>
+            </p:cNvPr>
+            <p:cNvSpPr/>
+            <p:nvPr/>
+          </p:nvSpPr>
+          <p:spPr>
+            <a:xfrm>
+              <a:off x="0" y="0"/>
+              <a:ext cx="812800" cy="812800"/>
+            </a:xfrm>
+            <a:custGeom>
+              <a:avLst/>
+              <a:gdLst/>
+              <a:ahLst/>
+              <a:cxnLst/>
+              <a:rect l="l" t="t" r="r" b="b"/>
+              <a:pathLst>
+                <a:path w="812800" h="812800">
+                  <a:moveTo>
+                    <a:pt x="406400" y="0"/>
+                  </a:moveTo>
+                  <a:cubicBezTo>
+                    <a:pt x="181951" y="0"/>
+                    <a:pt x="0" y="181951"/>
+                    <a:pt x="0" y="406400"/>
+                  </a:cubicBezTo>
+                  <a:cubicBezTo>
+                    <a:pt x="0" y="630849"/>
+                    <a:pt x="181951" y="812800"/>
+                    <a:pt x="406400" y="812800"/>
+                  </a:cubicBezTo>
+                  <a:cubicBezTo>
+                    <a:pt x="630849" y="812800"/>
+                    <a:pt x="812800" y="630849"/>
+                    <a:pt x="812800" y="406400"/>
+                  </a:cubicBezTo>
+                  <a:cubicBezTo>
+                    <a:pt x="812800" y="181951"/>
+                    <a:pt x="630849" y="0"/>
+                    <a:pt x="406400" y="0"/>
+                  </a:cubicBezTo>
+                  <a:close/>
+                </a:path>
+              </a:pathLst>
+            </a:custGeom>
+            <a:solidFill>
+              <a:srgbClr val="145DA0"/>
+            </a:solidFill>
+          </p:spPr>
+        </p:sp>
+        <p:sp>
+          <p:nvSpPr>
+            <p:cNvPr id="18" name="TextBox 12">
+              <a:extLst>
+                <a:ext uri="{FF2B5EF4-FFF2-40B4-BE49-F238E27FC236}">
+                  <a16:creationId xmlns:a16="http://schemas.microsoft.com/office/drawing/2014/main" id="{1717C77F-CC6F-B70F-1D9C-5060C83BCEBC}"/>
+                </a:ext>
+              </a:extLst>
+            </p:cNvPr>
+            <p:cNvSpPr txBox="1"/>
+            <p:nvPr/>
+          </p:nvSpPr>
+          <p:spPr>
+            <a:xfrm>
+              <a:off x="76200" y="38100"/>
+              <a:ext cx="660400" cy="698500"/>
+            </a:xfrm>
+            <a:prstGeom prst="rect">
+              <a:avLst/>
+            </a:prstGeom>
+          </p:spPr>
+          <p:txBody>
+            <a:bodyPr lIns="50800" tIns="50800" rIns="50800" bIns="50800" rtlCol="0" anchor="ctr"/>
+            <a:lstStyle/>
+            <a:p>
+              <a:pPr algn="ctr">
+                <a:lnSpc>
+                  <a:spcPts val="2659"/>
+                </a:lnSpc>
+                <a:spcBef>
+                  <a:spcPct val="0"/>
+                </a:spcBef>
+              </a:pPr>
+              <a:endParaRPr>
+                <a:latin typeface="Arial" panose="020B0604020202020204" pitchFamily="34" charset="0"/>
+                <a:cs typeface="Arial" panose="020B0604020202020204" pitchFamily="34" charset="0"/>
+              </a:endParaRPr>
+            </a:p>
+          </p:txBody>
+        </p:sp>
+      </p:grpSp>
+      <p:grpSp>
+        <p:nvGrpSpPr>
+          <p:cNvPr id="29" name="Group 28">
+            <a:extLst>
+              <a:ext uri="{FF2B5EF4-FFF2-40B4-BE49-F238E27FC236}">
+                <a16:creationId xmlns:a16="http://schemas.microsoft.com/office/drawing/2014/main" id="{B4437307-D423-C6CB-759D-A8733397E33A}"/>
+              </a:ext>
+            </a:extLst>
+          </p:cNvPr>
+          <p:cNvGrpSpPr/>
+          <p:nvPr/>
+        </p:nvGrpSpPr>
+        <p:grpSpPr>
+          <a:xfrm>
+            <a:off x="0" y="-1"/>
+            <a:ext cx="18288000" cy="1080935"/>
+            <a:chOff x="2294171" y="2309965"/>
+            <a:chExt cx="12717230" cy="1080935"/>
+          </a:xfrm>
+        </p:grpSpPr>
+        <p:grpSp>
+          <p:nvGrpSpPr>
+            <p:cNvPr id="26" name="Group 2">
+              <a:extLst>
+                <a:ext uri="{FF2B5EF4-FFF2-40B4-BE49-F238E27FC236}">
+                  <a16:creationId xmlns:a16="http://schemas.microsoft.com/office/drawing/2014/main" id="{91D45040-35FB-1223-23D8-AC6D48A4238A}"/>
+                </a:ext>
+              </a:extLst>
+            </p:cNvPr>
+            <p:cNvGrpSpPr/>
+            <p:nvPr/>
+          </p:nvGrpSpPr>
+          <p:grpSpPr>
+            <a:xfrm>
+              <a:off x="2294171" y="2309965"/>
+              <a:ext cx="12717230" cy="1080935"/>
+              <a:chOff x="0" y="-38100"/>
+              <a:chExt cx="1044090" cy="2913572"/>
+            </a:xfrm>
+            <a:solidFill>
+              <a:schemeClr val="accent5">
+                <a:lumMod val="20000"/>
+                <a:lumOff val="80000"/>
+              </a:schemeClr>
+            </a:solidFill>
+          </p:grpSpPr>
+          <p:sp>
+            <p:nvSpPr>
+              <p:cNvPr id="27" name="Freeform 3">
+                <a:extLst>
+                  <a:ext uri="{FF2B5EF4-FFF2-40B4-BE49-F238E27FC236}">
+                    <a16:creationId xmlns:a16="http://schemas.microsoft.com/office/drawing/2014/main" id="{2702E543-CBDB-3CC7-D488-220D69D399F4}"/>
+                  </a:ext>
+                </a:extLst>
+              </p:cNvPr>
+              <p:cNvSpPr/>
+              <p:nvPr/>
+            </p:nvSpPr>
+            <p:spPr>
+              <a:xfrm>
+                <a:off x="0" y="0"/>
+                <a:ext cx="1044090" cy="2875472"/>
+              </a:xfrm>
+              <a:custGeom>
+                <a:avLst/>
+                <a:gdLst/>
+                <a:ahLst/>
+                <a:cxnLst/>
+                <a:rect l="l" t="t" r="r" b="b"/>
+                <a:pathLst>
+                  <a:path w="1044090" h="2875472">
+                    <a:moveTo>
+                      <a:pt x="0" y="0"/>
+                    </a:moveTo>
+                    <a:lnTo>
+                      <a:pt x="1044090" y="0"/>
+                    </a:lnTo>
+                    <a:lnTo>
+                      <a:pt x="1044090" y="2875472"/>
+                    </a:lnTo>
+                    <a:lnTo>
+                      <a:pt x="0" y="2875472"/>
+                    </a:lnTo>
+                    <a:close/>
+                  </a:path>
+                </a:pathLst>
+              </a:custGeom>
+              <a:grpFill/>
+              <a:ln cap="sq">
+                <a:solidFill>
+                  <a:schemeClr val="tx2">
+                    <a:lumMod val="40000"/>
+                    <a:lumOff val="60000"/>
+                  </a:schemeClr>
+                </a:solidFill>
+                <a:prstDash val="solid"/>
+                <a:miter/>
+              </a:ln>
+            </p:spPr>
+          </p:sp>
+          <p:sp>
+            <p:nvSpPr>
+              <p:cNvPr id="28" name="TextBox 4">
+                <a:extLst>
+                  <a:ext uri="{FF2B5EF4-FFF2-40B4-BE49-F238E27FC236}">
+                    <a16:creationId xmlns:a16="http://schemas.microsoft.com/office/drawing/2014/main" id="{513FCC88-88FE-FFAB-F702-BC75FB4A310B}"/>
+                  </a:ext>
+                </a:extLst>
+              </p:cNvPr>
+              <p:cNvSpPr txBox="1"/>
+              <p:nvPr/>
+            </p:nvSpPr>
+            <p:spPr>
+              <a:xfrm>
+                <a:off x="0" y="-38100"/>
+                <a:ext cx="1044090" cy="2913572"/>
+              </a:xfrm>
+              <a:prstGeom prst="rect">
+                <a:avLst/>
+              </a:prstGeom>
+              <a:grpFill/>
+              <a:ln>
+                <a:solidFill>
+                  <a:schemeClr val="tx2">
+                    <a:lumMod val="40000"/>
+                    <a:lumOff val="60000"/>
+                  </a:schemeClr>
+                </a:solidFill>
+              </a:ln>
+            </p:spPr>
+            <p:txBody>
+              <a:bodyPr lIns="50800" tIns="50800" rIns="50800" bIns="50800" rtlCol="0" anchor="ctr"/>
+              <a:lstStyle/>
+              <a:p>
+                <a:pPr marL="0" lvl="0" indent="0" algn="ctr">
+                  <a:lnSpc>
+                    <a:spcPts val="2659"/>
+                  </a:lnSpc>
+                  <a:spcBef>
+                    <a:spcPct val="0"/>
+                  </a:spcBef>
+                </a:pPr>
+                <a:endParaRPr dirty="0">
+                  <a:latin typeface="Arial" panose="020B0604020202020204" pitchFamily="34" charset="0"/>
+                  <a:cs typeface="Arial" panose="020B0604020202020204" pitchFamily="34" charset="0"/>
+                </a:endParaRPr>
+              </a:p>
+            </p:txBody>
+          </p:sp>
+        </p:grpSp>
+        <p:grpSp>
+          <p:nvGrpSpPr>
+            <p:cNvPr id="4" name="Group 3">
+              <a:extLst>
+                <a:ext uri="{FF2B5EF4-FFF2-40B4-BE49-F238E27FC236}">
+                  <a16:creationId xmlns:a16="http://schemas.microsoft.com/office/drawing/2014/main" id="{22B52335-1BA7-2C93-4D87-E9EEA8E4D110}"/>
+                </a:ext>
+              </a:extLst>
+            </p:cNvPr>
+            <p:cNvGrpSpPr/>
+            <p:nvPr/>
+          </p:nvGrpSpPr>
+          <p:grpSpPr>
+            <a:xfrm>
+              <a:off x="2514600" y="2472779"/>
+              <a:ext cx="8732299" cy="769441"/>
+              <a:chOff x="3534394" y="5526863"/>
+              <a:chExt cx="14217974" cy="769441"/>
+            </a:xfrm>
+          </p:grpSpPr>
+          <p:sp>
+            <p:nvSpPr>
+              <p:cNvPr id="5" name="Freeform 9">
+                <a:extLst>
+                  <a:ext uri="{FF2B5EF4-FFF2-40B4-BE49-F238E27FC236}">
+                    <a16:creationId xmlns:a16="http://schemas.microsoft.com/office/drawing/2014/main" id="{988E2FF4-A10C-F123-3907-3D0D75EE73B1}"/>
+                  </a:ext>
+                </a:extLst>
+              </p:cNvPr>
+              <p:cNvSpPr/>
+              <p:nvPr/>
+            </p:nvSpPr>
+            <p:spPr>
+              <a:xfrm rot="5400000">
+                <a:off x="3505596" y="5684914"/>
+                <a:ext cx="510937" cy="453341"/>
+              </a:xfrm>
+              <a:custGeom>
+                <a:avLst/>
+                <a:gdLst/>
+                <a:ahLst/>
+                <a:cxnLst/>
+                <a:rect l="l" t="t" r="r" b="b"/>
+                <a:pathLst>
+                  <a:path w="510937" h="453341">
+                    <a:moveTo>
+                      <a:pt x="0" y="0"/>
+                    </a:moveTo>
+                    <a:lnTo>
+                      <a:pt x="510937" y="0"/>
+                    </a:lnTo>
+                    <a:lnTo>
+                      <a:pt x="510937" y="453341"/>
+                    </a:lnTo>
+                    <a:lnTo>
+                      <a:pt x="0" y="453341"/>
+                    </a:lnTo>
+                    <a:lnTo>
+                      <a:pt x="0" y="0"/>
+                    </a:lnTo>
+                    <a:close/>
+                  </a:path>
+                </a:pathLst>
+              </a:custGeom>
+              <a:blipFill>
+                <a:blip r:embed="rId2">
+                  <a:extLst>
+                    <a:ext uri="{96DAC541-7B7A-43D3-8B79-37D633B846F1}">
+                      <asvg:svgBlip xmlns:asvg="http://schemas.microsoft.com/office/drawing/2016/SVG/main" r:embed="rId3"/>
+                    </a:ext>
+                  </a:extLst>
+                </a:blip>
+                <a:stretch>
+                  <a:fillRect/>
+                </a:stretch>
+              </a:blipFill>
+            </p:spPr>
+            <p:txBody>
+              <a:bodyPr/>
+              <a:lstStyle/>
+              <a:p>
+                <a:endParaRPr lang="en-US" dirty="0"/>
+              </a:p>
+            </p:txBody>
+          </p:sp>
+          <p:sp>
+            <p:nvSpPr>
+              <p:cNvPr id="10" name="TextBox 11">
+                <a:extLst>
+                  <a:ext uri="{FF2B5EF4-FFF2-40B4-BE49-F238E27FC236}">
+                    <a16:creationId xmlns:a16="http://schemas.microsoft.com/office/drawing/2014/main" id="{AD803F9C-8F3E-3926-3060-135AA5232888}"/>
+                  </a:ext>
+                </a:extLst>
+              </p:cNvPr>
+              <p:cNvSpPr txBox="1"/>
+              <p:nvPr/>
+            </p:nvSpPr>
+            <p:spPr>
+              <a:xfrm>
+                <a:off x="4143993" y="5526863"/>
+                <a:ext cx="13608375" cy="769441"/>
+              </a:xfrm>
+              <a:prstGeom prst="rect">
+                <a:avLst/>
+              </a:prstGeom>
+            </p:spPr>
+            <p:txBody>
+              <a:bodyPr wrap="square" lIns="0" tIns="0" rIns="0" bIns="0" rtlCol="0" anchor="t">
+                <a:spAutoFit/>
+              </a:bodyPr>
+              <a:lstStyle/>
+              <a:p>
+                <a:pPr>
+                  <a:spcBef>
+                    <a:spcPct val="0"/>
+                  </a:spcBef>
+                </a:pPr>
+                <a:r>
+                  <a:rPr lang="en-US" sz="5000" b="1" spc="-57" dirty="0">
+                    <a:solidFill>
+                      <a:schemeClr val="accent1">
+                        <a:lumMod val="75000"/>
+                      </a:schemeClr>
+                    </a:solidFill>
+                    <a:latin typeface="Arial" panose="020B0604020202020204" pitchFamily="34" charset="0"/>
+                    <a:ea typeface="Poppins"/>
+                    <a:cs typeface="Arial" panose="020B0604020202020204" pitchFamily="34" charset="0"/>
+                    <a:sym typeface="Poppins"/>
+                  </a:rPr>
+                  <a:t>PHÂN TÍCH VÀ THIẾT KẾ HỆ THỐNG</a:t>
+                </a:r>
+              </a:p>
+            </p:txBody>
+          </p:sp>
+        </p:grpSp>
+      </p:grpSp>
+      <p:pic>
+        <p:nvPicPr>
+          <p:cNvPr id="12" name="Picture 11">
+            <a:extLst>
+              <a:ext uri="{FF2B5EF4-FFF2-40B4-BE49-F238E27FC236}">
+                <a16:creationId xmlns:a16="http://schemas.microsoft.com/office/drawing/2014/main" id="{4FF977A5-B041-29BD-1E80-737DB870C98A}"/>
+              </a:ext>
+            </a:extLst>
+          </p:cNvPr>
+          <p:cNvPicPr>
+            <a:picLocks noChangeAspect="1"/>
+          </p:cNvPicPr>
+          <p:nvPr/>
+        </p:nvPicPr>
+        <p:blipFill>
+          <a:blip r:embed="rId4"/>
+          <a:stretch>
+            <a:fillRect/>
+          </a:stretch>
+        </p:blipFill>
+        <p:spPr>
+          <a:xfrm>
+            <a:off x="15240" y="2238437"/>
+            <a:ext cx="18084407" cy="6284733"/>
+          </a:xfrm>
+          <a:prstGeom prst="rect">
+            <a:avLst/>
+          </a:prstGeom>
+        </p:spPr>
+      </p:pic>
+      <p:sp>
+        <p:nvSpPr>
+          <p:cNvPr id="6" name="TextBox 5">
+            <a:extLst>
+              <a:ext uri="{FF2B5EF4-FFF2-40B4-BE49-F238E27FC236}">
+                <a16:creationId xmlns:a16="http://schemas.microsoft.com/office/drawing/2014/main" id="{DB757E98-EFDB-1F42-3030-6BA6AEB7DCC6}"/>
+              </a:ext>
+            </a:extLst>
+          </p:cNvPr>
+          <p:cNvSpPr txBox="1"/>
+          <p:nvPr/>
+        </p:nvSpPr>
+        <p:spPr>
+          <a:xfrm>
+            <a:off x="262199" y="1175696"/>
+            <a:ext cx="5083443" cy="707886"/>
+          </a:xfrm>
+          <a:prstGeom prst="rect">
+            <a:avLst/>
+          </a:prstGeom>
+          <a:noFill/>
+        </p:spPr>
+        <p:txBody>
+          <a:bodyPr wrap="none" rtlCol="0">
+            <a:spAutoFit/>
+          </a:bodyPr>
+          <a:lstStyle/>
+          <a:p>
+            <a:r>
+              <a:rPr lang="en-US" sz="4000" b="1" dirty="0">
+                <a:solidFill>
+                  <a:schemeClr val="accent1">
+                    <a:lumMod val="75000"/>
+                  </a:schemeClr>
+                </a:solidFill>
+                <a:latin typeface="Arial" panose="020B0604020202020204" pitchFamily="34" charset="0"/>
+                <a:cs typeface="Arial" panose="020B0604020202020204" pitchFamily="34" charset="0"/>
+              </a:rPr>
+              <a:t>BIỂU ĐỒ USE CASE</a:t>
+            </a:r>
+          </a:p>
+        </p:txBody>
+      </p:sp>
+      <p:grpSp>
+        <p:nvGrpSpPr>
+          <p:cNvPr id="13" name="Group 13">
+            <a:extLst>
+              <a:ext uri="{FF2B5EF4-FFF2-40B4-BE49-F238E27FC236}">
+                <a16:creationId xmlns:a16="http://schemas.microsoft.com/office/drawing/2014/main" id="{AFD366FB-3258-9FE5-CBE6-82880C7FB5D6}"/>
+              </a:ext>
+            </a:extLst>
+          </p:cNvPr>
+          <p:cNvGrpSpPr/>
+          <p:nvPr/>
+        </p:nvGrpSpPr>
+        <p:grpSpPr>
+          <a:xfrm>
+            <a:off x="-1867766" y="8801100"/>
+            <a:ext cx="3735531" cy="3735531"/>
+            <a:chOff x="0" y="0"/>
+            <a:chExt cx="812800" cy="812800"/>
+          </a:xfrm>
+        </p:grpSpPr>
+        <p:sp>
+          <p:nvSpPr>
+            <p:cNvPr id="14" name="Freeform 14">
+              <a:extLst>
+                <a:ext uri="{FF2B5EF4-FFF2-40B4-BE49-F238E27FC236}">
+                  <a16:creationId xmlns:a16="http://schemas.microsoft.com/office/drawing/2014/main" id="{F44FB0EC-128F-034D-6E8C-7C6786B58A8D}"/>
+                </a:ext>
+              </a:extLst>
+            </p:cNvPr>
+            <p:cNvSpPr/>
+            <p:nvPr/>
+          </p:nvSpPr>
+          <p:spPr>
+            <a:xfrm>
+              <a:off x="0" y="0"/>
+              <a:ext cx="812800" cy="812800"/>
+            </a:xfrm>
+            <a:custGeom>
+              <a:avLst/>
+              <a:gdLst/>
+              <a:ahLst/>
+              <a:cxnLst/>
+              <a:rect l="l" t="t" r="r" b="b"/>
+              <a:pathLst>
+                <a:path w="812800" h="812800">
+                  <a:moveTo>
+                    <a:pt x="406400" y="0"/>
+                  </a:moveTo>
+                  <a:cubicBezTo>
+                    <a:pt x="181951" y="0"/>
+                    <a:pt x="0" y="181951"/>
+                    <a:pt x="0" y="406400"/>
+                  </a:cubicBezTo>
+                  <a:cubicBezTo>
+                    <a:pt x="0" y="630849"/>
+                    <a:pt x="181951" y="812800"/>
+                    <a:pt x="406400" y="812800"/>
+                  </a:cubicBezTo>
+                  <a:cubicBezTo>
+                    <a:pt x="630849" y="812800"/>
+                    <a:pt x="812800" y="630849"/>
+                    <a:pt x="812800" y="406400"/>
+                  </a:cubicBezTo>
+                  <a:cubicBezTo>
+                    <a:pt x="812800" y="181951"/>
+                    <a:pt x="630849" y="0"/>
+                    <a:pt x="406400" y="0"/>
+                  </a:cubicBezTo>
+                  <a:close/>
+                </a:path>
+              </a:pathLst>
+            </a:custGeom>
+            <a:solidFill>
+              <a:srgbClr val="000000">
+                <a:alpha val="0"/>
+              </a:srgbClr>
+            </a:solidFill>
+            <a:ln w="952500" cap="sq">
+              <a:solidFill>
+                <a:srgbClr val="145DA0"/>
+              </a:solidFill>
+              <a:prstDash val="solid"/>
+              <a:miter/>
+            </a:ln>
+          </p:spPr>
+        </p:sp>
+        <p:sp>
+          <p:nvSpPr>
+            <p:cNvPr id="15" name="TextBox 15">
+              <a:extLst>
+                <a:ext uri="{FF2B5EF4-FFF2-40B4-BE49-F238E27FC236}">
+                  <a16:creationId xmlns:a16="http://schemas.microsoft.com/office/drawing/2014/main" id="{E8F9EC1B-C7A9-382F-5F35-2BC7236646DC}"/>
+                </a:ext>
+              </a:extLst>
+            </p:cNvPr>
+            <p:cNvSpPr txBox="1"/>
+            <p:nvPr/>
+          </p:nvSpPr>
+          <p:spPr>
+            <a:xfrm>
+              <a:off x="76200" y="38100"/>
+              <a:ext cx="660400" cy="698500"/>
+            </a:xfrm>
+            <a:prstGeom prst="rect">
+              <a:avLst/>
+            </a:prstGeom>
+          </p:spPr>
+          <p:txBody>
+            <a:bodyPr lIns="50800" tIns="50800" rIns="50800" bIns="50800" rtlCol="0" anchor="ctr"/>
+            <a:lstStyle/>
+            <a:p>
+              <a:pPr algn="ctr">
+                <a:lnSpc>
+                  <a:spcPts val="2659"/>
+                </a:lnSpc>
+                <a:spcBef>
+                  <a:spcPct val="0"/>
+                </a:spcBef>
+              </a:pPr>
+              <a:endParaRPr>
+                <a:latin typeface="Arial" panose="020B0604020202020204" pitchFamily="34" charset="0"/>
+                <a:cs typeface="Arial" panose="020B0604020202020204" pitchFamily="34" charset="0"/>
+              </a:endParaRPr>
+            </a:p>
+          </p:txBody>
+        </p:sp>
+      </p:grpSp>
+      <p:pic>
+        <p:nvPicPr>
+          <p:cNvPr id="2" name="Graphic 1">
+            <a:extLst>
+              <a:ext uri="{FF2B5EF4-FFF2-40B4-BE49-F238E27FC236}">
+                <a16:creationId xmlns:a16="http://schemas.microsoft.com/office/drawing/2014/main" id="{DD31C16F-5CE7-A351-7C54-45F67A842269}"/>
+              </a:ext>
+            </a:extLst>
+          </p:cNvPr>
+          <p:cNvPicPr>
+            <a:picLocks noChangeAspect="1"/>
+          </p:cNvPicPr>
+          <p:nvPr/>
+        </p:nvPicPr>
+        <p:blipFill>
+          <a:blip r:embed="rId5">
+            <a:extLst>
+              <a:ext uri="{96DAC541-7B7A-43D3-8B79-37D633B846F1}">
+                <asvg:svgBlip xmlns:asvg="http://schemas.microsoft.com/office/drawing/2016/SVG/main" r:embed="rId6"/>
+              </a:ext>
+            </a:extLst>
+          </a:blip>
+          <a:stretch>
+            <a:fillRect/>
+          </a:stretch>
+        </p:blipFill>
+        <p:spPr>
+          <a:xfrm>
+            <a:off x="12383325" y="35994"/>
+            <a:ext cx="5867400" cy="1008944"/>
+          </a:xfrm>
+          <a:prstGeom prst="rect">
+            <a:avLst/>
+          </a:prstGeom>
+        </p:spPr>
+      </p:pic>
+    </p:spTree>
+    <p:extLst>
+      <p:ext uri="{BB962C8B-B14F-4D97-AF65-F5344CB8AC3E}">
+        <p14:creationId xmlns:p14="http://schemas.microsoft.com/office/powerpoint/2010/main" val="2370629292"/>
+      </p:ext>
+    </p:extLst>
+  </p:cSld>
+  <p:clrMapOvr>
+    <a:masterClrMapping/>
+  </p:clrMapOvr>
+  <mc:AlternateContent xmlns:mc="http://schemas.openxmlformats.org/markup-compatibility/2006" xmlns:p159="http://schemas.microsoft.com/office/powerpoint/2015/09/main">
+    <mc:Choice Requires="p159">
+      <p:transition xmlns:p14="http://schemas.microsoft.com/office/powerpoint/2010/main" spd="slow" p14:dur="2000">
+        <p159:morph option="byObject"/>
+      </p:transition>
+    </mc:Choice>
+    <mc:Fallback xmlns="">
+      <p:transition spd="slow">
+        <p:fade/>
+      </p:transition>
+    </mc:Fallback>
+  </mc:AlternateContent>
+</p:sld>
+</file>
+
+<file path=ppt/slides/slide11.xml><?xml version="1.0" encoding="utf-8"?>
+<p:sld xmlns:a="http://schemas.openxmlformats.org/drawingml/2006/main" xmlns:r="http://schemas.openxmlformats.org/officeDocument/2006/relationships" xmlns:p="http://schemas.openxmlformats.org/presentationml/2006/main">
+  <p:cSld>
+    <p:spTree>
+      <p:nvGrpSpPr>
+        <p:cNvPr id="1" name="">
+          <a:extLst>
+            <a:ext uri="{FF2B5EF4-FFF2-40B4-BE49-F238E27FC236}">
+              <a16:creationId xmlns:a16="http://schemas.microsoft.com/office/drawing/2014/main" id="{880D3A28-7385-92F9-0C0C-9D17E34E8EBF}"/>
+            </a:ext>
+          </a:extLst>
+        </p:cNvPr>
+        <p:cNvGrpSpPr/>
+        <p:nvPr/>
+      </p:nvGrpSpPr>
+      <p:grpSpPr>
+        <a:xfrm>
+          <a:off x="0" y="0"/>
+          <a:ext cx="0" cy="0"/>
+          <a:chOff x="0" y="0"/>
+          <a:chExt cx="0" cy="0"/>
+        </a:xfrm>
+      </p:grpSpPr>
+      <p:grpSp>
+        <p:nvGrpSpPr>
+          <p:cNvPr id="29" name="Group 28">
+            <a:extLst>
+              <a:ext uri="{FF2B5EF4-FFF2-40B4-BE49-F238E27FC236}">
+                <a16:creationId xmlns:a16="http://schemas.microsoft.com/office/drawing/2014/main" id="{809C479A-5F39-2505-D9F5-5436A91090D6}"/>
+              </a:ext>
+            </a:extLst>
+          </p:cNvPr>
+          <p:cNvGrpSpPr/>
+          <p:nvPr/>
+        </p:nvGrpSpPr>
+        <p:grpSpPr>
+          <a:xfrm>
+            <a:off x="0" y="0"/>
+            <a:ext cx="18288000" cy="933483"/>
+            <a:chOff x="2294171" y="2309965"/>
+            <a:chExt cx="12717230" cy="1080935"/>
+          </a:xfrm>
+        </p:grpSpPr>
+        <p:grpSp>
+          <p:nvGrpSpPr>
+            <p:cNvPr id="26" name="Group 2">
+              <a:extLst>
+                <a:ext uri="{FF2B5EF4-FFF2-40B4-BE49-F238E27FC236}">
+                  <a16:creationId xmlns:a16="http://schemas.microsoft.com/office/drawing/2014/main" id="{88496864-05CC-5CD1-1D1E-927010B5E99E}"/>
+                </a:ext>
+              </a:extLst>
+            </p:cNvPr>
+            <p:cNvGrpSpPr/>
+            <p:nvPr/>
+          </p:nvGrpSpPr>
+          <p:grpSpPr>
+            <a:xfrm>
+              <a:off x="2294171" y="2309965"/>
+              <a:ext cx="12717230" cy="1080935"/>
+              <a:chOff x="0" y="-38100"/>
+              <a:chExt cx="1044090" cy="2913572"/>
+            </a:xfrm>
+            <a:solidFill>
+              <a:schemeClr val="accent5">
+                <a:lumMod val="20000"/>
+                <a:lumOff val="80000"/>
+              </a:schemeClr>
+            </a:solidFill>
+          </p:grpSpPr>
+          <p:sp>
+            <p:nvSpPr>
+              <p:cNvPr id="27" name="Freeform 3">
+                <a:extLst>
+                  <a:ext uri="{FF2B5EF4-FFF2-40B4-BE49-F238E27FC236}">
+                    <a16:creationId xmlns:a16="http://schemas.microsoft.com/office/drawing/2014/main" id="{2573BA4A-63F2-6297-932C-569C1D7FDCA7}"/>
+                  </a:ext>
+                </a:extLst>
+              </p:cNvPr>
+              <p:cNvSpPr/>
+              <p:nvPr/>
+            </p:nvSpPr>
+            <p:spPr>
+              <a:xfrm>
+                <a:off x="0" y="0"/>
+                <a:ext cx="1044090" cy="2875472"/>
+              </a:xfrm>
+              <a:custGeom>
+                <a:avLst/>
+                <a:gdLst/>
+                <a:ahLst/>
+                <a:cxnLst/>
+                <a:rect l="l" t="t" r="r" b="b"/>
+                <a:pathLst>
+                  <a:path w="1044090" h="2875472">
+                    <a:moveTo>
+                      <a:pt x="0" y="0"/>
+                    </a:moveTo>
+                    <a:lnTo>
+                      <a:pt x="1044090" y="0"/>
+                    </a:lnTo>
+                    <a:lnTo>
+                      <a:pt x="1044090" y="2875472"/>
+                    </a:lnTo>
+                    <a:lnTo>
+                      <a:pt x="0" y="2875472"/>
+                    </a:lnTo>
+                    <a:close/>
+                  </a:path>
+                </a:pathLst>
+              </a:custGeom>
+              <a:grpFill/>
+              <a:ln cap="sq">
+                <a:solidFill>
+                  <a:schemeClr val="tx2">
+                    <a:lumMod val="40000"/>
+                    <a:lumOff val="60000"/>
+                  </a:schemeClr>
+                </a:solidFill>
+                <a:prstDash val="solid"/>
+                <a:miter/>
+              </a:ln>
+            </p:spPr>
+          </p:sp>
+          <p:sp>
+            <p:nvSpPr>
+              <p:cNvPr id="28" name="TextBox 4">
+                <a:extLst>
+                  <a:ext uri="{FF2B5EF4-FFF2-40B4-BE49-F238E27FC236}">
+                    <a16:creationId xmlns:a16="http://schemas.microsoft.com/office/drawing/2014/main" id="{7EDEA20E-267A-81A5-288E-63B99A7B4C9E}"/>
+                  </a:ext>
+                </a:extLst>
+              </p:cNvPr>
+              <p:cNvSpPr txBox="1"/>
+              <p:nvPr/>
+            </p:nvSpPr>
+            <p:spPr>
+              <a:xfrm>
+                <a:off x="0" y="-38100"/>
+                <a:ext cx="1044090" cy="2913572"/>
+              </a:xfrm>
+              <a:prstGeom prst="rect">
+                <a:avLst/>
+              </a:prstGeom>
+              <a:grpFill/>
+              <a:ln>
+                <a:solidFill>
+                  <a:schemeClr val="tx2">
+                    <a:lumMod val="40000"/>
+                    <a:lumOff val="60000"/>
+                  </a:schemeClr>
+                </a:solidFill>
+              </a:ln>
+            </p:spPr>
+            <p:txBody>
+              <a:bodyPr lIns="50800" tIns="50800" rIns="50800" bIns="50800" rtlCol="0" anchor="ctr"/>
+              <a:lstStyle/>
+              <a:p>
+                <a:pPr marL="0" lvl="0" indent="0" algn="ctr">
+                  <a:lnSpc>
+                    <a:spcPts val="2659"/>
+                  </a:lnSpc>
+                  <a:spcBef>
+                    <a:spcPct val="0"/>
+                  </a:spcBef>
+                </a:pPr>
+                <a:endParaRPr>
+                  <a:latin typeface="Arial" panose="020B0604020202020204" pitchFamily="34" charset="0"/>
+                  <a:cs typeface="Arial" panose="020B0604020202020204" pitchFamily="34" charset="0"/>
+                </a:endParaRPr>
+              </a:p>
+            </p:txBody>
+          </p:sp>
+        </p:grpSp>
+        <p:grpSp>
+          <p:nvGrpSpPr>
+            <p:cNvPr id="4" name="Group 3">
+              <a:extLst>
+                <a:ext uri="{FF2B5EF4-FFF2-40B4-BE49-F238E27FC236}">
+                  <a16:creationId xmlns:a16="http://schemas.microsoft.com/office/drawing/2014/main" id="{94EF377D-59FD-83F1-C09B-A5EAC6BB3939}"/>
+                </a:ext>
+              </a:extLst>
+            </p:cNvPr>
+            <p:cNvGrpSpPr/>
+            <p:nvPr/>
+          </p:nvGrpSpPr>
+          <p:grpSpPr>
+            <a:xfrm>
+              <a:off x="2514600" y="2472779"/>
+              <a:ext cx="8683425" cy="769441"/>
+              <a:chOff x="3534394" y="5526863"/>
+              <a:chExt cx="14138397" cy="769441"/>
+            </a:xfrm>
+          </p:grpSpPr>
+          <p:sp>
+            <p:nvSpPr>
+              <p:cNvPr id="5" name="Freeform 9">
+                <a:extLst>
+                  <a:ext uri="{FF2B5EF4-FFF2-40B4-BE49-F238E27FC236}">
+                    <a16:creationId xmlns:a16="http://schemas.microsoft.com/office/drawing/2014/main" id="{179B4ABD-580E-4FDB-79F4-5E14E6C3CF60}"/>
+                  </a:ext>
+                </a:extLst>
+              </p:cNvPr>
+              <p:cNvSpPr/>
+              <p:nvPr/>
+            </p:nvSpPr>
+            <p:spPr>
+              <a:xfrm rot="5400000">
+                <a:off x="3505596" y="5684914"/>
+                <a:ext cx="510937" cy="453341"/>
+              </a:xfrm>
+              <a:custGeom>
+                <a:avLst/>
+                <a:gdLst/>
+                <a:ahLst/>
+                <a:cxnLst/>
+                <a:rect l="l" t="t" r="r" b="b"/>
+                <a:pathLst>
+                  <a:path w="510937" h="453341">
+                    <a:moveTo>
+                      <a:pt x="0" y="0"/>
+                    </a:moveTo>
+                    <a:lnTo>
+                      <a:pt x="510937" y="0"/>
+                    </a:lnTo>
+                    <a:lnTo>
+                      <a:pt x="510937" y="453341"/>
+                    </a:lnTo>
+                    <a:lnTo>
+                      <a:pt x="0" y="453341"/>
+                    </a:lnTo>
+                    <a:lnTo>
+                      <a:pt x="0" y="0"/>
+                    </a:lnTo>
+                    <a:close/>
+                  </a:path>
+                </a:pathLst>
+              </a:custGeom>
+              <a:blipFill>
+                <a:blip r:embed="rId2">
+                  <a:extLst>
+                    <a:ext uri="{96DAC541-7B7A-43D3-8B79-37D633B846F1}">
+                      <asvg:svgBlip xmlns:asvg="http://schemas.microsoft.com/office/drawing/2016/SVG/main" r:embed="rId3"/>
+                    </a:ext>
+                  </a:extLst>
+                </a:blip>
+                <a:stretch>
+                  <a:fillRect/>
+                </a:stretch>
+              </a:blipFill>
+            </p:spPr>
+            <p:txBody>
+              <a:bodyPr/>
+              <a:lstStyle/>
+              <a:p>
+                <a:endParaRPr lang="en-US" dirty="0"/>
+              </a:p>
+            </p:txBody>
+          </p:sp>
+          <p:sp>
+            <p:nvSpPr>
+              <p:cNvPr id="10" name="TextBox 11">
+                <a:extLst>
+                  <a:ext uri="{FF2B5EF4-FFF2-40B4-BE49-F238E27FC236}">
+                    <a16:creationId xmlns:a16="http://schemas.microsoft.com/office/drawing/2014/main" id="{8EC2A4EF-9B43-9EE3-B69E-255B4CF24047}"/>
+                  </a:ext>
+                </a:extLst>
+              </p:cNvPr>
+              <p:cNvSpPr txBox="1"/>
+              <p:nvPr/>
+            </p:nvSpPr>
+            <p:spPr>
+              <a:xfrm>
+                <a:off x="4143993" y="5526863"/>
+                <a:ext cx="13528798" cy="769441"/>
+              </a:xfrm>
+              <a:prstGeom prst="rect">
+                <a:avLst/>
+              </a:prstGeom>
+            </p:spPr>
+            <p:txBody>
+              <a:bodyPr wrap="square" lIns="0" tIns="0" rIns="0" bIns="0" rtlCol="0" anchor="t">
+                <a:spAutoFit/>
+              </a:bodyPr>
+              <a:lstStyle/>
+              <a:p>
+                <a:pPr>
+                  <a:spcBef>
+                    <a:spcPct val="0"/>
+                  </a:spcBef>
+                </a:pPr>
+                <a:r>
+                  <a:rPr lang="en-US" sz="5000" b="1" spc="-57" dirty="0">
+                    <a:solidFill>
+                      <a:schemeClr val="accent1">
+                        <a:lumMod val="75000"/>
+                      </a:schemeClr>
+                    </a:solidFill>
+                    <a:latin typeface="Arial" panose="020B0604020202020204" pitchFamily="34" charset="0"/>
+                    <a:ea typeface="Poppins"/>
+                    <a:cs typeface="Arial" panose="020B0604020202020204" pitchFamily="34" charset="0"/>
+                    <a:sym typeface="Poppins"/>
+                  </a:rPr>
+                  <a:t>PHÂN TÍCH VÀ THIẾT KẾ HỆ THỐNG</a:t>
+                </a:r>
+              </a:p>
+            </p:txBody>
+          </p:sp>
+        </p:grpSp>
+      </p:grpSp>
+      <p:pic>
+        <p:nvPicPr>
+          <p:cNvPr id="44" name="Picture 43">
+            <a:extLst>
+              <a:ext uri="{FF2B5EF4-FFF2-40B4-BE49-F238E27FC236}">
+                <a16:creationId xmlns:a16="http://schemas.microsoft.com/office/drawing/2014/main" id="{FB4C8F37-4A36-2342-EDE7-AC819AF06667}"/>
+              </a:ext>
+            </a:extLst>
+          </p:cNvPr>
+          <p:cNvPicPr>
+            <a:picLocks noChangeAspect="1"/>
+          </p:cNvPicPr>
+          <p:nvPr/>
+        </p:nvPicPr>
+        <p:blipFill>
+          <a:blip r:embed="rId4">
+            <a:extLst>
+              <a:ext uri="{28A0092B-C50C-407E-A947-70E740481C1C}">
+                <a14:useLocalDpi xmlns:a14="http://schemas.microsoft.com/office/drawing/2010/main" val="0"/>
+              </a:ext>
+            </a:extLst>
+          </a:blip>
+          <a:stretch>
+            <a:fillRect/>
+          </a:stretch>
+        </p:blipFill>
+        <p:spPr>
+          <a:xfrm>
+            <a:off x="147637" y="945690"/>
+            <a:ext cx="18288000" cy="9700818"/>
+          </a:xfrm>
+          <a:prstGeom prst="rect">
+            <a:avLst/>
+          </a:prstGeom>
+        </p:spPr>
+      </p:pic>
+      <p:sp>
+        <p:nvSpPr>
+          <p:cNvPr id="2" name="TextBox 1">
+            <a:extLst>
+              <a:ext uri="{FF2B5EF4-FFF2-40B4-BE49-F238E27FC236}">
+                <a16:creationId xmlns:a16="http://schemas.microsoft.com/office/drawing/2014/main" id="{7245A3A8-41E7-696C-9CFD-154147FD04F9}"/>
+              </a:ext>
+            </a:extLst>
+          </p:cNvPr>
+          <p:cNvSpPr txBox="1"/>
+          <p:nvPr/>
+        </p:nvSpPr>
+        <p:spPr>
+          <a:xfrm>
+            <a:off x="176212" y="1273005"/>
+            <a:ext cx="3442994" cy="707886"/>
+          </a:xfrm>
+          <a:prstGeom prst="rect">
+            <a:avLst/>
+          </a:prstGeom>
+          <a:noFill/>
+        </p:spPr>
+        <p:txBody>
+          <a:bodyPr wrap="none" rtlCol="0">
+            <a:spAutoFit/>
+          </a:bodyPr>
+          <a:lstStyle/>
+          <a:p>
+            <a:r>
+              <a:rPr lang="en-US" sz="4000" b="1" dirty="0">
+                <a:solidFill>
+                  <a:schemeClr val="accent1">
+                    <a:lumMod val="75000"/>
+                  </a:schemeClr>
+                </a:solidFill>
+              </a:rPr>
+              <a:t>CƠ SỞ DỮ LIỆU</a:t>
+            </a:r>
+          </a:p>
+        </p:txBody>
+      </p:sp>
+      <p:pic>
+        <p:nvPicPr>
+          <p:cNvPr id="3" name="Graphic 2">
+            <a:extLst>
+              <a:ext uri="{FF2B5EF4-FFF2-40B4-BE49-F238E27FC236}">
+                <a16:creationId xmlns:a16="http://schemas.microsoft.com/office/drawing/2014/main" id="{15A64666-64BA-34C7-A27A-E6CF4E9BF3CE}"/>
+              </a:ext>
+            </a:extLst>
+          </p:cNvPr>
+          <p:cNvPicPr>
+            <a:picLocks noChangeAspect="1"/>
+          </p:cNvPicPr>
+          <p:nvPr/>
+        </p:nvPicPr>
+        <p:blipFill>
+          <a:blip r:embed="rId5">
+            <a:extLst>
+              <a:ext uri="{96DAC541-7B7A-43D3-8B79-37D633B846F1}">
+                <asvg:svgBlip xmlns:asvg="http://schemas.microsoft.com/office/drawing/2016/SVG/main" r:embed="rId6"/>
+              </a:ext>
+            </a:extLst>
+          </a:blip>
+          <a:stretch>
+            <a:fillRect/>
+          </a:stretch>
+        </p:blipFill>
+        <p:spPr>
+          <a:xfrm>
+            <a:off x="12383325" y="35994"/>
+            <a:ext cx="5867400" cy="1008944"/>
+          </a:xfrm>
+          <a:prstGeom prst="rect">
+            <a:avLst/>
+          </a:prstGeom>
+        </p:spPr>
+      </p:pic>
+    </p:spTree>
+    <p:extLst>
+      <p:ext uri="{BB962C8B-B14F-4D97-AF65-F5344CB8AC3E}">
+        <p14:creationId xmlns:p14="http://schemas.microsoft.com/office/powerpoint/2010/main" val="2929205033"/>
+      </p:ext>
+    </p:extLst>
+  </p:cSld>
+  <p:clrMapOvr>
+    <a:masterClrMapping/>
+  </p:clrMapOvr>
+  <mc:AlternateContent xmlns:mc="http://schemas.openxmlformats.org/markup-compatibility/2006" xmlns:p159="http://schemas.microsoft.com/office/powerpoint/2015/09/main">
+    <mc:Choice Requires="p159">
+      <p:transition xmlns:p14="http://schemas.microsoft.com/office/powerpoint/2010/main" spd="slow" p14:dur="2000">
+        <p159:morph option="byObject"/>
+      </p:transition>
+    </mc:Choice>
+    <mc:Fallback xmlns="">
+      <p:transition spd="slow">
+        <p:fade/>
+      </p:transition>
+    </mc:Fallback>
+  </mc:AlternateContent>
+</p:sld>
+</file>
+
+<file path=ppt/slides/slide12.xml><?xml version="1.0" encoding="utf-8"?>
+<p:sld xmlns:a="http://schemas.openxmlformats.org/drawingml/2006/main" xmlns:r="http://schemas.openxmlformats.org/officeDocument/2006/relationships" xmlns:p="http://schemas.openxmlformats.org/presentationml/2006/main">
+  <p:cSld>
+    <p:spTree>
+      <p:nvGrpSpPr>
+        <p:cNvPr id="1" name=""/>
+        <p:cNvGrpSpPr/>
+        <p:nvPr/>
+      </p:nvGrpSpPr>
+      <p:grpSpPr>
+        <a:xfrm>
+          <a:off x="0" y="0"/>
+          <a:ext cx="0" cy="0"/>
+          <a:chOff x="0" y="0"/>
+          <a:chExt cx="0" cy="0"/>
+        </a:xfrm>
+      </p:grpSpPr>
+      <p:grpSp>
+        <p:nvGrpSpPr>
+          <p:cNvPr id="25" name="Group 24">
+            <a:extLst>
+              <a:ext uri="{FF2B5EF4-FFF2-40B4-BE49-F238E27FC236}">
+                <a16:creationId xmlns:a16="http://schemas.microsoft.com/office/drawing/2014/main" id="{8378C13E-7D7A-B9AC-9C85-891B9A7DA839}"/>
+              </a:ext>
+            </a:extLst>
+          </p:cNvPr>
+          <p:cNvGrpSpPr/>
+          <p:nvPr/>
+        </p:nvGrpSpPr>
+        <p:grpSpPr>
+          <a:xfrm>
+            <a:off x="2347900" y="4118777"/>
+            <a:ext cx="13592199" cy="2999144"/>
+            <a:chOff x="5240348" y="3231308"/>
+            <a:chExt cx="8819592" cy="2999144"/>
+          </a:xfrm>
+        </p:grpSpPr>
+        <p:sp>
+          <p:nvSpPr>
+            <p:cNvPr id="2" name="TextBox 2"/>
+            <p:cNvSpPr txBox="1"/>
+            <p:nvPr/>
+          </p:nvSpPr>
+          <p:spPr>
+            <a:xfrm>
+              <a:off x="5240348" y="3775770"/>
+              <a:ext cx="8819592" cy="1587229"/>
+            </a:xfrm>
+            <a:prstGeom prst="rect">
+              <a:avLst/>
+            </a:prstGeom>
+          </p:spPr>
+          <p:txBody>
+            <a:bodyPr lIns="0" tIns="0" rIns="0" bIns="0" rtlCol="0" anchor="t">
+              <a:spAutoFit/>
+            </a:bodyPr>
+            <a:lstStyle/>
+            <a:p>
+              <a:pPr marL="0" lvl="0" indent="0" algn="ctr">
+                <a:lnSpc>
+                  <a:spcPts val="14510"/>
+                </a:lnSpc>
+                <a:spcBef>
+                  <a:spcPct val="0"/>
+                </a:spcBef>
+              </a:pPr>
+              <a:r>
+                <a:rPr lang="en-US" sz="6600" b="1" dirty="0">
+                  <a:solidFill>
+                    <a:srgbClr val="051D40"/>
+                  </a:solidFill>
+                  <a:latin typeface="Arial" panose="020B0604020202020204" pitchFamily="34" charset="0"/>
+                  <a:ea typeface="Montserrat Bold"/>
+                  <a:cs typeface="Arial" panose="020B0604020202020204" pitchFamily="34" charset="0"/>
+                  <a:sym typeface="Montserrat Bold"/>
+                </a:rPr>
+                <a:t>Demo </a:t>
+              </a:r>
+              <a:r>
+                <a:rPr lang="en-US" sz="6600" b="1" dirty="0" err="1">
+                  <a:solidFill>
+                    <a:srgbClr val="051D40"/>
+                  </a:solidFill>
+                  <a:latin typeface="Arial" panose="020B0604020202020204" pitchFamily="34" charset="0"/>
+                  <a:ea typeface="Montserrat Bold"/>
+                  <a:cs typeface="Arial" panose="020B0604020202020204" pitchFamily="34" charset="0"/>
+                  <a:sym typeface="Montserrat Bold"/>
+                </a:rPr>
+                <a:t>chương</a:t>
+              </a:r>
+              <a:r>
+                <a:rPr lang="en-US" sz="6600" b="1" dirty="0">
+                  <a:solidFill>
+                    <a:srgbClr val="051D40"/>
+                  </a:solidFill>
+                  <a:latin typeface="Arial" panose="020B0604020202020204" pitchFamily="34" charset="0"/>
+                  <a:ea typeface="Montserrat Bold"/>
+                  <a:cs typeface="Arial" panose="020B0604020202020204" pitchFamily="34" charset="0"/>
+                  <a:sym typeface="Montserrat Bold"/>
+                </a:rPr>
+                <a:t> </a:t>
+              </a:r>
+              <a:r>
+                <a:rPr lang="en-US" sz="6600" b="1" dirty="0" err="1">
+                  <a:solidFill>
+                    <a:srgbClr val="051D40"/>
+                  </a:solidFill>
+                  <a:latin typeface="Arial" panose="020B0604020202020204" pitchFamily="34" charset="0"/>
+                  <a:ea typeface="Montserrat Bold"/>
+                  <a:cs typeface="Arial" panose="020B0604020202020204" pitchFamily="34" charset="0"/>
+                  <a:sym typeface="Montserrat Bold"/>
+                </a:rPr>
+                <a:t>trình</a:t>
+              </a:r>
+              <a:endParaRPr lang="en-US" sz="6600" b="1" dirty="0">
+                <a:solidFill>
+                  <a:srgbClr val="051D40"/>
+                </a:solidFill>
+                <a:latin typeface="Arial" panose="020B0604020202020204" pitchFamily="34" charset="0"/>
+                <a:ea typeface="Montserrat Bold"/>
+                <a:cs typeface="Arial" panose="020B0604020202020204" pitchFamily="34" charset="0"/>
+                <a:sym typeface="Montserrat Bold"/>
+              </a:endParaRPr>
+            </a:p>
+          </p:txBody>
+        </p:sp>
+        <p:grpSp>
+          <p:nvGrpSpPr>
+            <p:cNvPr id="15" name="Group 15"/>
+            <p:cNvGrpSpPr/>
+            <p:nvPr/>
+          </p:nvGrpSpPr>
+          <p:grpSpPr>
+            <a:xfrm>
+              <a:off x="6705600" y="3231308"/>
+              <a:ext cx="5889088" cy="756959"/>
+              <a:chOff x="0" y="0"/>
+              <a:chExt cx="1551036" cy="199364"/>
+            </a:xfrm>
+          </p:grpSpPr>
+          <p:sp>
+            <p:nvSpPr>
+              <p:cNvPr id="16" name="Freeform 16"/>
+              <p:cNvSpPr/>
+              <p:nvPr/>
+            </p:nvSpPr>
+            <p:spPr>
+              <a:xfrm>
+                <a:off x="0" y="0"/>
+                <a:ext cx="1551036" cy="199364"/>
+              </a:xfrm>
+              <a:custGeom>
+                <a:avLst/>
+                <a:gdLst/>
+                <a:ahLst/>
+                <a:cxnLst/>
+                <a:rect l="l" t="t" r="r" b="b"/>
+                <a:pathLst>
+                  <a:path w="1551036" h="199364">
+                    <a:moveTo>
+                      <a:pt x="0" y="0"/>
+                    </a:moveTo>
+                    <a:lnTo>
+                      <a:pt x="1551036" y="0"/>
+                    </a:lnTo>
+                    <a:lnTo>
+                      <a:pt x="1551036" y="199364"/>
+                    </a:lnTo>
+                    <a:lnTo>
+                      <a:pt x="0" y="199364"/>
+                    </a:lnTo>
+                    <a:close/>
+                  </a:path>
+                </a:pathLst>
+              </a:custGeom>
+              <a:solidFill>
+                <a:srgbClr val="5B98BA"/>
+              </a:solidFill>
+              <a:ln cap="sq">
+                <a:noFill/>
+                <a:prstDash val="solid"/>
+                <a:miter/>
+              </a:ln>
+            </p:spPr>
+          </p:sp>
+          <p:sp>
+            <p:nvSpPr>
+              <p:cNvPr id="17" name="TextBox 17"/>
+              <p:cNvSpPr txBox="1"/>
+              <p:nvPr/>
+            </p:nvSpPr>
+            <p:spPr>
+              <a:xfrm>
+                <a:off x="0" y="-38100"/>
+                <a:ext cx="1551036" cy="237464"/>
+              </a:xfrm>
+              <a:prstGeom prst="rect">
+                <a:avLst/>
+              </a:prstGeom>
+            </p:spPr>
+            <p:txBody>
+              <a:bodyPr lIns="50800" tIns="50800" rIns="50800" bIns="50800" rtlCol="0" anchor="ctr"/>
+              <a:lstStyle/>
+              <a:p>
+                <a:pPr algn="ctr">
+                  <a:lnSpc>
+                    <a:spcPts val="2659"/>
+                  </a:lnSpc>
+                </a:pPr>
+                <a:endParaRPr>
+                  <a:latin typeface="Arial" panose="020B0604020202020204" pitchFamily="34" charset="0"/>
+                  <a:cs typeface="Arial" panose="020B0604020202020204" pitchFamily="34" charset="0"/>
+                </a:endParaRPr>
+              </a:p>
+            </p:txBody>
+          </p:sp>
+        </p:grpSp>
+        <p:grpSp>
+          <p:nvGrpSpPr>
+            <p:cNvPr id="18" name="Group 18"/>
+            <p:cNvGrpSpPr/>
+            <p:nvPr/>
+          </p:nvGrpSpPr>
+          <p:grpSpPr>
+            <a:xfrm>
+              <a:off x="6705600" y="5473493"/>
+              <a:ext cx="5889088" cy="756959"/>
+              <a:chOff x="0" y="0"/>
+              <a:chExt cx="1551036" cy="199364"/>
+            </a:xfrm>
+          </p:grpSpPr>
+          <p:sp>
+            <p:nvSpPr>
+              <p:cNvPr id="19" name="Freeform 19"/>
+              <p:cNvSpPr/>
+              <p:nvPr/>
+            </p:nvSpPr>
+            <p:spPr>
+              <a:xfrm>
+                <a:off x="0" y="0"/>
+                <a:ext cx="1551036" cy="199364"/>
+              </a:xfrm>
+              <a:custGeom>
+                <a:avLst/>
+                <a:gdLst/>
+                <a:ahLst/>
+                <a:cxnLst/>
+                <a:rect l="l" t="t" r="r" b="b"/>
+                <a:pathLst>
+                  <a:path w="1551036" h="199364">
+                    <a:moveTo>
+                      <a:pt x="0" y="0"/>
+                    </a:moveTo>
+                    <a:lnTo>
+                      <a:pt x="1551036" y="0"/>
+                    </a:lnTo>
+                    <a:lnTo>
+                      <a:pt x="1551036" y="199364"/>
+                    </a:lnTo>
+                    <a:lnTo>
+                      <a:pt x="0" y="199364"/>
+                    </a:lnTo>
+                    <a:close/>
+                  </a:path>
+                </a:pathLst>
+              </a:custGeom>
+              <a:solidFill>
+                <a:srgbClr val="5B98BA"/>
+              </a:solidFill>
+              <a:ln cap="sq">
+                <a:noFill/>
+                <a:prstDash val="solid"/>
+                <a:miter/>
+              </a:ln>
+            </p:spPr>
+          </p:sp>
+          <p:sp>
+            <p:nvSpPr>
+              <p:cNvPr id="20" name="TextBox 20"/>
+              <p:cNvSpPr txBox="1"/>
+              <p:nvPr/>
+            </p:nvSpPr>
+            <p:spPr>
+              <a:xfrm>
+                <a:off x="0" y="-38100"/>
+                <a:ext cx="1551036" cy="237464"/>
+              </a:xfrm>
+              <a:prstGeom prst="rect">
+                <a:avLst/>
+              </a:prstGeom>
+            </p:spPr>
+            <p:txBody>
+              <a:bodyPr lIns="50800" tIns="50800" rIns="50800" bIns="50800" rtlCol="0" anchor="ctr"/>
+              <a:lstStyle/>
+              <a:p>
+                <a:pPr algn="ctr">
+                  <a:lnSpc>
+                    <a:spcPts val="2659"/>
+                  </a:lnSpc>
+                </a:pPr>
+                <a:endParaRPr>
+                  <a:latin typeface="Arial" panose="020B0604020202020204" pitchFamily="34" charset="0"/>
+                  <a:cs typeface="Arial" panose="020B0604020202020204" pitchFamily="34" charset="0"/>
+                </a:endParaRPr>
+              </a:p>
+            </p:txBody>
+          </p:sp>
+        </p:grpSp>
+      </p:grpSp>
+      <p:sp>
+        <p:nvSpPr>
+          <p:cNvPr id="21" name="Freeform 21"/>
+          <p:cNvSpPr/>
+          <p:nvPr/>
+        </p:nvSpPr>
+        <p:spPr>
+          <a:xfrm>
+            <a:off x="-3343515" y="3162300"/>
+            <a:ext cx="9392643" cy="9529477"/>
+          </a:xfrm>
+          <a:custGeom>
+            <a:avLst/>
+            <a:gdLst/>
+            <a:ahLst/>
+            <a:cxnLst/>
+            <a:rect l="l" t="t" r="r" b="b"/>
+            <a:pathLst>
+              <a:path w="9392643" h="9529477">
+                <a:moveTo>
+                  <a:pt x="0" y="0"/>
+                </a:moveTo>
+                <a:lnTo>
+                  <a:pt x="9392643" y="0"/>
+                </a:lnTo>
+                <a:lnTo>
+                  <a:pt x="9392643" y="9529476"/>
+                </a:lnTo>
+                <a:lnTo>
+                  <a:pt x="0" y="9529476"/>
+                </a:lnTo>
+                <a:lnTo>
+                  <a:pt x="0" y="0"/>
+                </a:lnTo>
+                <a:close/>
+              </a:path>
+            </a:pathLst>
+          </a:custGeom>
+          <a:blipFill>
+            <a:blip r:embed="rId2">
+              <a:alphaModFix amt="20999"/>
+              <a:extLst>
+                <a:ext uri="{96DAC541-7B7A-43D3-8B79-37D633B846F1}">
+                  <asvg:svgBlip xmlns:asvg="http://schemas.microsoft.com/office/drawing/2016/SVG/main" r:embed="rId3"/>
+                </a:ext>
+              </a:extLst>
+            </a:blip>
+            <a:stretch>
+              <a:fillRect/>
+            </a:stretch>
+          </a:blipFill>
+        </p:spPr>
+      </p:sp>
+      <p:grpSp>
+        <p:nvGrpSpPr>
+          <p:cNvPr id="26" name="Group 12">
+            <a:extLst>
+              <a:ext uri="{FF2B5EF4-FFF2-40B4-BE49-F238E27FC236}">
+                <a16:creationId xmlns:a16="http://schemas.microsoft.com/office/drawing/2014/main" id="{ADDA1D83-2A92-77F1-820F-41BDD020CBFF}"/>
+              </a:ext>
+            </a:extLst>
+          </p:cNvPr>
+          <p:cNvGrpSpPr/>
+          <p:nvPr/>
+        </p:nvGrpSpPr>
+        <p:grpSpPr>
+          <a:xfrm>
+            <a:off x="15150538" y="6628784"/>
+            <a:ext cx="5946973" cy="5946973"/>
+            <a:chOff x="0" y="0"/>
+            <a:chExt cx="812800" cy="812800"/>
+          </a:xfrm>
+        </p:grpSpPr>
+        <p:sp>
+          <p:nvSpPr>
+            <p:cNvPr id="27" name="Freeform 13">
+              <a:extLst>
+                <a:ext uri="{FF2B5EF4-FFF2-40B4-BE49-F238E27FC236}">
+                  <a16:creationId xmlns:a16="http://schemas.microsoft.com/office/drawing/2014/main" id="{AF8E971B-F947-65AA-CE6B-A47FF35B9D99}"/>
+                </a:ext>
+              </a:extLst>
+            </p:cNvPr>
+            <p:cNvSpPr/>
+            <p:nvPr/>
+          </p:nvSpPr>
+          <p:spPr>
+            <a:xfrm>
+              <a:off x="0" y="0"/>
+              <a:ext cx="812800" cy="812800"/>
+            </a:xfrm>
+            <a:custGeom>
+              <a:avLst/>
+              <a:gdLst/>
+              <a:ahLst/>
+              <a:cxnLst/>
+              <a:rect l="l" t="t" r="r" b="b"/>
+              <a:pathLst>
+                <a:path w="812800" h="812800">
+                  <a:moveTo>
+                    <a:pt x="406400" y="0"/>
+                  </a:moveTo>
+                  <a:cubicBezTo>
+                    <a:pt x="181951" y="0"/>
+                    <a:pt x="0" y="181951"/>
+                    <a:pt x="0" y="406400"/>
+                  </a:cubicBezTo>
+                  <a:cubicBezTo>
+                    <a:pt x="0" y="630849"/>
+                    <a:pt x="181951" y="812800"/>
+                    <a:pt x="406400" y="812800"/>
+                  </a:cubicBezTo>
+                  <a:cubicBezTo>
+                    <a:pt x="630849" y="812800"/>
+                    <a:pt x="812800" y="630849"/>
+                    <a:pt x="812800" y="406400"/>
+                  </a:cubicBezTo>
+                  <a:cubicBezTo>
+                    <a:pt x="812800" y="181951"/>
+                    <a:pt x="630849" y="0"/>
+                    <a:pt x="406400" y="0"/>
+                  </a:cubicBezTo>
+                  <a:close/>
+                </a:path>
+              </a:pathLst>
+            </a:custGeom>
+            <a:solidFill>
+              <a:srgbClr val="000000">
+                <a:alpha val="0"/>
+              </a:srgbClr>
+            </a:solidFill>
+            <a:ln w="952500" cap="sq">
+              <a:solidFill>
+                <a:srgbClr val="FFFFFF">
+                  <a:alpha val="15686"/>
+                </a:srgbClr>
+              </a:solidFill>
+              <a:prstDash val="solid"/>
+              <a:miter/>
+            </a:ln>
+          </p:spPr>
+        </p:sp>
+        <p:sp>
+          <p:nvSpPr>
+            <p:cNvPr id="28" name="TextBox 14">
+              <a:extLst>
+                <a:ext uri="{FF2B5EF4-FFF2-40B4-BE49-F238E27FC236}">
+                  <a16:creationId xmlns:a16="http://schemas.microsoft.com/office/drawing/2014/main" id="{EC1443EB-D669-1375-66E9-D333FB412E41}"/>
+                </a:ext>
+              </a:extLst>
+            </p:cNvPr>
+            <p:cNvSpPr txBox="1"/>
+            <p:nvPr/>
+          </p:nvSpPr>
+          <p:spPr>
+            <a:xfrm>
+              <a:off x="76200" y="38100"/>
+              <a:ext cx="660400" cy="698500"/>
+            </a:xfrm>
+            <a:prstGeom prst="rect">
+              <a:avLst/>
+            </a:prstGeom>
+          </p:spPr>
+          <p:txBody>
+            <a:bodyPr lIns="50800" tIns="50800" rIns="50800" bIns="50800" rtlCol="0" anchor="ctr"/>
+            <a:lstStyle/>
+            <a:p>
+              <a:pPr algn="ctr">
+                <a:lnSpc>
+                  <a:spcPts val="2659"/>
+                </a:lnSpc>
+                <a:spcBef>
+                  <a:spcPct val="0"/>
+                </a:spcBef>
+              </a:pPr>
+              <a:endParaRPr>
+                <a:latin typeface="Arial" panose="020B0604020202020204" pitchFamily="34" charset="0"/>
+                <a:cs typeface="Arial" panose="020B0604020202020204" pitchFamily="34" charset="0"/>
+              </a:endParaRPr>
+            </a:p>
+          </p:txBody>
+        </p:sp>
+      </p:grpSp>
+      <p:sp>
+        <p:nvSpPr>
+          <p:cNvPr id="29" name="Freeform 21">
+            <a:extLst>
+              <a:ext uri="{FF2B5EF4-FFF2-40B4-BE49-F238E27FC236}">
+                <a16:creationId xmlns:a16="http://schemas.microsoft.com/office/drawing/2014/main" id="{053275D2-66F8-6277-F702-00C55B8F4E79}"/>
+              </a:ext>
+            </a:extLst>
+          </p:cNvPr>
+          <p:cNvSpPr/>
+          <p:nvPr/>
+        </p:nvSpPr>
+        <p:spPr>
+          <a:xfrm>
+            <a:off x="11704868" y="3314700"/>
+            <a:ext cx="9392643" cy="9529477"/>
+          </a:xfrm>
+          <a:custGeom>
+            <a:avLst/>
+            <a:gdLst/>
+            <a:ahLst/>
+            <a:cxnLst/>
+            <a:rect l="l" t="t" r="r" b="b"/>
+            <a:pathLst>
+              <a:path w="9392643" h="9529477">
+                <a:moveTo>
+                  <a:pt x="0" y="0"/>
+                </a:moveTo>
+                <a:lnTo>
+                  <a:pt x="9392643" y="0"/>
+                </a:lnTo>
+                <a:lnTo>
+                  <a:pt x="9392643" y="9529476"/>
+                </a:lnTo>
+                <a:lnTo>
+                  <a:pt x="0" y="9529476"/>
+                </a:lnTo>
+                <a:lnTo>
+                  <a:pt x="0" y="0"/>
+                </a:lnTo>
+                <a:close/>
+              </a:path>
+            </a:pathLst>
+          </a:custGeom>
+          <a:blipFill>
+            <a:blip r:embed="rId2">
+              <a:alphaModFix amt="20999"/>
+              <a:extLst>
+                <a:ext uri="{96DAC541-7B7A-43D3-8B79-37D633B846F1}">
+                  <asvg:svgBlip xmlns:asvg="http://schemas.microsoft.com/office/drawing/2016/SVG/main" r:embed="rId3"/>
+                </a:ext>
+              </a:extLst>
+            </a:blip>
+            <a:stretch>
+              <a:fillRect/>
+            </a:stretch>
+          </a:blipFill>
+        </p:spPr>
+      </p:sp>
+      <p:pic>
+        <p:nvPicPr>
+          <p:cNvPr id="1026" name="Picture 2" descr="Software, developer, programmer icon - Download on Iconfinder">
+            <a:extLst>
+              <a:ext uri="{FF2B5EF4-FFF2-40B4-BE49-F238E27FC236}">
+                <a16:creationId xmlns:a16="http://schemas.microsoft.com/office/drawing/2014/main" id="{4026A870-2F0E-5281-6011-418DE9B1C34C}"/>
+              </a:ext>
+            </a:extLst>
+          </p:cNvPr>
+          <p:cNvPicPr>
+            <a:picLocks noChangeAspect="1" noChangeArrowheads="1"/>
+          </p:cNvPicPr>
+          <p:nvPr/>
+        </p:nvPicPr>
+        <p:blipFill>
+          <a:blip r:embed="rId4">
+            <a:extLst>
+              <a:ext uri="{28A0092B-C50C-407E-A947-70E740481C1C}">
+                <a14:useLocalDpi xmlns:a14="http://schemas.microsoft.com/office/drawing/2010/main" val="0"/>
+              </a:ext>
+            </a:extLst>
+          </a:blip>
+          <a:srcRect/>
+          <a:stretch>
+            <a:fillRect/>
+          </a:stretch>
+        </p:blipFill>
+        <p:spPr bwMode="auto">
+          <a:xfrm>
+            <a:off x="7481886" y="722221"/>
+            <a:ext cx="3324226" cy="3324226"/>
+          </a:xfrm>
+          <a:prstGeom prst="rect">
+            <a:avLst/>
+          </a:prstGeom>
+          <a:noFill/>
+          <a:extLst>
+            <a:ext uri="{909E8E84-426E-40DD-AFC4-6F175D3DCCD1}">
+              <a14:hiddenFill xmlns:a14="http://schemas.microsoft.com/office/drawing/2010/main">
+                <a:solidFill>
+                  <a:srgbClr val="FFFFFF"/>
+                </a:solidFill>
+              </a14:hiddenFill>
+            </a:ext>
+          </a:extLst>
+        </p:spPr>
+      </p:pic>
+    </p:spTree>
+  </p:cSld>
+  <p:clrMapOvr>
+    <a:masterClrMapping/>
+  </p:clrMapOvr>
+  <mc:AlternateContent xmlns:mc="http://schemas.openxmlformats.org/markup-compatibility/2006" xmlns:p159="http://schemas.microsoft.com/office/powerpoint/2015/09/main">
+    <mc:Choice Requires="p159">
+      <p:transition xmlns:p14="http://schemas.microsoft.com/office/powerpoint/2010/main" spd="slow" p14:dur="2000">
+        <p159:morph option="byObject"/>
+      </p:transition>
+    </mc:Choice>
+    <mc:Fallback xmlns="">
+      <p:transition spd="slow">
+        <p:fade/>
+      </p:transition>
+    </mc:Fallback>
+  </mc:AlternateContent>
+</p:sld>
+</file>
+
+<file path=ppt/slides/slide13.xml><?xml version="1.0" encoding="utf-8"?>
+<p:sld xmlns:a="http://schemas.openxmlformats.org/drawingml/2006/main" xmlns:r="http://schemas.openxmlformats.org/officeDocument/2006/relationships" xmlns:p="http://schemas.openxmlformats.org/presentationml/2006/main">
+  <p:cSld>
+    <p:spTree>
+      <p:nvGrpSpPr>
+        <p:cNvPr id="1" name="">
+          <a:extLst>
+            <a:ext uri="{FF2B5EF4-FFF2-40B4-BE49-F238E27FC236}">
+              <a16:creationId xmlns:a16="http://schemas.microsoft.com/office/drawing/2014/main" id="{F2622ED0-D458-366A-CE36-6A9D630BBE51}"/>
+            </a:ext>
+          </a:extLst>
+        </p:cNvPr>
+        <p:cNvGrpSpPr/>
+        <p:nvPr/>
+      </p:nvGrpSpPr>
+      <p:grpSpPr>
+        <a:xfrm>
+          <a:off x="0" y="0"/>
+          <a:ext cx="0" cy="0"/>
+          <a:chOff x="0" y="0"/>
+          <a:chExt cx="0" cy="0"/>
+        </a:xfrm>
+      </p:grpSpPr>
+      <p:grpSp>
+        <p:nvGrpSpPr>
+          <p:cNvPr id="25" name="Group 24">
+            <a:extLst>
+              <a:ext uri="{FF2B5EF4-FFF2-40B4-BE49-F238E27FC236}">
+                <a16:creationId xmlns:a16="http://schemas.microsoft.com/office/drawing/2014/main" id="{29EAFE1E-8C1E-13DC-0EBA-611F6DFE6FEC}"/>
+              </a:ext>
+            </a:extLst>
+          </p:cNvPr>
+          <p:cNvGrpSpPr/>
+          <p:nvPr/>
+        </p:nvGrpSpPr>
+        <p:grpSpPr>
+          <a:xfrm>
+            <a:off x="4467202" y="4000500"/>
+            <a:ext cx="9096398" cy="2999144"/>
+            <a:chOff x="5240348" y="3231308"/>
+            <a:chExt cx="8334398" cy="2999144"/>
+          </a:xfrm>
+        </p:grpSpPr>
+        <p:sp>
+          <p:nvSpPr>
+            <p:cNvPr id="2" name="TextBox 2">
+              <a:extLst>
+                <a:ext uri="{FF2B5EF4-FFF2-40B4-BE49-F238E27FC236}">
+                  <a16:creationId xmlns:a16="http://schemas.microsoft.com/office/drawing/2014/main" id="{CF0B692B-3EAC-B79C-C4E7-F7B8F1E97FFE}"/>
+                </a:ext>
+              </a:extLst>
+            </p:cNvPr>
+            <p:cNvSpPr txBox="1"/>
+            <p:nvPr/>
+          </p:nvSpPr>
+          <p:spPr>
+            <a:xfrm>
+              <a:off x="5240348" y="3775770"/>
+              <a:ext cx="8334398" cy="1587229"/>
+            </a:xfrm>
+            <a:prstGeom prst="rect">
+              <a:avLst/>
+            </a:prstGeom>
+          </p:spPr>
+          <p:txBody>
+            <a:bodyPr wrap="square" lIns="0" tIns="0" rIns="0" bIns="0" rtlCol="0" anchor="t">
+              <a:spAutoFit/>
+            </a:bodyPr>
+            <a:lstStyle/>
+            <a:p>
+              <a:pPr marL="0" lvl="0" indent="0" algn="ctr">
+                <a:lnSpc>
+                  <a:spcPts val="14510"/>
+                </a:lnSpc>
+                <a:spcBef>
+                  <a:spcPct val="0"/>
+                </a:spcBef>
+              </a:pPr>
+              <a:r>
+                <a:rPr lang="en-US" sz="6600" b="1" dirty="0">
+                  <a:solidFill>
+                    <a:srgbClr val="051D40"/>
+                  </a:solidFill>
+                  <a:latin typeface="Arial" panose="020B0604020202020204" pitchFamily="34" charset="0"/>
+                  <a:ea typeface="Montserrat Bold"/>
+                  <a:cs typeface="Arial" panose="020B0604020202020204" pitchFamily="34" charset="0"/>
+                  <a:sym typeface="Montserrat Bold"/>
+                </a:rPr>
+                <a:t>  THANK YOU!</a:t>
+              </a:r>
+            </a:p>
+          </p:txBody>
+        </p:sp>
+        <p:grpSp>
+          <p:nvGrpSpPr>
+            <p:cNvPr id="15" name="Group 15">
+              <a:extLst>
+                <a:ext uri="{FF2B5EF4-FFF2-40B4-BE49-F238E27FC236}">
+                  <a16:creationId xmlns:a16="http://schemas.microsoft.com/office/drawing/2014/main" id="{E20B29A8-FA56-CA81-C057-B67BEBAADA67}"/>
+                </a:ext>
+              </a:extLst>
+            </p:cNvPr>
+            <p:cNvGrpSpPr/>
+            <p:nvPr/>
+          </p:nvGrpSpPr>
+          <p:grpSpPr>
+            <a:xfrm>
+              <a:off x="6705600" y="3231308"/>
+              <a:ext cx="5889088" cy="756959"/>
+              <a:chOff x="0" y="0"/>
+              <a:chExt cx="1551036" cy="199364"/>
+            </a:xfrm>
+          </p:grpSpPr>
+          <p:sp>
+            <p:nvSpPr>
+              <p:cNvPr id="16" name="Freeform 16">
+                <a:extLst>
+                  <a:ext uri="{FF2B5EF4-FFF2-40B4-BE49-F238E27FC236}">
+                    <a16:creationId xmlns:a16="http://schemas.microsoft.com/office/drawing/2014/main" id="{1D700BDD-FF0D-79B3-20F7-2AC1340DABE2}"/>
+                  </a:ext>
+                </a:extLst>
+              </p:cNvPr>
+              <p:cNvSpPr/>
+              <p:nvPr/>
+            </p:nvSpPr>
+            <p:spPr>
+              <a:xfrm>
+                <a:off x="0" y="0"/>
+                <a:ext cx="1551036" cy="199364"/>
+              </a:xfrm>
+              <a:custGeom>
+                <a:avLst/>
+                <a:gdLst/>
+                <a:ahLst/>
+                <a:cxnLst/>
+                <a:rect l="l" t="t" r="r" b="b"/>
+                <a:pathLst>
+                  <a:path w="1551036" h="199364">
+                    <a:moveTo>
+                      <a:pt x="0" y="0"/>
+                    </a:moveTo>
+                    <a:lnTo>
+                      <a:pt x="1551036" y="0"/>
+                    </a:lnTo>
+                    <a:lnTo>
+                      <a:pt x="1551036" y="199364"/>
+                    </a:lnTo>
+                    <a:lnTo>
+                      <a:pt x="0" y="199364"/>
+                    </a:lnTo>
+                    <a:close/>
+                  </a:path>
+                </a:pathLst>
+              </a:custGeom>
+              <a:solidFill>
+                <a:srgbClr val="5B98BA"/>
+              </a:solidFill>
+              <a:ln cap="sq">
+                <a:noFill/>
+                <a:prstDash val="solid"/>
+                <a:miter/>
+              </a:ln>
+            </p:spPr>
+          </p:sp>
+          <p:sp>
+            <p:nvSpPr>
+              <p:cNvPr id="17" name="TextBox 17">
+                <a:extLst>
+                  <a:ext uri="{FF2B5EF4-FFF2-40B4-BE49-F238E27FC236}">
+                    <a16:creationId xmlns:a16="http://schemas.microsoft.com/office/drawing/2014/main" id="{7F5A5514-6E45-EE48-5ACD-E739BCA33393}"/>
+                  </a:ext>
+                </a:extLst>
+              </p:cNvPr>
+              <p:cNvSpPr txBox="1"/>
+              <p:nvPr/>
+            </p:nvSpPr>
+            <p:spPr>
+              <a:xfrm>
+                <a:off x="0" y="-38100"/>
+                <a:ext cx="1551036" cy="237464"/>
+              </a:xfrm>
+              <a:prstGeom prst="rect">
+                <a:avLst/>
+              </a:prstGeom>
+            </p:spPr>
+            <p:txBody>
+              <a:bodyPr lIns="50800" tIns="50800" rIns="50800" bIns="50800" rtlCol="0" anchor="ctr"/>
+              <a:lstStyle/>
+              <a:p>
+                <a:pPr algn="ctr">
+                  <a:lnSpc>
+                    <a:spcPts val="2659"/>
+                  </a:lnSpc>
+                </a:pPr>
+                <a:endParaRPr>
+                  <a:latin typeface="Arial" panose="020B0604020202020204" pitchFamily="34" charset="0"/>
+                  <a:cs typeface="Arial" panose="020B0604020202020204" pitchFamily="34" charset="0"/>
+                </a:endParaRPr>
+              </a:p>
+            </p:txBody>
+          </p:sp>
+        </p:grpSp>
+        <p:grpSp>
+          <p:nvGrpSpPr>
+            <p:cNvPr id="18" name="Group 18">
+              <a:extLst>
+                <a:ext uri="{FF2B5EF4-FFF2-40B4-BE49-F238E27FC236}">
+                  <a16:creationId xmlns:a16="http://schemas.microsoft.com/office/drawing/2014/main" id="{44867A8B-B7B9-75BC-5C7D-F13308814B43}"/>
+                </a:ext>
+              </a:extLst>
+            </p:cNvPr>
+            <p:cNvGrpSpPr/>
+            <p:nvPr/>
+          </p:nvGrpSpPr>
+          <p:grpSpPr>
+            <a:xfrm>
+              <a:off x="6705600" y="5473493"/>
+              <a:ext cx="5889088" cy="756959"/>
+              <a:chOff x="0" y="0"/>
+              <a:chExt cx="1551036" cy="199364"/>
+            </a:xfrm>
+          </p:grpSpPr>
+          <p:sp>
+            <p:nvSpPr>
+              <p:cNvPr id="19" name="Freeform 19">
+                <a:extLst>
+                  <a:ext uri="{FF2B5EF4-FFF2-40B4-BE49-F238E27FC236}">
+                    <a16:creationId xmlns:a16="http://schemas.microsoft.com/office/drawing/2014/main" id="{B87CD5A9-4A7B-EC0D-D090-92456236860A}"/>
+                  </a:ext>
+                </a:extLst>
+              </p:cNvPr>
+              <p:cNvSpPr/>
+              <p:nvPr/>
+            </p:nvSpPr>
+            <p:spPr>
+              <a:xfrm>
+                <a:off x="0" y="0"/>
+                <a:ext cx="1551036" cy="199364"/>
+              </a:xfrm>
+              <a:custGeom>
+                <a:avLst/>
+                <a:gdLst/>
+                <a:ahLst/>
+                <a:cxnLst/>
+                <a:rect l="l" t="t" r="r" b="b"/>
+                <a:pathLst>
+                  <a:path w="1551036" h="199364">
+                    <a:moveTo>
+                      <a:pt x="0" y="0"/>
+                    </a:moveTo>
+                    <a:lnTo>
+                      <a:pt x="1551036" y="0"/>
+                    </a:lnTo>
+                    <a:lnTo>
+                      <a:pt x="1551036" y="199364"/>
+                    </a:lnTo>
+                    <a:lnTo>
+                      <a:pt x="0" y="199364"/>
+                    </a:lnTo>
+                    <a:close/>
+                  </a:path>
+                </a:pathLst>
+              </a:custGeom>
+              <a:solidFill>
+                <a:srgbClr val="5B98BA"/>
+              </a:solidFill>
+              <a:ln cap="sq">
+                <a:noFill/>
+                <a:prstDash val="solid"/>
+                <a:miter/>
+              </a:ln>
+            </p:spPr>
+          </p:sp>
+          <p:sp>
+            <p:nvSpPr>
+              <p:cNvPr id="20" name="TextBox 20">
+                <a:extLst>
+                  <a:ext uri="{FF2B5EF4-FFF2-40B4-BE49-F238E27FC236}">
+                    <a16:creationId xmlns:a16="http://schemas.microsoft.com/office/drawing/2014/main" id="{D4888F5A-E81E-003F-7E51-46C51DE15700}"/>
+                  </a:ext>
+                </a:extLst>
+              </p:cNvPr>
+              <p:cNvSpPr txBox="1"/>
+              <p:nvPr/>
+            </p:nvSpPr>
+            <p:spPr>
+              <a:xfrm>
+                <a:off x="0" y="-38100"/>
+                <a:ext cx="1551036" cy="237464"/>
+              </a:xfrm>
+              <a:prstGeom prst="rect">
+                <a:avLst/>
+              </a:prstGeom>
+            </p:spPr>
+            <p:txBody>
+              <a:bodyPr lIns="50800" tIns="50800" rIns="50800" bIns="50800" rtlCol="0" anchor="ctr"/>
+              <a:lstStyle/>
+              <a:p>
+                <a:pPr algn="ctr">
+                  <a:lnSpc>
+                    <a:spcPts val="2659"/>
+                  </a:lnSpc>
+                </a:pPr>
+                <a:endParaRPr>
+                  <a:latin typeface="Arial" panose="020B0604020202020204" pitchFamily="34" charset="0"/>
+                  <a:cs typeface="Arial" panose="020B0604020202020204" pitchFamily="34" charset="0"/>
+                </a:endParaRPr>
+              </a:p>
+            </p:txBody>
+          </p:sp>
+        </p:grpSp>
+      </p:grpSp>
+      <p:sp>
+        <p:nvSpPr>
+          <p:cNvPr id="21" name="Freeform 21">
+            <a:extLst>
+              <a:ext uri="{FF2B5EF4-FFF2-40B4-BE49-F238E27FC236}">
+                <a16:creationId xmlns:a16="http://schemas.microsoft.com/office/drawing/2014/main" id="{E6E71174-1841-6430-D9FD-66192D9EECC4}"/>
+              </a:ext>
+            </a:extLst>
+          </p:cNvPr>
+          <p:cNvSpPr/>
+          <p:nvPr/>
+        </p:nvSpPr>
+        <p:spPr>
+          <a:xfrm>
+            <a:off x="-3343515" y="3162300"/>
+            <a:ext cx="9392643" cy="9529477"/>
+          </a:xfrm>
+          <a:custGeom>
+            <a:avLst/>
+            <a:gdLst/>
+            <a:ahLst/>
+            <a:cxnLst/>
+            <a:rect l="l" t="t" r="r" b="b"/>
+            <a:pathLst>
+              <a:path w="9392643" h="9529477">
+                <a:moveTo>
+                  <a:pt x="0" y="0"/>
+                </a:moveTo>
+                <a:lnTo>
+                  <a:pt x="9392643" y="0"/>
+                </a:lnTo>
+                <a:lnTo>
+                  <a:pt x="9392643" y="9529476"/>
+                </a:lnTo>
+                <a:lnTo>
+                  <a:pt x="0" y="9529476"/>
+                </a:lnTo>
+                <a:lnTo>
+                  <a:pt x="0" y="0"/>
+                </a:lnTo>
+                <a:close/>
+              </a:path>
+            </a:pathLst>
+          </a:custGeom>
+          <a:blipFill>
+            <a:blip r:embed="rId2">
+              <a:alphaModFix amt="20999"/>
+              <a:extLst>
+                <a:ext uri="{96DAC541-7B7A-43D3-8B79-37D633B846F1}">
+                  <asvg:svgBlip xmlns:asvg="http://schemas.microsoft.com/office/drawing/2016/SVG/main" r:embed="rId3"/>
+                </a:ext>
+              </a:extLst>
+            </a:blip>
+            <a:stretch>
+              <a:fillRect/>
+            </a:stretch>
+          </a:blipFill>
+        </p:spPr>
+      </p:sp>
+      <p:pic>
+        <p:nvPicPr>
+          <p:cNvPr id="24" name="Picture 2" descr="IMG_256">
+            <a:extLst>
+              <a:ext uri="{FF2B5EF4-FFF2-40B4-BE49-F238E27FC236}">
+                <a16:creationId xmlns:a16="http://schemas.microsoft.com/office/drawing/2014/main" id="{7F19E23B-CE32-4049-0B08-AD16BDE83837}"/>
+              </a:ext>
+            </a:extLst>
+          </p:cNvPr>
+          <p:cNvPicPr>
+            <a:picLocks noChangeAspect="1"/>
+          </p:cNvPicPr>
+          <p:nvPr/>
+        </p:nvPicPr>
+        <p:blipFill>
+          <a:blip r:embed="rId4"/>
+          <a:stretch>
+            <a:fillRect/>
+          </a:stretch>
+        </p:blipFill>
+        <p:spPr>
+          <a:xfrm>
+            <a:off x="7984778" y="1467156"/>
+            <a:ext cx="2590800" cy="2385557"/>
+          </a:xfrm>
+          <a:prstGeom prst="rect">
+            <a:avLst/>
+          </a:prstGeom>
+          <a:noFill/>
+          <a:ln w="9525">
+            <a:noFill/>
+          </a:ln>
+        </p:spPr>
+      </p:pic>
+      <p:grpSp>
+        <p:nvGrpSpPr>
+          <p:cNvPr id="26" name="Group 12">
+            <a:extLst>
+              <a:ext uri="{FF2B5EF4-FFF2-40B4-BE49-F238E27FC236}">
+                <a16:creationId xmlns:a16="http://schemas.microsoft.com/office/drawing/2014/main" id="{78FD9992-111C-DC17-B02A-57F77228429D}"/>
+              </a:ext>
+            </a:extLst>
+          </p:cNvPr>
+          <p:cNvGrpSpPr/>
+          <p:nvPr/>
+        </p:nvGrpSpPr>
+        <p:grpSpPr>
+          <a:xfrm>
+            <a:off x="15150538" y="6628784"/>
+            <a:ext cx="5946973" cy="5946973"/>
+            <a:chOff x="0" y="0"/>
+            <a:chExt cx="812800" cy="812800"/>
+          </a:xfrm>
+        </p:grpSpPr>
+        <p:sp>
+          <p:nvSpPr>
+            <p:cNvPr id="27" name="Freeform 13">
+              <a:extLst>
+                <a:ext uri="{FF2B5EF4-FFF2-40B4-BE49-F238E27FC236}">
+                  <a16:creationId xmlns:a16="http://schemas.microsoft.com/office/drawing/2014/main" id="{1856FC04-A76D-BC60-4448-6D5D94384A80}"/>
+                </a:ext>
+              </a:extLst>
+            </p:cNvPr>
+            <p:cNvSpPr/>
+            <p:nvPr/>
+          </p:nvSpPr>
+          <p:spPr>
+            <a:xfrm>
+              <a:off x="0" y="0"/>
+              <a:ext cx="812800" cy="812800"/>
+            </a:xfrm>
+            <a:custGeom>
+              <a:avLst/>
+              <a:gdLst/>
+              <a:ahLst/>
+              <a:cxnLst/>
+              <a:rect l="l" t="t" r="r" b="b"/>
+              <a:pathLst>
+                <a:path w="812800" h="812800">
+                  <a:moveTo>
+                    <a:pt x="406400" y="0"/>
+                  </a:moveTo>
+                  <a:cubicBezTo>
+                    <a:pt x="181951" y="0"/>
+                    <a:pt x="0" y="181951"/>
+                    <a:pt x="0" y="406400"/>
+                  </a:cubicBezTo>
+                  <a:cubicBezTo>
+                    <a:pt x="0" y="630849"/>
+                    <a:pt x="181951" y="812800"/>
+                    <a:pt x="406400" y="812800"/>
+                  </a:cubicBezTo>
+                  <a:cubicBezTo>
+                    <a:pt x="630849" y="812800"/>
+                    <a:pt x="812800" y="630849"/>
+                    <a:pt x="812800" y="406400"/>
+                  </a:cubicBezTo>
+                  <a:cubicBezTo>
+                    <a:pt x="812800" y="181951"/>
+                    <a:pt x="630849" y="0"/>
+                    <a:pt x="406400" y="0"/>
+                  </a:cubicBezTo>
+                  <a:close/>
+                </a:path>
+              </a:pathLst>
+            </a:custGeom>
+            <a:solidFill>
+              <a:srgbClr val="000000">
+                <a:alpha val="0"/>
+              </a:srgbClr>
+            </a:solidFill>
+            <a:ln w="952500" cap="sq">
+              <a:solidFill>
+                <a:srgbClr val="FFFFFF">
+                  <a:alpha val="15686"/>
+                </a:srgbClr>
+              </a:solidFill>
+              <a:prstDash val="solid"/>
+              <a:miter/>
+            </a:ln>
+          </p:spPr>
+        </p:sp>
+        <p:sp>
+          <p:nvSpPr>
+            <p:cNvPr id="28" name="TextBox 14">
+              <a:extLst>
+                <a:ext uri="{FF2B5EF4-FFF2-40B4-BE49-F238E27FC236}">
+                  <a16:creationId xmlns:a16="http://schemas.microsoft.com/office/drawing/2014/main" id="{E3152AAE-8F17-40B7-74BA-A2497A2F51C2}"/>
+                </a:ext>
+              </a:extLst>
+            </p:cNvPr>
+            <p:cNvSpPr txBox="1"/>
+            <p:nvPr/>
+          </p:nvSpPr>
+          <p:spPr>
+            <a:xfrm>
+              <a:off x="76200" y="38100"/>
+              <a:ext cx="660400" cy="698500"/>
+            </a:xfrm>
+            <a:prstGeom prst="rect">
+              <a:avLst/>
+            </a:prstGeom>
+          </p:spPr>
+          <p:txBody>
+            <a:bodyPr lIns="50800" tIns="50800" rIns="50800" bIns="50800" rtlCol="0" anchor="ctr"/>
+            <a:lstStyle/>
+            <a:p>
+              <a:pPr algn="ctr">
+                <a:lnSpc>
+                  <a:spcPts val="2659"/>
+                </a:lnSpc>
+                <a:spcBef>
+                  <a:spcPct val="0"/>
+                </a:spcBef>
+              </a:pPr>
+              <a:endParaRPr>
+                <a:latin typeface="Arial" panose="020B0604020202020204" pitchFamily="34" charset="0"/>
+                <a:cs typeface="Arial" panose="020B0604020202020204" pitchFamily="34" charset="0"/>
+              </a:endParaRPr>
+            </a:p>
+          </p:txBody>
+        </p:sp>
+      </p:grpSp>
+      <p:sp>
+        <p:nvSpPr>
+          <p:cNvPr id="29" name="Freeform 21">
+            <a:extLst>
+              <a:ext uri="{FF2B5EF4-FFF2-40B4-BE49-F238E27FC236}">
+                <a16:creationId xmlns:a16="http://schemas.microsoft.com/office/drawing/2014/main" id="{D6363414-79D5-3D65-4EA5-6F48926372BA}"/>
+              </a:ext>
+            </a:extLst>
+          </p:cNvPr>
+          <p:cNvSpPr/>
+          <p:nvPr/>
+        </p:nvSpPr>
+        <p:spPr>
+          <a:xfrm>
+            <a:off x="11704868" y="3314700"/>
+            <a:ext cx="9392643" cy="9529477"/>
+          </a:xfrm>
+          <a:custGeom>
+            <a:avLst/>
+            <a:gdLst/>
+            <a:ahLst/>
+            <a:cxnLst/>
+            <a:rect l="l" t="t" r="r" b="b"/>
+            <a:pathLst>
+              <a:path w="9392643" h="9529477">
+                <a:moveTo>
+                  <a:pt x="0" y="0"/>
+                </a:moveTo>
+                <a:lnTo>
+                  <a:pt x="9392643" y="0"/>
+                </a:lnTo>
+                <a:lnTo>
+                  <a:pt x="9392643" y="9529476"/>
+                </a:lnTo>
+                <a:lnTo>
+                  <a:pt x="0" y="9529476"/>
+                </a:lnTo>
+                <a:lnTo>
+                  <a:pt x="0" y="0"/>
+                </a:lnTo>
+                <a:close/>
+              </a:path>
+            </a:pathLst>
+          </a:custGeom>
+          <a:blipFill>
+            <a:blip r:embed="rId2">
+              <a:alphaModFix amt="20999"/>
+              <a:extLst>
+                <a:ext uri="{96DAC541-7B7A-43D3-8B79-37D633B846F1}">
+                  <asvg:svgBlip xmlns:asvg="http://schemas.microsoft.com/office/drawing/2016/SVG/main" r:embed="rId3"/>
+                </a:ext>
+              </a:extLst>
+            </a:blip>
+            <a:stretch>
+              <a:fillRect/>
+            </a:stretch>
+          </a:blipFill>
+        </p:spPr>
+      </p:sp>
+    </p:spTree>
+    <p:extLst>
+      <p:ext uri="{BB962C8B-B14F-4D97-AF65-F5344CB8AC3E}">
+        <p14:creationId xmlns:p14="http://schemas.microsoft.com/office/powerpoint/2010/main" val="4100192777"/>
+      </p:ext>
+    </p:extLst>
+  </p:cSld>
+  <p:clrMapOvr>
+    <a:masterClrMapping/>
+  </p:clrMapOvr>
+  <mc:AlternateContent xmlns:mc="http://schemas.openxmlformats.org/markup-compatibility/2006" xmlns:p159="http://schemas.microsoft.com/office/powerpoint/2015/09/main">
+    <mc:Choice Requires="p159">
+      <p:transition xmlns:p14="http://schemas.microsoft.com/office/powerpoint/2010/main" spd="slow" p14:dur="2000">
+        <p159:morph option="byObject"/>
+      </p:transition>
+    </mc:Choice>
+    <mc:Fallback xmlns="">
+      <p:transition spd="slow">
+        <p:fade/>
+      </p:transition>
+    </mc:Fallback>
+  </mc:AlternateContent>
+</p:sld>
+</file>
+
 <file path=ppt/slides/slide2.xml><?xml version="1.0" encoding="utf-8"?>
 <p:sld xmlns:a="http://schemas.openxmlformats.org/drawingml/2006/main" xmlns:r="http://schemas.openxmlformats.org/officeDocument/2006/relationships" xmlns:p="http://schemas.openxmlformats.org/presentationml/2006/main">
   <p:cSld>
@@ -4178,7 +6634,7 @@
         </p:nvGrpSpPr>
         <p:grpSpPr>
           <a:xfrm>
-            <a:off x="14517814" y="-315404"/>
+            <a:off x="14323719" y="-166947"/>
             <a:ext cx="3964281" cy="10917809"/>
             <a:chOff x="0" y="0"/>
             <a:chExt cx="1044090" cy="2875472"/>
@@ -4316,7 +6772,7 @@
         </p:nvGrpSpPr>
         <p:grpSpPr>
           <a:xfrm>
-            <a:off x="17316405" y="6745154"/>
+            <a:off x="14323719" y="9334500"/>
             <a:ext cx="3735531" cy="3735531"/>
             <a:chOff x="0" y="0"/>
             <a:chExt cx="812800" cy="812800"/>
@@ -5281,10 +7737,734 @@
   <p:clrMapOvr>
     <a:masterClrMapping/>
   </p:clrMapOvr>
+  <mc:AlternateContent xmlns:mc="http://schemas.openxmlformats.org/markup-compatibility/2006" xmlns:p159="http://schemas.microsoft.com/office/powerpoint/2015/09/main">
+    <mc:Choice Requires="p159">
+      <p:transition xmlns:p14="http://schemas.microsoft.com/office/powerpoint/2010/main" spd="slow" p14:dur="2000">
+        <p159:morph option="byObject"/>
+      </p:transition>
+    </mc:Choice>
+    <mc:Fallback xmlns="">
+      <p:transition spd="slow">
+        <p:fade/>
+      </p:transition>
+    </mc:Fallback>
+  </mc:AlternateContent>
 </p:sld>
 </file>
 
 <file path=ppt/slides/slide3.xml><?xml version="1.0" encoding="utf-8"?>
+<p:sld xmlns:a="http://schemas.openxmlformats.org/drawingml/2006/main" xmlns:r="http://schemas.openxmlformats.org/officeDocument/2006/relationships" xmlns:p="http://schemas.openxmlformats.org/presentationml/2006/main">
+  <p:cSld>
+    <p:spTree>
+      <p:nvGrpSpPr>
+        <p:cNvPr id="1" name="">
+          <a:extLst>
+            <a:ext uri="{FF2B5EF4-FFF2-40B4-BE49-F238E27FC236}">
+              <a16:creationId xmlns:a16="http://schemas.microsoft.com/office/drawing/2014/main" id="{AFF2670C-50A0-DFF0-BB02-089413AA6AFF}"/>
+            </a:ext>
+          </a:extLst>
+        </p:cNvPr>
+        <p:cNvGrpSpPr/>
+        <p:nvPr/>
+      </p:nvGrpSpPr>
+      <p:grpSpPr>
+        <a:xfrm>
+          <a:off x="0" y="0"/>
+          <a:ext cx="0" cy="0"/>
+          <a:chOff x="0" y="0"/>
+          <a:chExt cx="0" cy="0"/>
+        </a:xfrm>
+      </p:grpSpPr>
+      <p:grpSp>
+        <p:nvGrpSpPr>
+          <p:cNvPr id="25" name="Group 24">
+            <a:extLst>
+              <a:ext uri="{FF2B5EF4-FFF2-40B4-BE49-F238E27FC236}">
+                <a16:creationId xmlns:a16="http://schemas.microsoft.com/office/drawing/2014/main" id="{99246285-8A89-9CC8-D079-2503C456619C}"/>
+              </a:ext>
+            </a:extLst>
+          </p:cNvPr>
+          <p:cNvGrpSpPr/>
+          <p:nvPr/>
+        </p:nvGrpSpPr>
+        <p:grpSpPr>
+          <a:xfrm>
+            <a:off x="4165409" y="4710729"/>
+            <a:ext cx="10230015" cy="2999144"/>
+            <a:chOff x="5240348" y="3231308"/>
+            <a:chExt cx="8819592" cy="2999144"/>
+          </a:xfrm>
+        </p:grpSpPr>
+        <p:sp>
+          <p:nvSpPr>
+            <p:cNvPr id="2" name="TextBox 2">
+              <a:extLst>
+                <a:ext uri="{FF2B5EF4-FFF2-40B4-BE49-F238E27FC236}">
+                  <a16:creationId xmlns:a16="http://schemas.microsoft.com/office/drawing/2014/main" id="{BE3DBF6B-3BF0-8BF5-C680-34296E31E9BB}"/>
+                </a:ext>
+              </a:extLst>
+            </p:cNvPr>
+            <p:cNvSpPr txBox="1"/>
+            <p:nvPr/>
+          </p:nvSpPr>
+          <p:spPr>
+            <a:xfrm>
+              <a:off x="5240348" y="3775770"/>
+              <a:ext cx="8819592" cy="1587229"/>
+            </a:xfrm>
+            <a:prstGeom prst="rect">
+              <a:avLst/>
+            </a:prstGeom>
+          </p:spPr>
+          <p:txBody>
+            <a:bodyPr lIns="0" tIns="0" rIns="0" bIns="0" rtlCol="0" anchor="t">
+              <a:spAutoFit/>
+            </a:bodyPr>
+            <a:lstStyle/>
+            <a:p>
+              <a:pPr marL="0" lvl="0" indent="0" algn="ctr">
+                <a:lnSpc>
+                  <a:spcPts val="14510"/>
+                </a:lnSpc>
+                <a:spcBef>
+                  <a:spcPct val="0"/>
+                </a:spcBef>
+              </a:pPr>
+              <a:r>
+                <a:rPr lang="en-US" sz="6600" b="1" dirty="0" err="1">
+                  <a:solidFill>
+                    <a:srgbClr val="051D40"/>
+                  </a:solidFill>
+                  <a:latin typeface="Arial" panose="020B0604020202020204" pitchFamily="34" charset="0"/>
+                  <a:ea typeface="Montserrat Bold"/>
+                  <a:cs typeface="Arial" panose="020B0604020202020204" pitchFamily="34" charset="0"/>
+                  <a:sym typeface="Montserrat Bold"/>
+                </a:rPr>
+                <a:t>Giới</a:t>
+              </a:r>
+              <a:r>
+                <a:rPr lang="en-US" sz="6600" b="1" dirty="0">
+                  <a:solidFill>
+                    <a:srgbClr val="051D40"/>
+                  </a:solidFill>
+                  <a:latin typeface="Arial" panose="020B0604020202020204" pitchFamily="34" charset="0"/>
+                  <a:ea typeface="Montserrat Bold"/>
+                  <a:cs typeface="Arial" panose="020B0604020202020204" pitchFamily="34" charset="0"/>
+                  <a:sym typeface="Montserrat Bold"/>
+                </a:rPr>
+                <a:t> </a:t>
+              </a:r>
+              <a:r>
+                <a:rPr lang="en-US" sz="6600" b="1" dirty="0" err="1">
+                  <a:solidFill>
+                    <a:srgbClr val="051D40"/>
+                  </a:solidFill>
+                  <a:latin typeface="Arial" panose="020B0604020202020204" pitchFamily="34" charset="0"/>
+                  <a:ea typeface="Montserrat Bold"/>
+                  <a:cs typeface="Arial" panose="020B0604020202020204" pitchFamily="34" charset="0"/>
+                  <a:sym typeface="Montserrat Bold"/>
+                </a:rPr>
+                <a:t>thiệu</a:t>
+              </a:r>
+              <a:r>
+                <a:rPr lang="en-US" sz="6600" b="1" dirty="0">
+                  <a:solidFill>
+                    <a:srgbClr val="051D40"/>
+                  </a:solidFill>
+                  <a:latin typeface="Arial" panose="020B0604020202020204" pitchFamily="34" charset="0"/>
+                  <a:ea typeface="Montserrat Bold"/>
+                  <a:cs typeface="Arial" panose="020B0604020202020204" pitchFamily="34" charset="0"/>
+                  <a:sym typeface="Montserrat Bold"/>
+                </a:rPr>
+                <a:t> </a:t>
+              </a:r>
+              <a:r>
+                <a:rPr lang="en-US" sz="6600" b="1" dirty="0" err="1">
+                  <a:solidFill>
+                    <a:srgbClr val="051D40"/>
+                  </a:solidFill>
+                  <a:latin typeface="Arial" panose="020B0604020202020204" pitchFamily="34" charset="0"/>
+                  <a:ea typeface="Montserrat Bold"/>
+                  <a:cs typeface="Arial" panose="020B0604020202020204" pitchFamily="34" charset="0"/>
+                  <a:sym typeface="Montserrat Bold"/>
+                </a:rPr>
+                <a:t>đề</a:t>
+              </a:r>
+              <a:r>
+                <a:rPr lang="en-US" sz="6600" b="1" dirty="0">
+                  <a:solidFill>
+                    <a:srgbClr val="051D40"/>
+                  </a:solidFill>
+                  <a:latin typeface="Arial" panose="020B0604020202020204" pitchFamily="34" charset="0"/>
+                  <a:ea typeface="Montserrat Bold"/>
+                  <a:cs typeface="Arial" panose="020B0604020202020204" pitchFamily="34" charset="0"/>
+                  <a:sym typeface="Montserrat Bold"/>
+                </a:rPr>
+                <a:t> </a:t>
+              </a:r>
+              <a:r>
+                <a:rPr lang="en-US" sz="6600" b="1" dirty="0" err="1">
+                  <a:solidFill>
+                    <a:srgbClr val="051D40"/>
+                  </a:solidFill>
+                  <a:latin typeface="Arial" panose="020B0604020202020204" pitchFamily="34" charset="0"/>
+                  <a:ea typeface="Montserrat Bold"/>
+                  <a:cs typeface="Arial" panose="020B0604020202020204" pitchFamily="34" charset="0"/>
+                  <a:sym typeface="Montserrat Bold"/>
+                </a:rPr>
+                <a:t>tài</a:t>
+              </a:r>
+              <a:endParaRPr lang="en-US" sz="6600" b="1" dirty="0">
+                <a:solidFill>
+                  <a:srgbClr val="051D40"/>
+                </a:solidFill>
+                <a:latin typeface="Arial" panose="020B0604020202020204" pitchFamily="34" charset="0"/>
+                <a:ea typeface="Montserrat Bold"/>
+                <a:cs typeface="Arial" panose="020B0604020202020204" pitchFamily="34" charset="0"/>
+                <a:sym typeface="Montserrat Bold"/>
+              </a:endParaRPr>
+            </a:p>
+          </p:txBody>
+        </p:sp>
+        <p:grpSp>
+          <p:nvGrpSpPr>
+            <p:cNvPr id="15" name="Group 15">
+              <a:extLst>
+                <a:ext uri="{FF2B5EF4-FFF2-40B4-BE49-F238E27FC236}">
+                  <a16:creationId xmlns:a16="http://schemas.microsoft.com/office/drawing/2014/main" id="{585D70A6-D300-EDF2-87DE-E21E943BF050}"/>
+                </a:ext>
+              </a:extLst>
+            </p:cNvPr>
+            <p:cNvGrpSpPr/>
+            <p:nvPr/>
+          </p:nvGrpSpPr>
+          <p:grpSpPr>
+            <a:xfrm>
+              <a:off x="6705600" y="3231308"/>
+              <a:ext cx="5889088" cy="756959"/>
+              <a:chOff x="0" y="0"/>
+              <a:chExt cx="1551036" cy="199364"/>
+            </a:xfrm>
+          </p:grpSpPr>
+          <p:sp>
+            <p:nvSpPr>
+              <p:cNvPr id="16" name="Freeform 16">
+                <a:extLst>
+                  <a:ext uri="{FF2B5EF4-FFF2-40B4-BE49-F238E27FC236}">
+                    <a16:creationId xmlns:a16="http://schemas.microsoft.com/office/drawing/2014/main" id="{22E6B10A-2332-0968-017E-BD6D33B0C357}"/>
+                  </a:ext>
+                </a:extLst>
+              </p:cNvPr>
+              <p:cNvSpPr/>
+              <p:nvPr/>
+            </p:nvSpPr>
+            <p:spPr>
+              <a:xfrm>
+                <a:off x="0" y="0"/>
+                <a:ext cx="1551036" cy="199364"/>
+              </a:xfrm>
+              <a:custGeom>
+                <a:avLst/>
+                <a:gdLst/>
+                <a:ahLst/>
+                <a:cxnLst/>
+                <a:rect l="l" t="t" r="r" b="b"/>
+                <a:pathLst>
+                  <a:path w="1551036" h="199364">
+                    <a:moveTo>
+                      <a:pt x="0" y="0"/>
+                    </a:moveTo>
+                    <a:lnTo>
+                      <a:pt x="1551036" y="0"/>
+                    </a:lnTo>
+                    <a:lnTo>
+                      <a:pt x="1551036" y="199364"/>
+                    </a:lnTo>
+                    <a:lnTo>
+                      <a:pt x="0" y="199364"/>
+                    </a:lnTo>
+                    <a:close/>
+                  </a:path>
+                </a:pathLst>
+              </a:custGeom>
+              <a:solidFill>
+                <a:srgbClr val="5B98BA"/>
+              </a:solidFill>
+              <a:ln cap="sq">
+                <a:noFill/>
+                <a:prstDash val="solid"/>
+                <a:miter/>
+              </a:ln>
+            </p:spPr>
+          </p:sp>
+          <p:sp>
+            <p:nvSpPr>
+              <p:cNvPr id="17" name="TextBox 17">
+                <a:extLst>
+                  <a:ext uri="{FF2B5EF4-FFF2-40B4-BE49-F238E27FC236}">
+                    <a16:creationId xmlns:a16="http://schemas.microsoft.com/office/drawing/2014/main" id="{2FD957A6-B6F5-DD18-ABAD-DCD277560542}"/>
+                  </a:ext>
+                </a:extLst>
+              </p:cNvPr>
+              <p:cNvSpPr txBox="1"/>
+              <p:nvPr/>
+            </p:nvSpPr>
+            <p:spPr>
+              <a:xfrm>
+                <a:off x="0" y="-38100"/>
+                <a:ext cx="1551036" cy="237464"/>
+              </a:xfrm>
+              <a:prstGeom prst="rect">
+                <a:avLst/>
+              </a:prstGeom>
+            </p:spPr>
+            <p:txBody>
+              <a:bodyPr lIns="50800" tIns="50800" rIns="50800" bIns="50800" rtlCol="0" anchor="ctr"/>
+              <a:lstStyle/>
+              <a:p>
+                <a:pPr algn="ctr">
+                  <a:lnSpc>
+                    <a:spcPts val="2659"/>
+                  </a:lnSpc>
+                </a:pPr>
+                <a:endParaRPr>
+                  <a:latin typeface="Arial" panose="020B0604020202020204" pitchFamily="34" charset="0"/>
+                  <a:cs typeface="Arial" panose="020B0604020202020204" pitchFamily="34" charset="0"/>
+                </a:endParaRPr>
+              </a:p>
+            </p:txBody>
+          </p:sp>
+        </p:grpSp>
+        <p:grpSp>
+          <p:nvGrpSpPr>
+            <p:cNvPr id="18" name="Group 18">
+              <a:extLst>
+                <a:ext uri="{FF2B5EF4-FFF2-40B4-BE49-F238E27FC236}">
+                  <a16:creationId xmlns:a16="http://schemas.microsoft.com/office/drawing/2014/main" id="{55A9FE3C-D1EC-E955-D132-668E01B4AEFF}"/>
+                </a:ext>
+              </a:extLst>
+            </p:cNvPr>
+            <p:cNvGrpSpPr/>
+            <p:nvPr/>
+          </p:nvGrpSpPr>
+          <p:grpSpPr>
+            <a:xfrm>
+              <a:off x="6705600" y="5473493"/>
+              <a:ext cx="5889088" cy="756959"/>
+              <a:chOff x="0" y="0"/>
+              <a:chExt cx="1551036" cy="199364"/>
+            </a:xfrm>
+          </p:grpSpPr>
+          <p:sp>
+            <p:nvSpPr>
+              <p:cNvPr id="19" name="Freeform 19">
+                <a:extLst>
+                  <a:ext uri="{FF2B5EF4-FFF2-40B4-BE49-F238E27FC236}">
+                    <a16:creationId xmlns:a16="http://schemas.microsoft.com/office/drawing/2014/main" id="{EA01647D-8859-1166-2010-CEAA881AD9AE}"/>
+                  </a:ext>
+                </a:extLst>
+              </p:cNvPr>
+              <p:cNvSpPr/>
+              <p:nvPr/>
+            </p:nvSpPr>
+            <p:spPr>
+              <a:xfrm>
+                <a:off x="0" y="0"/>
+                <a:ext cx="1551036" cy="199364"/>
+              </a:xfrm>
+              <a:custGeom>
+                <a:avLst/>
+                <a:gdLst/>
+                <a:ahLst/>
+                <a:cxnLst/>
+                <a:rect l="l" t="t" r="r" b="b"/>
+                <a:pathLst>
+                  <a:path w="1551036" h="199364">
+                    <a:moveTo>
+                      <a:pt x="0" y="0"/>
+                    </a:moveTo>
+                    <a:lnTo>
+                      <a:pt x="1551036" y="0"/>
+                    </a:lnTo>
+                    <a:lnTo>
+                      <a:pt x="1551036" y="199364"/>
+                    </a:lnTo>
+                    <a:lnTo>
+                      <a:pt x="0" y="199364"/>
+                    </a:lnTo>
+                    <a:close/>
+                  </a:path>
+                </a:pathLst>
+              </a:custGeom>
+              <a:solidFill>
+                <a:srgbClr val="5B98BA"/>
+              </a:solidFill>
+              <a:ln cap="sq">
+                <a:noFill/>
+                <a:prstDash val="solid"/>
+                <a:miter/>
+              </a:ln>
+            </p:spPr>
+          </p:sp>
+          <p:sp>
+            <p:nvSpPr>
+              <p:cNvPr id="20" name="TextBox 20">
+                <a:extLst>
+                  <a:ext uri="{FF2B5EF4-FFF2-40B4-BE49-F238E27FC236}">
+                    <a16:creationId xmlns:a16="http://schemas.microsoft.com/office/drawing/2014/main" id="{F66EF6CE-D79B-D541-6D61-6C80EB73A442}"/>
+                  </a:ext>
+                </a:extLst>
+              </p:cNvPr>
+              <p:cNvSpPr txBox="1"/>
+              <p:nvPr/>
+            </p:nvSpPr>
+            <p:spPr>
+              <a:xfrm>
+                <a:off x="0" y="-38100"/>
+                <a:ext cx="1551036" cy="237464"/>
+              </a:xfrm>
+              <a:prstGeom prst="rect">
+                <a:avLst/>
+              </a:prstGeom>
+            </p:spPr>
+            <p:txBody>
+              <a:bodyPr lIns="50800" tIns="50800" rIns="50800" bIns="50800" rtlCol="0" anchor="ctr"/>
+              <a:lstStyle/>
+              <a:p>
+                <a:pPr algn="ctr">
+                  <a:lnSpc>
+                    <a:spcPts val="2659"/>
+                  </a:lnSpc>
+                </a:pPr>
+                <a:endParaRPr>
+                  <a:latin typeface="Arial" panose="020B0604020202020204" pitchFamily="34" charset="0"/>
+                  <a:cs typeface="Arial" panose="020B0604020202020204" pitchFamily="34" charset="0"/>
+                </a:endParaRPr>
+              </a:p>
+            </p:txBody>
+          </p:sp>
+        </p:grpSp>
+      </p:grpSp>
+      <p:sp>
+        <p:nvSpPr>
+          <p:cNvPr id="21" name="Freeform 21">
+            <a:extLst>
+              <a:ext uri="{FF2B5EF4-FFF2-40B4-BE49-F238E27FC236}">
+                <a16:creationId xmlns:a16="http://schemas.microsoft.com/office/drawing/2014/main" id="{422384B1-35EE-50FD-992A-C8F19808DD15}"/>
+              </a:ext>
+            </a:extLst>
+          </p:cNvPr>
+          <p:cNvSpPr/>
+          <p:nvPr/>
+        </p:nvSpPr>
+        <p:spPr>
+          <a:xfrm>
+            <a:off x="-3343515" y="3162300"/>
+            <a:ext cx="9392643" cy="9529477"/>
+          </a:xfrm>
+          <a:custGeom>
+            <a:avLst/>
+            <a:gdLst/>
+            <a:ahLst/>
+            <a:cxnLst/>
+            <a:rect l="l" t="t" r="r" b="b"/>
+            <a:pathLst>
+              <a:path w="9392643" h="9529477">
+                <a:moveTo>
+                  <a:pt x="0" y="0"/>
+                </a:moveTo>
+                <a:lnTo>
+                  <a:pt x="9392643" y="0"/>
+                </a:lnTo>
+                <a:lnTo>
+                  <a:pt x="9392643" y="9529476"/>
+                </a:lnTo>
+                <a:lnTo>
+                  <a:pt x="0" y="9529476"/>
+                </a:lnTo>
+                <a:lnTo>
+                  <a:pt x="0" y="0"/>
+                </a:lnTo>
+                <a:close/>
+              </a:path>
+            </a:pathLst>
+          </a:custGeom>
+          <a:blipFill>
+            <a:blip r:embed="rId2">
+              <a:alphaModFix amt="20999"/>
+              <a:extLst>
+                <a:ext uri="{96DAC541-7B7A-43D3-8B79-37D633B846F1}">
+                  <asvg:svgBlip xmlns:asvg="http://schemas.microsoft.com/office/drawing/2016/SVG/main" r:embed="rId3"/>
+                </a:ext>
+              </a:extLst>
+            </a:blip>
+            <a:stretch>
+              <a:fillRect/>
+            </a:stretch>
+          </a:blipFill>
+        </p:spPr>
+      </p:sp>
+      <p:grpSp>
+        <p:nvGrpSpPr>
+          <p:cNvPr id="26" name="Group 12">
+            <a:extLst>
+              <a:ext uri="{FF2B5EF4-FFF2-40B4-BE49-F238E27FC236}">
+                <a16:creationId xmlns:a16="http://schemas.microsoft.com/office/drawing/2014/main" id="{83856CD6-2D92-DEAC-9F50-5EEDF5C96B02}"/>
+              </a:ext>
+            </a:extLst>
+          </p:cNvPr>
+          <p:cNvGrpSpPr/>
+          <p:nvPr/>
+        </p:nvGrpSpPr>
+        <p:grpSpPr>
+          <a:xfrm>
+            <a:off x="15150538" y="6628784"/>
+            <a:ext cx="5946973" cy="5946973"/>
+            <a:chOff x="0" y="0"/>
+            <a:chExt cx="812800" cy="812800"/>
+          </a:xfrm>
+        </p:grpSpPr>
+        <p:sp>
+          <p:nvSpPr>
+            <p:cNvPr id="27" name="Freeform 13">
+              <a:extLst>
+                <a:ext uri="{FF2B5EF4-FFF2-40B4-BE49-F238E27FC236}">
+                  <a16:creationId xmlns:a16="http://schemas.microsoft.com/office/drawing/2014/main" id="{51F8C6FC-0406-AB6F-378E-0E30E0C97229}"/>
+                </a:ext>
+              </a:extLst>
+            </p:cNvPr>
+            <p:cNvSpPr/>
+            <p:nvPr/>
+          </p:nvSpPr>
+          <p:spPr>
+            <a:xfrm>
+              <a:off x="0" y="0"/>
+              <a:ext cx="812800" cy="812800"/>
+            </a:xfrm>
+            <a:custGeom>
+              <a:avLst/>
+              <a:gdLst/>
+              <a:ahLst/>
+              <a:cxnLst/>
+              <a:rect l="l" t="t" r="r" b="b"/>
+              <a:pathLst>
+                <a:path w="812800" h="812800">
+                  <a:moveTo>
+                    <a:pt x="406400" y="0"/>
+                  </a:moveTo>
+                  <a:cubicBezTo>
+                    <a:pt x="181951" y="0"/>
+                    <a:pt x="0" y="181951"/>
+                    <a:pt x="0" y="406400"/>
+                  </a:cubicBezTo>
+                  <a:cubicBezTo>
+                    <a:pt x="0" y="630849"/>
+                    <a:pt x="181951" y="812800"/>
+                    <a:pt x="406400" y="812800"/>
+                  </a:cubicBezTo>
+                  <a:cubicBezTo>
+                    <a:pt x="630849" y="812800"/>
+                    <a:pt x="812800" y="630849"/>
+                    <a:pt x="812800" y="406400"/>
+                  </a:cubicBezTo>
+                  <a:cubicBezTo>
+                    <a:pt x="812800" y="181951"/>
+                    <a:pt x="630849" y="0"/>
+                    <a:pt x="406400" y="0"/>
+                  </a:cubicBezTo>
+                  <a:close/>
+                </a:path>
+              </a:pathLst>
+            </a:custGeom>
+            <a:solidFill>
+              <a:srgbClr val="000000">
+                <a:alpha val="0"/>
+              </a:srgbClr>
+            </a:solidFill>
+            <a:ln w="952500" cap="sq">
+              <a:solidFill>
+                <a:srgbClr val="FFFFFF">
+                  <a:alpha val="15686"/>
+                </a:srgbClr>
+              </a:solidFill>
+              <a:prstDash val="solid"/>
+              <a:miter/>
+            </a:ln>
+          </p:spPr>
+        </p:sp>
+        <p:sp>
+          <p:nvSpPr>
+            <p:cNvPr id="28" name="TextBox 14">
+              <a:extLst>
+                <a:ext uri="{FF2B5EF4-FFF2-40B4-BE49-F238E27FC236}">
+                  <a16:creationId xmlns:a16="http://schemas.microsoft.com/office/drawing/2014/main" id="{6DD84CF0-8B66-3B1F-8389-368D685EC05F}"/>
+                </a:ext>
+              </a:extLst>
+            </p:cNvPr>
+            <p:cNvSpPr txBox="1"/>
+            <p:nvPr/>
+          </p:nvSpPr>
+          <p:spPr>
+            <a:xfrm>
+              <a:off x="76200" y="38100"/>
+              <a:ext cx="660400" cy="698500"/>
+            </a:xfrm>
+            <a:prstGeom prst="rect">
+              <a:avLst/>
+            </a:prstGeom>
+          </p:spPr>
+          <p:txBody>
+            <a:bodyPr lIns="50800" tIns="50800" rIns="50800" bIns="50800" rtlCol="0" anchor="ctr"/>
+            <a:lstStyle/>
+            <a:p>
+              <a:pPr algn="ctr">
+                <a:lnSpc>
+                  <a:spcPts val="2659"/>
+                </a:lnSpc>
+                <a:spcBef>
+                  <a:spcPct val="0"/>
+                </a:spcBef>
+              </a:pPr>
+              <a:endParaRPr>
+                <a:latin typeface="Arial" panose="020B0604020202020204" pitchFamily="34" charset="0"/>
+                <a:cs typeface="Arial" panose="020B0604020202020204" pitchFamily="34" charset="0"/>
+              </a:endParaRPr>
+            </a:p>
+          </p:txBody>
+        </p:sp>
+      </p:grpSp>
+      <p:sp>
+        <p:nvSpPr>
+          <p:cNvPr id="29" name="Freeform 21">
+            <a:extLst>
+              <a:ext uri="{FF2B5EF4-FFF2-40B4-BE49-F238E27FC236}">
+                <a16:creationId xmlns:a16="http://schemas.microsoft.com/office/drawing/2014/main" id="{5E70F4FB-E073-04AA-2021-EA17E1C25F67}"/>
+              </a:ext>
+            </a:extLst>
+          </p:cNvPr>
+          <p:cNvSpPr/>
+          <p:nvPr/>
+        </p:nvSpPr>
+        <p:spPr>
+          <a:xfrm>
+            <a:off x="11704868" y="3314700"/>
+            <a:ext cx="9392643" cy="9529477"/>
+          </a:xfrm>
+          <a:custGeom>
+            <a:avLst/>
+            <a:gdLst/>
+            <a:ahLst/>
+            <a:cxnLst/>
+            <a:rect l="l" t="t" r="r" b="b"/>
+            <a:pathLst>
+              <a:path w="9392643" h="9529477">
+                <a:moveTo>
+                  <a:pt x="0" y="0"/>
+                </a:moveTo>
+                <a:lnTo>
+                  <a:pt x="9392643" y="0"/>
+                </a:lnTo>
+                <a:lnTo>
+                  <a:pt x="9392643" y="9529476"/>
+                </a:lnTo>
+                <a:lnTo>
+                  <a:pt x="0" y="9529476"/>
+                </a:lnTo>
+                <a:lnTo>
+                  <a:pt x="0" y="0"/>
+                </a:lnTo>
+                <a:close/>
+              </a:path>
+            </a:pathLst>
+          </a:custGeom>
+          <a:blipFill>
+            <a:blip r:embed="rId2">
+              <a:alphaModFix amt="20999"/>
+              <a:extLst>
+                <a:ext uri="{96DAC541-7B7A-43D3-8B79-37D633B846F1}">
+                  <asvg:svgBlip xmlns:asvg="http://schemas.microsoft.com/office/drawing/2016/SVG/main" r:embed="rId3"/>
+                </a:ext>
+              </a:extLst>
+            </a:blip>
+            <a:stretch>
+              <a:fillRect/>
+            </a:stretch>
+          </a:blipFill>
+        </p:spPr>
+      </p:sp>
+      <p:pic>
+        <p:nvPicPr>
+          <p:cNvPr id="4098" name="Picture 2">
+            <a:extLst>
+              <a:ext uri="{FF2B5EF4-FFF2-40B4-BE49-F238E27FC236}">
+                <a16:creationId xmlns:a16="http://schemas.microsoft.com/office/drawing/2014/main" id="{EABEB478-710B-5BAC-35A1-869F59E007BD}"/>
+              </a:ext>
+            </a:extLst>
+          </p:cNvPr>
+          <p:cNvPicPr>
+            <a:picLocks noChangeAspect="1" noChangeArrowheads="1"/>
+          </p:cNvPicPr>
+          <p:nvPr/>
+        </p:nvPicPr>
+        <p:blipFill>
+          <a:blip r:embed="rId4">
+            <a:extLst>
+              <a:ext uri="{28A0092B-C50C-407E-A947-70E740481C1C}">
+                <a14:useLocalDpi xmlns:a14="http://schemas.microsoft.com/office/drawing/2010/main" val="0"/>
+              </a:ext>
+            </a:extLst>
+          </a:blip>
+          <a:srcRect/>
+          <a:stretch>
+            <a:fillRect/>
+          </a:stretch>
+        </p:blipFill>
+        <p:spPr bwMode="auto">
+          <a:xfrm>
+            <a:off x="7813348" y="2146015"/>
+            <a:ext cx="2661304" cy="2661304"/>
+          </a:xfrm>
+          <a:prstGeom prst="rect">
+            <a:avLst/>
+          </a:prstGeom>
+          <a:noFill/>
+          <a:extLst>
+            <a:ext uri="{909E8E84-426E-40DD-AFC4-6F175D3DCCD1}">
+              <a14:hiddenFill xmlns:a14="http://schemas.microsoft.com/office/drawing/2010/main">
+                <a:solidFill>
+                  <a:srgbClr val="FFFFFF"/>
+                </a:solidFill>
+              </a14:hiddenFill>
+            </a:ext>
+          </a:extLst>
+        </p:spPr>
+      </p:pic>
+    </p:spTree>
+    <p:extLst>
+      <p:ext uri="{BB962C8B-B14F-4D97-AF65-F5344CB8AC3E}">
+        <p14:creationId xmlns:p14="http://schemas.microsoft.com/office/powerpoint/2010/main" val="2863918133"/>
+      </p:ext>
+    </p:extLst>
+  </p:cSld>
+  <p:clrMapOvr>
+    <a:masterClrMapping/>
+  </p:clrMapOvr>
+  <mc:AlternateContent xmlns:mc="http://schemas.openxmlformats.org/markup-compatibility/2006" xmlns:p159="http://schemas.microsoft.com/office/powerpoint/2015/09/main">
+    <mc:Choice Requires="p159">
+      <p:transition xmlns:p14="http://schemas.microsoft.com/office/powerpoint/2010/main" spd="slow" p14:dur="2000">
+        <p159:morph option="byObject"/>
+      </p:transition>
+    </mc:Choice>
+    <mc:Fallback xmlns="">
+      <p:transition spd="slow">
+        <p:fade/>
+      </p:transition>
+    </mc:Fallback>
+  </mc:AlternateContent>
+</p:sld>
+</file>
+
+<file path=ppt/slides/slide4.xml><?xml version="1.0" encoding="utf-8"?>
 <p:sld xmlns:a="http://schemas.openxmlformats.org/drawingml/2006/main" xmlns:r="http://schemas.openxmlformats.org/officeDocument/2006/relationships" xmlns:p="http://schemas.openxmlformats.org/presentationml/2006/main">
   <p:cSld>
     <p:spTree>
@@ -5449,7 +8629,7 @@
         <p:grpSpPr>
           <a:xfrm>
             <a:off x="0" y="-1"/>
-            <a:ext cx="16885606" cy="1080935"/>
+            <a:ext cx="18288000" cy="1080935"/>
             <a:chOff x="2294171" y="2309965"/>
             <a:chExt cx="12717230" cy="1080935"/>
           </a:xfrm>
@@ -5576,7 +8756,7 @@
                     <a:spcPct val="0"/>
                   </a:spcBef>
                 </a:pPr>
-                <a:endParaRPr>
+                <a:endParaRPr dirty="0">
                   <a:latin typeface="Arial" panose="020B0604020202020204" pitchFamily="34" charset="0"/>
                   <a:cs typeface="Arial" panose="020B0604020202020204" pitchFamily="34" charset="0"/>
                 </a:endParaRPr>
@@ -5748,7 +8928,7 @@
         </p:blipFill>
         <p:spPr>
           <a:xfrm>
-            <a:off x="-857689" y="414899"/>
+            <a:off x="-853197" y="1562100"/>
             <a:ext cx="10684585" cy="9735228"/>
           </a:xfrm>
           <a:prstGeom prst="rect">
@@ -5778,7 +8958,7 @@
         </p:blipFill>
         <p:spPr>
           <a:xfrm>
-            <a:off x="9900477" y="1378833"/>
+            <a:off x="9937752" y="1965327"/>
             <a:ext cx="8350248" cy="8350248"/>
           </a:xfrm>
           <a:prstGeom prst="rect">
@@ -5904,12 +9084,48 @@
           </p:txBody>
         </p:sp>
       </p:grpSp>
+      <p:pic>
+        <p:nvPicPr>
+          <p:cNvPr id="3" name="Graphic 2">
+            <a:extLst>
+              <a:ext uri="{FF2B5EF4-FFF2-40B4-BE49-F238E27FC236}">
+                <a16:creationId xmlns:a16="http://schemas.microsoft.com/office/drawing/2014/main" id="{86D8DFA5-4D76-00B1-43AA-1F598EE4E93B}"/>
+              </a:ext>
+            </a:extLst>
+          </p:cNvPr>
+          <p:cNvPicPr>
+            <a:picLocks noChangeAspect="1"/>
+          </p:cNvPicPr>
+          <p:nvPr/>
+        </p:nvPicPr>
+        <p:blipFill>
+          <a:blip r:embed="rId7">
+            <a:extLst>
+              <a:ext uri="{96DAC541-7B7A-43D3-8B79-37D633B846F1}">
+                <asvg:svgBlip xmlns:asvg="http://schemas.microsoft.com/office/drawing/2016/SVG/main" r:embed="rId8"/>
+              </a:ext>
+            </a:extLst>
+          </a:blip>
+          <a:stretch>
+            <a:fillRect/>
+          </a:stretch>
+        </p:blipFill>
+        <p:spPr>
+          <a:xfrm>
+            <a:off x="12383325" y="35994"/>
+            <a:ext cx="5867400" cy="1008944"/>
+          </a:xfrm>
+          <a:prstGeom prst="rect">
+            <a:avLst/>
+          </a:prstGeom>
+        </p:spPr>
+      </p:pic>
       <p:grpSp>
         <p:nvGrpSpPr>
-          <p:cNvPr id="7" name="Group 7">
+          <p:cNvPr id="2" name="Group 1">
             <a:extLst>
               <a:ext uri="{FF2B5EF4-FFF2-40B4-BE49-F238E27FC236}">
-                <a16:creationId xmlns:a16="http://schemas.microsoft.com/office/drawing/2014/main" id="{CF001235-475A-C045-54A9-203B0546F6CA}"/>
+                <a16:creationId xmlns:a16="http://schemas.microsoft.com/office/drawing/2014/main" id="{BA7BFCB0-372C-3CE8-810F-8082CC328C26}"/>
               </a:ext>
             </a:extLst>
           </p:cNvPr>
@@ -5918,18 +9134,18 @@
         </p:nvGrpSpPr>
         <p:grpSpPr>
           <a:xfrm>
-            <a:off x="16535400" y="-2350553"/>
-            <a:ext cx="3735531" cy="3735531"/>
-            <a:chOff x="0" y="0"/>
-            <a:chExt cx="812800" cy="812800"/>
+            <a:off x="204315" y="-1465465"/>
+            <a:ext cx="9677400" cy="769441"/>
+            <a:chOff x="3534394" y="5526863"/>
+            <a:chExt cx="9677400" cy="769441"/>
           </a:xfrm>
         </p:grpSpPr>
         <p:sp>
           <p:nvSpPr>
-            <p:cNvPr id="8" name="Freeform 8">
+            <p:cNvPr id="6" name="Freeform 9">
               <a:extLst>
                 <a:ext uri="{FF2B5EF4-FFF2-40B4-BE49-F238E27FC236}">
-                  <a16:creationId xmlns:a16="http://schemas.microsoft.com/office/drawing/2014/main" id="{F1C1D762-0A3B-3CC0-577A-1E07492BCAA6}"/>
+                  <a16:creationId xmlns:a16="http://schemas.microsoft.com/office/drawing/2014/main" id="{24FB390A-74C4-E16A-2252-0D54AFFF8FA4}"/>
                 </a:ext>
               </a:extLst>
             </p:cNvPr>
@@ -5937,9 +9153,9 @@
             <p:nvPr/>
           </p:nvSpPr>
           <p:spPr>
-            <a:xfrm>
-              <a:off x="0" y="0"/>
-              <a:ext cx="812800" cy="812800"/>
+            <a:xfrm rot="5400000">
+              <a:off x="3505596" y="5684914"/>
+              <a:ext cx="510937" cy="453341"/>
             </a:xfrm>
             <a:custGeom>
               <a:avLst/>
@@ -5948,54 +9164,53 @@
               <a:cxnLst/>
               <a:rect l="l" t="t" r="r" b="b"/>
               <a:pathLst>
-                <a:path w="812800" h="812800">
+                <a:path w="510937" h="453341">
                   <a:moveTo>
-                    <a:pt x="406400" y="0"/>
+                    <a:pt x="0" y="0"/>
                   </a:moveTo>
-                  <a:cubicBezTo>
-                    <a:pt x="181951" y="0"/>
-                    <a:pt x="0" y="181951"/>
-                    <a:pt x="0" y="406400"/>
-                  </a:cubicBezTo>
-                  <a:cubicBezTo>
-                    <a:pt x="0" y="630849"/>
-                    <a:pt x="181951" y="812800"/>
-                    <a:pt x="406400" y="812800"/>
-                  </a:cubicBezTo>
-                  <a:cubicBezTo>
-                    <a:pt x="630849" y="812800"/>
-                    <a:pt x="812800" y="630849"/>
-                    <a:pt x="812800" y="406400"/>
-                  </a:cubicBezTo>
-                  <a:cubicBezTo>
-                    <a:pt x="812800" y="181951"/>
-                    <a:pt x="630849" y="0"/>
-                    <a:pt x="406400" y="0"/>
-                  </a:cubicBezTo>
+                  <a:lnTo>
+                    <a:pt x="510937" y="0"/>
+                  </a:lnTo>
+                  <a:lnTo>
+                    <a:pt x="510937" y="453341"/>
+                  </a:lnTo>
+                  <a:lnTo>
+                    <a:pt x="0" y="453341"/>
+                  </a:lnTo>
+                  <a:lnTo>
+                    <a:pt x="0" y="0"/>
+                  </a:lnTo>
                   <a:close/>
                 </a:path>
               </a:pathLst>
             </a:custGeom>
-            <a:solidFill>
-              <a:srgbClr val="000000">
-                <a:alpha val="0"/>
-              </a:srgbClr>
-            </a:solidFill>
-            <a:ln w="952500" cap="sq">
-              <a:solidFill>
-                <a:srgbClr val="145DA0"/>
-              </a:solidFill>
-              <a:prstDash val="solid"/>
-              <a:miter/>
-            </a:ln>
+            <a:blipFill>
+              <a:blip r:embed="rId2">
+                <a:extLst>
+                  <a:ext uri="{96DAC541-7B7A-43D3-8B79-37D633B846F1}">
+                    <asvg:svgBlip xmlns:asvg="http://schemas.microsoft.com/office/drawing/2016/SVG/main" r:embed="rId3"/>
+                  </a:ext>
+                </a:extLst>
+              </a:blip>
+              <a:stretch>
+                <a:fillRect/>
+              </a:stretch>
+            </a:blipFill>
           </p:spPr>
+          <p:txBody>
+            <a:bodyPr/>
+            <a:lstStyle/>
+            <a:p>
+              <a:endParaRPr lang="en-US" dirty="0"/>
+            </a:p>
+          </p:txBody>
         </p:sp>
         <p:sp>
           <p:nvSpPr>
-            <p:cNvPr id="9" name="TextBox 9">
+            <p:cNvPr id="7" name="TextBox 11">
               <a:extLst>
                 <a:ext uri="{FF2B5EF4-FFF2-40B4-BE49-F238E27FC236}">
-                  <a16:creationId xmlns:a16="http://schemas.microsoft.com/office/drawing/2014/main" id="{EDEF90DF-58BD-015E-FDF0-CD554E2788E7}"/>
+                  <a16:creationId xmlns:a16="http://schemas.microsoft.com/office/drawing/2014/main" id="{DD3A980F-93F2-E831-6EA1-AC19D410CD28}"/>
                 </a:ext>
               </a:extLst>
             </p:cNvPr>
@@ -6004,33 +9219,252 @@
           </p:nvSpPr>
           <p:spPr>
             <a:xfrm>
-              <a:off x="76200" y="38100"/>
-              <a:ext cx="660400" cy="698500"/>
+              <a:off x="4143994" y="5526863"/>
+              <a:ext cx="9067800" cy="769441"/>
             </a:xfrm>
             <a:prstGeom prst="rect">
               <a:avLst/>
             </a:prstGeom>
           </p:spPr>
           <p:txBody>
-            <a:bodyPr lIns="50800" tIns="50800" rIns="50800" bIns="50800" rtlCol="0" anchor="ctr"/>
+            <a:bodyPr wrap="square" lIns="0" tIns="0" rIns="0" bIns="0" rtlCol="0" anchor="t">
+              <a:spAutoFit/>
+            </a:bodyPr>
             <a:lstStyle/>
             <a:p>
-              <a:pPr algn="ctr">
-                <a:lnSpc>
-                  <a:spcPts val="2659"/>
-                </a:lnSpc>
+              <a:pPr algn="l">
                 <a:spcBef>
                   <a:spcPct val="0"/>
                 </a:spcBef>
               </a:pPr>
-              <a:endParaRPr>
-                <a:latin typeface="Arial" panose="020B0604020202020204" pitchFamily="34" charset="0"/>
-                <a:cs typeface="Arial" panose="020B0604020202020204" pitchFamily="34" charset="0"/>
-              </a:endParaRPr>
+              <a:r>
+                <a:rPr lang="en-US" sz="5000" spc="-57" dirty="0">
+                  <a:solidFill>
+                    <a:srgbClr val="051D40"/>
+                  </a:solidFill>
+                  <a:latin typeface="Arial" panose="020B0604020202020204" pitchFamily="34" charset="0"/>
+                  <a:ea typeface="Poppins"/>
+                  <a:cs typeface="Arial" panose="020B0604020202020204" pitchFamily="34" charset="0"/>
+                  <a:sym typeface="Poppins"/>
+                </a:rPr>
+                <a:t>1. </a:t>
+              </a:r>
+              <a:r>
+                <a:rPr lang="en-US" sz="5000" spc="-57" dirty="0" err="1">
+                  <a:solidFill>
+                    <a:srgbClr val="051D40"/>
+                  </a:solidFill>
+                  <a:latin typeface="Arial" panose="020B0604020202020204" pitchFamily="34" charset="0"/>
+                  <a:ea typeface="Poppins"/>
+                  <a:cs typeface="Arial" panose="020B0604020202020204" pitchFamily="34" charset="0"/>
+                  <a:sym typeface="Poppins"/>
+                </a:rPr>
+                <a:t>Giới</a:t>
+              </a:r>
+              <a:r>
+                <a:rPr lang="en-US" sz="5000" spc="-57" dirty="0">
+                  <a:solidFill>
+                    <a:srgbClr val="051D40"/>
+                  </a:solidFill>
+                  <a:latin typeface="Arial" panose="020B0604020202020204" pitchFamily="34" charset="0"/>
+                  <a:ea typeface="Poppins"/>
+                  <a:cs typeface="Arial" panose="020B0604020202020204" pitchFamily="34" charset="0"/>
+                  <a:sym typeface="Poppins"/>
+                </a:rPr>
+                <a:t> </a:t>
+              </a:r>
+              <a:r>
+                <a:rPr lang="en-US" sz="5000" spc="-57" dirty="0" err="1">
+                  <a:solidFill>
+                    <a:srgbClr val="051D40"/>
+                  </a:solidFill>
+                  <a:latin typeface="Arial" panose="020B0604020202020204" pitchFamily="34" charset="0"/>
+                  <a:ea typeface="Poppins"/>
+                  <a:cs typeface="Arial" panose="020B0604020202020204" pitchFamily="34" charset="0"/>
+                  <a:sym typeface="Poppins"/>
+                </a:rPr>
+                <a:t>thiệu</a:t>
+              </a:r>
+              <a:r>
+                <a:rPr lang="en-US" sz="5000" spc="-57" dirty="0">
+                  <a:solidFill>
+                    <a:srgbClr val="051D40"/>
+                  </a:solidFill>
+                  <a:latin typeface="Arial" panose="020B0604020202020204" pitchFamily="34" charset="0"/>
+                  <a:ea typeface="Poppins"/>
+                  <a:cs typeface="Arial" panose="020B0604020202020204" pitchFamily="34" charset="0"/>
+                  <a:sym typeface="Poppins"/>
+                </a:rPr>
+                <a:t> </a:t>
+              </a:r>
+              <a:r>
+                <a:rPr lang="en-US" sz="5000" spc="-57" dirty="0" err="1">
+                  <a:solidFill>
+                    <a:srgbClr val="051D40"/>
+                  </a:solidFill>
+                  <a:latin typeface="Arial" panose="020B0604020202020204" pitchFamily="34" charset="0"/>
+                  <a:ea typeface="Poppins"/>
+                  <a:cs typeface="Arial" panose="020B0604020202020204" pitchFamily="34" charset="0"/>
+                  <a:sym typeface="Poppins"/>
+                </a:rPr>
+                <a:t>đề</a:t>
+              </a:r>
+              <a:r>
+                <a:rPr lang="en-US" sz="5000" spc="-57" dirty="0">
+                  <a:solidFill>
+                    <a:srgbClr val="051D40"/>
+                  </a:solidFill>
+                  <a:latin typeface="Arial" panose="020B0604020202020204" pitchFamily="34" charset="0"/>
+                  <a:ea typeface="Poppins"/>
+                  <a:cs typeface="Arial" panose="020B0604020202020204" pitchFamily="34" charset="0"/>
+                  <a:sym typeface="Poppins"/>
+                </a:rPr>
+                <a:t> </a:t>
+              </a:r>
+              <a:r>
+                <a:rPr lang="en-US" sz="5000" spc="-57" dirty="0" err="1">
+                  <a:solidFill>
+                    <a:srgbClr val="051D40"/>
+                  </a:solidFill>
+                  <a:latin typeface="Arial" panose="020B0604020202020204" pitchFamily="34" charset="0"/>
+                  <a:ea typeface="Poppins"/>
+                  <a:cs typeface="Arial" panose="020B0604020202020204" pitchFamily="34" charset="0"/>
+                  <a:sym typeface="Poppins"/>
+                </a:rPr>
+                <a:t>tài</a:t>
+              </a:r>
+              <a:r>
+                <a:rPr lang="en-US" sz="5000" spc="-57" dirty="0">
+                  <a:solidFill>
+                    <a:srgbClr val="051D40"/>
+                  </a:solidFill>
+                  <a:latin typeface="Arial" panose="020B0604020202020204" pitchFamily="34" charset="0"/>
+                  <a:ea typeface="Poppins"/>
+                  <a:cs typeface="Arial" panose="020B0604020202020204" pitchFamily="34" charset="0"/>
+                  <a:sym typeface="Poppins"/>
+                </a:rPr>
+                <a:t>.</a:t>
+              </a:r>
             </a:p>
           </p:txBody>
         </p:sp>
       </p:grpSp>
+      <p:sp>
+        <p:nvSpPr>
+          <p:cNvPr id="8" name="TextBox 6">
+            <a:extLst>
+              <a:ext uri="{FF2B5EF4-FFF2-40B4-BE49-F238E27FC236}">
+                <a16:creationId xmlns:a16="http://schemas.microsoft.com/office/drawing/2014/main" id="{2741FEB4-A77A-612E-641D-1C99B85A98A8}"/>
+              </a:ext>
+            </a:extLst>
+          </p:cNvPr>
+          <p:cNvSpPr txBox="1"/>
+          <p:nvPr/>
+        </p:nvSpPr>
+        <p:spPr>
+          <a:xfrm>
+            <a:off x="282440" y="1161404"/>
+            <a:ext cx="9154690" cy="1231106"/>
+          </a:xfrm>
+          <a:prstGeom prst="rect">
+            <a:avLst/>
+          </a:prstGeom>
+        </p:spPr>
+        <p:txBody>
+          <a:bodyPr wrap="square" lIns="0" tIns="0" rIns="0" bIns="0" rtlCol="0" anchor="t">
+            <a:spAutoFit/>
+          </a:bodyPr>
+          <a:lstStyle/>
+          <a:p>
+            <a:pPr algn="ctr">
+              <a:spcBef>
+                <a:spcPct val="0"/>
+              </a:spcBef>
+            </a:pPr>
+            <a:r>
+              <a:rPr lang="en-US" sz="4000" dirty="0" err="1"/>
+              <a:t>Xây</a:t>
+            </a:r>
+            <a:r>
+              <a:rPr lang="en-US" sz="4000" dirty="0"/>
+              <a:t> </a:t>
+            </a:r>
+            <a:r>
+              <a:rPr lang="en-US" sz="4000" dirty="0" err="1"/>
+              <a:t>dựng</a:t>
+            </a:r>
+            <a:r>
+              <a:rPr lang="en-US" sz="4000" dirty="0"/>
+              <a:t> website </a:t>
+            </a:r>
+            <a:r>
+              <a:rPr lang="en-US" sz="4000" dirty="0" err="1"/>
+              <a:t>bán</a:t>
+            </a:r>
+            <a:r>
+              <a:rPr lang="en-US" sz="4000" dirty="0"/>
+              <a:t> </a:t>
+            </a:r>
+            <a:r>
+              <a:rPr lang="en-US" sz="4000" dirty="0" err="1"/>
+              <a:t>đồ</a:t>
+            </a:r>
+            <a:r>
+              <a:rPr lang="en-US" sz="4000" dirty="0"/>
+              <a:t> </a:t>
+            </a:r>
+            <a:r>
+              <a:rPr lang="en-US" sz="4000" dirty="0" err="1"/>
+              <a:t>điện</a:t>
+            </a:r>
+            <a:r>
+              <a:rPr lang="en-US" sz="4000" dirty="0"/>
+              <a:t> </a:t>
+            </a:r>
+            <a:r>
+              <a:rPr lang="en-US" sz="4000" dirty="0" err="1"/>
+              <a:t>tử</a:t>
+            </a:r>
+            <a:r>
+              <a:rPr lang="en-US" sz="4000" dirty="0"/>
+              <a:t> </a:t>
+            </a:r>
+            <a:r>
+              <a:rPr lang="en-US" sz="4000" dirty="0" err="1"/>
+              <a:t>sử</a:t>
+            </a:r>
+            <a:r>
+              <a:rPr lang="en-US" sz="4000" dirty="0"/>
+              <a:t> </a:t>
+            </a:r>
+            <a:r>
+              <a:rPr lang="en-US" sz="4000" dirty="0" err="1"/>
+              <a:t>dụng</a:t>
+            </a:r>
+            <a:r>
+              <a:rPr lang="en-US" sz="4000" dirty="0"/>
+              <a:t> ASP.NET CORE WEB API </a:t>
+            </a:r>
+            <a:r>
+              <a:rPr lang="en-US" sz="4000" dirty="0" err="1"/>
+              <a:t>và</a:t>
+            </a:r>
+            <a:r>
+              <a:rPr lang="en-US" sz="4000" dirty="0"/>
+              <a:t> WEB MVC </a:t>
+            </a:r>
+            <a:endParaRPr lang="en-US" sz="4000" dirty="0">
+              <a:solidFill>
+                <a:srgbClr val="051D40"/>
+              </a:solidFill>
+              <a:latin typeface="Arial" panose="020B0604020202020204" pitchFamily="34" charset="0"/>
+              <a:ea typeface="Montserrat"/>
+              <a:cs typeface="Arial" panose="020B0604020202020204" pitchFamily="34" charset="0"/>
+              <a:sym typeface="Montserrat"/>
+            </a:endParaRPr>
+          </a:p>
+        </p:txBody>
+      </p:sp>
     </p:spTree>
     <p:extLst>
       <p:ext uri="{BB962C8B-B14F-4D97-AF65-F5344CB8AC3E}">
@@ -6041,10 +9475,22 @@
   <p:clrMapOvr>
     <a:masterClrMapping/>
   </p:clrMapOvr>
+  <mc:AlternateContent xmlns:mc="http://schemas.openxmlformats.org/markup-compatibility/2006" xmlns:p159="http://schemas.microsoft.com/office/powerpoint/2015/09/main">
+    <mc:Choice Requires="p159">
+      <p:transition xmlns:p14="http://schemas.microsoft.com/office/powerpoint/2010/main" spd="slow" p14:dur="2000">
+        <p159:morph option="byObject"/>
+      </p:transition>
+    </mc:Choice>
+    <mc:Fallback xmlns="">
+      <p:transition spd="slow">
+        <p:fade/>
+      </p:transition>
+    </mc:Fallback>
+  </mc:AlternateContent>
 </p:sld>
 </file>
 
-<file path=ppt/slides/slide4.xml><?xml version="1.0" encoding="utf-8"?>
+<file path=ppt/slides/slide5.xml><?xml version="1.0" encoding="utf-8"?>
 <p:sld xmlns:a="http://schemas.openxmlformats.org/drawingml/2006/main" xmlns:r="http://schemas.openxmlformats.org/officeDocument/2006/relationships" xmlns:p="http://schemas.openxmlformats.org/presentationml/2006/main">
   <p:cSld>
     <p:spTree>
@@ -6327,7 +9773,7 @@
         <p:grpSpPr>
           <a:xfrm>
             <a:off x="0" y="-1"/>
-            <a:ext cx="16885606" cy="1080935"/>
+            <a:ext cx="18288000" cy="1080935"/>
             <a:chOff x="2294171" y="2309965"/>
             <a:chExt cx="12717230" cy="1080935"/>
           </a:xfrm>
@@ -6598,12 +10044,127 @@
           </p:sp>
         </p:grpSp>
       </p:grpSp>
+      <p:pic>
+        <p:nvPicPr>
+          <p:cNvPr id="20" name="Picture 19">
+            <a:extLst>
+              <a:ext uri="{FF2B5EF4-FFF2-40B4-BE49-F238E27FC236}">
+                <a16:creationId xmlns:a16="http://schemas.microsoft.com/office/drawing/2014/main" id="{E6A769B7-5ED3-8810-2276-5F05B159B513}"/>
+              </a:ext>
+            </a:extLst>
+          </p:cNvPr>
+          <p:cNvPicPr>
+            <a:picLocks noChangeAspect="1"/>
+          </p:cNvPicPr>
+          <p:nvPr/>
+        </p:nvPicPr>
+        <p:blipFill>
+          <a:blip r:embed="rId4"/>
+          <a:srcRect r="1021"/>
+          <a:stretch>
+            <a:fillRect/>
+          </a:stretch>
+        </p:blipFill>
+        <p:spPr>
+          <a:xfrm>
+            <a:off x="3733800" y="1410408"/>
+            <a:ext cx="11241182" cy="7542935"/>
+          </a:xfrm>
+          <a:prstGeom prst="rect">
+            <a:avLst/>
+          </a:prstGeom>
+        </p:spPr>
+      </p:pic>
+      <p:pic>
+        <p:nvPicPr>
+          <p:cNvPr id="2" name="Graphic 1">
+            <a:extLst>
+              <a:ext uri="{FF2B5EF4-FFF2-40B4-BE49-F238E27FC236}">
+                <a16:creationId xmlns:a16="http://schemas.microsoft.com/office/drawing/2014/main" id="{7C982C02-D465-DF40-041B-BAD510EF8A0A}"/>
+              </a:ext>
+            </a:extLst>
+          </p:cNvPr>
+          <p:cNvPicPr>
+            <a:picLocks noChangeAspect="1"/>
+          </p:cNvPicPr>
+          <p:nvPr/>
+        </p:nvPicPr>
+        <p:blipFill>
+          <a:blip r:embed="rId5">
+            <a:extLst>
+              <a:ext uri="{96DAC541-7B7A-43D3-8B79-37D633B846F1}">
+                <asvg:svgBlip xmlns:asvg="http://schemas.microsoft.com/office/drawing/2016/SVG/main" r:embed="rId6"/>
+              </a:ext>
+            </a:extLst>
+          </a:blip>
+          <a:stretch>
+            <a:fillRect/>
+          </a:stretch>
+        </p:blipFill>
+        <p:spPr>
+          <a:xfrm>
+            <a:off x="12383325" y="35994"/>
+            <a:ext cx="5867400" cy="1008944"/>
+          </a:xfrm>
+          <a:prstGeom prst="rect">
+            <a:avLst/>
+          </a:prstGeom>
+        </p:spPr>
+      </p:pic>
+    </p:spTree>
+    <p:extLst>
+      <p:ext uri="{BB962C8B-B14F-4D97-AF65-F5344CB8AC3E}">
+        <p14:creationId xmlns:p14="http://schemas.microsoft.com/office/powerpoint/2010/main" val="2742232541"/>
+      </p:ext>
+    </p:extLst>
+  </p:cSld>
+  <p:clrMapOvr>
+    <a:masterClrMapping/>
+  </p:clrMapOvr>
+  <mc:AlternateContent xmlns:mc="http://schemas.openxmlformats.org/markup-compatibility/2006" xmlns:p159="http://schemas.microsoft.com/office/powerpoint/2015/09/main">
+    <mc:Choice Requires="p159">
+      <p:transition xmlns:p14="http://schemas.microsoft.com/office/powerpoint/2010/main" spd="slow" p14:dur="2000">
+        <p159:morph option="byObject"/>
+      </p:transition>
+    </mc:Choice>
+    <mc:Fallback xmlns="">
+      <p:transition spd="slow">
+        <p:fade/>
+      </p:transition>
+    </mc:Fallback>
+  </mc:AlternateContent>
+</p:sld>
+</file>
+
+<file path=ppt/slides/slide6.xml><?xml version="1.0" encoding="utf-8"?>
+<p:sld xmlns:a="http://schemas.openxmlformats.org/drawingml/2006/main" xmlns:r="http://schemas.openxmlformats.org/officeDocument/2006/relationships" xmlns:p="http://schemas.openxmlformats.org/presentationml/2006/main">
+  <p:cSld>
+    <p:spTree>
+      <p:nvGrpSpPr>
+        <p:cNvPr id="1" name="">
+          <a:extLst>
+            <a:ext uri="{FF2B5EF4-FFF2-40B4-BE49-F238E27FC236}">
+              <a16:creationId xmlns:a16="http://schemas.microsoft.com/office/drawing/2014/main" id="{9F88B01F-9EF3-ABE8-4EFA-EAD799EBA303}"/>
+            </a:ext>
+          </a:extLst>
+        </p:cNvPr>
+        <p:cNvGrpSpPr/>
+        <p:nvPr/>
+      </p:nvGrpSpPr>
+      <p:grpSpPr>
+        <a:xfrm>
+          <a:off x="0" y="0"/>
+          <a:ext cx="0" cy="0"/>
+          <a:chOff x="0" y="0"/>
+          <a:chExt cx="0" cy="0"/>
+        </a:xfrm>
+      </p:grpSpPr>
       <p:grpSp>
         <p:nvGrpSpPr>
-          <p:cNvPr id="7" name="Group 7">
+          <p:cNvPr id="13" name="Group 13">
             <a:extLst>
               <a:ext uri="{FF2B5EF4-FFF2-40B4-BE49-F238E27FC236}">
-                <a16:creationId xmlns:a16="http://schemas.microsoft.com/office/drawing/2014/main" id="{11D7FF7C-2C3F-CC33-F8BE-C92A9E653632}"/>
+                <a16:creationId xmlns:a16="http://schemas.microsoft.com/office/drawing/2014/main" id="{519835C5-CB58-ABB6-7C74-FD5C356EC0D8}"/>
               </a:ext>
             </a:extLst>
           </p:cNvPr>
@@ -6612,7 +10173,7 @@
         </p:nvGrpSpPr>
         <p:grpSpPr>
           <a:xfrm>
-            <a:off x="16535400" y="-1867766"/>
+            <a:off x="-1867766" y="8801100"/>
             <a:ext cx="3735531" cy="3735531"/>
             <a:chOff x="0" y="0"/>
             <a:chExt cx="812800" cy="812800"/>
@@ -6620,10 +10181,10 @@
         </p:grpSpPr>
         <p:sp>
           <p:nvSpPr>
-            <p:cNvPr id="8" name="Freeform 8">
+            <p:cNvPr id="14" name="Freeform 14">
               <a:extLst>
                 <a:ext uri="{FF2B5EF4-FFF2-40B4-BE49-F238E27FC236}">
-                  <a16:creationId xmlns:a16="http://schemas.microsoft.com/office/drawing/2014/main" id="{408FF40D-58E0-79A1-58C1-6B89CB641DFB}"/>
+                  <a16:creationId xmlns:a16="http://schemas.microsoft.com/office/drawing/2014/main" id="{C04E54C4-09DD-6582-224E-C78B3A6337A7}"/>
                 </a:ext>
               </a:extLst>
             </p:cNvPr>
@@ -6686,10 +10247,10 @@
         </p:sp>
         <p:sp>
           <p:nvSpPr>
-            <p:cNvPr id="9" name="TextBox 9">
+            <p:cNvPr id="15" name="TextBox 15">
               <a:extLst>
                 <a:ext uri="{FF2B5EF4-FFF2-40B4-BE49-F238E27FC236}">
-                  <a16:creationId xmlns:a16="http://schemas.microsoft.com/office/drawing/2014/main" id="{1415040C-CDF2-AB65-430E-CF5E5AEDA4B1}"/>
+                  <a16:creationId xmlns:a16="http://schemas.microsoft.com/office/drawing/2014/main" id="{9BA8AF6D-B4CD-BAE2-9E0C-15BCAFAD1055}"/>
                 </a:ext>
               </a:extLst>
             </p:cNvPr>
@@ -6725,12 +10286,416 @@
           </p:txBody>
         </p:sp>
       </p:grpSp>
+      <p:grpSp>
+        <p:nvGrpSpPr>
+          <p:cNvPr id="16" name="Group 10">
+            <a:extLst>
+              <a:ext uri="{FF2B5EF4-FFF2-40B4-BE49-F238E27FC236}">
+                <a16:creationId xmlns:a16="http://schemas.microsoft.com/office/drawing/2014/main" id="{5649F655-ADF1-C967-A7E6-7C483D4A27CD}"/>
+              </a:ext>
+            </a:extLst>
+          </p:cNvPr>
+          <p:cNvGrpSpPr/>
+          <p:nvPr/>
+        </p:nvGrpSpPr>
+        <p:grpSpPr>
+          <a:xfrm>
+            <a:off x="17449800" y="9643525"/>
+            <a:ext cx="1286950" cy="1286950"/>
+            <a:chOff x="0" y="0"/>
+            <a:chExt cx="812800" cy="812800"/>
+          </a:xfrm>
+        </p:grpSpPr>
+        <p:sp>
+          <p:nvSpPr>
+            <p:cNvPr id="17" name="Freeform 11">
+              <a:extLst>
+                <a:ext uri="{FF2B5EF4-FFF2-40B4-BE49-F238E27FC236}">
+                  <a16:creationId xmlns:a16="http://schemas.microsoft.com/office/drawing/2014/main" id="{055C450D-4A3B-E61F-5D18-A644E67E136B}"/>
+                </a:ext>
+              </a:extLst>
+            </p:cNvPr>
+            <p:cNvSpPr/>
+            <p:nvPr/>
+          </p:nvSpPr>
+          <p:spPr>
+            <a:xfrm>
+              <a:off x="0" y="0"/>
+              <a:ext cx="812800" cy="812800"/>
+            </a:xfrm>
+            <a:custGeom>
+              <a:avLst/>
+              <a:gdLst/>
+              <a:ahLst/>
+              <a:cxnLst/>
+              <a:rect l="l" t="t" r="r" b="b"/>
+              <a:pathLst>
+                <a:path w="812800" h="812800">
+                  <a:moveTo>
+                    <a:pt x="406400" y="0"/>
+                  </a:moveTo>
+                  <a:cubicBezTo>
+                    <a:pt x="181951" y="0"/>
+                    <a:pt x="0" y="181951"/>
+                    <a:pt x="0" y="406400"/>
+                  </a:cubicBezTo>
+                  <a:cubicBezTo>
+                    <a:pt x="0" y="630849"/>
+                    <a:pt x="181951" y="812800"/>
+                    <a:pt x="406400" y="812800"/>
+                  </a:cubicBezTo>
+                  <a:cubicBezTo>
+                    <a:pt x="630849" y="812800"/>
+                    <a:pt x="812800" y="630849"/>
+                    <a:pt x="812800" y="406400"/>
+                  </a:cubicBezTo>
+                  <a:cubicBezTo>
+                    <a:pt x="812800" y="181951"/>
+                    <a:pt x="630849" y="0"/>
+                    <a:pt x="406400" y="0"/>
+                  </a:cubicBezTo>
+                  <a:close/>
+                </a:path>
+              </a:pathLst>
+            </a:custGeom>
+            <a:solidFill>
+              <a:srgbClr val="145DA0"/>
+            </a:solidFill>
+          </p:spPr>
+        </p:sp>
+        <p:sp>
+          <p:nvSpPr>
+            <p:cNvPr id="18" name="TextBox 12">
+              <a:extLst>
+                <a:ext uri="{FF2B5EF4-FFF2-40B4-BE49-F238E27FC236}">
+                  <a16:creationId xmlns:a16="http://schemas.microsoft.com/office/drawing/2014/main" id="{9F3E043B-6046-3A91-830A-8DC92A63693A}"/>
+                </a:ext>
+              </a:extLst>
+            </p:cNvPr>
+            <p:cNvSpPr txBox="1"/>
+            <p:nvPr/>
+          </p:nvSpPr>
+          <p:spPr>
+            <a:xfrm>
+              <a:off x="76200" y="38100"/>
+              <a:ext cx="660400" cy="698500"/>
+            </a:xfrm>
+            <a:prstGeom prst="rect">
+              <a:avLst/>
+            </a:prstGeom>
+          </p:spPr>
+          <p:txBody>
+            <a:bodyPr lIns="50800" tIns="50800" rIns="50800" bIns="50800" rtlCol="0" anchor="ctr"/>
+            <a:lstStyle/>
+            <a:p>
+              <a:pPr algn="ctr">
+                <a:lnSpc>
+                  <a:spcPts val="2659"/>
+                </a:lnSpc>
+                <a:spcBef>
+                  <a:spcPct val="0"/>
+                </a:spcBef>
+              </a:pPr>
+              <a:endParaRPr>
+                <a:latin typeface="Arial" panose="020B0604020202020204" pitchFamily="34" charset="0"/>
+                <a:cs typeface="Arial" panose="020B0604020202020204" pitchFamily="34" charset="0"/>
+              </a:endParaRPr>
+            </a:p>
+          </p:txBody>
+        </p:sp>
+      </p:grpSp>
+      <p:grpSp>
+        <p:nvGrpSpPr>
+          <p:cNvPr id="29" name="Group 28">
+            <a:extLst>
+              <a:ext uri="{FF2B5EF4-FFF2-40B4-BE49-F238E27FC236}">
+                <a16:creationId xmlns:a16="http://schemas.microsoft.com/office/drawing/2014/main" id="{2464B858-2442-8338-C12B-CD722BA87771}"/>
+              </a:ext>
+            </a:extLst>
+          </p:cNvPr>
+          <p:cNvGrpSpPr/>
+          <p:nvPr/>
+        </p:nvGrpSpPr>
+        <p:grpSpPr>
+          <a:xfrm>
+            <a:off x="0" y="-1"/>
+            <a:ext cx="18288000" cy="1080935"/>
+            <a:chOff x="2294171" y="2309965"/>
+            <a:chExt cx="12717230" cy="1080935"/>
+          </a:xfrm>
+        </p:grpSpPr>
+        <p:grpSp>
+          <p:nvGrpSpPr>
+            <p:cNvPr id="26" name="Group 2">
+              <a:extLst>
+                <a:ext uri="{FF2B5EF4-FFF2-40B4-BE49-F238E27FC236}">
+                  <a16:creationId xmlns:a16="http://schemas.microsoft.com/office/drawing/2014/main" id="{EF042BA4-84D4-E631-6DCD-E337504F85B9}"/>
+                </a:ext>
+              </a:extLst>
+            </p:cNvPr>
+            <p:cNvGrpSpPr/>
+            <p:nvPr/>
+          </p:nvGrpSpPr>
+          <p:grpSpPr>
+            <a:xfrm>
+              <a:off x="2294171" y="2309965"/>
+              <a:ext cx="12717230" cy="1080935"/>
+              <a:chOff x="0" y="-38100"/>
+              <a:chExt cx="1044090" cy="2913572"/>
+            </a:xfrm>
+            <a:solidFill>
+              <a:schemeClr val="accent5">
+                <a:lumMod val="20000"/>
+                <a:lumOff val="80000"/>
+              </a:schemeClr>
+            </a:solidFill>
+          </p:grpSpPr>
+          <p:sp>
+            <p:nvSpPr>
+              <p:cNvPr id="27" name="Freeform 3">
+                <a:extLst>
+                  <a:ext uri="{FF2B5EF4-FFF2-40B4-BE49-F238E27FC236}">
+                    <a16:creationId xmlns:a16="http://schemas.microsoft.com/office/drawing/2014/main" id="{C1062EE0-B543-B479-EE61-BFF90F6FF738}"/>
+                  </a:ext>
+                </a:extLst>
+              </p:cNvPr>
+              <p:cNvSpPr/>
+              <p:nvPr/>
+            </p:nvSpPr>
+            <p:spPr>
+              <a:xfrm>
+                <a:off x="0" y="0"/>
+                <a:ext cx="1044090" cy="2875472"/>
+              </a:xfrm>
+              <a:custGeom>
+                <a:avLst/>
+                <a:gdLst/>
+                <a:ahLst/>
+                <a:cxnLst/>
+                <a:rect l="l" t="t" r="r" b="b"/>
+                <a:pathLst>
+                  <a:path w="1044090" h="2875472">
+                    <a:moveTo>
+                      <a:pt x="0" y="0"/>
+                    </a:moveTo>
+                    <a:lnTo>
+                      <a:pt x="1044090" y="0"/>
+                    </a:lnTo>
+                    <a:lnTo>
+                      <a:pt x="1044090" y="2875472"/>
+                    </a:lnTo>
+                    <a:lnTo>
+                      <a:pt x="0" y="2875472"/>
+                    </a:lnTo>
+                    <a:close/>
+                  </a:path>
+                </a:pathLst>
+              </a:custGeom>
+              <a:grpFill/>
+              <a:ln cap="sq">
+                <a:solidFill>
+                  <a:schemeClr val="tx2">
+                    <a:lumMod val="40000"/>
+                    <a:lumOff val="60000"/>
+                  </a:schemeClr>
+                </a:solidFill>
+                <a:prstDash val="solid"/>
+                <a:miter/>
+              </a:ln>
+            </p:spPr>
+          </p:sp>
+          <p:sp>
+            <p:nvSpPr>
+              <p:cNvPr id="28" name="TextBox 4">
+                <a:extLst>
+                  <a:ext uri="{FF2B5EF4-FFF2-40B4-BE49-F238E27FC236}">
+                    <a16:creationId xmlns:a16="http://schemas.microsoft.com/office/drawing/2014/main" id="{93F5F15A-DF94-D692-3B25-A0BF1CA8B9A8}"/>
+                  </a:ext>
+                </a:extLst>
+              </p:cNvPr>
+              <p:cNvSpPr txBox="1"/>
+              <p:nvPr/>
+            </p:nvSpPr>
+            <p:spPr>
+              <a:xfrm>
+                <a:off x="0" y="-38100"/>
+                <a:ext cx="1044090" cy="2913572"/>
+              </a:xfrm>
+              <a:prstGeom prst="rect">
+                <a:avLst/>
+              </a:prstGeom>
+              <a:grpFill/>
+              <a:ln>
+                <a:solidFill>
+                  <a:schemeClr val="tx2">
+                    <a:lumMod val="40000"/>
+                    <a:lumOff val="60000"/>
+                  </a:schemeClr>
+                </a:solidFill>
+              </a:ln>
+            </p:spPr>
+            <p:txBody>
+              <a:bodyPr lIns="50800" tIns="50800" rIns="50800" bIns="50800" rtlCol="0" anchor="ctr"/>
+              <a:lstStyle/>
+              <a:p>
+                <a:pPr marL="0" lvl="0" indent="0" algn="ctr">
+                  <a:lnSpc>
+                    <a:spcPts val="2659"/>
+                  </a:lnSpc>
+                  <a:spcBef>
+                    <a:spcPct val="0"/>
+                  </a:spcBef>
+                </a:pPr>
+                <a:endParaRPr>
+                  <a:latin typeface="Arial" panose="020B0604020202020204" pitchFamily="34" charset="0"/>
+                  <a:cs typeface="Arial" panose="020B0604020202020204" pitchFamily="34" charset="0"/>
+                </a:endParaRPr>
+              </a:p>
+            </p:txBody>
+          </p:sp>
+        </p:grpSp>
+        <p:grpSp>
+          <p:nvGrpSpPr>
+            <p:cNvPr id="4" name="Group 3">
+              <a:extLst>
+                <a:ext uri="{FF2B5EF4-FFF2-40B4-BE49-F238E27FC236}">
+                  <a16:creationId xmlns:a16="http://schemas.microsoft.com/office/drawing/2014/main" id="{6E24AB96-2926-0725-DB4D-E2C28F8D7F9C}"/>
+                </a:ext>
+              </a:extLst>
+            </p:cNvPr>
+            <p:cNvGrpSpPr/>
+            <p:nvPr/>
+          </p:nvGrpSpPr>
+          <p:grpSpPr>
+            <a:xfrm>
+              <a:off x="2514600" y="2472779"/>
+              <a:ext cx="5943600" cy="769441"/>
+              <a:chOff x="3534394" y="5526863"/>
+              <a:chExt cx="9677400" cy="769441"/>
+            </a:xfrm>
+          </p:grpSpPr>
+          <p:sp>
+            <p:nvSpPr>
+              <p:cNvPr id="5" name="Freeform 9">
+                <a:extLst>
+                  <a:ext uri="{FF2B5EF4-FFF2-40B4-BE49-F238E27FC236}">
+                    <a16:creationId xmlns:a16="http://schemas.microsoft.com/office/drawing/2014/main" id="{F5FAF1CF-2C7B-2B6D-703D-6F2FC3B1881F}"/>
+                  </a:ext>
+                </a:extLst>
+              </p:cNvPr>
+              <p:cNvSpPr/>
+              <p:nvPr/>
+            </p:nvSpPr>
+            <p:spPr>
+              <a:xfrm rot="5400000">
+                <a:off x="3505596" y="5684914"/>
+                <a:ext cx="510937" cy="453341"/>
+              </a:xfrm>
+              <a:custGeom>
+                <a:avLst/>
+                <a:gdLst/>
+                <a:ahLst/>
+                <a:cxnLst/>
+                <a:rect l="l" t="t" r="r" b="b"/>
+                <a:pathLst>
+                  <a:path w="510937" h="453341">
+                    <a:moveTo>
+                      <a:pt x="0" y="0"/>
+                    </a:moveTo>
+                    <a:lnTo>
+                      <a:pt x="510937" y="0"/>
+                    </a:lnTo>
+                    <a:lnTo>
+                      <a:pt x="510937" y="453341"/>
+                    </a:lnTo>
+                    <a:lnTo>
+                      <a:pt x="0" y="453341"/>
+                    </a:lnTo>
+                    <a:lnTo>
+                      <a:pt x="0" y="0"/>
+                    </a:lnTo>
+                    <a:close/>
+                  </a:path>
+                </a:pathLst>
+              </a:custGeom>
+              <a:blipFill>
+                <a:blip r:embed="rId2">
+                  <a:extLst>
+                    <a:ext uri="{96DAC541-7B7A-43D3-8B79-37D633B846F1}">
+                      <asvg:svgBlip xmlns:asvg="http://schemas.microsoft.com/office/drawing/2016/SVG/main" r:embed="rId3"/>
+                    </a:ext>
+                  </a:extLst>
+                </a:blip>
+                <a:stretch>
+                  <a:fillRect/>
+                </a:stretch>
+              </a:blipFill>
+            </p:spPr>
+            <p:txBody>
+              <a:bodyPr/>
+              <a:lstStyle/>
+              <a:p>
+                <a:endParaRPr lang="en-US" dirty="0"/>
+              </a:p>
+            </p:txBody>
+          </p:sp>
+          <p:sp>
+            <p:nvSpPr>
+              <p:cNvPr id="10" name="TextBox 11">
+                <a:extLst>
+                  <a:ext uri="{FF2B5EF4-FFF2-40B4-BE49-F238E27FC236}">
+                    <a16:creationId xmlns:a16="http://schemas.microsoft.com/office/drawing/2014/main" id="{25320BA7-2DE5-1168-1A03-DE15BD02CB24}"/>
+                  </a:ext>
+                </a:extLst>
+              </p:cNvPr>
+              <p:cNvSpPr txBox="1"/>
+              <p:nvPr/>
+            </p:nvSpPr>
+            <p:spPr>
+              <a:xfrm>
+                <a:off x="4143994" y="5526863"/>
+                <a:ext cx="9067800" cy="769441"/>
+              </a:xfrm>
+              <a:prstGeom prst="rect">
+                <a:avLst/>
+              </a:prstGeom>
+            </p:spPr>
+            <p:txBody>
+              <a:bodyPr wrap="square" lIns="0" tIns="0" rIns="0" bIns="0" rtlCol="0" anchor="t">
+                <a:spAutoFit/>
+              </a:bodyPr>
+              <a:lstStyle/>
+              <a:p>
+                <a:pPr algn="l">
+                  <a:spcBef>
+                    <a:spcPct val="0"/>
+                  </a:spcBef>
+                </a:pPr>
+                <a:r>
+                  <a:rPr lang="en-US" sz="5000" b="1" spc="-57" dirty="0">
+                    <a:solidFill>
+                      <a:schemeClr val="accent1">
+                        <a:lumMod val="75000"/>
+                      </a:schemeClr>
+                    </a:solidFill>
+                    <a:latin typeface="Arial" panose="020B0604020202020204" pitchFamily="34" charset="0"/>
+                    <a:ea typeface="Poppins"/>
+                    <a:cs typeface="Arial" panose="020B0604020202020204" pitchFamily="34" charset="0"/>
+                    <a:sym typeface="Poppins"/>
+                  </a:rPr>
+                  <a:t>GIỚI THIỆU ĐỀ TÀI</a:t>
+                </a:r>
+              </a:p>
+            </p:txBody>
+          </p:sp>
+        </p:grpSp>
+      </p:grpSp>
       <p:pic>
         <p:nvPicPr>
-          <p:cNvPr id="20" name="Picture 19">
+          <p:cNvPr id="2" name="Graphic 1">
             <a:extLst>
               <a:ext uri="{FF2B5EF4-FFF2-40B4-BE49-F238E27FC236}">
-                <a16:creationId xmlns:a16="http://schemas.microsoft.com/office/drawing/2014/main" id="{E6A769B7-5ED3-8810-2276-5F05B159B513}"/>
+                <a16:creationId xmlns:a16="http://schemas.microsoft.com/office/drawing/2014/main" id="{6158B071-E73D-02A8-AC49-2F39E5405541}"/>
               </a:ext>
             </a:extLst>
           </p:cNvPr>
@@ -6740,16 +10705,57 @@
           <p:nvPr/>
         </p:nvPicPr>
         <p:blipFill>
-          <a:blip r:embed="rId4"/>
-          <a:srcRect r="1021"/>
+          <a:blip r:embed="rId4">
+            <a:extLst>
+              <a:ext uri="{96DAC541-7B7A-43D3-8B79-37D633B846F1}">
+                <asvg:svgBlip xmlns:asvg="http://schemas.microsoft.com/office/drawing/2016/SVG/main" r:embed="rId5"/>
+              </a:ext>
+            </a:extLst>
+          </a:blip>
           <a:stretch>
             <a:fillRect/>
           </a:stretch>
         </p:blipFill>
         <p:spPr>
           <a:xfrm>
-            <a:off x="3733800" y="1410408"/>
-            <a:ext cx="11241182" cy="7542935"/>
+            <a:off x="12383325" y="35994"/>
+            <a:ext cx="5867400" cy="1008944"/>
+          </a:xfrm>
+          <a:prstGeom prst="rect">
+            <a:avLst/>
+          </a:prstGeom>
+        </p:spPr>
+      </p:pic>
+      <p:pic>
+        <p:nvPicPr>
+          <p:cNvPr id="6" name="Graphic 5">
+            <a:extLst>
+              <a:ext uri="{FF2B5EF4-FFF2-40B4-BE49-F238E27FC236}">
+                <a16:creationId xmlns:a16="http://schemas.microsoft.com/office/drawing/2014/main" id="{DF8D976D-2EE8-C23C-0657-1FB5E96D1FC5}"/>
+              </a:ext>
+            </a:extLst>
+          </p:cNvPr>
+          <p:cNvPicPr>
+            <a:picLocks noChangeAspect="1"/>
+          </p:cNvPicPr>
+          <p:nvPr/>
+        </p:nvPicPr>
+        <p:blipFill>
+          <a:blip r:embed="rId6">
+            <a:extLst>
+              <a:ext uri="{96DAC541-7B7A-43D3-8B79-37D633B846F1}">
+                <asvg:svgBlip xmlns:asvg="http://schemas.microsoft.com/office/drawing/2016/SVG/main" r:embed="rId7"/>
+              </a:ext>
+            </a:extLst>
+          </a:blip>
+          <a:stretch>
+            <a:fillRect/>
+          </a:stretch>
+        </p:blipFill>
+        <p:spPr>
+          <a:xfrm>
+            <a:off x="2630090" y="536754"/>
+            <a:ext cx="12468171" cy="10273070"/>
           </a:xfrm>
           <a:prstGeom prst="rect">
             <a:avLst/>
@@ -6759,17 +10765,29 @@
     </p:spTree>
     <p:extLst>
       <p:ext uri="{BB962C8B-B14F-4D97-AF65-F5344CB8AC3E}">
-        <p14:creationId xmlns:p14="http://schemas.microsoft.com/office/powerpoint/2010/main" val="2742232541"/>
+        <p14:creationId xmlns:p14="http://schemas.microsoft.com/office/powerpoint/2010/main" val="1833957476"/>
       </p:ext>
     </p:extLst>
   </p:cSld>
   <p:clrMapOvr>
     <a:masterClrMapping/>
   </p:clrMapOvr>
+  <mc:AlternateContent xmlns:mc="http://schemas.openxmlformats.org/markup-compatibility/2006" xmlns:p159="http://schemas.microsoft.com/office/powerpoint/2015/09/main">
+    <mc:Choice Requires="p159">
+      <p:transition xmlns:p14="http://schemas.microsoft.com/office/powerpoint/2010/main" spd="slow" p14:dur="2000">
+        <p159:morph option="byObject"/>
+      </p:transition>
+    </mc:Choice>
+    <mc:Fallback xmlns="">
+      <p:transition spd="slow">
+        <p:fade/>
+      </p:transition>
+    </mc:Fallback>
+  </mc:AlternateContent>
 </p:sld>
 </file>
 
-<file path=ppt/slides/slide5.xml><?xml version="1.0" encoding="utf-8"?>
+<file path=ppt/slides/slide7.xml><?xml version="1.0" encoding="utf-8"?>
 <p:sld xmlns:a="http://schemas.openxmlformats.org/drawingml/2006/main" xmlns:r="http://schemas.openxmlformats.org/officeDocument/2006/relationships" xmlns:p="http://schemas.openxmlformats.org/presentationml/2006/main">
   <p:cSld>
     <p:spTree>
@@ -6806,7 +10824,7 @@
         </p:nvGrpSpPr>
         <p:grpSpPr>
           <a:xfrm>
-            <a:off x="-1867766" y="8801100"/>
+            <a:off x="-3418544" y="3033382"/>
             <a:ext cx="3735531" cy="3735531"/>
             <a:chOff x="0" y="0"/>
             <a:chExt cx="812800" cy="812800"/>
@@ -6933,7 +10951,7 @@
         </p:nvGrpSpPr>
         <p:grpSpPr>
           <a:xfrm>
-            <a:off x="17449800" y="9643525"/>
+            <a:off x="17907000" y="6268751"/>
             <a:ext cx="1286950" cy="1286950"/>
             <a:chOff x="0" y="0"/>
             <a:chExt cx="812800" cy="812800"/>
@@ -7051,8 +11069,8 @@
         </p:nvGrpSpPr>
         <p:grpSpPr>
           <a:xfrm>
-            <a:off x="0" y="-1"/>
-            <a:ext cx="16885606" cy="1080935"/>
+            <a:off x="0" y="0"/>
+            <a:ext cx="18288000" cy="1080935"/>
             <a:chOff x="2294171" y="2309965"/>
             <a:chExt cx="12717230" cy="1080935"/>
           </a:xfrm>
@@ -7307,7 +11325,9 @@
                 <a:r>
                   <a:rPr lang="en-US" sz="5000" b="1" spc="-57" dirty="0">
                     <a:solidFill>
-                      <a:srgbClr val="051D40"/>
+                      <a:schemeClr val="accent1">
+                        <a:lumMod val="75000"/>
+                      </a:schemeClr>
                     </a:solidFill>
                     <a:latin typeface="Arial" panose="020B0604020202020204" pitchFamily="34" charset="0"/>
                     <a:ea typeface="Poppins"/>
@@ -7320,133 +11340,6 @@
             </p:txBody>
           </p:sp>
         </p:grpSp>
-      </p:grpSp>
-      <p:grpSp>
-        <p:nvGrpSpPr>
-          <p:cNvPr id="7" name="Group 7">
-            <a:extLst>
-              <a:ext uri="{FF2B5EF4-FFF2-40B4-BE49-F238E27FC236}">
-                <a16:creationId xmlns:a16="http://schemas.microsoft.com/office/drawing/2014/main" id="{C9E8C4D0-5EE8-78FF-5F62-6C29A626E334}"/>
-              </a:ext>
-            </a:extLst>
-          </p:cNvPr>
-          <p:cNvGrpSpPr/>
-          <p:nvPr/>
-        </p:nvGrpSpPr>
-        <p:grpSpPr>
-          <a:xfrm>
-            <a:off x="16535400" y="-1867766"/>
-            <a:ext cx="3735531" cy="3735531"/>
-            <a:chOff x="0" y="0"/>
-            <a:chExt cx="812800" cy="812800"/>
-          </a:xfrm>
-        </p:grpSpPr>
-        <p:sp>
-          <p:nvSpPr>
-            <p:cNvPr id="8" name="Freeform 8">
-              <a:extLst>
-                <a:ext uri="{FF2B5EF4-FFF2-40B4-BE49-F238E27FC236}">
-                  <a16:creationId xmlns:a16="http://schemas.microsoft.com/office/drawing/2014/main" id="{3D94BB63-CE63-8BEF-1182-32C5A8CC6930}"/>
-                </a:ext>
-              </a:extLst>
-            </p:cNvPr>
-            <p:cNvSpPr/>
-            <p:nvPr/>
-          </p:nvSpPr>
-          <p:spPr>
-            <a:xfrm>
-              <a:off x="0" y="0"/>
-              <a:ext cx="812800" cy="812800"/>
-            </a:xfrm>
-            <a:custGeom>
-              <a:avLst/>
-              <a:gdLst/>
-              <a:ahLst/>
-              <a:cxnLst/>
-              <a:rect l="l" t="t" r="r" b="b"/>
-              <a:pathLst>
-                <a:path w="812800" h="812800">
-                  <a:moveTo>
-                    <a:pt x="406400" y="0"/>
-                  </a:moveTo>
-                  <a:cubicBezTo>
-                    <a:pt x="181951" y="0"/>
-                    <a:pt x="0" y="181951"/>
-                    <a:pt x="0" y="406400"/>
-                  </a:cubicBezTo>
-                  <a:cubicBezTo>
-                    <a:pt x="0" y="630849"/>
-                    <a:pt x="181951" y="812800"/>
-                    <a:pt x="406400" y="812800"/>
-                  </a:cubicBezTo>
-                  <a:cubicBezTo>
-                    <a:pt x="630849" y="812800"/>
-                    <a:pt x="812800" y="630849"/>
-                    <a:pt x="812800" y="406400"/>
-                  </a:cubicBezTo>
-                  <a:cubicBezTo>
-                    <a:pt x="812800" y="181951"/>
-                    <a:pt x="630849" y="0"/>
-                    <a:pt x="406400" y="0"/>
-                  </a:cubicBezTo>
-                  <a:close/>
-                </a:path>
-              </a:pathLst>
-            </a:custGeom>
-            <a:solidFill>
-              <a:srgbClr val="000000">
-                <a:alpha val="0"/>
-              </a:srgbClr>
-            </a:solidFill>
-            <a:ln w="952500" cap="sq">
-              <a:solidFill>
-                <a:srgbClr val="145DA0"/>
-              </a:solidFill>
-              <a:prstDash val="solid"/>
-              <a:miter/>
-            </a:ln>
-          </p:spPr>
-        </p:sp>
-        <p:sp>
-          <p:nvSpPr>
-            <p:cNvPr id="9" name="TextBox 9">
-              <a:extLst>
-                <a:ext uri="{FF2B5EF4-FFF2-40B4-BE49-F238E27FC236}">
-                  <a16:creationId xmlns:a16="http://schemas.microsoft.com/office/drawing/2014/main" id="{FF78396E-F750-DA65-57D3-210EFDA99A60}"/>
-                </a:ext>
-              </a:extLst>
-            </p:cNvPr>
-            <p:cNvSpPr txBox="1"/>
-            <p:nvPr/>
-          </p:nvSpPr>
-          <p:spPr>
-            <a:xfrm>
-              <a:off x="76200" y="38100"/>
-              <a:ext cx="660400" cy="698500"/>
-            </a:xfrm>
-            <a:prstGeom prst="rect">
-              <a:avLst/>
-            </a:prstGeom>
-          </p:spPr>
-          <p:txBody>
-            <a:bodyPr lIns="50800" tIns="50800" rIns="50800" bIns="50800" rtlCol="0" anchor="ctr"/>
-            <a:lstStyle/>
-            <a:p>
-              <a:pPr algn="ctr">
-                <a:lnSpc>
-                  <a:spcPts val="2659"/>
-                </a:lnSpc>
-                <a:spcBef>
-                  <a:spcPct val="0"/>
-                </a:spcBef>
-              </a:pPr>
-              <a:endParaRPr>
-                <a:latin typeface="Arial" panose="020B0604020202020204" pitchFamily="34" charset="0"/>
-                <a:cs typeface="Arial" panose="020B0604020202020204" pitchFamily="34" charset="0"/>
-              </a:endParaRPr>
-            </a:p>
-          </p:txBody>
-        </p:sp>
       </p:grpSp>
       <p:grpSp>
         <p:nvGrpSpPr>
@@ -7629,147 +11522,6 @@
           </p:spPr>
         </p:pic>
       </p:grpSp>
-      <p:sp>
-        <p:nvSpPr>
-          <p:cNvPr id="45" name="Rectangle: Rounded Corners 44">
-            <a:extLst>
-              <a:ext uri="{FF2B5EF4-FFF2-40B4-BE49-F238E27FC236}">
-                <a16:creationId xmlns:a16="http://schemas.microsoft.com/office/drawing/2014/main" id="{41B9B664-0A2D-7860-C06E-10B3A4129BAB}"/>
-              </a:ext>
-            </a:extLst>
-          </p:cNvPr>
-          <p:cNvSpPr/>
-          <p:nvPr/>
-        </p:nvSpPr>
-        <p:spPr>
-          <a:xfrm>
-            <a:off x="6934200" y="3019497"/>
-            <a:ext cx="4180406" cy="5598880"/>
-          </a:xfrm>
-          <a:prstGeom prst="roundRect">
-            <a:avLst/>
-          </a:prstGeom>
-          <a:solidFill>
-            <a:schemeClr val="accent4">
-              <a:lumMod val="20000"/>
-              <a:lumOff val="80000"/>
-            </a:schemeClr>
-          </a:solidFill>
-          <a:ln>
-            <a:noFill/>
-          </a:ln>
-          <a:effectLst>
-            <a:outerShdw blurRad="107950" dist="12700" dir="5400000" algn="ctr">
-              <a:srgbClr val="000000"/>
-            </a:outerShdw>
-            <a:softEdge rad="31750"/>
-          </a:effectLst>
-          <a:scene3d>
-            <a:camera prst="orthographicFront">
-              <a:rot lat="0" lon="0" rev="0"/>
-            </a:camera>
-            <a:lightRig rig="soft" dir="t">
-              <a:rot lat="0" lon="0" rev="0"/>
-            </a:lightRig>
-          </a:scene3d>
-          <a:sp3d contourW="44450" prstMaterial="matte">
-            <a:bevelT w="63500" h="63500" prst="artDeco"/>
-            <a:contourClr>
-              <a:srgbClr val="FFFFFF"/>
-            </a:contourClr>
-          </a:sp3d>
-        </p:spPr>
-        <p:style>
-          <a:lnRef idx="2">
-            <a:schemeClr val="accent1">
-              <a:shade val="15000"/>
-            </a:schemeClr>
-          </a:lnRef>
-          <a:fillRef idx="1">
-            <a:schemeClr val="accent1"/>
-          </a:fillRef>
-          <a:effectRef idx="0">
-            <a:schemeClr val="accent1"/>
-          </a:effectRef>
-          <a:fontRef idx="minor">
-            <a:schemeClr val="lt1"/>
-          </a:fontRef>
-        </p:style>
-        <p:txBody>
-          <a:bodyPr rtlCol="0" anchor="ctr"/>
-          <a:lstStyle/>
-          <a:p>
-            <a:pPr algn="ctr"/>
-            <a:endParaRPr lang="en-US" sz="3600" dirty="0">
-              <a:solidFill>
-                <a:schemeClr val="tx1"/>
-              </a:solidFill>
-            </a:endParaRPr>
-          </a:p>
-          <a:p>
-            <a:pPr algn="ctr"/>
-            <a:endParaRPr lang="en-US" sz="3600" dirty="0">
-              <a:solidFill>
-                <a:schemeClr val="tx1"/>
-              </a:solidFill>
-            </a:endParaRPr>
-          </a:p>
-          <a:p>
-            <a:pPr algn="ctr"/>
-            <a:endParaRPr lang="en-US" sz="3600" dirty="0">
-              <a:solidFill>
-                <a:schemeClr val="tx1"/>
-              </a:solidFill>
-            </a:endParaRPr>
-          </a:p>
-          <a:p>
-            <a:pPr algn="ctr"/>
-            <a:endParaRPr lang="en-US" sz="3600" dirty="0">
-              <a:solidFill>
-                <a:schemeClr val="tx1"/>
-              </a:solidFill>
-            </a:endParaRPr>
-          </a:p>
-          <a:p>
-            <a:pPr algn="ctr"/>
-            <a:endParaRPr lang="en-US" sz="3600" dirty="0">
-              <a:solidFill>
-                <a:schemeClr val="tx1"/>
-              </a:solidFill>
-            </a:endParaRPr>
-          </a:p>
-          <a:p>
-            <a:pPr algn="ctr"/>
-            <a:endParaRPr lang="en-US" sz="3600" dirty="0">
-              <a:solidFill>
-                <a:schemeClr val="tx1"/>
-              </a:solidFill>
-            </a:endParaRPr>
-          </a:p>
-          <a:p>
-            <a:pPr algn="ctr"/>
-            <a:r>
-              <a:rPr lang="en-US" sz="3600" dirty="0">
-                <a:solidFill>
-                  <a:schemeClr val="tx1"/>
-                </a:solidFill>
-              </a:rPr>
-              <a:t>ENTITY</a:t>
-            </a:r>
-          </a:p>
-          <a:p>
-            <a:pPr algn="ctr"/>
-            <a:r>
-              <a:rPr lang="en-US" sz="3600" dirty="0">
-                <a:solidFill>
-                  <a:schemeClr val="tx1"/>
-                </a:solidFill>
-              </a:rPr>
-              <a:t>FRAMEWORK</a:t>
-            </a:r>
-          </a:p>
-        </p:txBody>
-      </p:sp>
       <p:grpSp>
         <p:nvGrpSpPr>
           <p:cNvPr id="51" name="Group 50">
@@ -7951,53 +11703,215 @@
           </p:spPr>
         </p:pic>
       </p:grpSp>
-      <p:pic>
-        <p:nvPicPr>
-          <p:cNvPr id="1028" name="Picture 4" descr="Porting to Entity Framework Core - CodeOpinion">
+      <p:grpSp>
+        <p:nvGrpSpPr>
+          <p:cNvPr id="7" name="Group 6">
             <a:extLst>
               <a:ext uri="{FF2B5EF4-FFF2-40B4-BE49-F238E27FC236}">
-                <a16:creationId xmlns:a16="http://schemas.microsoft.com/office/drawing/2014/main" id="{104A1104-F4FF-C432-1925-C12580B7C85D}"/>
+                <a16:creationId xmlns:a16="http://schemas.microsoft.com/office/drawing/2014/main" id="{53E4254A-D625-4169-8645-B858F8ACDDA4}"/>
               </a:ext>
             </a:extLst>
           </p:cNvPr>
-          <p:cNvPicPr>
-            <a:picLocks noChangeAspect="1" noChangeArrowheads="1"/>
-          </p:cNvPicPr>
+          <p:cNvGrpSpPr/>
           <p:nvPr/>
-        </p:nvPicPr>
-        <p:blipFill rotWithShape="1">
-          <a:blip r:embed="rId6">
+        </p:nvGrpSpPr>
+        <p:grpSpPr>
+          <a:xfrm>
+            <a:off x="6934200" y="3019497"/>
+            <a:ext cx="4180406" cy="5598880"/>
+            <a:chOff x="6934200" y="3019497"/>
+            <a:chExt cx="4180406" cy="5598880"/>
+          </a:xfrm>
+        </p:grpSpPr>
+        <p:sp>
+          <p:nvSpPr>
+            <p:cNvPr id="45" name="Rectangle: Rounded Corners 44">
+              <a:extLst>
+                <a:ext uri="{FF2B5EF4-FFF2-40B4-BE49-F238E27FC236}">
+                  <a16:creationId xmlns:a16="http://schemas.microsoft.com/office/drawing/2014/main" id="{41B9B664-0A2D-7860-C06E-10B3A4129BAB}"/>
+                </a:ext>
+              </a:extLst>
+            </p:cNvPr>
+            <p:cNvSpPr/>
+            <p:nvPr/>
+          </p:nvSpPr>
+          <p:spPr>
+            <a:xfrm>
+              <a:off x="6934200" y="3019497"/>
+              <a:ext cx="4180406" cy="5598880"/>
+            </a:xfrm>
+            <a:prstGeom prst="roundRect">
+              <a:avLst/>
+            </a:prstGeom>
+            <a:solidFill>
+              <a:schemeClr val="accent4">
+                <a:lumMod val="20000"/>
+                <a:lumOff val="80000"/>
+              </a:schemeClr>
+            </a:solidFill>
+            <a:ln>
+              <a:noFill/>
+            </a:ln>
+            <a:effectLst>
+              <a:outerShdw blurRad="107950" dist="12700" dir="5400000" algn="ctr">
+                <a:srgbClr val="000000"/>
+              </a:outerShdw>
+              <a:softEdge rad="31750"/>
+            </a:effectLst>
+            <a:scene3d>
+              <a:camera prst="orthographicFront">
+                <a:rot lat="0" lon="0" rev="0"/>
+              </a:camera>
+              <a:lightRig rig="soft" dir="t">
+                <a:rot lat="0" lon="0" rev="0"/>
+              </a:lightRig>
+            </a:scene3d>
+            <a:sp3d contourW="44450" prstMaterial="matte">
+              <a:bevelT w="63500" h="63500" prst="artDeco"/>
+              <a:contourClr>
+                <a:srgbClr val="FFFFFF"/>
+              </a:contourClr>
+            </a:sp3d>
+          </p:spPr>
+          <p:style>
+            <a:lnRef idx="2">
+              <a:schemeClr val="accent1">
+                <a:shade val="15000"/>
+              </a:schemeClr>
+            </a:lnRef>
+            <a:fillRef idx="1">
+              <a:schemeClr val="accent1"/>
+            </a:fillRef>
+            <a:effectRef idx="0">
+              <a:schemeClr val="accent1"/>
+            </a:effectRef>
+            <a:fontRef idx="minor">
+              <a:schemeClr val="lt1"/>
+            </a:fontRef>
+          </p:style>
+          <p:txBody>
+            <a:bodyPr rtlCol="0" anchor="ctr"/>
+            <a:lstStyle/>
+            <a:p>
+              <a:pPr algn="ctr"/>
+              <a:endParaRPr lang="en-US" sz="3600" dirty="0">
+                <a:solidFill>
+                  <a:schemeClr val="tx1"/>
+                </a:solidFill>
+              </a:endParaRPr>
+            </a:p>
+            <a:p>
+              <a:pPr algn="ctr"/>
+              <a:endParaRPr lang="en-US" sz="3600" dirty="0">
+                <a:solidFill>
+                  <a:schemeClr val="tx1"/>
+                </a:solidFill>
+              </a:endParaRPr>
+            </a:p>
+            <a:p>
+              <a:pPr algn="ctr"/>
+              <a:endParaRPr lang="en-US" sz="3600" dirty="0">
+                <a:solidFill>
+                  <a:schemeClr val="tx1"/>
+                </a:solidFill>
+              </a:endParaRPr>
+            </a:p>
+            <a:p>
+              <a:pPr algn="ctr"/>
+              <a:endParaRPr lang="en-US" sz="3600" dirty="0">
+                <a:solidFill>
+                  <a:schemeClr val="tx1"/>
+                </a:solidFill>
+              </a:endParaRPr>
+            </a:p>
+            <a:p>
+              <a:pPr algn="ctr"/>
+              <a:endParaRPr lang="en-US" sz="3600" dirty="0">
+                <a:solidFill>
+                  <a:schemeClr val="tx1"/>
+                </a:solidFill>
+              </a:endParaRPr>
+            </a:p>
+            <a:p>
+              <a:pPr algn="ctr"/>
+              <a:endParaRPr lang="en-US" sz="3600" dirty="0">
+                <a:solidFill>
+                  <a:schemeClr val="tx1"/>
+                </a:solidFill>
+              </a:endParaRPr>
+            </a:p>
+            <a:p>
+              <a:pPr algn="ctr"/>
+              <a:r>
+                <a:rPr lang="en-US" sz="3600" dirty="0">
+                  <a:solidFill>
+                    <a:schemeClr val="tx1"/>
+                  </a:solidFill>
+                </a:rPr>
+                <a:t>ENTITY</a:t>
+              </a:r>
+            </a:p>
+            <a:p>
+              <a:pPr algn="ctr"/>
+              <a:r>
+                <a:rPr lang="en-US" sz="3600" dirty="0">
+                  <a:solidFill>
+                    <a:schemeClr val="tx1"/>
+                  </a:solidFill>
+                </a:rPr>
+                <a:t>FRAMEWORK</a:t>
+              </a:r>
+            </a:p>
+          </p:txBody>
+        </p:sp>
+        <p:pic>
+          <p:nvPicPr>
+            <p:cNvPr id="1028" name="Picture 4" descr="Porting to Entity Framework Core - CodeOpinion">
+              <a:extLst>
+                <a:ext uri="{FF2B5EF4-FFF2-40B4-BE49-F238E27FC236}">
+                  <a16:creationId xmlns:a16="http://schemas.microsoft.com/office/drawing/2014/main" id="{104A1104-F4FF-C432-1925-C12580B7C85D}"/>
+                </a:ext>
+              </a:extLst>
+            </p:cNvPr>
+            <p:cNvPicPr>
+              <a:picLocks noChangeAspect="1" noChangeArrowheads="1"/>
+            </p:cNvPicPr>
+            <p:nvPr/>
+          </p:nvPicPr>
+          <p:blipFill rotWithShape="1">
+            <a:blip r:embed="rId6">
+              <a:extLst>
+                <a:ext uri="{28A0092B-C50C-407E-A947-70E740481C1C}">
+                  <a14:useLocalDpi xmlns:a14="http://schemas.microsoft.com/office/drawing/2010/main" val="0"/>
+                </a:ext>
+              </a:extLst>
+            </a:blip>
+            <a:srcRect l="10252" t="11149" r="12365" b="13513"/>
+            <a:stretch>
+              <a:fillRect/>
+            </a:stretch>
+          </p:blipFill>
+          <p:spPr bwMode="auto">
+            <a:xfrm>
+              <a:off x="7693635" y="3746447"/>
+              <a:ext cx="2590801" cy="2522304"/>
+            </a:xfrm>
+            <a:prstGeom prst="rect">
+              <a:avLst/>
+            </a:prstGeom>
+            <a:noFill/>
             <a:extLst>
-              <a:ext uri="{28A0092B-C50C-407E-A947-70E740481C1C}">
-                <a14:useLocalDpi xmlns:a14="http://schemas.microsoft.com/office/drawing/2010/main" val="0"/>
+              <a:ext uri="{909E8E84-426E-40DD-AFC4-6F175D3DCCD1}">
+                <a14:hiddenFill xmlns:a14="http://schemas.microsoft.com/office/drawing/2010/main">
+                  <a:solidFill>
+                    <a:srgbClr val="FFFFFF"/>
+                  </a:solidFill>
+                </a14:hiddenFill>
               </a:ext>
             </a:extLst>
-          </a:blip>
-          <a:srcRect l="10252" t="11149" r="12365" b="13513"/>
-          <a:stretch>
-            <a:fillRect/>
-          </a:stretch>
-        </p:blipFill>
-        <p:spPr bwMode="auto">
-          <a:xfrm>
-            <a:off x="7693635" y="3746447"/>
-            <a:ext cx="2590801" cy="2522304"/>
-          </a:xfrm>
-          <a:prstGeom prst="rect">
-            <a:avLst/>
-          </a:prstGeom>
-          <a:noFill/>
-          <a:extLst>
-            <a:ext uri="{909E8E84-426E-40DD-AFC4-6F175D3DCCD1}">
-              <a14:hiddenFill xmlns:a14="http://schemas.microsoft.com/office/drawing/2010/main">
-                <a:solidFill>
-                  <a:srgbClr val="FFFFFF"/>
-                </a:solidFill>
-              </a14:hiddenFill>
-            </a:ext>
-          </a:extLst>
-        </p:spPr>
-      </p:pic>
+          </p:spPr>
+        </p:pic>
+      </p:grpSp>
       <p:sp>
         <p:nvSpPr>
           <p:cNvPr id="3" name="TextBox 2">
@@ -8036,6 +11950,42 @@
           </a:p>
         </p:txBody>
       </p:sp>
+      <p:pic>
+        <p:nvPicPr>
+          <p:cNvPr id="6" name="Graphic 5">
+            <a:extLst>
+              <a:ext uri="{FF2B5EF4-FFF2-40B4-BE49-F238E27FC236}">
+                <a16:creationId xmlns:a16="http://schemas.microsoft.com/office/drawing/2014/main" id="{762F8BA7-4CC8-9501-FCA8-71C61AB8D2AB}"/>
+              </a:ext>
+            </a:extLst>
+          </p:cNvPr>
+          <p:cNvPicPr>
+            <a:picLocks noChangeAspect="1"/>
+          </p:cNvPicPr>
+          <p:nvPr/>
+        </p:nvPicPr>
+        <p:blipFill>
+          <a:blip r:embed="rId7">
+            <a:extLst>
+              <a:ext uri="{96DAC541-7B7A-43D3-8B79-37D633B846F1}">
+                <asvg:svgBlip xmlns:asvg="http://schemas.microsoft.com/office/drawing/2016/SVG/main" r:embed="rId8"/>
+              </a:ext>
+            </a:extLst>
+          </a:blip>
+          <a:stretch>
+            <a:fillRect/>
+          </a:stretch>
+        </p:blipFill>
+        <p:spPr>
+          <a:xfrm>
+            <a:off x="12383325" y="35994"/>
+            <a:ext cx="5867400" cy="1008944"/>
+          </a:xfrm>
+          <a:prstGeom prst="rect">
+            <a:avLst/>
+          </a:prstGeom>
+        </p:spPr>
+      </p:pic>
     </p:spTree>
     <p:extLst>
       <p:ext uri="{BB962C8B-B14F-4D97-AF65-F5344CB8AC3E}">
@@ -8046,10 +11996,22 @@
   <p:clrMapOvr>
     <a:masterClrMapping/>
   </p:clrMapOvr>
+  <mc:AlternateContent xmlns:mc="http://schemas.openxmlformats.org/markup-compatibility/2006" xmlns:p159="http://schemas.microsoft.com/office/powerpoint/2015/09/main">
+    <mc:Choice Requires="p159">
+      <p:transition xmlns:p14="http://schemas.microsoft.com/office/powerpoint/2010/main" spd="slow" p14:dur="2000">
+        <p159:morph option="byObject"/>
+      </p:transition>
+    </mc:Choice>
+    <mc:Fallback xmlns="">
+      <p:transition spd="slow">
+        <p:fade/>
+      </p:transition>
+    </mc:Fallback>
+  </mc:AlternateContent>
 </p:sld>
 </file>
 
-<file path=ppt/slides/slide6.xml><?xml version="1.0" encoding="utf-8"?>
+<file path=ppt/slides/slide8.xml><?xml version="1.0" encoding="utf-8"?>
 <p:sld xmlns:a="http://schemas.openxmlformats.org/drawingml/2006/main" xmlns:r="http://schemas.openxmlformats.org/officeDocument/2006/relationships" xmlns:p="http://schemas.openxmlformats.org/presentationml/2006/main">
   <p:cSld>
     <p:spTree>
@@ -8086,7 +12048,7 @@
         </p:nvGrpSpPr>
         <p:grpSpPr>
           <a:xfrm>
-            <a:off x="-1867766" y="8801100"/>
+            <a:off x="17449800" y="1626698"/>
             <a:ext cx="3735531" cy="3735531"/>
             <a:chOff x="0" y="0"/>
             <a:chExt cx="812800" cy="812800"/>
@@ -8213,7 +12175,7 @@
         </p:nvGrpSpPr>
         <p:grpSpPr>
           <a:xfrm>
-            <a:off x="17449800" y="9643525"/>
+            <a:off x="-769765" y="3856550"/>
             <a:ext cx="1286950" cy="1286950"/>
             <a:chOff x="0" y="0"/>
             <a:chExt cx="812800" cy="812800"/>
@@ -8332,7 +12294,7 @@
         <p:grpSpPr>
           <a:xfrm>
             <a:off x="0" y="-1"/>
-            <a:ext cx="16885606" cy="1080935"/>
+            <a:ext cx="18288000" cy="1080935"/>
             <a:chOff x="2294171" y="2309965"/>
             <a:chExt cx="12717230" cy="1080935"/>
           </a:xfrm>
@@ -8600,133 +12562,6 @@
             </p:txBody>
           </p:sp>
         </p:grpSp>
-      </p:grpSp>
-      <p:grpSp>
-        <p:nvGrpSpPr>
-          <p:cNvPr id="7" name="Group 7">
-            <a:extLst>
-              <a:ext uri="{FF2B5EF4-FFF2-40B4-BE49-F238E27FC236}">
-                <a16:creationId xmlns:a16="http://schemas.microsoft.com/office/drawing/2014/main" id="{7B1D3290-749C-B0BA-4C3A-FA13CE2CCBB6}"/>
-              </a:ext>
-            </a:extLst>
-          </p:cNvPr>
-          <p:cNvGrpSpPr/>
-          <p:nvPr/>
-        </p:nvGrpSpPr>
-        <p:grpSpPr>
-          <a:xfrm>
-            <a:off x="16535400" y="-1867766"/>
-            <a:ext cx="3735531" cy="3735531"/>
-            <a:chOff x="0" y="0"/>
-            <a:chExt cx="812800" cy="812800"/>
-          </a:xfrm>
-        </p:grpSpPr>
-        <p:sp>
-          <p:nvSpPr>
-            <p:cNvPr id="8" name="Freeform 8">
-              <a:extLst>
-                <a:ext uri="{FF2B5EF4-FFF2-40B4-BE49-F238E27FC236}">
-                  <a16:creationId xmlns:a16="http://schemas.microsoft.com/office/drawing/2014/main" id="{020FD7F7-9698-691B-4BF2-37BA5B9731F5}"/>
-                </a:ext>
-              </a:extLst>
-            </p:cNvPr>
-            <p:cNvSpPr/>
-            <p:nvPr/>
-          </p:nvSpPr>
-          <p:spPr>
-            <a:xfrm>
-              <a:off x="0" y="0"/>
-              <a:ext cx="812800" cy="812800"/>
-            </a:xfrm>
-            <a:custGeom>
-              <a:avLst/>
-              <a:gdLst/>
-              <a:ahLst/>
-              <a:cxnLst/>
-              <a:rect l="l" t="t" r="r" b="b"/>
-              <a:pathLst>
-                <a:path w="812800" h="812800">
-                  <a:moveTo>
-                    <a:pt x="406400" y="0"/>
-                  </a:moveTo>
-                  <a:cubicBezTo>
-                    <a:pt x="181951" y="0"/>
-                    <a:pt x="0" y="181951"/>
-                    <a:pt x="0" y="406400"/>
-                  </a:cubicBezTo>
-                  <a:cubicBezTo>
-                    <a:pt x="0" y="630849"/>
-                    <a:pt x="181951" y="812800"/>
-                    <a:pt x="406400" y="812800"/>
-                  </a:cubicBezTo>
-                  <a:cubicBezTo>
-                    <a:pt x="630849" y="812800"/>
-                    <a:pt x="812800" y="630849"/>
-                    <a:pt x="812800" y="406400"/>
-                  </a:cubicBezTo>
-                  <a:cubicBezTo>
-                    <a:pt x="812800" y="181951"/>
-                    <a:pt x="630849" y="0"/>
-                    <a:pt x="406400" y="0"/>
-                  </a:cubicBezTo>
-                  <a:close/>
-                </a:path>
-              </a:pathLst>
-            </a:custGeom>
-            <a:solidFill>
-              <a:srgbClr val="000000">
-                <a:alpha val="0"/>
-              </a:srgbClr>
-            </a:solidFill>
-            <a:ln w="952500" cap="sq">
-              <a:solidFill>
-                <a:srgbClr val="145DA0"/>
-              </a:solidFill>
-              <a:prstDash val="solid"/>
-              <a:miter/>
-            </a:ln>
-          </p:spPr>
-        </p:sp>
-        <p:sp>
-          <p:nvSpPr>
-            <p:cNvPr id="9" name="TextBox 9">
-              <a:extLst>
-                <a:ext uri="{FF2B5EF4-FFF2-40B4-BE49-F238E27FC236}">
-                  <a16:creationId xmlns:a16="http://schemas.microsoft.com/office/drawing/2014/main" id="{C0CD1544-24A5-80C8-B442-95305712B038}"/>
-                </a:ext>
-              </a:extLst>
-            </p:cNvPr>
-            <p:cNvSpPr txBox="1"/>
-            <p:nvPr/>
-          </p:nvSpPr>
-          <p:spPr>
-            <a:xfrm>
-              <a:off x="76200" y="38100"/>
-              <a:ext cx="660400" cy="698500"/>
-            </a:xfrm>
-            <a:prstGeom prst="rect">
-              <a:avLst/>
-            </a:prstGeom>
-          </p:spPr>
-          <p:txBody>
-            <a:bodyPr lIns="50800" tIns="50800" rIns="50800" bIns="50800" rtlCol="0" anchor="ctr"/>
-            <a:lstStyle/>
-            <a:p>
-              <a:pPr algn="ctr">
-                <a:lnSpc>
-                  <a:spcPts val="2659"/>
-                </a:lnSpc>
-                <a:spcBef>
-                  <a:spcPct val="0"/>
-                </a:spcBef>
-              </a:pPr>
-              <a:endParaRPr>
-                <a:latin typeface="Arial" panose="020B0604020202020204" pitchFamily="34" charset="0"/>
-                <a:cs typeface="Arial" panose="020B0604020202020204" pitchFamily="34" charset="0"/>
-              </a:endParaRPr>
-            </a:p>
-          </p:txBody>
-        </p:sp>
       </p:grpSp>
       <p:sp>
         <p:nvSpPr>
@@ -9003,8 +12838,21 @@
                     <a:schemeClr val="tx1"/>
                   </a:solidFill>
                 </a:rPr>
-                <a:t>SQL SERVER</a:t>
+                <a:t>Chart </a:t>
               </a:r>
+              <a:r>
+                <a:rPr lang="en-US" sz="3600" dirty="0" err="1">
+                  <a:solidFill>
+                    <a:schemeClr val="tx1"/>
+                  </a:solidFill>
+                </a:rPr>
+                <a:t>js</a:t>
+              </a:r>
+              <a:endParaRPr lang="en-US" sz="3600" dirty="0">
+                <a:solidFill>
+                  <a:schemeClr val="tx1"/>
+                </a:solidFill>
+              </a:endParaRPr>
             </a:p>
           </p:txBody>
         </p:sp>
@@ -9170,7 +13018,7 @@
                   <a:schemeClr val="tx1"/>
                 </a:solidFill>
               </a:rPr>
-              <a:t>SQL SERVER</a:t>
+              <a:t>Toaster</a:t>
             </a:r>
           </a:p>
         </p:txBody>
@@ -9336,6 +13184,613 @@
           </a:p>
         </p:txBody>
       </p:sp>
+      <p:pic>
+        <p:nvPicPr>
+          <p:cNvPr id="2" name="Graphic 1">
+            <a:extLst>
+              <a:ext uri="{FF2B5EF4-FFF2-40B4-BE49-F238E27FC236}">
+                <a16:creationId xmlns:a16="http://schemas.microsoft.com/office/drawing/2014/main" id="{61377C7F-632B-09F5-BB44-5D315958606B}"/>
+              </a:ext>
+            </a:extLst>
+          </p:cNvPr>
+          <p:cNvPicPr>
+            <a:picLocks noChangeAspect="1"/>
+          </p:cNvPicPr>
+          <p:nvPr/>
+        </p:nvPicPr>
+        <p:blipFill>
+          <a:blip r:embed="rId7">
+            <a:extLst>
+              <a:ext uri="{96DAC541-7B7A-43D3-8B79-37D633B846F1}">
+                <asvg:svgBlip xmlns:asvg="http://schemas.microsoft.com/office/drawing/2016/SVG/main" r:embed="rId8"/>
+              </a:ext>
+            </a:extLst>
+          </a:blip>
+          <a:stretch>
+            <a:fillRect/>
+          </a:stretch>
+        </p:blipFill>
+        <p:spPr>
+          <a:xfrm>
+            <a:off x="12383325" y="35994"/>
+            <a:ext cx="5867400" cy="1008944"/>
+          </a:xfrm>
+          <a:prstGeom prst="rect">
+            <a:avLst/>
+          </a:prstGeom>
+        </p:spPr>
+      </p:pic>
+      <p:grpSp>
+        <p:nvGrpSpPr>
+          <p:cNvPr id="20" name="Group 19">
+            <a:extLst>
+              <a:ext uri="{FF2B5EF4-FFF2-40B4-BE49-F238E27FC236}">
+                <a16:creationId xmlns:a16="http://schemas.microsoft.com/office/drawing/2014/main" id="{E7E7F11F-66F5-0602-56E0-E99DDC1748FD}"/>
+              </a:ext>
+            </a:extLst>
+          </p:cNvPr>
+          <p:cNvGrpSpPr/>
+          <p:nvPr/>
+        </p:nvGrpSpPr>
+        <p:grpSpPr>
+          <a:xfrm>
+            <a:off x="12573000" y="-6076805"/>
+            <a:ext cx="4180406" cy="5598880"/>
+            <a:chOff x="1867765" y="1882455"/>
+            <a:chExt cx="4180406" cy="5598880"/>
+          </a:xfrm>
+        </p:grpSpPr>
+        <p:sp>
+          <p:nvSpPr>
+            <p:cNvPr id="21" name="Rectangle: Rounded Corners 20">
+              <a:extLst>
+                <a:ext uri="{FF2B5EF4-FFF2-40B4-BE49-F238E27FC236}">
+                  <a16:creationId xmlns:a16="http://schemas.microsoft.com/office/drawing/2014/main" id="{F36E22B5-804F-38DF-1D2A-C6E582312D17}"/>
+                </a:ext>
+              </a:extLst>
+            </p:cNvPr>
+            <p:cNvSpPr/>
+            <p:nvPr/>
+          </p:nvSpPr>
+          <p:spPr>
+            <a:xfrm>
+              <a:off x="1867765" y="1882455"/>
+              <a:ext cx="4180406" cy="5598880"/>
+            </a:xfrm>
+            <a:prstGeom prst="roundRect">
+              <a:avLst/>
+            </a:prstGeom>
+            <a:solidFill>
+              <a:schemeClr val="accent4">
+                <a:lumMod val="20000"/>
+                <a:lumOff val="80000"/>
+              </a:schemeClr>
+            </a:solidFill>
+            <a:ln>
+              <a:noFill/>
+            </a:ln>
+            <a:effectLst>
+              <a:outerShdw blurRad="107950" dist="12700" dir="5400000" algn="ctr">
+                <a:srgbClr val="000000"/>
+              </a:outerShdw>
+              <a:softEdge rad="31750"/>
+            </a:effectLst>
+            <a:scene3d>
+              <a:camera prst="orthographicFront">
+                <a:rot lat="0" lon="0" rev="0"/>
+              </a:camera>
+              <a:lightRig rig="soft" dir="t">
+                <a:rot lat="0" lon="0" rev="0"/>
+              </a:lightRig>
+            </a:scene3d>
+            <a:sp3d contourW="44450" prstMaterial="matte">
+              <a:bevelT w="63500" h="63500" prst="artDeco"/>
+              <a:contourClr>
+                <a:srgbClr val="FFFFFF"/>
+              </a:contourClr>
+            </a:sp3d>
+          </p:spPr>
+          <p:style>
+            <a:lnRef idx="2">
+              <a:schemeClr val="accent1">
+                <a:shade val="15000"/>
+              </a:schemeClr>
+            </a:lnRef>
+            <a:fillRef idx="1">
+              <a:schemeClr val="accent1"/>
+            </a:fillRef>
+            <a:effectRef idx="0">
+              <a:schemeClr val="accent1"/>
+            </a:effectRef>
+            <a:fontRef idx="minor">
+              <a:schemeClr val="lt1"/>
+            </a:fontRef>
+          </p:style>
+          <p:txBody>
+            <a:bodyPr rtlCol="0" anchor="ctr"/>
+            <a:lstStyle/>
+            <a:p>
+              <a:pPr algn="ctr"/>
+              <a:endParaRPr lang="en-US" sz="3600" dirty="0">
+                <a:solidFill>
+                  <a:schemeClr val="tx1"/>
+                </a:solidFill>
+              </a:endParaRPr>
+            </a:p>
+            <a:p>
+              <a:pPr algn="ctr"/>
+              <a:endParaRPr lang="en-US" sz="3600" dirty="0">
+                <a:solidFill>
+                  <a:schemeClr val="tx1"/>
+                </a:solidFill>
+              </a:endParaRPr>
+            </a:p>
+            <a:p>
+              <a:pPr algn="ctr"/>
+              <a:endParaRPr lang="en-US" sz="3600" dirty="0">
+                <a:solidFill>
+                  <a:schemeClr val="tx1"/>
+                </a:solidFill>
+              </a:endParaRPr>
+            </a:p>
+            <a:p>
+              <a:pPr algn="ctr"/>
+              <a:endParaRPr lang="en-US" sz="3600" dirty="0">
+                <a:solidFill>
+                  <a:schemeClr val="tx1"/>
+                </a:solidFill>
+              </a:endParaRPr>
+            </a:p>
+            <a:p>
+              <a:pPr algn="ctr"/>
+              <a:endParaRPr lang="en-US" sz="3600" dirty="0">
+                <a:solidFill>
+                  <a:schemeClr val="tx1"/>
+                </a:solidFill>
+              </a:endParaRPr>
+            </a:p>
+            <a:p>
+              <a:pPr algn="ctr"/>
+              <a:endParaRPr lang="en-US" sz="3600" dirty="0">
+                <a:solidFill>
+                  <a:schemeClr val="tx1"/>
+                </a:solidFill>
+              </a:endParaRPr>
+            </a:p>
+            <a:p>
+              <a:pPr algn="ctr"/>
+              <a:r>
+                <a:rPr lang="en-US" sz="3600" dirty="0">
+                  <a:solidFill>
+                    <a:schemeClr val="tx1"/>
+                  </a:solidFill>
+                </a:rPr>
+                <a:t>SQL SERVER</a:t>
+              </a:r>
+            </a:p>
+          </p:txBody>
+        </p:sp>
+        <p:pic>
+          <p:nvPicPr>
+            <p:cNvPr id="25" name="Picture 24">
+              <a:extLst>
+                <a:ext uri="{FF2B5EF4-FFF2-40B4-BE49-F238E27FC236}">
+                  <a16:creationId xmlns:a16="http://schemas.microsoft.com/office/drawing/2014/main" id="{D59FBF27-2144-08EC-3776-66DCC5AF800B}"/>
+                </a:ext>
+              </a:extLst>
+            </p:cNvPr>
+            <p:cNvPicPr>
+              <a:picLocks noChangeAspect="1"/>
+            </p:cNvPicPr>
+            <p:nvPr/>
+          </p:nvPicPr>
+          <p:blipFill>
+            <a:blip r:embed="rId9"/>
+            <a:stretch>
+              <a:fillRect/>
+            </a:stretch>
+          </p:blipFill>
+          <p:spPr>
+            <a:xfrm>
+              <a:off x="2517968" y="2794794"/>
+              <a:ext cx="2880000" cy="2336915"/>
+            </a:xfrm>
+            <a:prstGeom prst="rect">
+              <a:avLst/>
+            </a:prstGeom>
+          </p:spPr>
+        </p:pic>
+      </p:grpSp>
+      <p:grpSp>
+        <p:nvGrpSpPr>
+          <p:cNvPr id="30" name="Group 29">
+            <a:extLst>
+              <a:ext uri="{FF2B5EF4-FFF2-40B4-BE49-F238E27FC236}">
+                <a16:creationId xmlns:a16="http://schemas.microsoft.com/office/drawing/2014/main" id="{C85F834E-84CF-61F1-E54F-6C2EFB4F927B}"/>
+              </a:ext>
+            </a:extLst>
+          </p:cNvPr>
+          <p:cNvGrpSpPr/>
+          <p:nvPr/>
+        </p:nvGrpSpPr>
+        <p:grpSpPr>
+          <a:xfrm>
+            <a:off x="1867765" y="-6042035"/>
+            <a:ext cx="4180406" cy="5598880"/>
+            <a:chOff x="11887200" y="1953090"/>
+            <a:chExt cx="4180406" cy="5598880"/>
+          </a:xfrm>
+        </p:grpSpPr>
+        <p:sp>
+          <p:nvSpPr>
+            <p:cNvPr id="31" name="Rectangle: Rounded Corners 30">
+              <a:extLst>
+                <a:ext uri="{FF2B5EF4-FFF2-40B4-BE49-F238E27FC236}">
+                  <a16:creationId xmlns:a16="http://schemas.microsoft.com/office/drawing/2014/main" id="{7979572E-AE73-87B4-3B6B-B7641147ACF7}"/>
+                </a:ext>
+              </a:extLst>
+            </p:cNvPr>
+            <p:cNvSpPr/>
+            <p:nvPr/>
+          </p:nvSpPr>
+          <p:spPr>
+            <a:xfrm>
+              <a:off x="11887200" y="1953090"/>
+              <a:ext cx="4180406" cy="5598880"/>
+            </a:xfrm>
+            <a:prstGeom prst="roundRect">
+              <a:avLst/>
+            </a:prstGeom>
+            <a:solidFill>
+              <a:schemeClr val="accent4">
+                <a:lumMod val="20000"/>
+                <a:lumOff val="80000"/>
+              </a:schemeClr>
+            </a:solidFill>
+            <a:ln>
+              <a:noFill/>
+            </a:ln>
+            <a:effectLst>
+              <a:outerShdw blurRad="107950" dist="12700" dir="5400000" algn="ctr">
+                <a:srgbClr val="000000"/>
+              </a:outerShdw>
+              <a:softEdge rad="31750"/>
+            </a:effectLst>
+            <a:scene3d>
+              <a:camera prst="orthographicFront">
+                <a:rot lat="0" lon="0" rev="0"/>
+              </a:camera>
+              <a:lightRig rig="soft" dir="t">
+                <a:rot lat="0" lon="0" rev="0"/>
+              </a:lightRig>
+            </a:scene3d>
+            <a:sp3d contourW="44450" prstMaterial="matte">
+              <a:bevelT w="63500" h="63500" prst="artDeco"/>
+              <a:contourClr>
+                <a:srgbClr val="FFFFFF"/>
+              </a:contourClr>
+            </a:sp3d>
+          </p:spPr>
+          <p:style>
+            <a:lnRef idx="2">
+              <a:schemeClr val="accent1">
+                <a:shade val="15000"/>
+              </a:schemeClr>
+            </a:lnRef>
+            <a:fillRef idx="1">
+              <a:schemeClr val="accent1"/>
+            </a:fillRef>
+            <a:effectRef idx="0">
+              <a:schemeClr val="accent1"/>
+            </a:effectRef>
+            <a:fontRef idx="minor">
+              <a:schemeClr val="lt1"/>
+            </a:fontRef>
+          </p:style>
+          <p:txBody>
+            <a:bodyPr rtlCol="0" anchor="ctr"/>
+            <a:lstStyle/>
+            <a:p>
+              <a:pPr algn="ctr"/>
+              <a:endParaRPr lang="en-US" sz="3600" dirty="0">
+                <a:solidFill>
+                  <a:schemeClr val="tx1"/>
+                </a:solidFill>
+              </a:endParaRPr>
+            </a:p>
+            <a:p>
+              <a:pPr algn="ctr"/>
+              <a:endParaRPr lang="en-US" sz="3600" dirty="0">
+                <a:solidFill>
+                  <a:schemeClr val="tx1"/>
+                </a:solidFill>
+              </a:endParaRPr>
+            </a:p>
+            <a:p>
+              <a:pPr algn="ctr"/>
+              <a:endParaRPr lang="en-US" sz="3600" dirty="0">
+                <a:solidFill>
+                  <a:schemeClr val="tx1"/>
+                </a:solidFill>
+              </a:endParaRPr>
+            </a:p>
+            <a:p>
+              <a:pPr algn="ctr"/>
+              <a:endParaRPr lang="en-US" sz="3600" dirty="0">
+                <a:solidFill>
+                  <a:schemeClr val="tx1"/>
+                </a:solidFill>
+              </a:endParaRPr>
+            </a:p>
+            <a:p>
+              <a:pPr algn="ctr"/>
+              <a:endParaRPr lang="en-US" sz="3600" dirty="0">
+                <a:solidFill>
+                  <a:schemeClr val="tx1"/>
+                </a:solidFill>
+              </a:endParaRPr>
+            </a:p>
+            <a:p>
+              <a:pPr algn="ctr"/>
+              <a:endParaRPr lang="en-US" sz="3600" dirty="0">
+                <a:solidFill>
+                  <a:schemeClr val="tx1"/>
+                </a:solidFill>
+              </a:endParaRPr>
+            </a:p>
+            <a:p>
+              <a:pPr algn="ctr"/>
+              <a:r>
+                <a:rPr lang="en-US" sz="3600" dirty="0">
+                  <a:solidFill>
+                    <a:schemeClr val="tx1"/>
+                  </a:solidFill>
+                </a:rPr>
+                <a:t>ASP.NET CORE</a:t>
+              </a:r>
+            </a:p>
+          </p:txBody>
+        </p:sp>
+        <p:pic>
+          <p:nvPicPr>
+            <p:cNvPr id="32" name="Picture 31">
+              <a:extLst>
+                <a:ext uri="{FF2B5EF4-FFF2-40B4-BE49-F238E27FC236}">
+                  <a16:creationId xmlns:a16="http://schemas.microsoft.com/office/drawing/2014/main" id="{0D704F70-9266-D94C-32B6-9575BF038A87}"/>
+                </a:ext>
+              </a:extLst>
+            </p:cNvPr>
+            <p:cNvPicPr>
+              <a:picLocks noChangeAspect="1"/>
+            </p:cNvPicPr>
+            <p:nvPr/>
+          </p:nvPicPr>
+          <p:blipFill>
+            <a:blip r:embed="rId10"/>
+            <a:stretch>
+              <a:fillRect/>
+            </a:stretch>
+          </p:blipFill>
+          <p:spPr>
+            <a:xfrm>
+              <a:off x="12537403" y="2386654"/>
+              <a:ext cx="2880000" cy="2868480"/>
+            </a:xfrm>
+            <a:prstGeom prst="rect">
+              <a:avLst/>
+            </a:prstGeom>
+          </p:spPr>
+        </p:pic>
+      </p:grpSp>
+      <p:grpSp>
+        <p:nvGrpSpPr>
+          <p:cNvPr id="33" name="Group 32">
+            <a:extLst>
+              <a:ext uri="{FF2B5EF4-FFF2-40B4-BE49-F238E27FC236}">
+                <a16:creationId xmlns:a16="http://schemas.microsoft.com/office/drawing/2014/main" id="{CE1F2154-A560-A0F1-58A9-FFB2D960E20E}"/>
+              </a:ext>
+            </a:extLst>
+          </p:cNvPr>
+          <p:cNvGrpSpPr/>
+          <p:nvPr/>
+        </p:nvGrpSpPr>
+        <p:grpSpPr>
+          <a:xfrm>
+            <a:off x="6956964" y="-6076805"/>
+            <a:ext cx="4180406" cy="5598880"/>
+            <a:chOff x="6934200" y="3019497"/>
+            <a:chExt cx="4180406" cy="5598880"/>
+          </a:xfrm>
+        </p:grpSpPr>
+        <p:sp>
+          <p:nvSpPr>
+            <p:cNvPr id="34" name="Rectangle: Rounded Corners 33">
+              <a:extLst>
+                <a:ext uri="{FF2B5EF4-FFF2-40B4-BE49-F238E27FC236}">
+                  <a16:creationId xmlns:a16="http://schemas.microsoft.com/office/drawing/2014/main" id="{9C79713A-86D1-6693-81A2-92D72EAA4A05}"/>
+                </a:ext>
+              </a:extLst>
+            </p:cNvPr>
+            <p:cNvSpPr/>
+            <p:nvPr/>
+          </p:nvSpPr>
+          <p:spPr>
+            <a:xfrm>
+              <a:off x="6934200" y="3019497"/>
+              <a:ext cx="4180406" cy="5598880"/>
+            </a:xfrm>
+            <a:prstGeom prst="roundRect">
+              <a:avLst/>
+            </a:prstGeom>
+            <a:solidFill>
+              <a:schemeClr val="accent4">
+                <a:lumMod val="20000"/>
+                <a:lumOff val="80000"/>
+              </a:schemeClr>
+            </a:solidFill>
+            <a:ln>
+              <a:noFill/>
+            </a:ln>
+            <a:effectLst>
+              <a:outerShdw blurRad="107950" dist="12700" dir="5400000" algn="ctr">
+                <a:srgbClr val="000000"/>
+              </a:outerShdw>
+              <a:softEdge rad="31750"/>
+            </a:effectLst>
+            <a:scene3d>
+              <a:camera prst="orthographicFront">
+                <a:rot lat="0" lon="0" rev="0"/>
+              </a:camera>
+              <a:lightRig rig="soft" dir="t">
+                <a:rot lat="0" lon="0" rev="0"/>
+              </a:lightRig>
+            </a:scene3d>
+            <a:sp3d contourW="44450" prstMaterial="matte">
+              <a:bevelT w="63500" h="63500" prst="artDeco"/>
+              <a:contourClr>
+                <a:srgbClr val="FFFFFF"/>
+              </a:contourClr>
+            </a:sp3d>
+          </p:spPr>
+          <p:style>
+            <a:lnRef idx="2">
+              <a:schemeClr val="accent1">
+                <a:shade val="15000"/>
+              </a:schemeClr>
+            </a:lnRef>
+            <a:fillRef idx="1">
+              <a:schemeClr val="accent1"/>
+            </a:fillRef>
+            <a:effectRef idx="0">
+              <a:schemeClr val="accent1"/>
+            </a:effectRef>
+            <a:fontRef idx="minor">
+              <a:schemeClr val="lt1"/>
+            </a:fontRef>
+          </p:style>
+          <p:txBody>
+            <a:bodyPr rtlCol="0" anchor="ctr"/>
+            <a:lstStyle/>
+            <a:p>
+              <a:pPr algn="ctr"/>
+              <a:endParaRPr lang="en-US" sz="3600" dirty="0">
+                <a:solidFill>
+                  <a:schemeClr val="tx1"/>
+                </a:solidFill>
+              </a:endParaRPr>
+            </a:p>
+            <a:p>
+              <a:pPr algn="ctr"/>
+              <a:endParaRPr lang="en-US" sz="3600" dirty="0">
+                <a:solidFill>
+                  <a:schemeClr val="tx1"/>
+                </a:solidFill>
+              </a:endParaRPr>
+            </a:p>
+            <a:p>
+              <a:pPr algn="ctr"/>
+              <a:endParaRPr lang="en-US" sz="3600" dirty="0">
+                <a:solidFill>
+                  <a:schemeClr val="tx1"/>
+                </a:solidFill>
+              </a:endParaRPr>
+            </a:p>
+            <a:p>
+              <a:pPr algn="ctr"/>
+              <a:endParaRPr lang="en-US" sz="3600" dirty="0">
+                <a:solidFill>
+                  <a:schemeClr val="tx1"/>
+                </a:solidFill>
+              </a:endParaRPr>
+            </a:p>
+            <a:p>
+              <a:pPr algn="ctr"/>
+              <a:endParaRPr lang="en-US" sz="3600" dirty="0">
+                <a:solidFill>
+                  <a:schemeClr val="tx1"/>
+                </a:solidFill>
+              </a:endParaRPr>
+            </a:p>
+            <a:p>
+              <a:pPr algn="ctr"/>
+              <a:endParaRPr lang="en-US" sz="3600" dirty="0">
+                <a:solidFill>
+                  <a:schemeClr val="tx1"/>
+                </a:solidFill>
+              </a:endParaRPr>
+            </a:p>
+            <a:p>
+              <a:pPr algn="ctr"/>
+              <a:r>
+                <a:rPr lang="en-US" sz="3600" dirty="0">
+                  <a:solidFill>
+                    <a:schemeClr val="tx1"/>
+                  </a:solidFill>
+                </a:rPr>
+                <a:t>ENTITY</a:t>
+              </a:r>
+            </a:p>
+            <a:p>
+              <a:pPr algn="ctr"/>
+              <a:r>
+                <a:rPr lang="en-US" sz="3600" dirty="0">
+                  <a:solidFill>
+                    <a:schemeClr val="tx1"/>
+                  </a:solidFill>
+                </a:rPr>
+                <a:t>FRAMEWORK</a:t>
+              </a:r>
+            </a:p>
+          </p:txBody>
+        </p:sp>
+        <p:pic>
+          <p:nvPicPr>
+            <p:cNvPr id="35" name="Picture 4" descr="Porting to Entity Framework Core - CodeOpinion">
+              <a:extLst>
+                <a:ext uri="{FF2B5EF4-FFF2-40B4-BE49-F238E27FC236}">
+                  <a16:creationId xmlns:a16="http://schemas.microsoft.com/office/drawing/2014/main" id="{C1B56489-9C87-D811-0F54-1DA84C128294}"/>
+                </a:ext>
+              </a:extLst>
+            </p:cNvPr>
+            <p:cNvPicPr>
+              <a:picLocks noChangeAspect="1" noChangeArrowheads="1"/>
+            </p:cNvPicPr>
+            <p:nvPr/>
+          </p:nvPicPr>
+          <p:blipFill rotWithShape="1">
+            <a:blip r:embed="rId11">
+              <a:extLst>
+                <a:ext uri="{28A0092B-C50C-407E-A947-70E740481C1C}">
+                  <a14:useLocalDpi xmlns:a14="http://schemas.microsoft.com/office/drawing/2010/main" val="0"/>
+                </a:ext>
+              </a:extLst>
+            </a:blip>
+            <a:srcRect l="10252" t="11149" r="12365" b="13513"/>
+            <a:stretch>
+              <a:fillRect/>
+            </a:stretch>
+          </p:blipFill>
+          <p:spPr bwMode="auto">
+            <a:xfrm>
+              <a:off x="7693635" y="3746447"/>
+              <a:ext cx="2590801" cy="2522304"/>
+            </a:xfrm>
+            <a:prstGeom prst="rect">
+              <a:avLst/>
+            </a:prstGeom>
+            <a:noFill/>
+            <a:extLst>
+              <a:ext uri="{909E8E84-426E-40DD-AFC4-6F175D3DCCD1}">
+                <a14:hiddenFill xmlns:a14="http://schemas.microsoft.com/office/drawing/2010/main">
+                  <a:solidFill>
+                    <a:srgbClr val="FFFFFF"/>
+                  </a:solidFill>
+                </a14:hiddenFill>
+              </a:ext>
+            </a:extLst>
+          </p:spPr>
+        </p:pic>
+      </p:grpSp>
     </p:spTree>
     <p:extLst>
       <p:ext uri="{BB962C8B-B14F-4D97-AF65-F5344CB8AC3E}">
@@ -9346,10 +13801,22 @@
   <p:clrMapOvr>
     <a:masterClrMapping/>
   </p:clrMapOvr>
+  <mc:AlternateContent xmlns:mc="http://schemas.openxmlformats.org/markup-compatibility/2006" xmlns:p159="http://schemas.microsoft.com/office/powerpoint/2015/09/main">
+    <mc:Choice Requires="p159">
+      <p:transition xmlns:p14="http://schemas.microsoft.com/office/powerpoint/2010/main" spd="slow" p14:dur="2000">
+        <p159:morph option="byObject"/>
+      </p:transition>
+    </mc:Choice>
+    <mc:Fallback xmlns="">
+      <p:transition spd="slow">
+        <p:fade/>
+      </p:transition>
+    </mc:Fallback>
+  </mc:AlternateContent>
 </p:sld>
 </file>
 
-<file path=ppt/slides/slide7.xml><?xml version="1.0" encoding="utf-8"?>
+<file path=ppt/slides/slide9.xml><?xml version="1.0" encoding="utf-8"?>
 <p:sld xmlns:a="http://schemas.openxmlformats.org/drawingml/2006/main" xmlns:r="http://schemas.openxmlformats.org/officeDocument/2006/relationships" xmlns:p="http://schemas.openxmlformats.org/presentationml/2006/main">
   <p:cSld>
     <p:spTree>
@@ -9357,7 +13824,7 @@
         <p:cNvPr id="1" name="">
           <a:extLst>
             <a:ext uri="{FF2B5EF4-FFF2-40B4-BE49-F238E27FC236}">
-              <a16:creationId xmlns:a16="http://schemas.microsoft.com/office/drawing/2014/main" id="{3AF9E5C0-9C95-C651-DEE1-DA8B2135A3B5}"/>
+              <a16:creationId xmlns:a16="http://schemas.microsoft.com/office/drawing/2014/main" id="{AD3D561F-F59B-944C-ADFE-AF1821B33534}"/>
             </a:ext>
           </a:extLst>
         </p:cNvPr>
@@ -9374,10 +13841,10 @@
       </p:grpSpPr>
       <p:grpSp>
         <p:nvGrpSpPr>
-          <p:cNvPr id="16" name="Group 10">
+          <p:cNvPr id="25" name="Group 24">
             <a:extLst>
               <a:ext uri="{FF2B5EF4-FFF2-40B4-BE49-F238E27FC236}">
-                <a16:creationId xmlns:a16="http://schemas.microsoft.com/office/drawing/2014/main" id="{33D2D0B6-9CD3-58AE-2AB9-8FAE44D1C224}"/>
+                <a16:creationId xmlns:a16="http://schemas.microsoft.com/office/drawing/2014/main" id="{34DBDE3F-6E1A-30D1-BAED-D15AB24031D1}"/>
               </a:ext>
             </a:extLst>
           </p:cNvPr>
@@ -9386,75 +13853,18 @@
         </p:nvGrpSpPr>
         <p:grpSpPr>
           <a:xfrm>
-            <a:off x="17449800" y="9643525"/>
-            <a:ext cx="1286950" cy="1286950"/>
-            <a:chOff x="0" y="0"/>
-            <a:chExt cx="812800" cy="812800"/>
+            <a:off x="2647785" y="4309793"/>
+            <a:ext cx="12992429" cy="2999144"/>
+            <a:chOff x="5240348" y="3231308"/>
+            <a:chExt cx="8819592" cy="2999144"/>
           </a:xfrm>
         </p:grpSpPr>
         <p:sp>
           <p:nvSpPr>
-            <p:cNvPr id="17" name="Freeform 11">
+            <p:cNvPr id="2" name="TextBox 2">
               <a:extLst>
                 <a:ext uri="{FF2B5EF4-FFF2-40B4-BE49-F238E27FC236}">
-                  <a16:creationId xmlns:a16="http://schemas.microsoft.com/office/drawing/2014/main" id="{3CF7DB0B-88D9-9D93-5B3D-3A6E4EEF0CF9}"/>
-                </a:ext>
-              </a:extLst>
-            </p:cNvPr>
-            <p:cNvSpPr/>
-            <p:nvPr/>
-          </p:nvSpPr>
-          <p:spPr>
-            <a:xfrm>
-              <a:off x="0" y="0"/>
-              <a:ext cx="812800" cy="812800"/>
-            </a:xfrm>
-            <a:custGeom>
-              <a:avLst/>
-              <a:gdLst/>
-              <a:ahLst/>
-              <a:cxnLst/>
-              <a:rect l="l" t="t" r="r" b="b"/>
-              <a:pathLst>
-                <a:path w="812800" h="812800">
-                  <a:moveTo>
-                    <a:pt x="406400" y="0"/>
-                  </a:moveTo>
-                  <a:cubicBezTo>
-                    <a:pt x="181951" y="0"/>
-                    <a:pt x="0" y="181951"/>
-                    <a:pt x="0" y="406400"/>
-                  </a:cubicBezTo>
-                  <a:cubicBezTo>
-                    <a:pt x="0" y="630849"/>
-                    <a:pt x="181951" y="812800"/>
-                    <a:pt x="406400" y="812800"/>
-                  </a:cubicBezTo>
-                  <a:cubicBezTo>
-                    <a:pt x="630849" y="812800"/>
-                    <a:pt x="812800" y="630849"/>
-                    <a:pt x="812800" y="406400"/>
-                  </a:cubicBezTo>
-                  <a:cubicBezTo>
-                    <a:pt x="812800" y="181951"/>
-                    <a:pt x="630849" y="0"/>
-                    <a:pt x="406400" y="0"/>
-                  </a:cubicBezTo>
-                  <a:close/>
-                </a:path>
-              </a:pathLst>
-            </a:custGeom>
-            <a:solidFill>
-              <a:srgbClr val="145DA0"/>
-            </a:solidFill>
-          </p:spPr>
-        </p:sp>
-        <p:sp>
-          <p:nvSpPr>
-            <p:cNvPr id="18" name="TextBox 12">
-              <a:extLst>
-                <a:ext uri="{FF2B5EF4-FFF2-40B4-BE49-F238E27FC236}">
-                  <a16:creationId xmlns:a16="http://schemas.microsoft.com/office/drawing/2014/main" id="{1717C77F-CC6F-B70F-1D9C-5060C83BCEBC}"/>
+                  <a16:creationId xmlns:a16="http://schemas.microsoft.com/office/drawing/2014/main" id="{47B90577-1A52-4955-D146-647E0B3CA774}"/>
                 </a:ext>
               </a:extLst>
             </p:cNvPr>
@@ -9463,1105 +13873,8 @@
           </p:nvSpPr>
           <p:spPr>
             <a:xfrm>
-              <a:off x="76200" y="38100"/>
-              <a:ext cx="660400" cy="698500"/>
-            </a:xfrm>
-            <a:prstGeom prst="rect">
-              <a:avLst/>
-            </a:prstGeom>
-          </p:spPr>
-          <p:txBody>
-            <a:bodyPr lIns="50800" tIns="50800" rIns="50800" bIns="50800" rtlCol="0" anchor="ctr"/>
-            <a:lstStyle/>
-            <a:p>
-              <a:pPr algn="ctr">
-                <a:lnSpc>
-                  <a:spcPts val="2659"/>
-                </a:lnSpc>
-                <a:spcBef>
-                  <a:spcPct val="0"/>
-                </a:spcBef>
-              </a:pPr>
-              <a:endParaRPr>
-                <a:latin typeface="Arial" panose="020B0604020202020204" pitchFamily="34" charset="0"/>
-                <a:cs typeface="Arial" panose="020B0604020202020204" pitchFamily="34" charset="0"/>
-              </a:endParaRPr>
-            </a:p>
-          </p:txBody>
-        </p:sp>
-      </p:grpSp>
-      <p:grpSp>
-        <p:nvGrpSpPr>
-          <p:cNvPr id="29" name="Group 28">
-            <a:extLst>
-              <a:ext uri="{FF2B5EF4-FFF2-40B4-BE49-F238E27FC236}">
-                <a16:creationId xmlns:a16="http://schemas.microsoft.com/office/drawing/2014/main" id="{B4437307-D423-C6CB-759D-A8733397E33A}"/>
-              </a:ext>
-            </a:extLst>
-          </p:cNvPr>
-          <p:cNvGrpSpPr/>
-          <p:nvPr/>
-        </p:nvGrpSpPr>
-        <p:grpSpPr>
-          <a:xfrm>
-            <a:off x="0" y="-1"/>
-            <a:ext cx="16885606" cy="1080935"/>
-            <a:chOff x="2294171" y="2309965"/>
-            <a:chExt cx="12717230" cy="1080935"/>
-          </a:xfrm>
-        </p:grpSpPr>
-        <p:grpSp>
-          <p:nvGrpSpPr>
-            <p:cNvPr id="26" name="Group 2">
-              <a:extLst>
-                <a:ext uri="{FF2B5EF4-FFF2-40B4-BE49-F238E27FC236}">
-                  <a16:creationId xmlns:a16="http://schemas.microsoft.com/office/drawing/2014/main" id="{91D45040-35FB-1223-23D8-AC6D48A4238A}"/>
-                </a:ext>
-              </a:extLst>
-            </p:cNvPr>
-            <p:cNvGrpSpPr/>
-            <p:nvPr/>
-          </p:nvGrpSpPr>
-          <p:grpSpPr>
-            <a:xfrm>
-              <a:off x="2294171" y="2309965"/>
-              <a:ext cx="12717230" cy="1080935"/>
-              <a:chOff x="0" y="-38100"/>
-              <a:chExt cx="1044090" cy="2913572"/>
-            </a:xfrm>
-            <a:solidFill>
-              <a:schemeClr val="accent5">
-                <a:lumMod val="20000"/>
-                <a:lumOff val="80000"/>
-              </a:schemeClr>
-            </a:solidFill>
-          </p:grpSpPr>
-          <p:sp>
-            <p:nvSpPr>
-              <p:cNvPr id="27" name="Freeform 3">
-                <a:extLst>
-                  <a:ext uri="{FF2B5EF4-FFF2-40B4-BE49-F238E27FC236}">
-                    <a16:creationId xmlns:a16="http://schemas.microsoft.com/office/drawing/2014/main" id="{2702E543-CBDB-3CC7-D488-220D69D399F4}"/>
-                  </a:ext>
-                </a:extLst>
-              </p:cNvPr>
-              <p:cNvSpPr/>
-              <p:nvPr/>
-            </p:nvSpPr>
-            <p:spPr>
-              <a:xfrm>
-                <a:off x="0" y="0"/>
-                <a:ext cx="1044090" cy="2875472"/>
-              </a:xfrm>
-              <a:custGeom>
-                <a:avLst/>
-                <a:gdLst/>
-                <a:ahLst/>
-                <a:cxnLst/>
-                <a:rect l="l" t="t" r="r" b="b"/>
-                <a:pathLst>
-                  <a:path w="1044090" h="2875472">
-                    <a:moveTo>
-                      <a:pt x="0" y="0"/>
-                    </a:moveTo>
-                    <a:lnTo>
-                      <a:pt x="1044090" y="0"/>
-                    </a:lnTo>
-                    <a:lnTo>
-                      <a:pt x="1044090" y="2875472"/>
-                    </a:lnTo>
-                    <a:lnTo>
-                      <a:pt x="0" y="2875472"/>
-                    </a:lnTo>
-                    <a:close/>
-                  </a:path>
-                </a:pathLst>
-              </a:custGeom>
-              <a:grpFill/>
-              <a:ln cap="sq">
-                <a:solidFill>
-                  <a:schemeClr val="tx2">
-                    <a:lumMod val="40000"/>
-                    <a:lumOff val="60000"/>
-                  </a:schemeClr>
-                </a:solidFill>
-                <a:prstDash val="solid"/>
-                <a:miter/>
-              </a:ln>
-            </p:spPr>
-          </p:sp>
-          <p:sp>
-            <p:nvSpPr>
-              <p:cNvPr id="28" name="TextBox 4">
-                <a:extLst>
-                  <a:ext uri="{FF2B5EF4-FFF2-40B4-BE49-F238E27FC236}">
-                    <a16:creationId xmlns:a16="http://schemas.microsoft.com/office/drawing/2014/main" id="{513FCC88-88FE-FFAB-F702-BC75FB4A310B}"/>
-                  </a:ext>
-                </a:extLst>
-              </p:cNvPr>
-              <p:cNvSpPr txBox="1"/>
-              <p:nvPr/>
-            </p:nvSpPr>
-            <p:spPr>
-              <a:xfrm>
-                <a:off x="0" y="-38100"/>
-                <a:ext cx="1044090" cy="2913572"/>
-              </a:xfrm>
-              <a:prstGeom prst="rect">
-                <a:avLst/>
-              </a:prstGeom>
-              <a:grpFill/>
-              <a:ln>
-                <a:solidFill>
-                  <a:schemeClr val="tx2">
-                    <a:lumMod val="40000"/>
-                    <a:lumOff val="60000"/>
-                  </a:schemeClr>
-                </a:solidFill>
-              </a:ln>
-            </p:spPr>
-            <p:txBody>
-              <a:bodyPr lIns="50800" tIns="50800" rIns="50800" bIns="50800" rtlCol="0" anchor="ctr"/>
-              <a:lstStyle/>
-              <a:p>
-                <a:pPr marL="0" lvl="0" indent="0" algn="ctr">
-                  <a:lnSpc>
-                    <a:spcPts val="2659"/>
-                  </a:lnSpc>
-                  <a:spcBef>
-                    <a:spcPct val="0"/>
-                  </a:spcBef>
-                </a:pPr>
-                <a:endParaRPr dirty="0">
-                  <a:latin typeface="Arial" panose="020B0604020202020204" pitchFamily="34" charset="0"/>
-                  <a:cs typeface="Arial" panose="020B0604020202020204" pitchFamily="34" charset="0"/>
-                </a:endParaRPr>
-              </a:p>
-            </p:txBody>
-          </p:sp>
-        </p:grpSp>
-        <p:grpSp>
-          <p:nvGrpSpPr>
-            <p:cNvPr id="4" name="Group 3">
-              <a:extLst>
-                <a:ext uri="{FF2B5EF4-FFF2-40B4-BE49-F238E27FC236}">
-                  <a16:creationId xmlns:a16="http://schemas.microsoft.com/office/drawing/2014/main" id="{22B52335-1BA7-2C93-4D87-E9EEA8E4D110}"/>
-                </a:ext>
-              </a:extLst>
-            </p:cNvPr>
-            <p:cNvGrpSpPr/>
-            <p:nvPr/>
-          </p:nvGrpSpPr>
-          <p:grpSpPr>
-            <a:xfrm>
-              <a:off x="2514600" y="2472779"/>
-              <a:ext cx="8732299" cy="769441"/>
-              <a:chOff x="3534394" y="5526863"/>
-              <a:chExt cx="14217974" cy="769441"/>
-            </a:xfrm>
-          </p:grpSpPr>
-          <p:sp>
-            <p:nvSpPr>
-              <p:cNvPr id="5" name="Freeform 9">
-                <a:extLst>
-                  <a:ext uri="{FF2B5EF4-FFF2-40B4-BE49-F238E27FC236}">
-                    <a16:creationId xmlns:a16="http://schemas.microsoft.com/office/drawing/2014/main" id="{988E2FF4-A10C-F123-3907-3D0D75EE73B1}"/>
-                  </a:ext>
-                </a:extLst>
-              </p:cNvPr>
-              <p:cNvSpPr/>
-              <p:nvPr/>
-            </p:nvSpPr>
-            <p:spPr>
-              <a:xfrm rot="5400000">
-                <a:off x="3505596" y="5684914"/>
-                <a:ext cx="510937" cy="453341"/>
-              </a:xfrm>
-              <a:custGeom>
-                <a:avLst/>
-                <a:gdLst/>
-                <a:ahLst/>
-                <a:cxnLst/>
-                <a:rect l="l" t="t" r="r" b="b"/>
-                <a:pathLst>
-                  <a:path w="510937" h="453341">
-                    <a:moveTo>
-                      <a:pt x="0" y="0"/>
-                    </a:moveTo>
-                    <a:lnTo>
-                      <a:pt x="510937" y="0"/>
-                    </a:lnTo>
-                    <a:lnTo>
-                      <a:pt x="510937" y="453341"/>
-                    </a:lnTo>
-                    <a:lnTo>
-                      <a:pt x="0" y="453341"/>
-                    </a:lnTo>
-                    <a:lnTo>
-                      <a:pt x="0" y="0"/>
-                    </a:lnTo>
-                    <a:close/>
-                  </a:path>
-                </a:pathLst>
-              </a:custGeom>
-              <a:blipFill>
-                <a:blip r:embed="rId2">
-                  <a:extLst>
-                    <a:ext uri="{96DAC541-7B7A-43D3-8B79-37D633B846F1}">
-                      <asvg:svgBlip xmlns:asvg="http://schemas.microsoft.com/office/drawing/2016/SVG/main" r:embed="rId3"/>
-                    </a:ext>
-                  </a:extLst>
-                </a:blip>
-                <a:stretch>
-                  <a:fillRect/>
-                </a:stretch>
-              </a:blipFill>
-            </p:spPr>
-            <p:txBody>
-              <a:bodyPr/>
-              <a:lstStyle/>
-              <a:p>
-                <a:endParaRPr lang="en-US" dirty="0"/>
-              </a:p>
-            </p:txBody>
-          </p:sp>
-          <p:sp>
-            <p:nvSpPr>
-              <p:cNvPr id="10" name="TextBox 11">
-                <a:extLst>
-                  <a:ext uri="{FF2B5EF4-FFF2-40B4-BE49-F238E27FC236}">
-                    <a16:creationId xmlns:a16="http://schemas.microsoft.com/office/drawing/2014/main" id="{AD803F9C-8F3E-3926-3060-135AA5232888}"/>
-                  </a:ext>
-                </a:extLst>
-              </p:cNvPr>
-              <p:cNvSpPr txBox="1"/>
-              <p:nvPr/>
-            </p:nvSpPr>
-            <p:spPr>
-              <a:xfrm>
-                <a:off x="4143993" y="5526863"/>
-                <a:ext cx="13608375" cy="769441"/>
-              </a:xfrm>
-              <a:prstGeom prst="rect">
-                <a:avLst/>
-              </a:prstGeom>
-            </p:spPr>
-            <p:txBody>
-              <a:bodyPr wrap="square" lIns="0" tIns="0" rIns="0" bIns="0" rtlCol="0" anchor="t">
-                <a:spAutoFit/>
-              </a:bodyPr>
-              <a:lstStyle/>
-              <a:p>
-                <a:pPr>
-                  <a:spcBef>
-                    <a:spcPct val="0"/>
-                  </a:spcBef>
-                </a:pPr>
-                <a:r>
-                  <a:rPr lang="en-US" sz="5000" b="1" spc="-57" dirty="0">
-                    <a:solidFill>
-                      <a:schemeClr val="accent1">
-                        <a:lumMod val="75000"/>
-                      </a:schemeClr>
-                    </a:solidFill>
-                    <a:latin typeface="Arial" panose="020B0604020202020204" pitchFamily="34" charset="0"/>
-                    <a:ea typeface="Poppins"/>
-                    <a:cs typeface="Arial" panose="020B0604020202020204" pitchFamily="34" charset="0"/>
-                    <a:sym typeface="Poppins"/>
-                  </a:rPr>
-                  <a:t>PHÂN TÍCH VÀ THIẾT KẾ HỆ THỐNG</a:t>
-                </a:r>
-              </a:p>
-            </p:txBody>
-          </p:sp>
-        </p:grpSp>
-      </p:grpSp>
-      <p:pic>
-        <p:nvPicPr>
-          <p:cNvPr id="12" name="Picture 11">
-            <a:extLst>
-              <a:ext uri="{FF2B5EF4-FFF2-40B4-BE49-F238E27FC236}">
-                <a16:creationId xmlns:a16="http://schemas.microsoft.com/office/drawing/2014/main" id="{4FF977A5-B041-29BD-1E80-737DB870C98A}"/>
-              </a:ext>
-            </a:extLst>
-          </p:cNvPr>
-          <p:cNvPicPr>
-            <a:picLocks noChangeAspect="1"/>
-          </p:cNvPicPr>
-          <p:nvPr/>
-        </p:nvPicPr>
-        <p:blipFill>
-          <a:blip r:embed="rId4"/>
-          <a:stretch>
-            <a:fillRect/>
-          </a:stretch>
-        </p:blipFill>
-        <p:spPr>
-          <a:xfrm>
-            <a:off x="15240" y="2238437"/>
-            <a:ext cx="18084407" cy="6284733"/>
-          </a:xfrm>
-          <a:prstGeom prst="rect">
-            <a:avLst/>
-          </a:prstGeom>
-        </p:spPr>
-      </p:pic>
-      <p:grpSp>
-        <p:nvGrpSpPr>
-          <p:cNvPr id="7" name="Group 7">
-            <a:extLst>
-              <a:ext uri="{FF2B5EF4-FFF2-40B4-BE49-F238E27FC236}">
-                <a16:creationId xmlns:a16="http://schemas.microsoft.com/office/drawing/2014/main" id="{BD1DAF38-EEB6-D9BB-9121-BD239F170CC2}"/>
-              </a:ext>
-            </a:extLst>
-          </p:cNvPr>
-          <p:cNvGrpSpPr/>
-          <p:nvPr/>
-        </p:nvGrpSpPr>
-        <p:grpSpPr>
-          <a:xfrm>
-            <a:off x="16535400" y="-1867766"/>
-            <a:ext cx="3735531" cy="3735531"/>
-            <a:chOff x="0" y="0"/>
-            <a:chExt cx="812800" cy="812800"/>
-          </a:xfrm>
-        </p:grpSpPr>
-        <p:sp>
-          <p:nvSpPr>
-            <p:cNvPr id="8" name="Freeform 8">
-              <a:extLst>
-                <a:ext uri="{FF2B5EF4-FFF2-40B4-BE49-F238E27FC236}">
-                  <a16:creationId xmlns:a16="http://schemas.microsoft.com/office/drawing/2014/main" id="{3F473489-BCF8-C80B-E522-097252A68343}"/>
-                </a:ext>
-              </a:extLst>
-            </p:cNvPr>
-            <p:cNvSpPr/>
-            <p:nvPr/>
-          </p:nvSpPr>
-          <p:spPr>
-            <a:xfrm>
-              <a:off x="0" y="0"/>
-              <a:ext cx="812800" cy="812800"/>
-            </a:xfrm>
-            <a:custGeom>
-              <a:avLst/>
-              <a:gdLst/>
-              <a:ahLst/>
-              <a:cxnLst/>
-              <a:rect l="l" t="t" r="r" b="b"/>
-              <a:pathLst>
-                <a:path w="812800" h="812800">
-                  <a:moveTo>
-                    <a:pt x="406400" y="0"/>
-                  </a:moveTo>
-                  <a:cubicBezTo>
-                    <a:pt x="181951" y="0"/>
-                    <a:pt x="0" y="181951"/>
-                    <a:pt x="0" y="406400"/>
-                  </a:cubicBezTo>
-                  <a:cubicBezTo>
-                    <a:pt x="0" y="630849"/>
-                    <a:pt x="181951" y="812800"/>
-                    <a:pt x="406400" y="812800"/>
-                  </a:cubicBezTo>
-                  <a:cubicBezTo>
-                    <a:pt x="630849" y="812800"/>
-                    <a:pt x="812800" y="630849"/>
-                    <a:pt x="812800" y="406400"/>
-                  </a:cubicBezTo>
-                  <a:cubicBezTo>
-                    <a:pt x="812800" y="181951"/>
-                    <a:pt x="630849" y="0"/>
-                    <a:pt x="406400" y="0"/>
-                  </a:cubicBezTo>
-                  <a:close/>
-                </a:path>
-              </a:pathLst>
-            </a:custGeom>
-            <a:solidFill>
-              <a:srgbClr val="000000">
-                <a:alpha val="0"/>
-              </a:srgbClr>
-            </a:solidFill>
-            <a:ln w="952500" cap="sq">
-              <a:solidFill>
-                <a:srgbClr val="145DA0"/>
-              </a:solidFill>
-              <a:prstDash val="solid"/>
-              <a:miter/>
-            </a:ln>
-          </p:spPr>
-        </p:sp>
-        <p:sp>
-          <p:nvSpPr>
-            <p:cNvPr id="9" name="TextBox 9">
-              <a:extLst>
-                <a:ext uri="{FF2B5EF4-FFF2-40B4-BE49-F238E27FC236}">
-                  <a16:creationId xmlns:a16="http://schemas.microsoft.com/office/drawing/2014/main" id="{295A1A39-6CEF-5C1B-2D8E-F2138C9306A2}"/>
-                </a:ext>
-              </a:extLst>
-            </p:cNvPr>
-            <p:cNvSpPr txBox="1"/>
-            <p:nvPr/>
-          </p:nvSpPr>
-          <p:spPr>
-            <a:xfrm>
-              <a:off x="76200" y="38100"/>
-              <a:ext cx="660400" cy="698500"/>
-            </a:xfrm>
-            <a:prstGeom prst="rect">
-              <a:avLst/>
-            </a:prstGeom>
-          </p:spPr>
-          <p:txBody>
-            <a:bodyPr lIns="50800" tIns="50800" rIns="50800" bIns="50800" rtlCol="0" anchor="ctr"/>
-            <a:lstStyle/>
-            <a:p>
-              <a:pPr algn="ctr">
-                <a:lnSpc>
-                  <a:spcPts val="2659"/>
-                </a:lnSpc>
-                <a:spcBef>
-                  <a:spcPct val="0"/>
-                </a:spcBef>
-              </a:pPr>
-              <a:endParaRPr>
-                <a:latin typeface="Arial" panose="020B0604020202020204" pitchFamily="34" charset="0"/>
-                <a:cs typeface="Arial" panose="020B0604020202020204" pitchFamily="34" charset="0"/>
-              </a:endParaRPr>
-            </a:p>
-          </p:txBody>
-        </p:sp>
-      </p:grpSp>
-      <p:sp>
-        <p:nvSpPr>
-          <p:cNvPr id="6" name="TextBox 5">
-            <a:extLst>
-              <a:ext uri="{FF2B5EF4-FFF2-40B4-BE49-F238E27FC236}">
-                <a16:creationId xmlns:a16="http://schemas.microsoft.com/office/drawing/2014/main" id="{DB757E98-EFDB-1F42-3030-6BA6AEB7DCC6}"/>
-              </a:ext>
-            </a:extLst>
-          </p:cNvPr>
-          <p:cNvSpPr txBox="1"/>
-          <p:nvPr/>
-        </p:nvSpPr>
-        <p:spPr>
-          <a:xfrm>
-            <a:off x="262199" y="1175696"/>
-            <a:ext cx="5083443" cy="707886"/>
-          </a:xfrm>
-          <a:prstGeom prst="rect">
-            <a:avLst/>
-          </a:prstGeom>
-          <a:noFill/>
-        </p:spPr>
-        <p:txBody>
-          <a:bodyPr wrap="none" rtlCol="0">
-            <a:spAutoFit/>
-          </a:bodyPr>
-          <a:lstStyle/>
-          <a:p>
-            <a:r>
-              <a:rPr lang="en-US" sz="4000" b="1" dirty="0">
-                <a:solidFill>
-                  <a:schemeClr val="accent1">
-                    <a:lumMod val="75000"/>
-                  </a:schemeClr>
-                </a:solidFill>
-                <a:latin typeface="Arial" panose="020B0604020202020204" pitchFamily="34" charset="0"/>
-                <a:cs typeface="Arial" panose="020B0604020202020204" pitchFamily="34" charset="0"/>
-              </a:rPr>
-              <a:t>BIỂU ĐỒ USE CASE</a:t>
-            </a:r>
-          </a:p>
-        </p:txBody>
-      </p:sp>
-      <p:grpSp>
-        <p:nvGrpSpPr>
-          <p:cNvPr id="13" name="Group 13">
-            <a:extLst>
-              <a:ext uri="{FF2B5EF4-FFF2-40B4-BE49-F238E27FC236}">
-                <a16:creationId xmlns:a16="http://schemas.microsoft.com/office/drawing/2014/main" id="{AFD366FB-3258-9FE5-CBE6-82880C7FB5D6}"/>
-              </a:ext>
-            </a:extLst>
-          </p:cNvPr>
-          <p:cNvGrpSpPr/>
-          <p:nvPr/>
-        </p:nvGrpSpPr>
-        <p:grpSpPr>
-          <a:xfrm>
-            <a:off x="-1867766" y="8801100"/>
-            <a:ext cx="3735531" cy="3735531"/>
-            <a:chOff x="0" y="0"/>
-            <a:chExt cx="812800" cy="812800"/>
-          </a:xfrm>
-        </p:grpSpPr>
-        <p:sp>
-          <p:nvSpPr>
-            <p:cNvPr id="14" name="Freeform 14">
-              <a:extLst>
-                <a:ext uri="{FF2B5EF4-FFF2-40B4-BE49-F238E27FC236}">
-                  <a16:creationId xmlns:a16="http://schemas.microsoft.com/office/drawing/2014/main" id="{F44FB0EC-128F-034D-6E8C-7C6786B58A8D}"/>
-                </a:ext>
-              </a:extLst>
-            </p:cNvPr>
-            <p:cNvSpPr/>
-            <p:nvPr/>
-          </p:nvSpPr>
-          <p:spPr>
-            <a:xfrm>
-              <a:off x="0" y="0"/>
-              <a:ext cx="812800" cy="812800"/>
-            </a:xfrm>
-            <a:custGeom>
-              <a:avLst/>
-              <a:gdLst/>
-              <a:ahLst/>
-              <a:cxnLst/>
-              <a:rect l="l" t="t" r="r" b="b"/>
-              <a:pathLst>
-                <a:path w="812800" h="812800">
-                  <a:moveTo>
-                    <a:pt x="406400" y="0"/>
-                  </a:moveTo>
-                  <a:cubicBezTo>
-                    <a:pt x="181951" y="0"/>
-                    <a:pt x="0" y="181951"/>
-                    <a:pt x="0" y="406400"/>
-                  </a:cubicBezTo>
-                  <a:cubicBezTo>
-                    <a:pt x="0" y="630849"/>
-                    <a:pt x="181951" y="812800"/>
-                    <a:pt x="406400" y="812800"/>
-                  </a:cubicBezTo>
-                  <a:cubicBezTo>
-                    <a:pt x="630849" y="812800"/>
-                    <a:pt x="812800" y="630849"/>
-                    <a:pt x="812800" y="406400"/>
-                  </a:cubicBezTo>
-                  <a:cubicBezTo>
-                    <a:pt x="812800" y="181951"/>
-                    <a:pt x="630849" y="0"/>
-                    <a:pt x="406400" y="0"/>
-                  </a:cubicBezTo>
-                  <a:close/>
-                </a:path>
-              </a:pathLst>
-            </a:custGeom>
-            <a:solidFill>
-              <a:srgbClr val="000000">
-                <a:alpha val="0"/>
-              </a:srgbClr>
-            </a:solidFill>
-            <a:ln w="952500" cap="sq">
-              <a:solidFill>
-                <a:srgbClr val="145DA0"/>
-              </a:solidFill>
-              <a:prstDash val="solid"/>
-              <a:miter/>
-            </a:ln>
-          </p:spPr>
-        </p:sp>
-        <p:sp>
-          <p:nvSpPr>
-            <p:cNvPr id="15" name="TextBox 15">
-              <a:extLst>
-                <a:ext uri="{FF2B5EF4-FFF2-40B4-BE49-F238E27FC236}">
-                  <a16:creationId xmlns:a16="http://schemas.microsoft.com/office/drawing/2014/main" id="{E8F9EC1B-C7A9-382F-5F35-2BC7236646DC}"/>
-                </a:ext>
-              </a:extLst>
-            </p:cNvPr>
-            <p:cNvSpPr txBox="1"/>
-            <p:nvPr/>
-          </p:nvSpPr>
-          <p:spPr>
-            <a:xfrm>
-              <a:off x="76200" y="38100"/>
-              <a:ext cx="660400" cy="698500"/>
-            </a:xfrm>
-            <a:prstGeom prst="rect">
-              <a:avLst/>
-            </a:prstGeom>
-          </p:spPr>
-          <p:txBody>
-            <a:bodyPr lIns="50800" tIns="50800" rIns="50800" bIns="50800" rtlCol="0" anchor="ctr"/>
-            <a:lstStyle/>
-            <a:p>
-              <a:pPr algn="ctr">
-                <a:lnSpc>
-                  <a:spcPts val="2659"/>
-                </a:lnSpc>
-                <a:spcBef>
-                  <a:spcPct val="0"/>
-                </a:spcBef>
-              </a:pPr>
-              <a:endParaRPr>
-                <a:latin typeface="Arial" panose="020B0604020202020204" pitchFamily="34" charset="0"/>
-                <a:cs typeface="Arial" panose="020B0604020202020204" pitchFamily="34" charset="0"/>
-              </a:endParaRPr>
-            </a:p>
-          </p:txBody>
-        </p:sp>
-      </p:grpSp>
-    </p:spTree>
-    <p:extLst>
-      <p:ext uri="{BB962C8B-B14F-4D97-AF65-F5344CB8AC3E}">
-        <p14:creationId xmlns:p14="http://schemas.microsoft.com/office/powerpoint/2010/main" val="2370629292"/>
-      </p:ext>
-    </p:extLst>
-  </p:cSld>
-  <p:clrMapOvr>
-    <a:masterClrMapping/>
-  </p:clrMapOvr>
-</p:sld>
-</file>
-
-<file path=ppt/slides/slide8.xml><?xml version="1.0" encoding="utf-8"?>
-<p:sld xmlns:a="http://schemas.openxmlformats.org/drawingml/2006/main" xmlns:r="http://schemas.openxmlformats.org/officeDocument/2006/relationships" xmlns:p="http://schemas.openxmlformats.org/presentationml/2006/main">
-  <p:cSld>
-    <p:spTree>
-      <p:nvGrpSpPr>
-        <p:cNvPr id="1" name="">
-          <a:extLst>
-            <a:ext uri="{FF2B5EF4-FFF2-40B4-BE49-F238E27FC236}">
-              <a16:creationId xmlns:a16="http://schemas.microsoft.com/office/drawing/2014/main" id="{880D3A28-7385-92F9-0C0C-9D17E34E8EBF}"/>
-            </a:ext>
-          </a:extLst>
-        </p:cNvPr>
-        <p:cNvGrpSpPr/>
-        <p:nvPr/>
-      </p:nvGrpSpPr>
-      <p:grpSpPr>
-        <a:xfrm>
-          <a:off x="0" y="0"/>
-          <a:ext cx="0" cy="0"/>
-          <a:chOff x="0" y="0"/>
-          <a:chExt cx="0" cy="0"/>
-        </a:xfrm>
-      </p:grpSpPr>
-      <p:grpSp>
-        <p:nvGrpSpPr>
-          <p:cNvPr id="29" name="Group 28">
-            <a:extLst>
-              <a:ext uri="{FF2B5EF4-FFF2-40B4-BE49-F238E27FC236}">
-                <a16:creationId xmlns:a16="http://schemas.microsoft.com/office/drawing/2014/main" id="{809C479A-5F39-2505-D9F5-5436A91090D6}"/>
-              </a:ext>
-            </a:extLst>
-          </p:cNvPr>
-          <p:cNvGrpSpPr/>
-          <p:nvPr/>
-        </p:nvGrpSpPr>
-        <p:grpSpPr>
-          <a:xfrm>
-            <a:off x="0" y="0"/>
-            <a:ext cx="16885606" cy="933483"/>
-            <a:chOff x="2294171" y="2309965"/>
-            <a:chExt cx="12717230" cy="1080935"/>
-          </a:xfrm>
-        </p:grpSpPr>
-        <p:grpSp>
-          <p:nvGrpSpPr>
-            <p:cNvPr id="26" name="Group 2">
-              <a:extLst>
-                <a:ext uri="{FF2B5EF4-FFF2-40B4-BE49-F238E27FC236}">
-                  <a16:creationId xmlns:a16="http://schemas.microsoft.com/office/drawing/2014/main" id="{88496864-05CC-5CD1-1D1E-927010B5E99E}"/>
-                </a:ext>
-              </a:extLst>
-            </p:cNvPr>
-            <p:cNvGrpSpPr/>
-            <p:nvPr/>
-          </p:nvGrpSpPr>
-          <p:grpSpPr>
-            <a:xfrm>
-              <a:off x="2294171" y="2309965"/>
-              <a:ext cx="12717230" cy="1080935"/>
-              <a:chOff x="0" y="-38100"/>
-              <a:chExt cx="1044090" cy="2913572"/>
-            </a:xfrm>
-            <a:solidFill>
-              <a:schemeClr val="accent5">
-                <a:lumMod val="20000"/>
-                <a:lumOff val="80000"/>
-              </a:schemeClr>
-            </a:solidFill>
-          </p:grpSpPr>
-          <p:sp>
-            <p:nvSpPr>
-              <p:cNvPr id="27" name="Freeform 3">
-                <a:extLst>
-                  <a:ext uri="{FF2B5EF4-FFF2-40B4-BE49-F238E27FC236}">
-                    <a16:creationId xmlns:a16="http://schemas.microsoft.com/office/drawing/2014/main" id="{2573BA4A-63F2-6297-932C-569C1D7FDCA7}"/>
-                  </a:ext>
-                </a:extLst>
-              </p:cNvPr>
-              <p:cNvSpPr/>
-              <p:nvPr/>
-            </p:nvSpPr>
-            <p:spPr>
-              <a:xfrm>
-                <a:off x="0" y="0"/>
-                <a:ext cx="1044090" cy="2875472"/>
-              </a:xfrm>
-              <a:custGeom>
-                <a:avLst/>
-                <a:gdLst/>
-                <a:ahLst/>
-                <a:cxnLst/>
-                <a:rect l="l" t="t" r="r" b="b"/>
-                <a:pathLst>
-                  <a:path w="1044090" h="2875472">
-                    <a:moveTo>
-                      <a:pt x="0" y="0"/>
-                    </a:moveTo>
-                    <a:lnTo>
-                      <a:pt x="1044090" y="0"/>
-                    </a:lnTo>
-                    <a:lnTo>
-                      <a:pt x="1044090" y="2875472"/>
-                    </a:lnTo>
-                    <a:lnTo>
-                      <a:pt x="0" y="2875472"/>
-                    </a:lnTo>
-                    <a:close/>
-                  </a:path>
-                </a:pathLst>
-              </a:custGeom>
-              <a:grpFill/>
-              <a:ln cap="sq">
-                <a:solidFill>
-                  <a:schemeClr val="tx2">
-                    <a:lumMod val="40000"/>
-                    <a:lumOff val="60000"/>
-                  </a:schemeClr>
-                </a:solidFill>
-                <a:prstDash val="solid"/>
-                <a:miter/>
-              </a:ln>
-            </p:spPr>
-          </p:sp>
-          <p:sp>
-            <p:nvSpPr>
-              <p:cNvPr id="28" name="TextBox 4">
-                <a:extLst>
-                  <a:ext uri="{FF2B5EF4-FFF2-40B4-BE49-F238E27FC236}">
-                    <a16:creationId xmlns:a16="http://schemas.microsoft.com/office/drawing/2014/main" id="{7EDEA20E-267A-81A5-288E-63B99A7B4C9E}"/>
-                  </a:ext>
-                </a:extLst>
-              </p:cNvPr>
-              <p:cNvSpPr txBox="1"/>
-              <p:nvPr/>
-            </p:nvSpPr>
-            <p:spPr>
-              <a:xfrm>
-                <a:off x="0" y="-38100"/>
-                <a:ext cx="1044090" cy="2913572"/>
-              </a:xfrm>
-              <a:prstGeom prst="rect">
-                <a:avLst/>
-              </a:prstGeom>
-              <a:grpFill/>
-              <a:ln>
-                <a:solidFill>
-                  <a:schemeClr val="tx2">
-                    <a:lumMod val="40000"/>
-                    <a:lumOff val="60000"/>
-                  </a:schemeClr>
-                </a:solidFill>
-              </a:ln>
-            </p:spPr>
-            <p:txBody>
-              <a:bodyPr lIns="50800" tIns="50800" rIns="50800" bIns="50800" rtlCol="0" anchor="ctr"/>
-              <a:lstStyle/>
-              <a:p>
-                <a:pPr marL="0" lvl="0" indent="0" algn="ctr">
-                  <a:lnSpc>
-                    <a:spcPts val="2659"/>
-                  </a:lnSpc>
-                  <a:spcBef>
-                    <a:spcPct val="0"/>
-                  </a:spcBef>
-                </a:pPr>
-                <a:endParaRPr>
-                  <a:latin typeface="Arial" panose="020B0604020202020204" pitchFamily="34" charset="0"/>
-                  <a:cs typeface="Arial" panose="020B0604020202020204" pitchFamily="34" charset="0"/>
-                </a:endParaRPr>
-              </a:p>
-            </p:txBody>
-          </p:sp>
-        </p:grpSp>
-        <p:grpSp>
-          <p:nvGrpSpPr>
-            <p:cNvPr id="4" name="Group 3">
-              <a:extLst>
-                <a:ext uri="{FF2B5EF4-FFF2-40B4-BE49-F238E27FC236}">
-                  <a16:creationId xmlns:a16="http://schemas.microsoft.com/office/drawing/2014/main" id="{94EF377D-59FD-83F1-C09B-A5EAC6BB3939}"/>
-                </a:ext>
-              </a:extLst>
-            </p:cNvPr>
-            <p:cNvGrpSpPr/>
-            <p:nvPr/>
-          </p:nvGrpSpPr>
-          <p:grpSpPr>
-            <a:xfrm>
-              <a:off x="2514600" y="2472779"/>
-              <a:ext cx="8683425" cy="769441"/>
-              <a:chOff x="3534394" y="5526863"/>
-              <a:chExt cx="14138397" cy="769441"/>
-            </a:xfrm>
-          </p:grpSpPr>
-          <p:sp>
-            <p:nvSpPr>
-              <p:cNvPr id="5" name="Freeform 9">
-                <a:extLst>
-                  <a:ext uri="{FF2B5EF4-FFF2-40B4-BE49-F238E27FC236}">
-                    <a16:creationId xmlns:a16="http://schemas.microsoft.com/office/drawing/2014/main" id="{179B4ABD-580E-4FDB-79F4-5E14E6C3CF60}"/>
-                  </a:ext>
-                </a:extLst>
-              </p:cNvPr>
-              <p:cNvSpPr/>
-              <p:nvPr/>
-            </p:nvSpPr>
-            <p:spPr>
-              <a:xfrm rot="5400000">
-                <a:off x="3505596" y="5684914"/>
-                <a:ext cx="510937" cy="453341"/>
-              </a:xfrm>
-              <a:custGeom>
-                <a:avLst/>
-                <a:gdLst/>
-                <a:ahLst/>
-                <a:cxnLst/>
-                <a:rect l="l" t="t" r="r" b="b"/>
-                <a:pathLst>
-                  <a:path w="510937" h="453341">
-                    <a:moveTo>
-                      <a:pt x="0" y="0"/>
-                    </a:moveTo>
-                    <a:lnTo>
-                      <a:pt x="510937" y="0"/>
-                    </a:lnTo>
-                    <a:lnTo>
-                      <a:pt x="510937" y="453341"/>
-                    </a:lnTo>
-                    <a:lnTo>
-                      <a:pt x="0" y="453341"/>
-                    </a:lnTo>
-                    <a:lnTo>
-                      <a:pt x="0" y="0"/>
-                    </a:lnTo>
-                    <a:close/>
-                  </a:path>
-                </a:pathLst>
-              </a:custGeom>
-              <a:blipFill>
-                <a:blip r:embed="rId2">
-                  <a:extLst>
-                    <a:ext uri="{96DAC541-7B7A-43D3-8B79-37D633B846F1}">
-                      <asvg:svgBlip xmlns:asvg="http://schemas.microsoft.com/office/drawing/2016/SVG/main" r:embed="rId3"/>
-                    </a:ext>
-                  </a:extLst>
-                </a:blip>
-                <a:stretch>
-                  <a:fillRect/>
-                </a:stretch>
-              </a:blipFill>
-            </p:spPr>
-            <p:txBody>
-              <a:bodyPr/>
-              <a:lstStyle/>
-              <a:p>
-                <a:endParaRPr lang="en-US" dirty="0"/>
-              </a:p>
-            </p:txBody>
-          </p:sp>
-          <p:sp>
-            <p:nvSpPr>
-              <p:cNvPr id="10" name="TextBox 11">
-                <a:extLst>
-                  <a:ext uri="{FF2B5EF4-FFF2-40B4-BE49-F238E27FC236}">
-                    <a16:creationId xmlns:a16="http://schemas.microsoft.com/office/drawing/2014/main" id="{8EC2A4EF-9B43-9EE3-B69E-255B4CF24047}"/>
-                  </a:ext>
-                </a:extLst>
-              </p:cNvPr>
-              <p:cNvSpPr txBox="1"/>
-              <p:nvPr/>
-            </p:nvSpPr>
-            <p:spPr>
-              <a:xfrm>
-                <a:off x="4143993" y="5526863"/>
-                <a:ext cx="13528798" cy="769441"/>
-              </a:xfrm>
-              <a:prstGeom prst="rect">
-                <a:avLst/>
-              </a:prstGeom>
-            </p:spPr>
-            <p:txBody>
-              <a:bodyPr wrap="square" lIns="0" tIns="0" rIns="0" bIns="0" rtlCol="0" anchor="t">
-                <a:spAutoFit/>
-              </a:bodyPr>
-              <a:lstStyle/>
-              <a:p>
-                <a:pPr>
-                  <a:spcBef>
-                    <a:spcPct val="0"/>
-                  </a:spcBef>
-                </a:pPr>
-                <a:r>
-                  <a:rPr lang="en-US" sz="5000" b="1" spc="-57" dirty="0">
-                    <a:solidFill>
-                      <a:schemeClr val="accent1">
-                        <a:lumMod val="75000"/>
-                      </a:schemeClr>
-                    </a:solidFill>
-                    <a:latin typeface="Arial" panose="020B0604020202020204" pitchFamily="34" charset="0"/>
-                    <a:ea typeface="Poppins"/>
-                    <a:cs typeface="Arial" panose="020B0604020202020204" pitchFamily="34" charset="0"/>
-                    <a:sym typeface="Poppins"/>
-                  </a:rPr>
-                  <a:t>PHÂN TÍCH VÀ THIẾT KẾ HỆ THỐNG</a:t>
-                </a:r>
-              </a:p>
-            </p:txBody>
-          </p:sp>
-        </p:grpSp>
-      </p:grpSp>
-      <p:pic>
-        <p:nvPicPr>
-          <p:cNvPr id="44" name="Picture 43">
-            <a:extLst>
-              <a:ext uri="{FF2B5EF4-FFF2-40B4-BE49-F238E27FC236}">
-                <a16:creationId xmlns:a16="http://schemas.microsoft.com/office/drawing/2014/main" id="{FB4C8F37-4A36-2342-EDE7-AC819AF06667}"/>
-              </a:ext>
-            </a:extLst>
-          </p:cNvPr>
-          <p:cNvPicPr>
-            <a:picLocks noChangeAspect="1"/>
-          </p:cNvPicPr>
-          <p:nvPr/>
-        </p:nvPicPr>
-        <p:blipFill>
-          <a:blip r:embed="rId4">
-            <a:extLst>
-              <a:ext uri="{28A0092B-C50C-407E-A947-70E740481C1C}">
-                <a14:useLocalDpi xmlns:a14="http://schemas.microsoft.com/office/drawing/2010/main" val="0"/>
-              </a:ext>
-            </a:extLst>
-          </a:blip>
-          <a:stretch>
-            <a:fillRect/>
-          </a:stretch>
-        </p:blipFill>
-        <p:spPr>
-          <a:xfrm>
-            <a:off x="147637" y="945690"/>
-            <a:ext cx="18288000" cy="9700818"/>
-          </a:xfrm>
-          <a:prstGeom prst="rect">
-            <a:avLst/>
-          </a:prstGeom>
-        </p:spPr>
-      </p:pic>
-      <p:sp>
-        <p:nvSpPr>
-          <p:cNvPr id="2" name="TextBox 1">
-            <a:extLst>
-              <a:ext uri="{FF2B5EF4-FFF2-40B4-BE49-F238E27FC236}">
-                <a16:creationId xmlns:a16="http://schemas.microsoft.com/office/drawing/2014/main" id="{7245A3A8-41E7-696C-9CFD-154147FD04F9}"/>
-              </a:ext>
-            </a:extLst>
-          </p:cNvPr>
-          <p:cNvSpPr txBox="1"/>
-          <p:nvPr/>
-        </p:nvSpPr>
-        <p:spPr>
-          <a:xfrm>
-            <a:off x="176212" y="1273005"/>
-            <a:ext cx="3442994" cy="707886"/>
-          </a:xfrm>
-          <a:prstGeom prst="rect">
-            <a:avLst/>
-          </a:prstGeom>
-          <a:noFill/>
-        </p:spPr>
-        <p:txBody>
-          <a:bodyPr wrap="none" rtlCol="0">
-            <a:spAutoFit/>
-          </a:bodyPr>
-          <a:lstStyle/>
-          <a:p>
-            <a:r>
-              <a:rPr lang="en-US" sz="4000" b="1" dirty="0">
-                <a:solidFill>
-                  <a:schemeClr val="accent1">
-                    <a:lumMod val="75000"/>
-                  </a:schemeClr>
-                </a:solidFill>
-              </a:rPr>
-              <a:t>CƠ SỞ DỮ LIỆU</a:t>
-            </a:r>
-          </a:p>
-        </p:txBody>
-      </p:sp>
-    </p:spTree>
-    <p:extLst>
-      <p:ext uri="{BB962C8B-B14F-4D97-AF65-F5344CB8AC3E}">
-        <p14:creationId xmlns:p14="http://schemas.microsoft.com/office/powerpoint/2010/main" val="2929205033"/>
-      </p:ext>
-    </p:extLst>
-  </p:cSld>
-  <p:clrMapOvr>
-    <a:masterClrMapping/>
-  </p:clrMapOvr>
-</p:sld>
-</file>
-
-<file path=ppt/slides/slide9.xml><?xml version="1.0" encoding="utf-8"?>
-<p:sld xmlns:a="http://schemas.openxmlformats.org/drawingml/2006/main" xmlns:r="http://schemas.openxmlformats.org/officeDocument/2006/relationships" xmlns:p="http://schemas.openxmlformats.org/presentationml/2006/main">
-  <p:cSld>
-    <p:spTree>
-      <p:nvGrpSpPr>
-        <p:cNvPr id="1" name=""/>
-        <p:cNvGrpSpPr/>
-        <p:nvPr/>
-      </p:nvGrpSpPr>
-      <p:grpSpPr>
-        <a:xfrm>
-          <a:off x="0" y="0"/>
-          <a:ext cx="0" cy="0"/>
-          <a:chOff x="0" y="0"/>
-          <a:chExt cx="0" cy="0"/>
-        </a:xfrm>
-      </p:grpSpPr>
-      <p:grpSp>
-        <p:nvGrpSpPr>
-          <p:cNvPr id="25" name="Group 24">
-            <a:extLst>
-              <a:ext uri="{FF2B5EF4-FFF2-40B4-BE49-F238E27FC236}">
-                <a16:creationId xmlns:a16="http://schemas.microsoft.com/office/drawing/2014/main" id="{8378C13E-7D7A-B9AC-9C85-891B9A7DA839}"/>
-              </a:ext>
-            </a:extLst>
-          </p:cNvPr>
-          <p:cNvGrpSpPr/>
-          <p:nvPr/>
-        </p:nvGrpSpPr>
-        <p:grpSpPr>
-          <a:xfrm>
-            <a:off x="4467202" y="4000500"/>
-            <a:ext cx="8819592" cy="2999144"/>
-            <a:chOff x="5240348" y="3231308"/>
-            <a:chExt cx="8819592" cy="2999144"/>
-          </a:xfrm>
-        </p:grpSpPr>
-        <p:sp>
-          <p:nvSpPr>
-            <p:cNvPr id="2" name="TextBox 2"/>
-            <p:cNvSpPr txBox="1"/>
-            <p:nvPr/>
-          </p:nvSpPr>
-          <p:spPr>
-            <a:xfrm>
               <a:off x="5240348" y="3775770"/>
-              <a:ext cx="8819592" cy="1697196"/>
+              <a:ext cx="8819592" cy="1604798"/>
             </a:xfrm>
             <a:prstGeom prst="rect">
               <a:avLst/>
@@ -10573,7 +13886,7 @@
             </a:bodyPr>
             <a:lstStyle/>
             <a:p>
-              <a:pPr marL="0" lvl="0" indent="0" algn="l">
+              <a:pPr marL="0" lvl="0" indent="0" algn="ctr">
                 <a:lnSpc>
                   <a:spcPts val="14510"/>
                 </a:lnSpc>
@@ -10582,7 +13895,7 @@
                 </a:spcBef>
               </a:pPr>
               <a:r>
-                <a:rPr lang="en-US" sz="10364" b="1">
+                <a:rPr lang="en-US" sz="6600" b="1" dirty="0" err="1">
                   <a:solidFill>
                     <a:srgbClr val="051D40"/>
                   </a:solidFill>
@@ -10591,14 +13904,125 @@
                   <a:cs typeface="Arial" panose="020B0604020202020204" pitchFamily="34" charset="0"/>
                   <a:sym typeface="Montserrat Bold"/>
                 </a:rPr>
-                <a:t>THANK YOU!</a:t>
+                <a:t>Phân</a:t>
               </a:r>
+              <a:r>
+                <a:rPr lang="en-US" sz="6600" b="1" dirty="0">
+                  <a:solidFill>
+                    <a:srgbClr val="051D40"/>
+                  </a:solidFill>
+                  <a:latin typeface="Arial" panose="020B0604020202020204" pitchFamily="34" charset="0"/>
+                  <a:ea typeface="Montserrat Bold"/>
+                  <a:cs typeface="Arial" panose="020B0604020202020204" pitchFamily="34" charset="0"/>
+                  <a:sym typeface="Montserrat Bold"/>
+                </a:rPr>
+                <a:t> </a:t>
+              </a:r>
+              <a:r>
+                <a:rPr lang="en-US" sz="6600" b="1" dirty="0" err="1">
+                  <a:solidFill>
+                    <a:srgbClr val="051D40"/>
+                  </a:solidFill>
+                  <a:latin typeface="Arial" panose="020B0604020202020204" pitchFamily="34" charset="0"/>
+                  <a:ea typeface="Montserrat Bold"/>
+                  <a:cs typeface="Arial" panose="020B0604020202020204" pitchFamily="34" charset="0"/>
+                  <a:sym typeface="Montserrat Bold"/>
+                </a:rPr>
+                <a:t>tích</a:t>
+              </a:r>
+              <a:r>
+                <a:rPr lang="en-US" sz="6600" b="1" dirty="0">
+                  <a:solidFill>
+                    <a:srgbClr val="051D40"/>
+                  </a:solidFill>
+                  <a:latin typeface="Arial" panose="020B0604020202020204" pitchFamily="34" charset="0"/>
+                  <a:ea typeface="Montserrat Bold"/>
+                  <a:cs typeface="Arial" panose="020B0604020202020204" pitchFamily="34" charset="0"/>
+                  <a:sym typeface="Montserrat Bold"/>
+                </a:rPr>
+                <a:t> </a:t>
+              </a:r>
+              <a:r>
+                <a:rPr lang="en-US" sz="6600" b="1" dirty="0" err="1">
+                  <a:solidFill>
+                    <a:srgbClr val="051D40"/>
+                  </a:solidFill>
+                  <a:latin typeface="Arial" panose="020B0604020202020204" pitchFamily="34" charset="0"/>
+                  <a:ea typeface="Montserrat Bold"/>
+                  <a:cs typeface="Arial" panose="020B0604020202020204" pitchFamily="34" charset="0"/>
+                  <a:sym typeface="Montserrat Bold"/>
+                </a:rPr>
+                <a:t>và</a:t>
+              </a:r>
+              <a:r>
+                <a:rPr lang="en-US" sz="6600" b="1" dirty="0">
+                  <a:solidFill>
+                    <a:srgbClr val="051D40"/>
+                  </a:solidFill>
+                  <a:latin typeface="Arial" panose="020B0604020202020204" pitchFamily="34" charset="0"/>
+                  <a:ea typeface="Montserrat Bold"/>
+                  <a:cs typeface="Arial" panose="020B0604020202020204" pitchFamily="34" charset="0"/>
+                  <a:sym typeface="Montserrat Bold"/>
+                </a:rPr>
+                <a:t> </a:t>
+              </a:r>
+              <a:r>
+                <a:rPr lang="en-US" sz="6600" b="1" dirty="0" err="1">
+                  <a:solidFill>
+                    <a:srgbClr val="051D40"/>
+                  </a:solidFill>
+                  <a:latin typeface="Arial" panose="020B0604020202020204" pitchFamily="34" charset="0"/>
+                  <a:ea typeface="Montserrat Bold"/>
+                  <a:cs typeface="Arial" panose="020B0604020202020204" pitchFamily="34" charset="0"/>
+                  <a:sym typeface="Montserrat Bold"/>
+                </a:rPr>
+                <a:t>thiết</a:t>
+              </a:r>
+              <a:r>
+                <a:rPr lang="en-US" sz="6600" b="1" dirty="0">
+                  <a:solidFill>
+                    <a:srgbClr val="051D40"/>
+                  </a:solidFill>
+                  <a:latin typeface="Arial" panose="020B0604020202020204" pitchFamily="34" charset="0"/>
+                  <a:ea typeface="Montserrat Bold"/>
+                  <a:cs typeface="Arial" panose="020B0604020202020204" pitchFamily="34" charset="0"/>
+                  <a:sym typeface="Montserrat Bold"/>
+                </a:rPr>
+                <a:t> </a:t>
+              </a:r>
+              <a:r>
+                <a:rPr lang="en-US" sz="6600" b="1" dirty="0" err="1">
+                  <a:solidFill>
+                    <a:srgbClr val="051D40"/>
+                  </a:solidFill>
+                  <a:latin typeface="Arial" panose="020B0604020202020204" pitchFamily="34" charset="0"/>
+                  <a:ea typeface="Montserrat Bold"/>
+                  <a:cs typeface="Arial" panose="020B0604020202020204" pitchFamily="34" charset="0"/>
+                  <a:sym typeface="Montserrat Bold"/>
+                </a:rPr>
+                <a:t>kế</a:t>
+              </a:r>
+              <a:endParaRPr lang="en-US" sz="6600" b="1" dirty="0">
+                <a:solidFill>
+                  <a:srgbClr val="051D40"/>
+                </a:solidFill>
+                <a:latin typeface="Arial" panose="020B0604020202020204" pitchFamily="34" charset="0"/>
+                <a:ea typeface="Montserrat Bold"/>
+                <a:cs typeface="Arial" panose="020B0604020202020204" pitchFamily="34" charset="0"/>
+                <a:sym typeface="Montserrat Bold"/>
+              </a:endParaRPr>
             </a:p>
           </p:txBody>
         </p:sp>
         <p:grpSp>
           <p:nvGrpSpPr>
-            <p:cNvPr id="15" name="Group 15"/>
+            <p:cNvPr id="15" name="Group 15">
+              <a:extLst>
+                <a:ext uri="{FF2B5EF4-FFF2-40B4-BE49-F238E27FC236}">
+                  <a16:creationId xmlns:a16="http://schemas.microsoft.com/office/drawing/2014/main" id="{17BBF281-AC82-BA6C-D2DA-7FAC5719C586}"/>
+                </a:ext>
+              </a:extLst>
+            </p:cNvPr>
             <p:cNvGrpSpPr/>
             <p:nvPr/>
           </p:nvGrpSpPr>
@@ -10612,7 +14036,13 @@
           </p:grpSpPr>
           <p:sp>
             <p:nvSpPr>
-              <p:cNvPr id="16" name="Freeform 16"/>
+              <p:cNvPr id="16" name="Freeform 16">
+                <a:extLst>
+                  <a:ext uri="{FF2B5EF4-FFF2-40B4-BE49-F238E27FC236}">
+                    <a16:creationId xmlns:a16="http://schemas.microsoft.com/office/drawing/2014/main" id="{526346C3-F32E-6F7E-B6E3-974D1A15DF05}"/>
+                  </a:ext>
+                </a:extLst>
+              </p:cNvPr>
               <p:cNvSpPr/>
               <p:nvPr/>
             </p:nvSpPr>
@@ -10657,7 +14087,13 @@
           </p:sp>
           <p:sp>
             <p:nvSpPr>
-              <p:cNvPr id="17" name="TextBox 17"/>
+              <p:cNvPr id="17" name="TextBox 17">
+                <a:extLst>
+                  <a:ext uri="{FF2B5EF4-FFF2-40B4-BE49-F238E27FC236}">
+                    <a16:creationId xmlns:a16="http://schemas.microsoft.com/office/drawing/2014/main" id="{BA4BD7CC-87B4-B38A-F5FE-78B9A9CC1407}"/>
+                  </a:ext>
+                </a:extLst>
+              </p:cNvPr>
               <p:cNvSpPr txBox="1"/>
               <p:nvPr/>
             </p:nvSpPr>
@@ -10689,7 +14125,13 @@
         </p:grpSp>
         <p:grpSp>
           <p:nvGrpSpPr>
-            <p:cNvPr id="18" name="Group 18"/>
+            <p:cNvPr id="18" name="Group 18">
+              <a:extLst>
+                <a:ext uri="{FF2B5EF4-FFF2-40B4-BE49-F238E27FC236}">
+                  <a16:creationId xmlns:a16="http://schemas.microsoft.com/office/drawing/2014/main" id="{1CC6B910-8B05-A742-82FD-D2AC6EDC0763}"/>
+                </a:ext>
+              </a:extLst>
+            </p:cNvPr>
             <p:cNvGrpSpPr/>
             <p:nvPr/>
           </p:nvGrpSpPr>
@@ -10703,7 +14145,13 @@
           </p:grpSpPr>
           <p:sp>
             <p:nvSpPr>
-              <p:cNvPr id="19" name="Freeform 19"/>
+              <p:cNvPr id="19" name="Freeform 19">
+                <a:extLst>
+                  <a:ext uri="{FF2B5EF4-FFF2-40B4-BE49-F238E27FC236}">
+                    <a16:creationId xmlns:a16="http://schemas.microsoft.com/office/drawing/2014/main" id="{679A156C-AE6A-5252-FB5D-A98E26428FBA}"/>
+                  </a:ext>
+                </a:extLst>
+              </p:cNvPr>
               <p:cNvSpPr/>
               <p:nvPr/>
             </p:nvSpPr>
@@ -10748,7 +14196,13 @@
           </p:sp>
           <p:sp>
             <p:nvSpPr>
-              <p:cNvPr id="20" name="TextBox 20"/>
+              <p:cNvPr id="20" name="TextBox 20">
+                <a:extLst>
+                  <a:ext uri="{FF2B5EF4-FFF2-40B4-BE49-F238E27FC236}">
+                    <a16:creationId xmlns:a16="http://schemas.microsoft.com/office/drawing/2014/main" id="{00A1C459-C646-607B-236E-EFD442358374}"/>
+                  </a:ext>
+                </a:extLst>
+              </p:cNvPr>
               <p:cNvSpPr txBox="1"/>
               <p:nvPr/>
             </p:nvSpPr>
@@ -10781,7 +14235,13 @@
       </p:grpSp>
       <p:sp>
         <p:nvSpPr>
-          <p:cNvPr id="21" name="Freeform 21"/>
+          <p:cNvPr id="21" name="Freeform 21">
+            <a:extLst>
+              <a:ext uri="{FF2B5EF4-FFF2-40B4-BE49-F238E27FC236}">
+                <a16:creationId xmlns:a16="http://schemas.microsoft.com/office/drawing/2014/main" id="{42C8DAE9-59D2-3B73-D620-A6A4D2F0CBFA}"/>
+              </a:ext>
+            </a:extLst>
+          </p:cNvPr>
           <p:cNvSpPr/>
           <p:nvPr/>
         </p:nvSpPr>
@@ -10832,46 +14292,12 @@
           </a:blipFill>
         </p:spPr>
       </p:sp>
-      <p:pic>
-        <p:nvPicPr>
-          <p:cNvPr id="24" name="Picture 2" descr="IMG_256">
-            <a:extLst>
-              <a:ext uri="{FF2B5EF4-FFF2-40B4-BE49-F238E27FC236}">
-                <a16:creationId xmlns:a16="http://schemas.microsoft.com/office/drawing/2014/main" id="{36721F79-4BF4-FFC9-FCE7-E4B700D9C8E8}"/>
-              </a:ext>
-            </a:extLst>
-          </p:cNvPr>
-          <p:cNvPicPr>
-            <a:picLocks noChangeAspect="1"/>
-          </p:cNvPicPr>
-          <p:nvPr/>
-        </p:nvPicPr>
-        <p:blipFill>
-          <a:blip r:embed="rId4"/>
-          <a:stretch>
-            <a:fillRect/>
-          </a:stretch>
-        </p:blipFill>
-        <p:spPr>
-          <a:xfrm>
-            <a:off x="7581598" y="1467156"/>
-            <a:ext cx="2590800" cy="2385557"/>
-          </a:xfrm>
-          <a:prstGeom prst="rect">
-            <a:avLst/>
-          </a:prstGeom>
-          <a:noFill/>
-          <a:ln w="9525">
-            <a:noFill/>
-          </a:ln>
-        </p:spPr>
-      </p:pic>
       <p:grpSp>
         <p:nvGrpSpPr>
           <p:cNvPr id="26" name="Group 12">
             <a:extLst>
               <a:ext uri="{FF2B5EF4-FFF2-40B4-BE49-F238E27FC236}">
-                <a16:creationId xmlns:a16="http://schemas.microsoft.com/office/drawing/2014/main" id="{ADDA1D83-2A92-77F1-820F-41BDD020CBFF}"/>
+                <a16:creationId xmlns:a16="http://schemas.microsoft.com/office/drawing/2014/main" id="{E2DA4D8A-FBBF-2268-FFA2-53F834C71ACA}"/>
               </a:ext>
             </a:extLst>
           </p:cNvPr>
@@ -10891,7 +14317,7 @@
             <p:cNvPr id="27" name="Freeform 13">
               <a:extLst>
                 <a:ext uri="{FF2B5EF4-FFF2-40B4-BE49-F238E27FC236}">
-                  <a16:creationId xmlns:a16="http://schemas.microsoft.com/office/drawing/2014/main" id="{AF8E971B-F947-65AA-CE6B-A47FF35B9D99}"/>
+                  <a16:creationId xmlns:a16="http://schemas.microsoft.com/office/drawing/2014/main" id="{8C94957C-41C4-E6D9-AB33-C76C009532BF}"/>
                 </a:ext>
               </a:extLst>
             </p:cNvPr>
@@ -10959,7 +14385,7 @@
             <p:cNvPr id="28" name="TextBox 14">
               <a:extLst>
                 <a:ext uri="{FF2B5EF4-FFF2-40B4-BE49-F238E27FC236}">
-                  <a16:creationId xmlns:a16="http://schemas.microsoft.com/office/drawing/2014/main" id="{EC1443EB-D669-1375-66E9-D333FB412E41}"/>
+                  <a16:creationId xmlns:a16="http://schemas.microsoft.com/office/drawing/2014/main" id="{E72C2625-E003-1A25-2153-9ED5D8262416}"/>
                 </a:ext>
               </a:extLst>
             </p:cNvPr>
@@ -11000,7 +14426,7 @@
           <p:cNvPr id="29" name="Freeform 21">
             <a:extLst>
               <a:ext uri="{FF2B5EF4-FFF2-40B4-BE49-F238E27FC236}">
-                <a16:creationId xmlns:a16="http://schemas.microsoft.com/office/drawing/2014/main" id="{053275D2-66F8-6277-F702-00C55B8F4E79}"/>
+                <a16:creationId xmlns:a16="http://schemas.microsoft.com/office/drawing/2014/main" id="{524140C1-4DD3-03A3-317F-8A8F8821CB06}"/>
               </a:ext>
             </a:extLst>
           </p:cNvPr>
@@ -11054,11 +14480,75 @@
           </a:blipFill>
         </p:spPr>
       </p:sp>
+      <p:pic>
+        <p:nvPicPr>
+          <p:cNvPr id="3078" name="Picture 6">
+            <a:extLst>
+              <a:ext uri="{FF2B5EF4-FFF2-40B4-BE49-F238E27FC236}">
+                <a16:creationId xmlns:a16="http://schemas.microsoft.com/office/drawing/2014/main" id="{0011C3FB-B000-1A11-CE43-5A2C80385A38}"/>
+              </a:ext>
+            </a:extLst>
+          </p:cNvPr>
+          <p:cNvPicPr>
+            <a:picLocks noChangeAspect="1" noChangeArrowheads="1"/>
+          </p:cNvPicPr>
+          <p:nvPr/>
+        </p:nvPicPr>
+        <p:blipFill>
+          <a:blip r:embed="rId4">
+            <a:extLst>
+              <a:ext uri="{28A0092B-C50C-407E-A947-70E740481C1C}">
+                <a14:useLocalDpi xmlns:a14="http://schemas.microsoft.com/office/drawing/2010/main" val="0"/>
+              </a:ext>
+            </a:extLst>
+          </a:blip>
+          <a:srcRect/>
+          <a:stretch>
+            <a:fillRect/>
+          </a:stretch>
+        </p:blipFill>
+        <p:spPr bwMode="auto">
+          <a:xfrm>
+            <a:off x="8174758" y="1528493"/>
+            <a:ext cx="2743200" cy="2743200"/>
+          </a:xfrm>
+          <a:prstGeom prst="rect">
+            <a:avLst/>
+          </a:prstGeom>
+          <a:noFill/>
+          <a:extLst>
+            <a:ext uri="{909E8E84-426E-40DD-AFC4-6F175D3DCCD1}">
+              <a14:hiddenFill xmlns:a14="http://schemas.microsoft.com/office/drawing/2010/main">
+                <a:solidFill>
+                  <a:srgbClr val="FFFFFF"/>
+                </a:solidFill>
+              </a14:hiddenFill>
+            </a:ext>
+          </a:extLst>
+        </p:spPr>
+      </p:pic>
     </p:spTree>
+    <p:extLst>
+      <p:ext uri="{BB962C8B-B14F-4D97-AF65-F5344CB8AC3E}">
+        <p14:creationId xmlns:p14="http://schemas.microsoft.com/office/powerpoint/2010/main" val="3055367129"/>
+      </p:ext>
+    </p:extLst>
   </p:cSld>
   <p:clrMapOvr>
     <a:masterClrMapping/>
   </p:clrMapOvr>
+  <mc:AlternateContent xmlns:mc="http://schemas.openxmlformats.org/markup-compatibility/2006" xmlns:p159="http://schemas.microsoft.com/office/powerpoint/2015/09/main">
+    <mc:Choice Requires="p159">
+      <p:transition xmlns:p14="http://schemas.microsoft.com/office/powerpoint/2010/main" spd="slow" p14:dur="2000">
+        <p159:morph option="byObject"/>
+      </p:transition>
+    </mc:Choice>
+    <mc:Fallback xmlns="">
+      <p:transition spd="slow">
+        <p:fade/>
+      </p:transition>
+    </mc:Fallback>
+  </mc:AlternateContent>
 </p:sld>
 </file>
 

--- a/ppt_bao_ve.pptx
+++ b/ppt_bao_ve.pptx
@@ -241,7 +241,7 @@
           <a:p>
             <a:fld id="{A4A7FC2B-E70D-4068-AA0D-3CA7B25A81C6}" type="datetimeFigureOut">
               <a:rPr lang="en-US" smtClean="0"/>
-              <a:t>6/14/2025</a:t>
+              <a:t>6/22/2025</a:t>
             </a:fld>
             <a:endParaRPr lang="en-US"/>
           </a:p>
@@ -688,7 +688,7 @@
             <a:fld id="{1D8BD707-D9CF-40AE-B4C6-C98DA3205C09}" type="datetimeFigureOut">
               <a:rPr lang="en-US" smtClean="0"/>
               <a:pPr/>
-              <a:t>6/14/2025</a:t>
+              <a:t>6/22/2025</a:t>
             </a:fld>
             <a:endParaRPr lang="en-US"/>
           </a:p>
@@ -853,7 +853,7 @@
             <a:fld id="{1D8BD707-D9CF-40AE-B4C6-C98DA3205C09}" type="datetimeFigureOut">
               <a:rPr lang="en-US" smtClean="0"/>
               <a:pPr/>
-              <a:t>6/14/2025</a:t>
+              <a:t>6/22/2025</a:t>
             </a:fld>
             <a:endParaRPr lang="en-US"/>
           </a:p>
@@ -1028,7 +1028,7 @@
             <a:fld id="{1D8BD707-D9CF-40AE-B4C6-C98DA3205C09}" type="datetimeFigureOut">
               <a:rPr lang="en-US" smtClean="0"/>
               <a:pPr/>
-              <a:t>6/14/2025</a:t>
+              <a:t>6/22/2025</a:t>
             </a:fld>
             <a:endParaRPr lang="en-US"/>
           </a:p>
@@ -1193,7 +1193,7 @@
             <a:fld id="{1D8BD707-D9CF-40AE-B4C6-C98DA3205C09}" type="datetimeFigureOut">
               <a:rPr lang="en-US" smtClean="0"/>
               <a:pPr/>
-              <a:t>6/14/2025</a:t>
+              <a:t>6/22/2025</a:t>
             </a:fld>
             <a:endParaRPr lang="en-US"/>
           </a:p>
@@ -1435,7 +1435,7 @@
             <a:fld id="{1D8BD707-D9CF-40AE-B4C6-C98DA3205C09}" type="datetimeFigureOut">
               <a:rPr lang="en-US" smtClean="0"/>
               <a:pPr/>
-              <a:t>6/14/2025</a:t>
+              <a:t>6/22/2025</a:t>
             </a:fld>
             <a:endParaRPr lang="en-US"/>
           </a:p>
@@ -1717,7 +1717,7 @@
             <a:fld id="{1D8BD707-D9CF-40AE-B4C6-C98DA3205C09}" type="datetimeFigureOut">
               <a:rPr lang="en-US" smtClean="0"/>
               <a:pPr/>
-              <a:t>6/14/2025</a:t>
+              <a:t>6/22/2025</a:t>
             </a:fld>
             <a:endParaRPr lang="en-US"/>
           </a:p>
@@ -2133,7 +2133,7 @@
             <a:fld id="{1D8BD707-D9CF-40AE-B4C6-C98DA3205C09}" type="datetimeFigureOut">
               <a:rPr lang="en-US" smtClean="0"/>
               <a:pPr/>
-              <a:t>6/14/2025</a:t>
+              <a:t>6/22/2025</a:t>
             </a:fld>
             <a:endParaRPr lang="en-US"/>
           </a:p>
@@ -2247,7 +2247,7 @@
             <a:fld id="{1D8BD707-D9CF-40AE-B4C6-C98DA3205C09}" type="datetimeFigureOut">
               <a:rPr lang="en-US" smtClean="0"/>
               <a:pPr/>
-              <a:t>6/14/2025</a:t>
+              <a:t>6/22/2025</a:t>
             </a:fld>
             <a:endParaRPr lang="en-US"/>
           </a:p>
@@ -2339,7 +2339,7 @@
             <a:fld id="{1D8BD707-D9CF-40AE-B4C6-C98DA3205C09}" type="datetimeFigureOut">
               <a:rPr lang="en-US" smtClean="0"/>
               <a:pPr/>
-              <a:t>6/14/2025</a:t>
+              <a:t>6/22/2025</a:t>
             </a:fld>
             <a:endParaRPr lang="en-US"/>
           </a:p>
@@ -2611,7 +2611,7 @@
             <a:fld id="{1D8BD707-D9CF-40AE-B4C6-C98DA3205C09}" type="datetimeFigureOut">
               <a:rPr lang="en-US" smtClean="0"/>
               <a:pPr/>
-              <a:t>6/14/2025</a:t>
+              <a:t>6/22/2025</a:t>
             </a:fld>
             <a:endParaRPr lang="en-US"/>
           </a:p>
@@ -2860,7 +2860,7 @@
             <a:fld id="{1D8BD707-D9CF-40AE-B4C6-C98DA3205C09}" type="datetimeFigureOut">
               <a:rPr lang="en-US" smtClean="0"/>
               <a:pPr/>
-              <a:t>6/14/2025</a:t>
+              <a:t>6/22/2025</a:t>
             </a:fld>
             <a:endParaRPr lang="en-US"/>
           </a:p>
@@ -3068,7 +3068,7 @@
             <a:fld id="{1D8BD707-D9CF-40AE-B4C6-C98DA3205C09}" type="datetimeFigureOut">
               <a:rPr lang="en-US" smtClean="0"/>
               <a:pPr/>
-              <a:t>6/14/2025</a:t>
+              <a:t>6/22/2025</a:t>
             </a:fld>
             <a:endParaRPr lang="en-US"/>
           </a:p>
@@ -4256,124 +4256,6 @@
       </p:grpSpPr>
       <p:grpSp>
         <p:nvGrpSpPr>
-          <p:cNvPr id="16" name="Group 10">
-            <a:extLst>
-              <a:ext uri="{FF2B5EF4-FFF2-40B4-BE49-F238E27FC236}">
-                <a16:creationId xmlns:a16="http://schemas.microsoft.com/office/drawing/2014/main" id="{33D2D0B6-9CD3-58AE-2AB9-8FAE44D1C224}"/>
-              </a:ext>
-            </a:extLst>
-          </p:cNvPr>
-          <p:cNvGrpSpPr/>
-          <p:nvPr/>
-        </p:nvGrpSpPr>
-        <p:grpSpPr>
-          <a:xfrm>
-            <a:off x="17449800" y="9643525"/>
-            <a:ext cx="1286950" cy="1286950"/>
-            <a:chOff x="0" y="0"/>
-            <a:chExt cx="812800" cy="812800"/>
-          </a:xfrm>
-        </p:grpSpPr>
-        <p:sp>
-          <p:nvSpPr>
-            <p:cNvPr id="17" name="Freeform 11">
-              <a:extLst>
-                <a:ext uri="{FF2B5EF4-FFF2-40B4-BE49-F238E27FC236}">
-                  <a16:creationId xmlns:a16="http://schemas.microsoft.com/office/drawing/2014/main" id="{3CF7DB0B-88D9-9D93-5B3D-3A6E4EEF0CF9}"/>
-                </a:ext>
-              </a:extLst>
-            </p:cNvPr>
-            <p:cNvSpPr/>
-            <p:nvPr/>
-          </p:nvSpPr>
-          <p:spPr>
-            <a:xfrm>
-              <a:off x="0" y="0"/>
-              <a:ext cx="812800" cy="812800"/>
-            </a:xfrm>
-            <a:custGeom>
-              <a:avLst/>
-              <a:gdLst/>
-              <a:ahLst/>
-              <a:cxnLst/>
-              <a:rect l="l" t="t" r="r" b="b"/>
-              <a:pathLst>
-                <a:path w="812800" h="812800">
-                  <a:moveTo>
-                    <a:pt x="406400" y="0"/>
-                  </a:moveTo>
-                  <a:cubicBezTo>
-                    <a:pt x="181951" y="0"/>
-                    <a:pt x="0" y="181951"/>
-                    <a:pt x="0" y="406400"/>
-                  </a:cubicBezTo>
-                  <a:cubicBezTo>
-                    <a:pt x="0" y="630849"/>
-                    <a:pt x="181951" y="812800"/>
-                    <a:pt x="406400" y="812800"/>
-                  </a:cubicBezTo>
-                  <a:cubicBezTo>
-                    <a:pt x="630849" y="812800"/>
-                    <a:pt x="812800" y="630849"/>
-                    <a:pt x="812800" y="406400"/>
-                  </a:cubicBezTo>
-                  <a:cubicBezTo>
-                    <a:pt x="812800" y="181951"/>
-                    <a:pt x="630849" y="0"/>
-                    <a:pt x="406400" y="0"/>
-                  </a:cubicBezTo>
-                  <a:close/>
-                </a:path>
-              </a:pathLst>
-            </a:custGeom>
-            <a:solidFill>
-              <a:srgbClr val="145DA0"/>
-            </a:solidFill>
-          </p:spPr>
-        </p:sp>
-        <p:sp>
-          <p:nvSpPr>
-            <p:cNvPr id="18" name="TextBox 12">
-              <a:extLst>
-                <a:ext uri="{FF2B5EF4-FFF2-40B4-BE49-F238E27FC236}">
-                  <a16:creationId xmlns:a16="http://schemas.microsoft.com/office/drawing/2014/main" id="{1717C77F-CC6F-B70F-1D9C-5060C83BCEBC}"/>
-                </a:ext>
-              </a:extLst>
-            </p:cNvPr>
-            <p:cNvSpPr txBox="1"/>
-            <p:nvPr/>
-          </p:nvSpPr>
-          <p:spPr>
-            <a:xfrm>
-              <a:off x="76200" y="38100"/>
-              <a:ext cx="660400" cy="698500"/>
-            </a:xfrm>
-            <a:prstGeom prst="rect">
-              <a:avLst/>
-            </a:prstGeom>
-          </p:spPr>
-          <p:txBody>
-            <a:bodyPr lIns="50800" tIns="50800" rIns="50800" bIns="50800" rtlCol="0" anchor="ctr"/>
-            <a:lstStyle/>
-            <a:p>
-              <a:pPr algn="ctr">
-                <a:lnSpc>
-                  <a:spcPts val="2659"/>
-                </a:lnSpc>
-                <a:spcBef>
-                  <a:spcPct val="0"/>
-                </a:spcBef>
-              </a:pPr>
-              <a:endParaRPr>
-                <a:latin typeface="Arial" panose="020B0604020202020204" pitchFamily="34" charset="0"/>
-                <a:cs typeface="Arial" panose="020B0604020202020204" pitchFamily="34" charset="0"/>
-              </a:endParaRPr>
-            </a:p>
-          </p:txBody>
-        </p:sp>
-      </p:grpSp>
-      <p:grpSp>
-        <p:nvGrpSpPr>
           <p:cNvPr id="29" name="Group 28">
             <a:extLst>
               <a:ext uri="{FF2B5EF4-FFF2-40B4-BE49-F238E27FC236}">
@@ -4658,36 +4540,6 @@
           </p:sp>
         </p:grpSp>
       </p:grpSp>
-      <p:pic>
-        <p:nvPicPr>
-          <p:cNvPr id="12" name="Picture 11">
-            <a:extLst>
-              <a:ext uri="{FF2B5EF4-FFF2-40B4-BE49-F238E27FC236}">
-                <a16:creationId xmlns:a16="http://schemas.microsoft.com/office/drawing/2014/main" id="{4FF977A5-B041-29BD-1E80-737DB870C98A}"/>
-              </a:ext>
-            </a:extLst>
-          </p:cNvPr>
-          <p:cNvPicPr>
-            <a:picLocks noChangeAspect="1"/>
-          </p:cNvPicPr>
-          <p:nvPr/>
-        </p:nvPicPr>
-        <p:blipFill>
-          <a:blip r:embed="rId4"/>
-          <a:stretch>
-            <a:fillRect/>
-          </a:stretch>
-        </p:blipFill>
-        <p:spPr>
-          <a:xfrm>
-            <a:off x="15240" y="2238437"/>
-            <a:ext cx="18084407" cy="6284733"/>
-          </a:xfrm>
-          <a:prstGeom prst="rect">
-            <a:avLst/>
-          </a:prstGeom>
-        </p:spPr>
-      </p:pic>
       <p:sp>
         <p:nvSpPr>
           <p:cNvPr id="6" name="TextBox 5">
@@ -4731,133 +4583,6 @@
           </a:p>
         </p:txBody>
       </p:sp>
-      <p:grpSp>
-        <p:nvGrpSpPr>
-          <p:cNvPr id="13" name="Group 13">
-            <a:extLst>
-              <a:ext uri="{FF2B5EF4-FFF2-40B4-BE49-F238E27FC236}">
-                <a16:creationId xmlns:a16="http://schemas.microsoft.com/office/drawing/2014/main" id="{AFD366FB-3258-9FE5-CBE6-82880C7FB5D6}"/>
-              </a:ext>
-            </a:extLst>
-          </p:cNvPr>
-          <p:cNvGrpSpPr/>
-          <p:nvPr/>
-        </p:nvGrpSpPr>
-        <p:grpSpPr>
-          <a:xfrm>
-            <a:off x="-1867766" y="8801100"/>
-            <a:ext cx="3735531" cy="3735531"/>
-            <a:chOff x="0" y="0"/>
-            <a:chExt cx="812800" cy="812800"/>
-          </a:xfrm>
-        </p:grpSpPr>
-        <p:sp>
-          <p:nvSpPr>
-            <p:cNvPr id="14" name="Freeform 14">
-              <a:extLst>
-                <a:ext uri="{FF2B5EF4-FFF2-40B4-BE49-F238E27FC236}">
-                  <a16:creationId xmlns:a16="http://schemas.microsoft.com/office/drawing/2014/main" id="{F44FB0EC-128F-034D-6E8C-7C6786B58A8D}"/>
-                </a:ext>
-              </a:extLst>
-            </p:cNvPr>
-            <p:cNvSpPr/>
-            <p:nvPr/>
-          </p:nvSpPr>
-          <p:spPr>
-            <a:xfrm>
-              <a:off x="0" y="0"/>
-              <a:ext cx="812800" cy="812800"/>
-            </a:xfrm>
-            <a:custGeom>
-              <a:avLst/>
-              <a:gdLst/>
-              <a:ahLst/>
-              <a:cxnLst/>
-              <a:rect l="l" t="t" r="r" b="b"/>
-              <a:pathLst>
-                <a:path w="812800" h="812800">
-                  <a:moveTo>
-                    <a:pt x="406400" y="0"/>
-                  </a:moveTo>
-                  <a:cubicBezTo>
-                    <a:pt x="181951" y="0"/>
-                    <a:pt x="0" y="181951"/>
-                    <a:pt x="0" y="406400"/>
-                  </a:cubicBezTo>
-                  <a:cubicBezTo>
-                    <a:pt x="0" y="630849"/>
-                    <a:pt x="181951" y="812800"/>
-                    <a:pt x="406400" y="812800"/>
-                  </a:cubicBezTo>
-                  <a:cubicBezTo>
-                    <a:pt x="630849" y="812800"/>
-                    <a:pt x="812800" y="630849"/>
-                    <a:pt x="812800" y="406400"/>
-                  </a:cubicBezTo>
-                  <a:cubicBezTo>
-                    <a:pt x="812800" y="181951"/>
-                    <a:pt x="630849" y="0"/>
-                    <a:pt x="406400" y="0"/>
-                  </a:cubicBezTo>
-                  <a:close/>
-                </a:path>
-              </a:pathLst>
-            </a:custGeom>
-            <a:solidFill>
-              <a:srgbClr val="000000">
-                <a:alpha val="0"/>
-              </a:srgbClr>
-            </a:solidFill>
-            <a:ln w="952500" cap="sq">
-              <a:solidFill>
-                <a:srgbClr val="145DA0"/>
-              </a:solidFill>
-              <a:prstDash val="solid"/>
-              <a:miter/>
-            </a:ln>
-          </p:spPr>
-        </p:sp>
-        <p:sp>
-          <p:nvSpPr>
-            <p:cNvPr id="15" name="TextBox 15">
-              <a:extLst>
-                <a:ext uri="{FF2B5EF4-FFF2-40B4-BE49-F238E27FC236}">
-                  <a16:creationId xmlns:a16="http://schemas.microsoft.com/office/drawing/2014/main" id="{E8F9EC1B-C7A9-382F-5F35-2BC7236646DC}"/>
-                </a:ext>
-              </a:extLst>
-            </p:cNvPr>
-            <p:cNvSpPr txBox="1"/>
-            <p:nvPr/>
-          </p:nvSpPr>
-          <p:spPr>
-            <a:xfrm>
-              <a:off x="76200" y="38100"/>
-              <a:ext cx="660400" cy="698500"/>
-            </a:xfrm>
-            <a:prstGeom prst="rect">
-              <a:avLst/>
-            </a:prstGeom>
-          </p:spPr>
-          <p:txBody>
-            <a:bodyPr lIns="50800" tIns="50800" rIns="50800" bIns="50800" rtlCol="0" anchor="ctr"/>
-            <a:lstStyle/>
-            <a:p>
-              <a:pPr algn="ctr">
-                <a:lnSpc>
-                  <a:spcPts val="2659"/>
-                </a:lnSpc>
-                <a:spcBef>
-                  <a:spcPct val="0"/>
-                </a:spcBef>
-              </a:pPr>
-              <a:endParaRPr>
-                <a:latin typeface="Arial" panose="020B0604020202020204" pitchFamily="34" charset="0"/>
-                <a:cs typeface="Arial" panose="020B0604020202020204" pitchFamily="34" charset="0"/>
-              </a:endParaRPr>
-            </a:p>
-          </p:txBody>
-        </p:sp>
-      </p:grpSp>
       <p:pic>
         <p:nvPicPr>
           <p:cNvPr id="2" name="Graphic 1">
@@ -4873,10 +4598,10 @@
           <p:nvPr/>
         </p:nvPicPr>
         <p:blipFill>
-          <a:blip r:embed="rId5">
+          <a:blip r:embed="rId4">
             <a:extLst>
               <a:ext uri="{96DAC541-7B7A-43D3-8B79-37D633B846F1}">
-                <asvg:svgBlip xmlns:asvg="http://schemas.microsoft.com/office/drawing/2016/SVG/main" r:embed="rId6"/>
+                <asvg:svgBlip xmlns:asvg="http://schemas.microsoft.com/office/drawing/2016/SVG/main" r:embed="rId5"/>
               </a:ext>
             </a:extLst>
           </a:blip>
@@ -4888,6 +4613,36 @@
           <a:xfrm>
             <a:off x="12383325" y="35994"/>
             <a:ext cx="5867400" cy="1008944"/>
+          </a:xfrm>
+          <a:prstGeom prst="rect">
+            <a:avLst/>
+          </a:prstGeom>
+        </p:spPr>
+      </p:pic>
+      <p:pic>
+        <p:nvPicPr>
+          <p:cNvPr id="9" name="Picture 8">
+            <a:extLst>
+              <a:ext uri="{FF2B5EF4-FFF2-40B4-BE49-F238E27FC236}">
+                <a16:creationId xmlns:a16="http://schemas.microsoft.com/office/drawing/2014/main" id="{4B0CC636-CAC7-6EE8-598E-035119480098}"/>
+              </a:ext>
+            </a:extLst>
+          </p:cNvPr>
+          <p:cNvPicPr>
+            <a:picLocks noChangeAspect="1"/>
+          </p:cNvPicPr>
+          <p:nvPr/>
+        </p:nvPicPr>
+        <p:blipFill>
+          <a:blip r:embed="rId6"/>
+          <a:stretch>
+            <a:fillRect/>
+          </a:stretch>
+        </p:blipFill>
+        <p:spPr>
+          <a:xfrm>
+            <a:off x="316987" y="1964056"/>
+            <a:ext cx="17679034" cy="6615462"/>
           </a:xfrm>
           <a:prstGeom prst="rect">
             <a:avLst/>
@@ -5228,42 +4983,6 @@
           </p:sp>
         </p:grpSp>
       </p:grpSp>
-      <p:pic>
-        <p:nvPicPr>
-          <p:cNvPr id="44" name="Picture 43">
-            <a:extLst>
-              <a:ext uri="{FF2B5EF4-FFF2-40B4-BE49-F238E27FC236}">
-                <a16:creationId xmlns:a16="http://schemas.microsoft.com/office/drawing/2014/main" id="{FB4C8F37-4A36-2342-EDE7-AC819AF06667}"/>
-              </a:ext>
-            </a:extLst>
-          </p:cNvPr>
-          <p:cNvPicPr>
-            <a:picLocks noChangeAspect="1"/>
-          </p:cNvPicPr>
-          <p:nvPr/>
-        </p:nvPicPr>
-        <p:blipFill>
-          <a:blip r:embed="rId4">
-            <a:extLst>
-              <a:ext uri="{28A0092B-C50C-407E-A947-70E740481C1C}">
-                <a14:useLocalDpi xmlns:a14="http://schemas.microsoft.com/office/drawing/2010/main" val="0"/>
-              </a:ext>
-            </a:extLst>
-          </a:blip>
-          <a:stretch>
-            <a:fillRect/>
-          </a:stretch>
-        </p:blipFill>
-        <p:spPr>
-          <a:xfrm>
-            <a:off x="147637" y="945690"/>
-            <a:ext cx="18288000" cy="9700818"/>
-          </a:xfrm>
-          <a:prstGeom prst="rect">
-            <a:avLst/>
-          </a:prstGeom>
-        </p:spPr>
-      </p:pic>
       <p:sp>
         <p:nvSpPr>
           <p:cNvPr id="2" name="TextBox 1">
@@ -5320,10 +5039,10 @@
           <p:nvPr/>
         </p:nvPicPr>
         <p:blipFill>
-          <a:blip r:embed="rId5">
+          <a:blip r:embed="rId4">
             <a:extLst>
               <a:ext uri="{96DAC541-7B7A-43D3-8B79-37D633B846F1}">
-                <asvg:svgBlip xmlns:asvg="http://schemas.microsoft.com/office/drawing/2016/SVG/main" r:embed="rId6"/>
+                <asvg:svgBlip xmlns:asvg="http://schemas.microsoft.com/office/drawing/2016/SVG/main" r:embed="rId5"/>
               </a:ext>
             </a:extLst>
           </a:blip>
@@ -5335,6 +5054,42 @@
           <a:xfrm>
             <a:off x="12383325" y="35994"/>
             <a:ext cx="5867400" cy="1008944"/>
+          </a:xfrm>
+          <a:prstGeom prst="rect">
+            <a:avLst/>
+          </a:prstGeom>
+        </p:spPr>
+      </p:pic>
+      <p:pic>
+        <p:nvPicPr>
+          <p:cNvPr id="7" name="Picture 6">
+            <a:extLst>
+              <a:ext uri="{FF2B5EF4-FFF2-40B4-BE49-F238E27FC236}">
+                <a16:creationId xmlns:a16="http://schemas.microsoft.com/office/drawing/2014/main" id="{64265E13-7350-2ECF-99C6-F4014B4F922A}"/>
+              </a:ext>
+            </a:extLst>
+          </p:cNvPr>
+          <p:cNvPicPr>
+            <a:picLocks noChangeAspect="1"/>
+          </p:cNvPicPr>
+          <p:nvPr/>
+        </p:nvPicPr>
+        <p:blipFill>
+          <a:blip r:embed="rId6">
+            <a:extLst>
+              <a:ext uri="{28A0092B-C50C-407E-A947-70E740481C1C}">
+                <a14:useLocalDpi xmlns:a14="http://schemas.microsoft.com/office/drawing/2010/main" val="0"/>
+              </a:ext>
+            </a:extLst>
+          </a:blip>
+          <a:stretch>
+            <a:fillRect/>
+          </a:stretch>
+        </p:blipFill>
+        <p:spPr>
+          <a:xfrm>
+            <a:off x="316987" y="1061880"/>
+            <a:ext cx="18288000" cy="9617432"/>
           </a:xfrm>
           <a:prstGeom prst="rect">
             <a:avLst/>
@@ -5742,7 +5497,7 @@
         </p:nvGrpSpPr>
         <p:grpSpPr>
           <a:xfrm>
-            <a:off x="15150538" y="6628784"/>
+            <a:off x="15721412" y="7082279"/>
             <a:ext cx="5946973" cy="5946973"/>
             <a:chOff x="0" y="0"/>
             <a:chExt cx="812800" cy="812800"/>
@@ -8489,133 +8244,6 @@
       </p:grpSpPr>
       <p:grpSp>
         <p:nvGrpSpPr>
-          <p:cNvPr id="13" name="Group 13">
-            <a:extLst>
-              <a:ext uri="{FF2B5EF4-FFF2-40B4-BE49-F238E27FC236}">
-                <a16:creationId xmlns:a16="http://schemas.microsoft.com/office/drawing/2014/main" id="{C79D51DF-3A7C-A6C0-2543-2E11D12EA7E3}"/>
-              </a:ext>
-            </a:extLst>
-          </p:cNvPr>
-          <p:cNvGrpSpPr/>
-          <p:nvPr/>
-        </p:nvGrpSpPr>
-        <p:grpSpPr>
-          <a:xfrm>
-            <a:off x="-1867766" y="8801100"/>
-            <a:ext cx="3735531" cy="3735531"/>
-            <a:chOff x="0" y="0"/>
-            <a:chExt cx="812800" cy="812800"/>
-          </a:xfrm>
-        </p:grpSpPr>
-        <p:sp>
-          <p:nvSpPr>
-            <p:cNvPr id="14" name="Freeform 14">
-              <a:extLst>
-                <a:ext uri="{FF2B5EF4-FFF2-40B4-BE49-F238E27FC236}">
-                  <a16:creationId xmlns:a16="http://schemas.microsoft.com/office/drawing/2014/main" id="{D4B1A42B-1BF0-8CC0-189F-84F45AD5BFAE}"/>
-                </a:ext>
-              </a:extLst>
-            </p:cNvPr>
-            <p:cNvSpPr/>
-            <p:nvPr/>
-          </p:nvSpPr>
-          <p:spPr>
-            <a:xfrm>
-              <a:off x="0" y="0"/>
-              <a:ext cx="812800" cy="812800"/>
-            </a:xfrm>
-            <a:custGeom>
-              <a:avLst/>
-              <a:gdLst/>
-              <a:ahLst/>
-              <a:cxnLst/>
-              <a:rect l="l" t="t" r="r" b="b"/>
-              <a:pathLst>
-                <a:path w="812800" h="812800">
-                  <a:moveTo>
-                    <a:pt x="406400" y="0"/>
-                  </a:moveTo>
-                  <a:cubicBezTo>
-                    <a:pt x="181951" y="0"/>
-                    <a:pt x="0" y="181951"/>
-                    <a:pt x="0" y="406400"/>
-                  </a:cubicBezTo>
-                  <a:cubicBezTo>
-                    <a:pt x="0" y="630849"/>
-                    <a:pt x="181951" y="812800"/>
-                    <a:pt x="406400" y="812800"/>
-                  </a:cubicBezTo>
-                  <a:cubicBezTo>
-                    <a:pt x="630849" y="812800"/>
-                    <a:pt x="812800" y="630849"/>
-                    <a:pt x="812800" y="406400"/>
-                  </a:cubicBezTo>
-                  <a:cubicBezTo>
-                    <a:pt x="812800" y="181951"/>
-                    <a:pt x="630849" y="0"/>
-                    <a:pt x="406400" y="0"/>
-                  </a:cubicBezTo>
-                  <a:close/>
-                </a:path>
-              </a:pathLst>
-            </a:custGeom>
-            <a:solidFill>
-              <a:srgbClr val="000000">
-                <a:alpha val="0"/>
-              </a:srgbClr>
-            </a:solidFill>
-            <a:ln w="952500" cap="sq">
-              <a:solidFill>
-                <a:srgbClr val="145DA0"/>
-              </a:solidFill>
-              <a:prstDash val="solid"/>
-              <a:miter/>
-            </a:ln>
-          </p:spPr>
-        </p:sp>
-        <p:sp>
-          <p:nvSpPr>
-            <p:cNvPr id="15" name="TextBox 15">
-              <a:extLst>
-                <a:ext uri="{FF2B5EF4-FFF2-40B4-BE49-F238E27FC236}">
-                  <a16:creationId xmlns:a16="http://schemas.microsoft.com/office/drawing/2014/main" id="{A125F7AC-67C7-FA2F-A700-CA3853364E07}"/>
-                </a:ext>
-              </a:extLst>
-            </p:cNvPr>
-            <p:cNvSpPr txBox="1"/>
-            <p:nvPr/>
-          </p:nvSpPr>
-          <p:spPr>
-            <a:xfrm>
-              <a:off x="76200" y="38100"/>
-              <a:ext cx="660400" cy="698500"/>
-            </a:xfrm>
-            <a:prstGeom prst="rect">
-              <a:avLst/>
-            </a:prstGeom>
-          </p:spPr>
-          <p:txBody>
-            <a:bodyPr lIns="50800" tIns="50800" rIns="50800" bIns="50800" rtlCol="0" anchor="ctr"/>
-            <a:lstStyle/>
-            <a:p>
-              <a:pPr algn="ctr">
-                <a:lnSpc>
-                  <a:spcPts val="2659"/>
-                </a:lnSpc>
-                <a:spcBef>
-                  <a:spcPct val="0"/>
-                </a:spcBef>
-              </a:pPr>
-              <a:endParaRPr>
-                <a:latin typeface="Arial" panose="020B0604020202020204" pitchFamily="34" charset="0"/>
-                <a:cs typeface="Arial" panose="020B0604020202020204" pitchFamily="34" charset="0"/>
-              </a:endParaRPr>
-            </a:p>
-          </p:txBody>
-        </p:sp>
-      </p:grpSp>
-      <p:grpSp>
-        <p:nvGrpSpPr>
           <p:cNvPr id="29" name="Group 28">
             <a:extLst>
               <a:ext uri="{FF2B5EF4-FFF2-40B4-BE49-F238E27FC236}">
@@ -8928,7 +8556,7 @@
         </p:blipFill>
         <p:spPr>
           <a:xfrm>
-            <a:off x="-853197" y="1562100"/>
+            <a:off x="3521883" y="803004"/>
             <a:ext cx="10684585" cy="9735228"/>
           </a:xfrm>
           <a:prstGeom prst="rect">
@@ -8936,154 +8564,6 @@
           </a:prstGeom>
         </p:spPr>
       </p:pic>
-      <p:pic>
-        <p:nvPicPr>
-          <p:cNvPr id="11" name="Picture 10">
-            <a:extLst>
-              <a:ext uri="{FF2B5EF4-FFF2-40B4-BE49-F238E27FC236}">
-                <a16:creationId xmlns:a16="http://schemas.microsoft.com/office/drawing/2014/main" id="{1092AD7A-4DDE-9794-8347-BB611198DEDC}"/>
-              </a:ext>
-            </a:extLst>
-          </p:cNvPr>
-          <p:cNvPicPr>
-            <a:picLocks noChangeAspect="1"/>
-          </p:cNvPicPr>
-          <p:nvPr/>
-        </p:nvPicPr>
-        <p:blipFill>
-          <a:blip r:embed="rId6"/>
-          <a:stretch>
-            <a:fillRect/>
-          </a:stretch>
-        </p:blipFill>
-        <p:spPr>
-          <a:xfrm>
-            <a:off x="9937752" y="1965327"/>
-            <a:ext cx="8350248" cy="8350248"/>
-          </a:xfrm>
-          <a:prstGeom prst="rect">
-            <a:avLst/>
-          </a:prstGeom>
-        </p:spPr>
-      </p:pic>
-      <p:grpSp>
-        <p:nvGrpSpPr>
-          <p:cNvPr id="16" name="Group 10">
-            <a:extLst>
-              <a:ext uri="{FF2B5EF4-FFF2-40B4-BE49-F238E27FC236}">
-                <a16:creationId xmlns:a16="http://schemas.microsoft.com/office/drawing/2014/main" id="{2D8959DE-40E3-146A-89A1-8DCA6FFB44A3}"/>
-              </a:ext>
-            </a:extLst>
-          </p:cNvPr>
-          <p:cNvGrpSpPr/>
-          <p:nvPr/>
-        </p:nvGrpSpPr>
-        <p:grpSpPr>
-          <a:xfrm>
-            <a:off x="17449800" y="9643525"/>
-            <a:ext cx="1286950" cy="1286950"/>
-            <a:chOff x="0" y="0"/>
-            <a:chExt cx="812800" cy="812800"/>
-          </a:xfrm>
-        </p:grpSpPr>
-        <p:sp>
-          <p:nvSpPr>
-            <p:cNvPr id="17" name="Freeform 11">
-              <a:extLst>
-                <a:ext uri="{FF2B5EF4-FFF2-40B4-BE49-F238E27FC236}">
-                  <a16:creationId xmlns:a16="http://schemas.microsoft.com/office/drawing/2014/main" id="{52D0EBA3-157D-326E-E2F5-FFBC9BF45B1C}"/>
-                </a:ext>
-              </a:extLst>
-            </p:cNvPr>
-            <p:cNvSpPr/>
-            <p:nvPr/>
-          </p:nvSpPr>
-          <p:spPr>
-            <a:xfrm>
-              <a:off x="0" y="0"/>
-              <a:ext cx="812800" cy="812800"/>
-            </a:xfrm>
-            <a:custGeom>
-              <a:avLst/>
-              <a:gdLst/>
-              <a:ahLst/>
-              <a:cxnLst/>
-              <a:rect l="l" t="t" r="r" b="b"/>
-              <a:pathLst>
-                <a:path w="812800" h="812800">
-                  <a:moveTo>
-                    <a:pt x="406400" y="0"/>
-                  </a:moveTo>
-                  <a:cubicBezTo>
-                    <a:pt x="181951" y="0"/>
-                    <a:pt x="0" y="181951"/>
-                    <a:pt x="0" y="406400"/>
-                  </a:cubicBezTo>
-                  <a:cubicBezTo>
-                    <a:pt x="0" y="630849"/>
-                    <a:pt x="181951" y="812800"/>
-                    <a:pt x="406400" y="812800"/>
-                  </a:cubicBezTo>
-                  <a:cubicBezTo>
-                    <a:pt x="630849" y="812800"/>
-                    <a:pt x="812800" y="630849"/>
-                    <a:pt x="812800" y="406400"/>
-                  </a:cubicBezTo>
-                  <a:cubicBezTo>
-                    <a:pt x="812800" y="181951"/>
-                    <a:pt x="630849" y="0"/>
-                    <a:pt x="406400" y="0"/>
-                  </a:cubicBezTo>
-                  <a:close/>
-                </a:path>
-              </a:pathLst>
-            </a:custGeom>
-            <a:solidFill>
-              <a:srgbClr val="145DA0"/>
-            </a:solidFill>
-          </p:spPr>
-        </p:sp>
-        <p:sp>
-          <p:nvSpPr>
-            <p:cNvPr id="18" name="TextBox 12">
-              <a:extLst>
-                <a:ext uri="{FF2B5EF4-FFF2-40B4-BE49-F238E27FC236}">
-                  <a16:creationId xmlns:a16="http://schemas.microsoft.com/office/drawing/2014/main" id="{BD7022A2-ACC9-D4D4-9EB8-1EF39B1A9D67}"/>
-                </a:ext>
-              </a:extLst>
-            </p:cNvPr>
-            <p:cNvSpPr txBox="1"/>
-            <p:nvPr/>
-          </p:nvSpPr>
-          <p:spPr>
-            <a:xfrm>
-              <a:off x="76200" y="38100"/>
-              <a:ext cx="660400" cy="698500"/>
-            </a:xfrm>
-            <a:prstGeom prst="rect">
-              <a:avLst/>
-            </a:prstGeom>
-          </p:spPr>
-          <p:txBody>
-            <a:bodyPr lIns="50800" tIns="50800" rIns="50800" bIns="50800" rtlCol="0" anchor="ctr"/>
-            <a:lstStyle/>
-            <a:p>
-              <a:pPr algn="ctr">
-                <a:lnSpc>
-                  <a:spcPts val="2659"/>
-                </a:lnSpc>
-                <a:spcBef>
-                  <a:spcPct val="0"/>
-                </a:spcBef>
-              </a:pPr>
-              <a:endParaRPr>
-                <a:latin typeface="Arial" panose="020B0604020202020204" pitchFamily="34" charset="0"/>
-                <a:cs typeface="Arial" panose="020B0604020202020204" pitchFamily="34" charset="0"/>
-              </a:endParaRPr>
-            </a:p>
-          </p:txBody>
-        </p:sp>
-      </p:grpSp>
       <p:pic>
         <p:nvPicPr>
           <p:cNvPr id="3" name="Graphic 2">
@@ -9099,10 +8579,10 @@
           <p:nvPr/>
         </p:nvPicPr>
         <p:blipFill>
-          <a:blip r:embed="rId7">
+          <a:blip r:embed="rId6">
             <a:extLst>
               <a:ext uri="{96DAC541-7B7A-43D3-8B79-37D633B846F1}">
-                <asvg:svgBlip xmlns:asvg="http://schemas.microsoft.com/office/drawing/2016/SVG/main" r:embed="rId8"/>
+                <asvg:svgBlip xmlns:asvg="http://schemas.microsoft.com/office/drawing/2016/SVG/main" r:embed="rId7"/>
               </a:ext>
             </a:extLst>
           </a:blip>
@@ -9349,122 +8829,251 @@
           </p:txBody>
         </p:sp>
       </p:grpSp>
-      <p:sp>
-        <p:nvSpPr>
-          <p:cNvPr id="8" name="TextBox 6">
+      <p:grpSp>
+        <p:nvGrpSpPr>
+          <p:cNvPr id="9" name="Group 13">
             <a:extLst>
               <a:ext uri="{FF2B5EF4-FFF2-40B4-BE49-F238E27FC236}">
-                <a16:creationId xmlns:a16="http://schemas.microsoft.com/office/drawing/2014/main" id="{2741FEB4-A77A-612E-641D-1C99B85A98A8}"/>
+                <a16:creationId xmlns:a16="http://schemas.microsoft.com/office/drawing/2014/main" id="{FDD3D1AA-8BB8-83BE-E8C2-7EB22863A90A}"/>
               </a:ext>
             </a:extLst>
           </p:cNvPr>
-          <p:cNvSpPr txBox="1"/>
+          <p:cNvGrpSpPr/>
           <p:nvPr/>
-        </p:nvSpPr>
-        <p:spPr>
+        </p:nvGrpSpPr>
+        <p:grpSpPr>
           <a:xfrm>
-            <a:off x="282440" y="1161404"/>
-            <a:ext cx="9154690" cy="1231106"/>
+            <a:off x="16420234" y="8383240"/>
+            <a:ext cx="3735531" cy="3735531"/>
+            <a:chOff x="0" y="0"/>
+            <a:chExt cx="812800" cy="812800"/>
           </a:xfrm>
-          <a:prstGeom prst="rect">
-            <a:avLst/>
-          </a:prstGeom>
-        </p:spPr>
-        <p:txBody>
-          <a:bodyPr wrap="square" lIns="0" tIns="0" rIns="0" bIns="0" rtlCol="0" anchor="t">
-            <a:spAutoFit/>
-          </a:bodyPr>
-          <a:lstStyle/>
-          <a:p>
-            <a:pPr algn="ctr">
-              <a:spcBef>
-                <a:spcPct val="0"/>
-              </a:spcBef>
-            </a:pPr>
-            <a:r>
-              <a:rPr lang="en-US" sz="4000" dirty="0" err="1"/>
-              <a:t>Xây</a:t>
-            </a:r>
-            <a:r>
-              <a:rPr lang="en-US" sz="4000" dirty="0"/>
-              <a:t> </a:t>
-            </a:r>
-            <a:r>
-              <a:rPr lang="en-US" sz="4000" dirty="0" err="1"/>
-              <a:t>dựng</a:t>
-            </a:r>
-            <a:r>
-              <a:rPr lang="en-US" sz="4000" dirty="0"/>
-              <a:t> website </a:t>
-            </a:r>
-            <a:r>
-              <a:rPr lang="en-US" sz="4000" dirty="0" err="1"/>
-              <a:t>bán</a:t>
-            </a:r>
-            <a:r>
-              <a:rPr lang="en-US" sz="4000" dirty="0"/>
-              <a:t> </a:t>
-            </a:r>
-            <a:r>
-              <a:rPr lang="en-US" sz="4000" dirty="0" err="1"/>
-              <a:t>đồ</a:t>
-            </a:r>
-            <a:r>
-              <a:rPr lang="en-US" sz="4000" dirty="0"/>
-              <a:t> </a:t>
-            </a:r>
-            <a:r>
-              <a:rPr lang="en-US" sz="4000" dirty="0" err="1"/>
-              <a:t>điện</a:t>
-            </a:r>
-            <a:r>
-              <a:rPr lang="en-US" sz="4000" dirty="0"/>
-              <a:t> </a:t>
-            </a:r>
-            <a:r>
-              <a:rPr lang="en-US" sz="4000" dirty="0" err="1"/>
-              <a:t>tử</a:t>
-            </a:r>
-            <a:r>
-              <a:rPr lang="en-US" sz="4000" dirty="0"/>
-              <a:t> </a:t>
-            </a:r>
-            <a:r>
-              <a:rPr lang="en-US" sz="4000" dirty="0" err="1"/>
-              <a:t>sử</a:t>
-            </a:r>
-            <a:r>
-              <a:rPr lang="en-US" sz="4000" dirty="0"/>
-              <a:t> </a:t>
-            </a:r>
-            <a:r>
-              <a:rPr lang="en-US" sz="4000" dirty="0" err="1"/>
-              <a:t>dụng</a:t>
-            </a:r>
-            <a:r>
-              <a:rPr lang="en-US" sz="4000" dirty="0"/>
-              <a:t> ASP.NET CORE WEB API </a:t>
-            </a:r>
-            <a:r>
-              <a:rPr lang="en-US" sz="4000" dirty="0" err="1"/>
-              <a:t>và</a:t>
-            </a:r>
-            <a:r>
-              <a:rPr lang="en-US" sz="4000" dirty="0"/>
-              <a:t> WEB MVC </a:t>
-            </a:r>
-            <a:endParaRPr lang="en-US" sz="4000" dirty="0">
+        </p:grpSpPr>
+        <p:sp>
+          <p:nvSpPr>
+            <p:cNvPr id="12" name="Freeform 14">
+              <a:extLst>
+                <a:ext uri="{FF2B5EF4-FFF2-40B4-BE49-F238E27FC236}">
+                  <a16:creationId xmlns:a16="http://schemas.microsoft.com/office/drawing/2014/main" id="{864A51C8-CBEA-2421-4BE2-631F0C11C80F}"/>
+                </a:ext>
+              </a:extLst>
+            </p:cNvPr>
+            <p:cNvSpPr/>
+            <p:nvPr/>
+          </p:nvSpPr>
+          <p:spPr>
+            <a:xfrm>
+              <a:off x="0" y="0"/>
+              <a:ext cx="812800" cy="812800"/>
+            </a:xfrm>
+            <a:custGeom>
+              <a:avLst/>
+              <a:gdLst/>
+              <a:ahLst/>
+              <a:cxnLst/>
+              <a:rect l="l" t="t" r="r" b="b"/>
+              <a:pathLst>
+                <a:path w="812800" h="812800">
+                  <a:moveTo>
+                    <a:pt x="406400" y="0"/>
+                  </a:moveTo>
+                  <a:cubicBezTo>
+                    <a:pt x="181951" y="0"/>
+                    <a:pt x="0" y="181951"/>
+                    <a:pt x="0" y="406400"/>
+                  </a:cubicBezTo>
+                  <a:cubicBezTo>
+                    <a:pt x="0" y="630849"/>
+                    <a:pt x="181951" y="812800"/>
+                    <a:pt x="406400" y="812800"/>
+                  </a:cubicBezTo>
+                  <a:cubicBezTo>
+                    <a:pt x="630849" y="812800"/>
+                    <a:pt x="812800" y="630849"/>
+                    <a:pt x="812800" y="406400"/>
+                  </a:cubicBezTo>
+                  <a:cubicBezTo>
+                    <a:pt x="812800" y="181951"/>
+                    <a:pt x="630849" y="0"/>
+                    <a:pt x="406400" y="0"/>
+                  </a:cubicBezTo>
+                  <a:close/>
+                </a:path>
+              </a:pathLst>
+            </a:custGeom>
+            <a:solidFill>
+              <a:srgbClr val="000000">
+                <a:alpha val="0"/>
+              </a:srgbClr>
+            </a:solidFill>
+            <a:ln w="952500" cap="sq">
               <a:solidFill>
-                <a:srgbClr val="051D40"/>
+                <a:srgbClr val="145DA0"/>
               </a:solidFill>
-              <a:latin typeface="Arial" panose="020B0604020202020204" pitchFamily="34" charset="0"/>
-              <a:ea typeface="Montserrat"/>
-              <a:cs typeface="Arial" panose="020B0604020202020204" pitchFamily="34" charset="0"/>
-              <a:sym typeface="Montserrat"/>
-            </a:endParaRPr>
-          </a:p>
-        </p:txBody>
-      </p:sp>
+              <a:prstDash val="solid"/>
+              <a:miter/>
+            </a:ln>
+          </p:spPr>
+        </p:sp>
+        <p:sp>
+          <p:nvSpPr>
+            <p:cNvPr id="19" name="TextBox 15">
+              <a:extLst>
+                <a:ext uri="{FF2B5EF4-FFF2-40B4-BE49-F238E27FC236}">
+                  <a16:creationId xmlns:a16="http://schemas.microsoft.com/office/drawing/2014/main" id="{8D90ABE6-49A5-CFA9-A382-D7298E17A3FC}"/>
+                </a:ext>
+              </a:extLst>
+            </p:cNvPr>
+            <p:cNvSpPr txBox="1"/>
+            <p:nvPr/>
+          </p:nvSpPr>
+          <p:spPr>
+            <a:xfrm>
+              <a:off x="76200" y="38100"/>
+              <a:ext cx="660400" cy="698500"/>
+            </a:xfrm>
+            <a:prstGeom prst="rect">
+              <a:avLst/>
+            </a:prstGeom>
+          </p:spPr>
+          <p:txBody>
+            <a:bodyPr lIns="50800" tIns="50800" rIns="50800" bIns="50800" rtlCol="0" anchor="ctr"/>
+            <a:lstStyle/>
+            <a:p>
+              <a:pPr algn="ctr">
+                <a:lnSpc>
+                  <a:spcPts val="2659"/>
+                </a:lnSpc>
+                <a:spcBef>
+                  <a:spcPct val="0"/>
+                </a:spcBef>
+              </a:pPr>
+              <a:endParaRPr>
+                <a:latin typeface="Arial" panose="020B0604020202020204" pitchFamily="34" charset="0"/>
+                <a:cs typeface="Arial" panose="020B0604020202020204" pitchFamily="34" charset="0"/>
+              </a:endParaRPr>
+            </a:p>
+          </p:txBody>
+        </p:sp>
+      </p:grpSp>
+      <p:grpSp>
+        <p:nvGrpSpPr>
+          <p:cNvPr id="20" name="Group 10">
+            <a:extLst>
+              <a:ext uri="{FF2B5EF4-FFF2-40B4-BE49-F238E27FC236}">
+                <a16:creationId xmlns:a16="http://schemas.microsoft.com/office/drawing/2014/main" id="{FE7989BA-505B-CD5B-736B-AC25B86E20E7}"/>
+              </a:ext>
+            </a:extLst>
+          </p:cNvPr>
+          <p:cNvGrpSpPr/>
+          <p:nvPr/>
+        </p:nvGrpSpPr>
+        <p:grpSpPr>
+          <a:xfrm>
+            <a:off x="-643475" y="9643525"/>
+            <a:ext cx="1286950" cy="1286950"/>
+            <a:chOff x="0" y="0"/>
+            <a:chExt cx="812800" cy="812800"/>
+          </a:xfrm>
+        </p:grpSpPr>
+        <p:sp>
+          <p:nvSpPr>
+            <p:cNvPr id="22" name="Freeform 11">
+              <a:extLst>
+                <a:ext uri="{FF2B5EF4-FFF2-40B4-BE49-F238E27FC236}">
+                  <a16:creationId xmlns:a16="http://schemas.microsoft.com/office/drawing/2014/main" id="{DA9B05CE-E9B6-8B96-4818-0BA6B91ECC68}"/>
+                </a:ext>
+              </a:extLst>
+            </p:cNvPr>
+            <p:cNvSpPr/>
+            <p:nvPr/>
+          </p:nvSpPr>
+          <p:spPr>
+            <a:xfrm>
+              <a:off x="0" y="0"/>
+              <a:ext cx="812800" cy="812800"/>
+            </a:xfrm>
+            <a:custGeom>
+              <a:avLst/>
+              <a:gdLst/>
+              <a:ahLst/>
+              <a:cxnLst/>
+              <a:rect l="l" t="t" r="r" b="b"/>
+              <a:pathLst>
+                <a:path w="812800" h="812800">
+                  <a:moveTo>
+                    <a:pt x="406400" y="0"/>
+                  </a:moveTo>
+                  <a:cubicBezTo>
+                    <a:pt x="181951" y="0"/>
+                    <a:pt x="0" y="181951"/>
+                    <a:pt x="0" y="406400"/>
+                  </a:cubicBezTo>
+                  <a:cubicBezTo>
+                    <a:pt x="0" y="630849"/>
+                    <a:pt x="181951" y="812800"/>
+                    <a:pt x="406400" y="812800"/>
+                  </a:cubicBezTo>
+                  <a:cubicBezTo>
+                    <a:pt x="630849" y="812800"/>
+                    <a:pt x="812800" y="630849"/>
+                    <a:pt x="812800" y="406400"/>
+                  </a:cubicBezTo>
+                  <a:cubicBezTo>
+                    <a:pt x="812800" y="181951"/>
+                    <a:pt x="630849" y="0"/>
+                    <a:pt x="406400" y="0"/>
+                  </a:cubicBezTo>
+                  <a:close/>
+                </a:path>
+              </a:pathLst>
+            </a:custGeom>
+            <a:solidFill>
+              <a:srgbClr val="145DA0"/>
+            </a:solidFill>
+          </p:spPr>
+        </p:sp>
+        <p:sp>
+          <p:nvSpPr>
+            <p:cNvPr id="23" name="TextBox 12">
+              <a:extLst>
+                <a:ext uri="{FF2B5EF4-FFF2-40B4-BE49-F238E27FC236}">
+                  <a16:creationId xmlns:a16="http://schemas.microsoft.com/office/drawing/2014/main" id="{63A959AB-EDF1-ADC7-684D-A647BD86CE9F}"/>
+                </a:ext>
+              </a:extLst>
+            </p:cNvPr>
+            <p:cNvSpPr txBox="1"/>
+            <p:nvPr/>
+          </p:nvSpPr>
+          <p:spPr>
+            <a:xfrm>
+              <a:off x="76200" y="38100"/>
+              <a:ext cx="660400" cy="698500"/>
+            </a:xfrm>
+            <a:prstGeom prst="rect">
+              <a:avLst/>
+            </a:prstGeom>
+          </p:spPr>
+          <p:txBody>
+            <a:bodyPr lIns="50800" tIns="50800" rIns="50800" bIns="50800" rtlCol="0" anchor="ctr"/>
+            <a:lstStyle/>
+            <a:p>
+              <a:pPr algn="ctr">
+                <a:lnSpc>
+                  <a:spcPts val="2659"/>
+                </a:lnSpc>
+                <a:spcBef>
+                  <a:spcPct val="0"/>
+                </a:spcBef>
+              </a:pPr>
+              <a:endParaRPr>
+                <a:latin typeface="Arial" panose="020B0604020202020204" pitchFamily="34" charset="0"/>
+                <a:cs typeface="Arial" panose="020B0604020202020204" pitchFamily="34" charset="0"/>
+              </a:endParaRPr>
+            </a:p>
+          </p:txBody>
+        </p:sp>
+      </p:grpSp>
     </p:spTree>
     <p:extLst>
       <p:ext uri="{BB962C8B-B14F-4D97-AF65-F5344CB8AC3E}">

--- a/ppt_bao_ve.pptx
+++ b/ppt_bao_ve.pptx
@@ -5,7 +5,7 @@
     <p:sldMasterId id="2147483648" r:id="rId1"/>
   </p:sldMasterIdLst>
   <p:notesMasterIdLst>
-    <p:notesMasterId r:id="rId15"/>
+    <p:notesMasterId r:id="rId16"/>
   </p:notesMasterIdLst>
   <p:sldIdLst>
     <p:sldId id="256" r:id="rId2"/>
@@ -19,18 +19,19 @@
     <p:sldId id="277" r:id="rId10"/>
     <p:sldId id="271" r:id="rId11"/>
     <p:sldId id="273" r:id="rId12"/>
-    <p:sldId id="268" r:id="rId13"/>
-    <p:sldId id="276" r:id="rId14"/>
+    <p:sldId id="279" r:id="rId13"/>
+    <p:sldId id="268" r:id="rId14"/>
+    <p:sldId id="276" r:id="rId15"/>
   </p:sldIdLst>
   <p:sldSz cx="18288000" cy="10287000"/>
   <p:notesSz cx="6858000" cy="9144000"/>
   <p:embeddedFontLst>
     <p:embeddedFont>
       <p:font typeface="Constantia" panose="02030602050306030303" pitchFamily="18" charset="0"/>
-      <p:regular r:id="rId16"/>
-      <p:bold r:id="rId17"/>
-      <p:italic r:id="rId18"/>
-      <p:boldItalic r:id="rId19"/>
+      <p:regular r:id="rId17"/>
+      <p:bold r:id="rId18"/>
+      <p:italic r:id="rId19"/>
+      <p:boldItalic r:id="rId20"/>
     </p:embeddedFont>
   </p:embeddedFontLst>
   <p:defaultTextStyle>
@@ -241,7 +242,7 @@
           <a:p>
             <a:fld id="{A4A7FC2B-E70D-4068-AA0D-3CA7B25A81C6}" type="datetimeFigureOut">
               <a:rPr lang="en-US" smtClean="0"/>
-              <a:t>6/22/2025</a:t>
+              <a:t>6/23/2025</a:t>
             </a:fld>
             <a:endParaRPr lang="en-US"/>
           </a:p>
@@ -688,7 +689,7 @@
             <a:fld id="{1D8BD707-D9CF-40AE-B4C6-C98DA3205C09}" type="datetimeFigureOut">
               <a:rPr lang="en-US" smtClean="0"/>
               <a:pPr/>
-              <a:t>6/22/2025</a:t>
+              <a:t>6/23/2025</a:t>
             </a:fld>
             <a:endParaRPr lang="en-US"/>
           </a:p>
@@ -853,7 +854,7 @@
             <a:fld id="{1D8BD707-D9CF-40AE-B4C6-C98DA3205C09}" type="datetimeFigureOut">
               <a:rPr lang="en-US" smtClean="0"/>
               <a:pPr/>
-              <a:t>6/22/2025</a:t>
+              <a:t>6/23/2025</a:t>
             </a:fld>
             <a:endParaRPr lang="en-US"/>
           </a:p>
@@ -1028,7 +1029,7 @@
             <a:fld id="{1D8BD707-D9CF-40AE-B4C6-C98DA3205C09}" type="datetimeFigureOut">
               <a:rPr lang="en-US" smtClean="0"/>
               <a:pPr/>
-              <a:t>6/22/2025</a:t>
+              <a:t>6/23/2025</a:t>
             </a:fld>
             <a:endParaRPr lang="en-US"/>
           </a:p>
@@ -1193,7 +1194,7 @@
             <a:fld id="{1D8BD707-D9CF-40AE-B4C6-C98DA3205C09}" type="datetimeFigureOut">
               <a:rPr lang="en-US" smtClean="0"/>
               <a:pPr/>
-              <a:t>6/22/2025</a:t>
+              <a:t>6/23/2025</a:t>
             </a:fld>
             <a:endParaRPr lang="en-US"/>
           </a:p>
@@ -1435,7 +1436,7 @@
             <a:fld id="{1D8BD707-D9CF-40AE-B4C6-C98DA3205C09}" type="datetimeFigureOut">
               <a:rPr lang="en-US" smtClean="0"/>
               <a:pPr/>
-              <a:t>6/22/2025</a:t>
+              <a:t>6/23/2025</a:t>
             </a:fld>
             <a:endParaRPr lang="en-US"/>
           </a:p>
@@ -1717,7 +1718,7 @@
             <a:fld id="{1D8BD707-D9CF-40AE-B4C6-C98DA3205C09}" type="datetimeFigureOut">
               <a:rPr lang="en-US" smtClean="0"/>
               <a:pPr/>
-              <a:t>6/22/2025</a:t>
+              <a:t>6/23/2025</a:t>
             </a:fld>
             <a:endParaRPr lang="en-US"/>
           </a:p>
@@ -2133,7 +2134,7 @@
             <a:fld id="{1D8BD707-D9CF-40AE-B4C6-C98DA3205C09}" type="datetimeFigureOut">
               <a:rPr lang="en-US" smtClean="0"/>
               <a:pPr/>
-              <a:t>6/22/2025</a:t>
+              <a:t>6/23/2025</a:t>
             </a:fld>
             <a:endParaRPr lang="en-US"/>
           </a:p>
@@ -2247,7 +2248,7 @@
             <a:fld id="{1D8BD707-D9CF-40AE-B4C6-C98DA3205C09}" type="datetimeFigureOut">
               <a:rPr lang="en-US" smtClean="0"/>
               <a:pPr/>
-              <a:t>6/22/2025</a:t>
+              <a:t>6/23/2025</a:t>
             </a:fld>
             <a:endParaRPr lang="en-US"/>
           </a:p>
@@ -2339,7 +2340,7 @@
             <a:fld id="{1D8BD707-D9CF-40AE-B4C6-C98DA3205C09}" type="datetimeFigureOut">
               <a:rPr lang="en-US" smtClean="0"/>
               <a:pPr/>
-              <a:t>6/22/2025</a:t>
+              <a:t>6/23/2025</a:t>
             </a:fld>
             <a:endParaRPr lang="en-US"/>
           </a:p>
@@ -2611,7 +2612,7 @@
             <a:fld id="{1D8BD707-D9CF-40AE-B4C6-C98DA3205C09}" type="datetimeFigureOut">
               <a:rPr lang="en-US" smtClean="0"/>
               <a:pPr/>
-              <a:t>6/22/2025</a:t>
+              <a:t>6/23/2025</a:t>
             </a:fld>
             <a:endParaRPr lang="en-US"/>
           </a:p>
@@ -2860,7 +2861,7 @@
             <a:fld id="{1D8BD707-D9CF-40AE-B4C6-C98DA3205C09}" type="datetimeFigureOut">
               <a:rPr lang="en-US" smtClean="0"/>
               <a:pPr/>
-              <a:t>6/22/2025</a:t>
+              <a:t>6/23/2025</a:t>
             </a:fld>
             <a:endParaRPr lang="en-US"/>
           </a:p>
@@ -3068,7 +3069,7 @@
             <a:fld id="{1D8BD707-D9CF-40AE-B4C6-C98DA3205C09}" type="datetimeFigureOut">
               <a:rPr lang="en-US" smtClean="0"/>
               <a:pPr/>
-              <a:t>6/22/2025</a:t>
+              <a:t>6/23/2025</a:t>
             </a:fld>
             <a:endParaRPr lang="en-US"/>
           </a:p>
@@ -5088,7 +5089,7 @@
         </p:blipFill>
         <p:spPr>
           <a:xfrm>
-            <a:off x="316987" y="1061880"/>
+            <a:off x="176212" y="945690"/>
             <a:ext cx="18288000" cy="9617432"/>
           </a:xfrm>
           <a:prstGeom prst="rect">
@@ -5122,6 +5123,514 @@
 </file>
 
 <file path=ppt/slides/slide12.xml><?xml version="1.0" encoding="utf-8"?>
+<p:sld xmlns:a="http://schemas.openxmlformats.org/drawingml/2006/main" xmlns:r="http://schemas.openxmlformats.org/officeDocument/2006/relationships" xmlns:p="http://schemas.openxmlformats.org/presentationml/2006/main">
+  <p:cSld>
+    <p:spTree>
+      <p:nvGrpSpPr>
+        <p:cNvPr id="1" name="">
+          <a:extLst>
+            <a:ext uri="{FF2B5EF4-FFF2-40B4-BE49-F238E27FC236}">
+              <a16:creationId xmlns:a16="http://schemas.microsoft.com/office/drawing/2014/main" id="{84DB2F37-00E7-EA31-D80A-205F6666B95B}"/>
+            </a:ext>
+          </a:extLst>
+        </p:cNvPr>
+        <p:cNvGrpSpPr/>
+        <p:nvPr/>
+      </p:nvGrpSpPr>
+      <p:grpSpPr>
+        <a:xfrm>
+          <a:off x="0" y="0"/>
+          <a:ext cx="0" cy="0"/>
+          <a:chOff x="0" y="0"/>
+          <a:chExt cx="0" cy="0"/>
+        </a:xfrm>
+      </p:grpSpPr>
+      <p:grpSp>
+        <p:nvGrpSpPr>
+          <p:cNvPr id="29" name="Group 28">
+            <a:extLst>
+              <a:ext uri="{FF2B5EF4-FFF2-40B4-BE49-F238E27FC236}">
+                <a16:creationId xmlns:a16="http://schemas.microsoft.com/office/drawing/2014/main" id="{61C2EFC8-236A-92CC-19D5-29179D559A14}"/>
+              </a:ext>
+            </a:extLst>
+          </p:cNvPr>
+          <p:cNvGrpSpPr/>
+          <p:nvPr/>
+        </p:nvGrpSpPr>
+        <p:grpSpPr>
+          <a:xfrm>
+            <a:off x="0" y="0"/>
+            <a:ext cx="18288000" cy="933483"/>
+            <a:chOff x="2294171" y="2309965"/>
+            <a:chExt cx="12717230" cy="1080935"/>
+          </a:xfrm>
+        </p:grpSpPr>
+        <p:grpSp>
+          <p:nvGrpSpPr>
+            <p:cNvPr id="26" name="Group 2">
+              <a:extLst>
+                <a:ext uri="{FF2B5EF4-FFF2-40B4-BE49-F238E27FC236}">
+                  <a16:creationId xmlns:a16="http://schemas.microsoft.com/office/drawing/2014/main" id="{B9F69B0C-9B19-4034-5776-8A8E13E510EF}"/>
+                </a:ext>
+              </a:extLst>
+            </p:cNvPr>
+            <p:cNvGrpSpPr/>
+            <p:nvPr/>
+          </p:nvGrpSpPr>
+          <p:grpSpPr>
+            <a:xfrm>
+              <a:off x="2294171" y="2309965"/>
+              <a:ext cx="12717230" cy="1080935"/>
+              <a:chOff x="0" y="-38100"/>
+              <a:chExt cx="1044090" cy="2913572"/>
+            </a:xfrm>
+            <a:solidFill>
+              <a:schemeClr val="accent5">
+                <a:lumMod val="20000"/>
+                <a:lumOff val="80000"/>
+              </a:schemeClr>
+            </a:solidFill>
+          </p:grpSpPr>
+          <p:sp>
+            <p:nvSpPr>
+              <p:cNvPr id="27" name="Freeform 3">
+                <a:extLst>
+                  <a:ext uri="{FF2B5EF4-FFF2-40B4-BE49-F238E27FC236}">
+                    <a16:creationId xmlns:a16="http://schemas.microsoft.com/office/drawing/2014/main" id="{FCD9687E-D2A8-F805-AEFF-F6F424A9683C}"/>
+                  </a:ext>
+                </a:extLst>
+              </p:cNvPr>
+              <p:cNvSpPr/>
+              <p:nvPr/>
+            </p:nvSpPr>
+            <p:spPr>
+              <a:xfrm>
+                <a:off x="0" y="0"/>
+                <a:ext cx="1044090" cy="2875472"/>
+              </a:xfrm>
+              <a:custGeom>
+                <a:avLst/>
+                <a:gdLst/>
+                <a:ahLst/>
+                <a:cxnLst/>
+                <a:rect l="l" t="t" r="r" b="b"/>
+                <a:pathLst>
+                  <a:path w="1044090" h="2875472">
+                    <a:moveTo>
+                      <a:pt x="0" y="0"/>
+                    </a:moveTo>
+                    <a:lnTo>
+                      <a:pt x="1044090" y="0"/>
+                    </a:lnTo>
+                    <a:lnTo>
+                      <a:pt x="1044090" y="2875472"/>
+                    </a:lnTo>
+                    <a:lnTo>
+                      <a:pt x="0" y="2875472"/>
+                    </a:lnTo>
+                    <a:close/>
+                  </a:path>
+                </a:pathLst>
+              </a:custGeom>
+              <a:grpFill/>
+              <a:ln cap="sq">
+                <a:solidFill>
+                  <a:schemeClr val="tx2">
+                    <a:lumMod val="40000"/>
+                    <a:lumOff val="60000"/>
+                  </a:schemeClr>
+                </a:solidFill>
+                <a:prstDash val="solid"/>
+                <a:miter/>
+              </a:ln>
+            </p:spPr>
+          </p:sp>
+          <p:sp>
+            <p:nvSpPr>
+              <p:cNvPr id="28" name="TextBox 4">
+                <a:extLst>
+                  <a:ext uri="{FF2B5EF4-FFF2-40B4-BE49-F238E27FC236}">
+                    <a16:creationId xmlns:a16="http://schemas.microsoft.com/office/drawing/2014/main" id="{FBB321F4-4073-5DB8-49D2-3680BBAE4BDF}"/>
+                  </a:ext>
+                </a:extLst>
+              </p:cNvPr>
+              <p:cNvSpPr txBox="1"/>
+              <p:nvPr/>
+            </p:nvSpPr>
+            <p:spPr>
+              <a:xfrm>
+                <a:off x="0" y="-38100"/>
+                <a:ext cx="1044090" cy="2913572"/>
+              </a:xfrm>
+              <a:prstGeom prst="rect">
+                <a:avLst/>
+              </a:prstGeom>
+              <a:grpFill/>
+              <a:ln>
+                <a:solidFill>
+                  <a:schemeClr val="tx2">
+                    <a:lumMod val="40000"/>
+                    <a:lumOff val="60000"/>
+                  </a:schemeClr>
+                </a:solidFill>
+              </a:ln>
+            </p:spPr>
+            <p:txBody>
+              <a:bodyPr lIns="50800" tIns="50800" rIns="50800" bIns="50800" rtlCol="0" anchor="ctr"/>
+              <a:lstStyle/>
+              <a:p>
+                <a:pPr marL="0" lvl="0" indent="0" algn="ctr">
+                  <a:lnSpc>
+                    <a:spcPts val="2659"/>
+                  </a:lnSpc>
+                  <a:spcBef>
+                    <a:spcPct val="0"/>
+                  </a:spcBef>
+                </a:pPr>
+                <a:endParaRPr>
+                  <a:latin typeface="Arial" panose="020B0604020202020204" pitchFamily="34" charset="0"/>
+                  <a:cs typeface="Arial" panose="020B0604020202020204" pitchFamily="34" charset="0"/>
+                </a:endParaRPr>
+              </a:p>
+            </p:txBody>
+          </p:sp>
+        </p:grpSp>
+        <p:grpSp>
+          <p:nvGrpSpPr>
+            <p:cNvPr id="4" name="Group 3">
+              <a:extLst>
+                <a:ext uri="{FF2B5EF4-FFF2-40B4-BE49-F238E27FC236}">
+                  <a16:creationId xmlns:a16="http://schemas.microsoft.com/office/drawing/2014/main" id="{A11E363B-1295-DBEF-B08A-C5ED7FA77155}"/>
+                </a:ext>
+              </a:extLst>
+            </p:cNvPr>
+            <p:cNvGrpSpPr/>
+            <p:nvPr/>
+          </p:nvGrpSpPr>
+          <p:grpSpPr>
+            <a:xfrm>
+              <a:off x="2514600" y="2472779"/>
+              <a:ext cx="8683425" cy="769441"/>
+              <a:chOff x="3534394" y="5526863"/>
+              <a:chExt cx="14138397" cy="769441"/>
+            </a:xfrm>
+          </p:grpSpPr>
+          <p:sp>
+            <p:nvSpPr>
+              <p:cNvPr id="5" name="Freeform 9">
+                <a:extLst>
+                  <a:ext uri="{FF2B5EF4-FFF2-40B4-BE49-F238E27FC236}">
+                    <a16:creationId xmlns:a16="http://schemas.microsoft.com/office/drawing/2014/main" id="{6587B5F1-4A49-8F6C-8AC9-5702F2EBFC71}"/>
+                  </a:ext>
+                </a:extLst>
+              </p:cNvPr>
+              <p:cNvSpPr/>
+              <p:nvPr/>
+            </p:nvSpPr>
+            <p:spPr>
+              <a:xfrm rot="5400000">
+                <a:off x="3505596" y="5684914"/>
+                <a:ext cx="510937" cy="453341"/>
+              </a:xfrm>
+              <a:custGeom>
+                <a:avLst/>
+                <a:gdLst/>
+                <a:ahLst/>
+                <a:cxnLst/>
+                <a:rect l="l" t="t" r="r" b="b"/>
+                <a:pathLst>
+                  <a:path w="510937" h="453341">
+                    <a:moveTo>
+                      <a:pt x="0" y="0"/>
+                    </a:moveTo>
+                    <a:lnTo>
+                      <a:pt x="510937" y="0"/>
+                    </a:lnTo>
+                    <a:lnTo>
+                      <a:pt x="510937" y="453341"/>
+                    </a:lnTo>
+                    <a:lnTo>
+                      <a:pt x="0" y="453341"/>
+                    </a:lnTo>
+                    <a:lnTo>
+                      <a:pt x="0" y="0"/>
+                    </a:lnTo>
+                    <a:close/>
+                  </a:path>
+                </a:pathLst>
+              </a:custGeom>
+              <a:blipFill>
+                <a:blip r:embed="rId2">
+                  <a:extLst>
+                    <a:ext uri="{96DAC541-7B7A-43D3-8B79-37D633B846F1}">
+                      <asvg:svgBlip xmlns:asvg="http://schemas.microsoft.com/office/drawing/2016/SVG/main" r:embed="rId3"/>
+                    </a:ext>
+                  </a:extLst>
+                </a:blip>
+                <a:stretch>
+                  <a:fillRect/>
+                </a:stretch>
+              </a:blipFill>
+            </p:spPr>
+            <p:txBody>
+              <a:bodyPr/>
+              <a:lstStyle/>
+              <a:p>
+                <a:endParaRPr lang="en-US" dirty="0"/>
+              </a:p>
+            </p:txBody>
+          </p:sp>
+          <p:sp>
+            <p:nvSpPr>
+              <p:cNvPr id="10" name="TextBox 11">
+                <a:extLst>
+                  <a:ext uri="{FF2B5EF4-FFF2-40B4-BE49-F238E27FC236}">
+                    <a16:creationId xmlns:a16="http://schemas.microsoft.com/office/drawing/2014/main" id="{9177B97E-B7A5-3D43-3FCF-A60D4C2FBD7D}"/>
+                  </a:ext>
+                </a:extLst>
+              </p:cNvPr>
+              <p:cNvSpPr txBox="1"/>
+              <p:nvPr/>
+            </p:nvSpPr>
+            <p:spPr>
+              <a:xfrm>
+                <a:off x="4143993" y="5526863"/>
+                <a:ext cx="13528798" cy="769441"/>
+              </a:xfrm>
+              <a:prstGeom prst="rect">
+                <a:avLst/>
+              </a:prstGeom>
+            </p:spPr>
+            <p:txBody>
+              <a:bodyPr wrap="square" lIns="0" tIns="0" rIns="0" bIns="0" rtlCol="0" anchor="t">
+                <a:spAutoFit/>
+              </a:bodyPr>
+              <a:lstStyle/>
+              <a:p>
+                <a:pPr>
+                  <a:spcBef>
+                    <a:spcPct val="0"/>
+                  </a:spcBef>
+                </a:pPr>
+                <a:r>
+                  <a:rPr lang="en-US" sz="5000" b="1" spc="-57" dirty="0">
+                    <a:solidFill>
+                      <a:schemeClr val="accent1">
+                        <a:lumMod val="75000"/>
+                      </a:schemeClr>
+                    </a:solidFill>
+                    <a:latin typeface="Arial" panose="020B0604020202020204" pitchFamily="34" charset="0"/>
+                    <a:ea typeface="Poppins"/>
+                    <a:cs typeface="Arial" panose="020B0604020202020204" pitchFamily="34" charset="0"/>
+                    <a:sym typeface="Poppins"/>
+                  </a:rPr>
+                  <a:t>PHÂN TÍCH VÀ THIẾT KẾ HỆ THỐNG</a:t>
+                </a:r>
+              </a:p>
+            </p:txBody>
+          </p:sp>
+        </p:grpSp>
+      </p:grpSp>
+      <p:sp>
+        <p:nvSpPr>
+          <p:cNvPr id="2" name="TextBox 1">
+            <a:extLst>
+              <a:ext uri="{FF2B5EF4-FFF2-40B4-BE49-F238E27FC236}">
+                <a16:creationId xmlns:a16="http://schemas.microsoft.com/office/drawing/2014/main" id="{166B2BBE-8698-EA75-0D25-D343496CE70A}"/>
+              </a:ext>
+            </a:extLst>
+          </p:cNvPr>
+          <p:cNvSpPr txBox="1"/>
+          <p:nvPr/>
+        </p:nvSpPr>
+        <p:spPr>
+          <a:xfrm>
+            <a:off x="176212" y="1273005"/>
+            <a:ext cx="5777607" cy="707886"/>
+          </a:xfrm>
+          <a:prstGeom prst="rect">
+            <a:avLst/>
+          </a:prstGeom>
+          <a:noFill/>
+        </p:spPr>
+        <p:txBody>
+          <a:bodyPr wrap="none" rtlCol="0">
+            <a:spAutoFit/>
+          </a:bodyPr>
+          <a:lstStyle/>
+          <a:p>
+            <a:r>
+              <a:rPr lang="en-US" sz="4000" b="1" dirty="0">
+                <a:solidFill>
+                  <a:schemeClr val="accent1">
+                    <a:lumMod val="75000"/>
+                  </a:schemeClr>
+                </a:solidFill>
+              </a:rPr>
+              <a:t>Quy </a:t>
+            </a:r>
+            <a:r>
+              <a:rPr lang="en-US" sz="4000" b="1" dirty="0" err="1">
+                <a:solidFill>
+                  <a:schemeClr val="accent1">
+                    <a:lumMod val="75000"/>
+                  </a:schemeClr>
+                </a:solidFill>
+              </a:rPr>
+              <a:t>trình</a:t>
+            </a:r>
+            <a:r>
+              <a:rPr lang="en-US" sz="4000" b="1" dirty="0">
+                <a:solidFill>
+                  <a:schemeClr val="accent1">
+                    <a:lumMod val="75000"/>
+                  </a:schemeClr>
+                </a:solidFill>
+              </a:rPr>
+              <a:t> </a:t>
+            </a:r>
+            <a:r>
+              <a:rPr lang="en-US" sz="4000" b="1" dirty="0" err="1">
+                <a:solidFill>
+                  <a:schemeClr val="accent1">
+                    <a:lumMod val="75000"/>
+                  </a:schemeClr>
+                </a:solidFill>
+              </a:rPr>
+              <a:t>đặt</a:t>
+            </a:r>
+            <a:r>
+              <a:rPr lang="en-US" sz="4000" b="1" dirty="0">
+                <a:solidFill>
+                  <a:schemeClr val="accent1">
+                    <a:lumMod val="75000"/>
+                  </a:schemeClr>
+                </a:solidFill>
+              </a:rPr>
+              <a:t> </a:t>
+            </a:r>
+            <a:r>
+              <a:rPr lang="en-US" sz="4000" b="1" dirty="0" err="1">
+                <a:solidFill>
+                  <a:schemeClr val="accent1">
+                    <a:lumMod val="75000"/>
+                  </a:schemeClr>
+                </a:solidFill>
+              </a:rPr>
+              <a:t>hàng</a:t>
+            </a:r>
+            <a:r>
+              <a:rPr lang="en-US" sz="4000" b="1" dirty="0">
+                <a:solidFill>
+                  <a:schemeClr val="accent1">
+                    <a:lumMod val="75000"/>
+                  </a:schemeClr>
+                </a:solidFill>
+              </a:rPr>
+              <a:t> online </a:t>
+            </a:r>
+          </a:p>
+        </p:txBody>
+      </p:sp>
+      <p:pic>
+        <p:nvPicPr>
+          <p:cNvPr id="3" name="Graphic 2">
+            <a:extLst>
+              <a:ext uri="{FF2B5EF4-FFF2-40B4-BE49-F238E27FC236}">
+                <a16:creationId xmlns:a16="http://schemas.microsoft.com/office/drawing/2014/main" id="{C364179E-E377-BB27-7F45-53F151196BF6}"/>
+              </a:ext>
+            </a:extLst>
+          </p:cNvPr>
+          <p:cNvPicPr>
+            <a:picLocks noChangeAspect="1"/>
+          </p:cNvPicPr>
+          <p:nvPr/>
+        </p:nvPicPr>
+        <p:blipFill>
+          <a:blip r:embed="rId4">
+            <a:extLst>
+              <a:ext uri="{96DAC541-7B7A-43D3-8B79-37D633B846F1}">
+                <asvg:svgBlip xmlns:asvg="http://schemas.microsoft.com/office/drawing/2016/SVG/main" r:embed="rId5"/>
+              </a:ext>
+            </a:extLst>
+          </a:blip>
+          <a:stretch>
+            <a:fillRect/>
+          </a:stretch>
+        </p:blipFill>
+        <p:spPr>
+          <a:xfrm>
+            <a:off x="12383325" y="35994"/>
+            <a:ext cx="5867400" cy="1008944"/>
+          </a:xfrm>
+          <a:prstGeom prst="rect">
+            <a:avLst/>
+          </a:prstGeom>
+        </p:spPr>
+      </p:pic>
+      <p:pic>
+        <p:nvPicPr>
+          <p:cNvPr id="11" name="Picture 10">
+            <a:extLst>
+              <a:ext uri="{FF2B5EF4-FFF2-40B4-BE49-F238E27FC236}">
+                <a16:creationId xmlns:a16="http://schemas.microsoft.com/office/drawing/2014/main" id="{E441A467-3C8E-C8A9-1C90-C708218AE9C8}"/>
+              </a:ext>
+            </a:extLst>
+          </p:cNvPr>
+          <p:cNvPicPr>
+            <a:picLocks noChangeAspect="1"/>
+          </p:cNvPicPr>
+          <p:nvPr/>
+        </p:nvPicPr>
+        <p:blipFill>
+          <a:blip r:embed="rId6">
+            <a:extLst>
+              <a:ext uri="{28A0092B-C50C-407E-A947-70E740481C1C}">
+                <a14:useLocalDpi xmlns:a14="http://schemas.microsoft.com/office/drawing/2010/main" val="0"/>
+              </a:ext>
+            </a:extLst>
+          </a:blip>
+          <a:srcRect t="17733"/>
+          <a:stretch>
+            <a:fillRect/>
+          </a:stretch>
+        </p:blipFill>
+        <p:spPr>
+          <a:xfrm>
+            <a:off x="297180" y="2320413"/>
+            <a:ext cx="17693640" cy="8462775"/>
+          </a:xfrm>
+          <a:prstGeom prst="rect">
+            <a:avLst/>
+          </a:prstGeom>
+        </p:spPr>
+      </p:pic>
+    </p:spTree>
+    <p:extLst>
+      <p:ext uri="{BB962C8B-B14F-4D97-AF65-F5344CB8AC3E}">
+        <p14:creationId xmlns:p14="http://schemas.microsoft.com/office/powerpoint/2010/main" val="541797090"/>
+      </p:ext>
+    </p:extLst>
+  </p:cSld>
+  <p:clrMapOvr>
+    <a:masterClrMapping/>
+  </p:clrMapOvr>
+  <mc:AlternateContent xmlns:mc="http://schemas.openxmlformats.org/markup-compatibility/2006" xmlns:p159="http://schemas.microsoft.com/office/powerpoint/2015/09/main">
+    <mc:Choice Requires="p159">
+      <p:transition xmlns:p14="http://schemas.microsoft.com/office/powerpoint/2010/main" spd="slow" p14:dur="2000">
+        <p159:morph option="byObject"/>
+      </p:transition>
+    </mc:Choice>
+    <mc:Fallback xmlns="">
+      <p:transition spd="slow">
+        <p:fade/>
+      </p:transition>
+    </mc:Fallback>
+  </mc:AlternateContent>
+</p:sld>
+</file>
+
+<file path=ppt/slides/slide13.xml><?xml version="1.0" encoding="utf-8"?>
 <p:sld xmlns:a="http://schemas.openxmlformats.org/drawingml/2006/main" xmlns:r="http://schemas.openxmlformats.org/officeDocument/2006/relationships" xmlns:p="http://schemas.openxmlformats.org/presentationml/2006/main">
   <p:cSld>
     <p:spTree>
@@ -5738,7 +6247,7 @@
 </p:sld>
 </file>
 
-<file path=ppt/slides/slide13.xml><?xml version="1.0" encoding="utf-8"?>
+<file path=ppt/slides/slide14.xml><?xml version="1.0" encoding="utf-8"?>
 <p:sld xmlns:a="http://schemas.openxmlformats.org/drawingml/2006/main" xmlns:r="http://schemas.openxmlformats.org/officeDocument/2006/relationships" xmlns:p="http://schemas.openxmlformats.org/presentationml/2006/main">
   <p:cSld>
     <p:spTree>
@@ -6483,7 +6992,7 @@
         </p:nvSpPr>
         <p:spPr>
           <a:xfrm>
-            <a:off x="5188496" y="856713"/>
+            <a:off x="5181600" y="1242904"/>
             <a:ext cx="5708104" cy="1194686"/>
           </a:xfrm>
           <a:prstGeom prst="rect">
@@ -6642,7 +7151,7 @@
         </p:nvGrpSpPr>
         <p:grpSpPr>
           <a:xfrm>
-            <a:off x="1391178" y="2552700"/>
+            <a:off x="2286000" y="3238500"/>
             <a:ext cx="9677400" cy="769441"/>
             <a:chOff x="3534394" y="5526863"/>
             <a:chExt cx="9677400" cy="769441"/>
@@ -6829,18 +7338,15 @@
                 </a:rPr>
                 <a:t>tài</a:t>
               </a:r>
-              <a:r>
-                <a:rPr lang="en-US" sz="5000" spc="-57" dirty="0">
-                  <a:solidFill>
-                    <a:srgbClr val="051D40"/>
-                  </a:solidFill>
-                  <a:latin typeface="Arial" panose="020B0604020202020204" pitchFamily="34" charset="0"/>
-                  <a:ea typeface="Poppins"/>
-                  <a:cs typeface="Arial" panose="020B0604020202020204" pitchFamily="34" charset="0"/>
-                  <a:sym typeface="Poppins"/>
-                </a:rPr>
-                <a:t>.</a:t>
-              </a:r>
+              <a:endParaRPr lang="en-US" sz="5000" spc="-57" dirty="0">
+                <a:solidFill>
+                  <a:srgbClr val="051D40"/>
+                </a:solidFill>
+                <a:latin typeface="Arial" panose="020B0604020202020204" pitchFamily="34" charset="0"/>
+                <a:ea typeface="Poppins"/>
+                <a:cs typeface="Arial" panose="020B0604020202020204" pitchFamily="34" charset="0"/>
+                <a:sym typeface="Poppins"/>
+              </a:endParaRPr>
             </a:p>
           </p:txBody>
         </p:sp>
@@ -6895,7 +7401,7 @@
         </p:nvGrpSpPr>
         <p:grpSpPr>
           <a:xfrm>
-            <a:off x="1391178" y="4905850"/>
+            <a:off x="2286000" y="5591650"/>
             <a:ext cx="9677400" cy="769441"/>
             <a:chOff x="3534394" y="5526863"/>
             <a:chExt cx="9677400" cy="769441"/>
@@ -7121,7 +7627,7 @@
         </p:nvGrpSpPr>
         <p:grpSpPr>
           <a:xfrm>
-            <a:off x="1391178" y="3729275"/>
+            <a:off x="2286000" y="4415075"/>
             <a:ext cx="9677400" cy="769441"/>
             <a:chOff x="3534394" y="5526863"/>
             <a:chExt cx="9677400" cy="769441"/>
@@ -7323,7 +7829,7 @@
         </p:nvGrpSpPr>
         <p:grpSpPr>
           <a:xfrm>
-            <a:off x="1391178" y="6082426"/>
+            <a:off x="2286000" y="6768226"/>
             <a:ext cx="9677400" cy="769441"/>
             <a:chOff x="3534394" y="5526863"/>
             <a:chExt cx="9677400" cy="769441"/>
@@ -8530,10 +9036,10 @@
       </p:grpSp>
       <p:pic>
         <p:nvPicPr>
-          <p:cNvPr id="21" name="Graphic 20">
+          <p:cNvPr id="3" name="Graphic 2">
             <a:extLst>
               <a:ext uri="{FF2B5EF4-FFF2-40B4-BE49-F238E27FC236}">
-                <a16:creationId xmlns:a16="http://schemas.microsoft.com/office/drawing/2014/main" id="{7B183993-5C06-183C-39C8-0352E8CA1D5C}"/>
+                <a16:creationId xmlns:a16="http://schemas.microsoft.com/office/drawing/2014/main" id="{86D8DFA5-4D76-00B1-43AA-1F598EE4E93B}"/>
               </a:ext>
             </a:extLst>
           </p:cNvPr>
@@ -8547,42 +9053,6 @@
             <a:extLst>
               <a:ext uri="{96DAC541-7B7A-43D3-8B79-37D633B846F1}">
                 <asvg:svgBlip xmlns:asvg="http://schemas.microsoft.com/office/drawing/2016/SVG/main" r:embed="rId5"/>
-              </a:ext>
-            </a:extLst>
-          </a:blip>
-          <a:stretch>
-            <a:fillRect/>
-          </a:stretch>
-        </p:blipFill>
-        <p:spPr>
-          <a:xfrm>
-            <a:off x="3521883" y="803004"/>
-            <a:ext cx="10684585" cy="9735228"/>
-          </a:xfrm>
-          <a:prstGeom prst="rect">
-            <a:avLst/>
-          </a:prstGeom>
-        </p:spPr>
-      </p:pic>
-      <p:pic>
-        <p:nvPicPr>
-          <p:cNvPr id="3" name="Graphic 2">
-            <a:extLst>
-              <a:ext uri="{FF2B5EF4-FFF2-40B4-BE49-F238E27FC236}">
-                <a16:creationId xmlns:a16="http://schemas.microsoft.com/office/drawing/2014/main" id="{86D8DFA5-4D76-00B1-43AA-1F598EE4E93B}"/>
-              </a:ext>
-            </a:extLst>
-          </p:cNvPr>
-          <p:cNvPicPr>
-            <a:picLocks noChangeAspect="1"/>
-          </p:cNvPicPr>
-          <p:nvPr/>
-        </p:nvPicPr>
-        <p:blipFill>
-          <a:blip r:embed="rId6">
-            <a:extLst>
-              <a:ext uri="{96DAC541-7B7A-43D3-8B79-37D633B846F1}">
-                <asvg:svgBlip xmlns:asvg="http://schemas.microsoft.com/office/drawing/2016/SVG/main" r:embed="rId7"/>
               </a:ext>
             </a:extLst>
           </a:blip>
@@ -9074,6 +9544,42 @@
           </p:txBody>
         </p:sp>
       </p:grpSp>
+      <p:pic>
+        <p:nvPicPr>
+          <p:cNvPr id="14" name="Picture 13">
+            <a:extLst>
+              <a:ext uri="{FF2B5EF4-FFF2-40B4-BE49-F238E27FC236}">
+                <a16:creationId xmlns:a16="http://schemas.microsoft.com/office/drawing/2014/main" id="{C8F58AF0-14B5-09A9-7FBF-3B1678936645}"/>
+              </a:ext>
+            </a:extLst>
+          </p:cNvPr>
+          <p:cNvPicPr>
+            <a:picLocks noChangeAspect="1"/>
+          </p:cNvPicPr>
+          <p:nvPr/>
+        </p:nvPicPr>
+        <p:blipFill>
+          <a:blip r:embed="rId6">
+            <a:extLst>
+              <a:ext uri="{28A0092B-C50C-407E-A947-70E740481C1C}">
+                <a14:useLocalDpi xmlns:a14="http://schemas.microsoft.com/office/drawing/2010/main" val="0"/>
+              </a:ext>
+            </a:extLst>
+          </a:blip>
+          <a:stretch>
+            <a:fillRect/>
+          </a:stretch>
+        </p:blipFill>
+        <p:spPr>
+          <a:xfrm>
+            <a:off x="1765726" y="853025"/>
+            <a:ext cx="15316200" cy="10058400"/>
+          </a:xfrm>
+          <a:prstGeom prst="rect">
+            <a:avLst/>
+          </a:prstGeom>
+        </p:spPr>
+      </p:pic>
     </p:spTree>
     <p:extLst>
       <p:ext uri="{BB962C8B-B14F-4D97-AF65-F5344CB8AC3E}">
@@ -9655,37 +10161,6 @@
       </p:grpSp>
       <p:pic>
         <p:nvPicPr>
-          <p:cNvPr id="20" name="Picture 19">
-            <a:extLst>
-              <a:ext uri="{FF2B5EF4-FFF2-40B4-BE49-F238E27FC236}">
-                <a16:creationId xmlns:a16="http://schemas.microsoft.com/office/drawing/2014/main" id="{E6A769B7-5ED3-8810-2276-5F05B159B513}"/>
-              </a:ext>
-            </a:extLst>
-          </p:cNvPr>
-          <p:cNvPicPr>
-            <a:picLocks noChangeAspect="1"/>
-          </p:cNvPicPr>
-          <p:nvPr/>
-        </p:nvPicPr>
-        <p:blipFill>
-          <a:blip r:embed="rId4"/>
-          <a:srcRect r="1021"/>
-          <a:stretch>
-            <a:fillRect/>
-          </a:stretch>
-        </p:blipFill>
-        <p:spPr>
-          <a:xfrm>
-            <a:off x="3733800" y="1410408"/>
-            <a:ext cx="11241182" cy="7542935"/>
-          </a:xfrm>
-          <a:prstGeom prst="rect">
-            <a:avLst/>
-          </a:prstGeom>
-        </p:spPr>
-      </p:pic>
-      <p:pic>
-        <p:nvPicPr>
           <p:cNvPr id="2" name="Graphic 1">
             <a:extLst>
               <a:ext uri="{FF2B5EF4-FFF2-40B4-BE49-F238E27FC236}">
@@ -9699,10 +10174,10 @@
           <p:nvPr/>
         </p:nvPicPr>
         <p:blipFill>
-          <a:blip r:embed="rId5">
+          <a:blip r:embed="rId4">
             <a:extLst>
               <a:ext uri="{96DAC541-7B7A-43D3-8B79-37D633B846F1}">
-                <asvg:svgBlip xmlns:asvg="http://schemas.microsoft.com/office/drawing/2016/SVG/main" r:embed="rId6"/>
+                <asvg:svgBlip xmlns:asvg="http://schemas.microsoft.com/office/drawing/2016/SVG/main" r:embed="rId5"/>
               </a:ext>
             </a:extLst>
           </a:blip>
@@ -9720,6 +10195,94 @@
           </a:prstGeom>
         </p:spPr>
       </p:pic>
+      <p:pic>
+        <p:nvPicPr>
+          <p:cNvPr id="6" name="Picture 5">
+            <a:extLst>
+              <a:ext uri="{FF2B5EF4-FFF2-40B4-BE49-F238E27FC236}">
+                <a16:creationId xmlns:a16="http://schemas.microsoft.com/office/drawing/2014/main" id="{05A80578-7B74-8A76-4E15-F014B7F1B1E5}"/>
+              </a:ext>
+            </a:extLst>
+          </p:cNvPr>
+          <p:cNvPicPr>
+            <a:picLocks noChangeAspect="1"/>
+          </p:cNvPicPr>
+          <p:nvPr/>
+        </p:nvPicPr>
+        <p:blipFill>
+          <a:blip r:embed="rId6">
+            <a:extLst>
+              <a:ext uri="{28A0092B-C50C-407E-A947-70E740481C1C}">
+                <a14:useLocalDpi xmlns:a14="http://schemas.microsoft.com/office/drawing/2010/main" val="0"/>
+              </a:ext>
+            </a:extLst>
+          </a:blip>
+          <a:stretch>
+            <a:fillRect/>
+          </a:stretch>
+        </p:blipFill>
+        <p:spPr>
+          <a:xfrm>
+            <a:off x="0" y="627944"/>
+            <a:ext cx="18288000" cy="9031111"/>
+          </a:xfrm>
+          <a:prstGeom prst="rect">
+            <a:avLst/>
+          </a:prstGeom>
+        </p:spPr>
+      </p:pic>
+      <p:sp>
+        <p:nvSpPr>
+          <p:cNvPr id="7" name="Rectangle: Rounded Corners 6">
+            <a:extLst>
+              <a:ext uri="{FF2B5EF4-FFF2-40B4-BE49-F238E27FC236}">
+                <a16:creationId xmlns:a16="http://schemas.microsoft.com/office/drawing/2014/main" id="{501B5F97-5FE7-F6EF-1196-DC7D860C8937}"/>
+              </a:ext>
+            </a:extLst>
+          </p:cNvPr>
+          <p:cNvSpPr/>
+          <p:nvPr/>
+        </p:nvSpPr>
+        <p:spPr>
+          <a:xfrm>
+            <a:off x="15544800" y="8191500"/>
+            <a:ext cx="2438400" cy="1331374"/>
+          </a:xfrm>
+          <a:prstGeom prst="roundRect">
+            <a:avLst/>
+          </a:prstGeom>
+          <a:solidFill>
+            <a:schemeClr val="bg1"/>
+          </a:solidFill>
+          <a:ln>
+            <a:noFill/>
+          </a:ln>
+        </p:spPr>
+        <p:style>
+          <a:lnRef idx="2">
+            <a:schemeClr val="accent1">
+              <a:shade val="15000"/>
+            </a:schemeClr>
+          </a:lnRef>
+          <a:fillRef idx="1">
+            <a:schemeClr val="accent1"/>
+          </a:fillRef>
+          <a:effectRef idx="0">
+            <a:schemeClr val="accent1"/>
+          </a:effectRef>
+          <a:fontRef idx="minor">
+            <a:schemeClr val="lt1"/>
+          </a:fontRef>
+        </p:style>
+        <p:txBody>
+          <a:bodyPr rtlCol="0" anchor="ctr"/>
+          <a:lstStyle/>
+          <a:p>
+            <a:pPr algn="ctr"/>
+            <a:endParaRPr lang="en-US"/>
+          </a:p>
+        </p:txBody>
+      </p:sp>
     </p:spTree>
     <p:extLst>
       <p:ext uri="{BB962C8B-B14F-4D97-AF65-F5344CB8AC3E}">
